--- a/Apresentação.pptx
+++ b/Apresentação.pptx
@@ -146,8 +146,400 @@
 <p1510:revInfo xmlns:a="http://schemas.openxmlformats.org/drawingml/2006/main" xmlns:r="http://schemas.openxmlformats.org/officeDocument/2006/relationships" xmlns:p1510="http://schemas.microsoft.com/office/powerpoint/2015/10/main">
   <p1510:revLst>
     <p1510:client id="{3AE669AA-28D1-2B46-9F64-C4D3F0F1D2E5}" v="126" dt="2021-06-29T01:40:48.930"/>
+    <p1510:client id="{91630B59-078F-45E7-BDC6-18BD8A2B9F09}" v="24" dt="2021-06-29T19:46:46.743"/>
   </p1510:revLst>
 </p1510:revInfo>
+</file>
+
+<file path=ppt/changesInfos/changesInfo1.xml><?xml version="1.0" encoding="utf-8"?>
+<pc:chgInfo xmlns:a="http://schemas.openxmlformats.org/drawingml/2006/main" xmlns:r="http://schemas.openxmlformats.org/officeDocument/2006/relationships" xmlns:ac="http://schemas.microsoft.com/office/drawing/2013/main/command" xmlns:pc="http://schemas.microsoft.com/office/powerpoint/2013/main/command">
+  <pc:docChgLst>
+    <pc:chgData name="Gustavo Lazarotto Schroeder" userId="9fac2260-2786-4836-be82-4f023857ab3a" providerId="ADAL" clId="{91630B59-078F-45E7-BDC6-18BD8A2B9F09}"/>
+    <pc:docChg chg="undo custSel modSld">
+      <pc:chgData name="Gustavo Lazarotto Schroeder" userId="9fac2260-2786-4836-be82-4f023857ab3a" providerId="ADAL" clId="{91630B59-078F-45E7-BDC6-18BD8A2B9F09}" dt="2021-06-29T19:46:46.743" v="106"/>
+      <pc:docMkLst>
+        <pc:docMk/>
+      </pc:docMkLst>
+      <pc:sldChg chg="modTransition">
+        <pc:chgData name="Gustavo Lazarotto Schroeder" userId="9fac2260-2786-4836-be82-4f023857ab3a" providerId="ADAL" clId="{91630B59-078F-45E7-BDC6-18BD8A2B9F09}" dt="2021-06-29T19:46:28.807" v="105"/>
+        <pc:sldMkLst>
+          <pc:docMk/>
+          <pc:sldMk cId="2880174055" sldId="286"/>
+        </pc:sldMkLst>
+      </pc:sldChg>
+      <pc:sldChg chg="addSp delSp modSp mod">
+        <pc:chgData name="Gustavo Lazarotto Schroeder" userId="9fac2260-2786-4836-be82-4f023857ab3a" providerId="ADAL" clId="{91630B59-078F-45E7-BDC6-18BD8A2B9F09}" dt="2021-06-29T19:16:04.253" v="104" actId="1076"/>
+        <pc:sldMkLst>
+          <pc:docMk/>
+          <pc:sldMk cId="950630439" sldId="289"/>
+        </pc:sldMkLst>
+        <pc:spChg chg="del mod">
+          <ac:chgData name="Gustavo Lazarotto Schroeder" userId="9fac2260-2786-4836-be82-4f023857ab3a" providerId="ADAL" clId="{91630B59-078F-45E7-BDC6-18BD8A2B9F09}" dt="2021-06-29T19:12:05.274" v="53" actId="478"/>
+          <ac:spMkLst>
+            <pc:docMk/>
+            <pc:sldMk cId="950630439" sldId="289"/>
+            <ac:spMk id="3" creationId="{CBE52EC6-5655-AC41-BFC6-219A701838F1}"/>
+          </ac:spMkLst>
+        </pc:spChg>
+        <pc:spChg chg="add del mod">
+          <ac:chgData name="Gustavo Lazarotto Schroeder" userId="9fac2260-2786-4836-be82-4f023857ab3a" providerId="ADAL" clId="{91630B59-078F-45E7-BDC6-18BD8A2B9F09}" dt="2021-06-29T19:12:06.878" v="55" actId="478"/>
+          <ac:spMkLst>
+            <pc:docMk/>
+            <pc:sldMk cId="950630439" sldId="289"/>
+            <ac:spMk id="5" creationId="{DF111295-A979-456E-A0B3-ED3C4189034D}"/>
+          </ac:spMkLst>
+        </pc:spChg>
+        <pc:spChg chg="add del mod">
+          <ac:chgData name="Gustavo Lazarotto Schroeder" userId="9fac2260-2786-4836-be82-4f023857ab3a" providerId="ADAL" clId="{91630B59-078F-45E7-BDC6-18BD8A2B9F09}" dt="2021-06-29T19:13:54.717" v="87" actId="478"/>
+          <ac:spMkLst>
+            <pc:docMk/>
+            <pc:sldMk cId="950630439" sldId="289"/>
+            <ac:spMk id="6" creationId="{234834FC-7E46-4117-BAFE-41C96237B8B7}"/>
+          </ac:spMkLst>
+        </pc:spChg>
+        <pc:picChg chg="add mod modCrop">
+          <ac:chgData name="Gustavo Lazarotto Schroeder" userId="9fac2260-2786-4836-be82-4f023857ab3a" providerId="ADAL" clId="{91630B59-078F-45E7-BDC6-18BD8A2B9F09}" dt="2021-06-29T19:16:04.253" v="104" actId="1076"/>
+          <ac:picMkLst>
+            <pc:docMk/>
+            <pc:sldMk cId="950630439" sldId="289"/>
+            <ac:picMk id="7" creationId="{3EF9CF5C-973E-4CBC-B5AE-143C2DBA04ED}"/>
+          </ac:picMkLst>
+        </pc:picChg>
+        <pc:picChg chg="add mod modCrop">
+          <ac:chgData name="Gustavo Lazarotto Schroeder" userId="9fac2260-2786-4836-be82-4f023857ab3a" providerId="ADAL" clId="{91630B59-078F-45E7-BDC6-18BD8A2B9F09}" dt="2021-06-29T19:16:03.071" v="103" actId="1076"/>
+          <ac:picMkLst>
+            <pc:docMk/>
+            <pc:sldMk cId="950630439" sldId="289"/>
+            <ac:picMk id="8" creationId="{8645A8B0-AC6F-4463-BA8A-66482FD96A85}"/>
+          </ac:picMkLst>
+        </pc:picChg>
+      </pc:sldChg>
+      <pc:sldChg chg="modTransition">
+        <pc:chgData name="Gustavo Lazarotto Schroeder" userId="9fac2260-2786-4836-be82-4f023857ab3a" providerId="ADAL" clId="{91630B59-078F-45E7-BDC6-18BD8A2B9F09}" dt="2021-06-29T19:46:46.743" v="106"/>
+        <pc:sldMkLst>
+          <pc:docMk/>
+          <pc:sldMk cId="2873162771" sldId="291"/>
+        </pc:sldMkLst>
+      </pc:sldChg>
+      <pc:sldChg chg="addSp delSp modSp mod">
+        <pc:chgData name="Gustavo Lazarotto Schroeder" userId="9fac2260-2786-4836-be82-4f023857ab3a" providerId="ADAL" clId="{91630B59-078F-45E7-BDC6-18BD8A2B9F09}" dt="2021-06-29T18:11:24.536" v="16" actId="27614"/>
+        <pc:sldMkLst>
+          <pc:docMk/>
+          <pc:sldMk cId="1558528727" sldId="292"/>
+        </pc:sldMkLst>
+        <pc:spChg chg="del">
+          <ac:chgData name="Gustavo Lazarotto Schroeder" userId="9fac2260-2786-4836-be82-4f023857ab3a" providerId="ADAL" clId="{91630B59-078F-45E7-BDC6-18BD8A2B9F09}" dt="2021-06-29T18:11:21.612" v="14" actId="26606"/>
+          <ac:spMkLst>
+            <pc:docMk/>
+            <pc:sldMk cId="1558528727" sldId="292"/>
+            <ac:spMk id="58" creationId="{8D06CE56-3881-4ADA-8CEF-D18B02C242A3}"/>
+          </ac:spMkLst>
+        </pc:spChg>
+        <pc:spChg chg="del">
+          <ac:chgData name="Gustavo Lazarotto Schroeder" userId="9fac2260-2786-4836-be82-4f023857ab3a" providerId="ADAL" clId="{91630B59-078F-45E7-BDC6-18BD8A2B9F09}" dt="2021-06-29T18:11:21.612" v="14" actId="26606"/>
+          <ac:spMkLst>
+            <pc:docMk/>
+            <pc:sldMk cId="1558528727" sldId="292"/>
+            <ac:spMk id="59" creationId="{79F3C543-62EC-4433-9C93-A2CD8764E9B4}"/>
+          </ac:spMkLst>
+        </pc:spChg>
+        <pc:spChg chg="del">
+          <ac:chgData name="Gustavo Lazarotto Schroeder" userId="9fac2260-2786-4836-be82-4f023857ab3a" providerId="ADAL" clId="{91630B59-078F-45E7-BDC6-18BD8A2B9F09}" dt="2021-06-29T18:11:21.612" v="14" actId="26606"/>
+          <ac:spMkLst>
+            <pc:docMk/>
+            <pc:sldMk cId="1558528727" sldId="292"/>
+            <ac:spMk id="60" creationId="{96646FC9-C66D-4EC7-8310-0DD4ACC49C6C}"/>
+          </ac:spMkLst>
+        </pc:spChg>
+        <pc:spChg chg="del">
+          <ac:chgData name="Gustavo Lazarotto Schroeder" userId="9fac2260-2786-4836-be82-4f023857ab3a" providerId="ADAL" clId="{91630B59-078F-45E7-BDC6-18BD8A2B9F09}" dt="2021-06-29T18:11:21.612" v="14" actId="26606"/>
+          <ac:spMkLst>
+            <pc:docMk/>
+            <pc:sldMk cId="1558528727" sldId="292"/>
+            <ac:spMk id="61" creationId="{A3473CF9-37EB-43E7-89EF-D2D1C53D1DAC}"/>
+          </ac:spMkLst>
+        </pc:spChg>
+        <pc:spChg chg="del">
+          <ac:chgData name="Gustavo Lazarotto Schroeder" userId="9fac2260-2786-4836-be82-4f023857ab3a" providerId="ADAL" clId="{91630B59-078F-45E7-BDC6-18BD8A2B9F09}" dt="2021-06-29T18:11:21.612" v="14" actId="26606"/>
+          <ac:spMkLst>
+            <pc:docMk/>
+            <pc:sldMk cId="1558528727" sldId="292"/>
+            <ac:spMk id="62" creationId="{586B4EF9-43BA-4655-A6FF-1D8E21574C95}"/>
+          </ac:spMkLst>
+        </pc:spChg>
+        <pc:spChg chg="add">
+          <ac:chgData name="Gustavo Lazarotto Schroeder" userId="9fac2260-2786-4836-be82-4f023857ab3a" providerId="ADAL" clId="{91630B59-078F-45E7-BDC6-18BD8A2B9F09}" dt="2021-06-29T18:11:21.612" v="14" actId="26606"/>
+          <ac:spMkLst>
+            <pc:docMk/>
+            <pc:sldMk cId="1558528727" sldId="292"/>
+            <ac:spMk id="67" creationId="{8D06CE56-3881-4ADA-8CEF-D18B02C242A3}"/>
+          </ac:spMkLst>
+        </pc:spChg>
+        <pc:spChg chg="add">
+          <ac:chgData name="Gustavo Lazarotto Schroeder" userId="9fac2260-2786-4836-be82-4f023857ab3a" providerId="ADAL" clId="{91630B59-078F-45E7-BDC6-18BD8A2B9F09}" dt="2021-06-29T18:11:21.612" v="14" actId="26606"/>
+          <ac:spMkLst>
+            <pc:docMk/>
+            <pc:sldMk cId="1558528727" sldId="292"/>
+            <ac:spMk id="69" creationId="{79F3C543-62EC-4433-9C93-A2CD8764E9B4}"/>
+          </ac:spMkLst>
+        </pc:spChg>
+        <pc:spChg chg="add">
+          <ac:chgData name="Gustavo Lazarotto Schroeder" userId="9fac2260-2786-4836-be82-4f023857ab3a" providerId="ADAL" clId="{91630B59-078F-45E7-BDC6-18BD8A2B9F09}" dt="2021-06-29T18:11:21.612" v="14" actId="26606"/>
+          <ac:spMkLst>
+            <pc:docMk/>
+            <pc:sldMk cId="1558528727" sldId="292"/>
+            <ac:spMk id="71" creationId="{96646FC9-C66D-4EC7-8310-0DD4ACC49C6C}"/>
+          </ac:spMkLst>
+        </pc:spChg>
+        <pc:spChg chg="add">
+          <ac:chgData name="Gustavo Lazarotto Schroeder" userId="9fac2260-2786-4836-be82-4f023857ab3a" providerId="ADAL" clId="{91630B59-078F-45E7-BDC6-18BD8A2B9F09}" dt="2021-06-29T18:11:21.612" v="14" actId="26606"/>
+          <ac:spMkLst>
+            <pc:docMk/>
+            <pc:sldMk cId="1558528727" sldId="292"/>
+            <ac:spMk id="73" creationId="{A3473CF9-37EB-43E7-89EF-D2D1C53D1DAC}"/>
+          </ac:spMkLst>
+        </pc:spChg>
+        <pc:spChg chg="add">
+          <ac:chgData name="Gustavo Lazarotto Schroeder" userId="9fac2260-2786-4836-be82-4f023857ab3a" providerId="ADAL" clId="{91630B59-078F-45E7-BDC6-18BD8A2B9F09}" dt="2021-06-29T18:11:21.612" v="14" actId="26606"/>
+          <ac:spMkLst>
+            <pc:docMk/>
+            <pc:sldMk cId="1558528727" sldId="292"/>
+            <ac:spMk id="75" creationId="{586B4EF9-43BA-4655-A6FF-1D8E21574C95}"/>
+          </ac:spMkLst>
+        </pc:spChg>
+        <pc:picChg chg="add del mod">
+          <ac:chgData name="Gustavo Lazarotto Schroeder" userId="9fac2260-2786-4836-be82-4f023857ab3a" providerId="ADAL" clId="{91630B59-078F-45E7-BDC6-18BD8A2B9F09}" dt="2021-06-29T18:10:59.902" v="5"/>
+          <ac:picMkLst>
+            <pc:docMk/>
+            <pc:sldMk cId="1558528727" sldId="292"/>
+            <ac:picMk id="3" creationId="{C083A6BD-1365-4AB2-A0E1-00BCCA41607B}"/>
+          </ac:picMkLst>
+        </pc:picChg>
+        <pc:picChg chg="add del">
+          <ac:chgData name="Gustavo Lazarotto Schroeder" userId="9fac2260-2786-4836-be82-4f023857ab3a" providerId="ADAL" clId="{91630B59-078F-45E7-BDC6-18BD8A2B9F09}" dt="2021-06-29T18:11:03.348" v="8" actId="478"/>
+          <ac:picMkLst>
+            <pc:docMk/>
+            <pc:sldMk cId="1558528727" sldId="292"/>
+            <ac:picMk id="4" creationId="{EF0CCF47-9089-5D41-A3D3-5C44F3D0F5E8}"/>
+          </ac:picMkLst>
+        </pc:picChg>
+        <pc:picChg chg="add del mod ord">
+          <ac:chgData name="Gustavo Lazarotto Schroeder" userId="9fac2260-2786-4836-be82-4f023857ab3a" providerId="ADAL" clId="{91630B59-078F-45E7-BDC6-18BD8A2B9F09}" dt="2021-06-29T18:11:24.536" v="16" actId="27614"/>
+          <ac:picMkLst>
+            <pc:docMk/>
+            <pc:sldMk cId="1558528727" sldId="292"/>
+            <ac:picMk id="5" creationId="{FB3A5CB2-139B-9348-B30D-293CC97FE5EA}"/>
+          </ac:picMkLst>
+        </pc:picChg>
+        <pc:picChg chg="add mod modCrop">
+          <ac:chgData name="Gustavo Lazarotto Schroeder" userId="9fac2260-2786-4836-be82-4f023857ab3a" providerId="ADAL" clId="{91630B59-078F-45E7-BDC6-18BD8A2B9F09}" dt="2021-06-29T18:11:24.356" v="15" actId="27614"/>
+          <ac:picMkLst>
+            <pc:docMk/>
+            <pc:sldMk cId="1558528727" sldId="292"/>
+            <ac:picMk id="6" creationId="{E706A626-ED17-4E8D-A497-09CD0CC70DE2}"/>
+          </ac:picMkLst>
+        </pc:picChg>
+      </pc:sldChg>
+      <pc:sldChg chg="addSp delSp modSp mod">
+        <pc:chgData name="Gustavo Lazarotto Schroeder" userId="9fac2260-2786-4836-be82-4f023857ab3a" providerId="ADAL" clId="{91630B59-078F-45E7-BDC6-18BD8A2B9F09}" dt="2021-06-29T18:12:17.437" v="18" actId="26606"/>
+        <pc:sldMkLst>
+          <pc:docMk/>
+          <pc:sldMk cId="185879209" sldId="294"/>
+        </pc:sldMkLst>
+        <pc:spChg chg="del">
+          <ac:chgData name="Gustavo Lazarotto Schroeder" userId="9fac2260-2786-4836-be82-4f023857ab3a" providerId="ADAL" clId="{91630B59-078F-45E7-BDC6-18BD8A2B9F09}" dt="2021-06-29T18:12:17.437" v="18" actId="26606"/>
+          <ac:spMkLst>
+            <pc:docMk/>
+            <pc:sldMk cId="185879209" sldId="294"/>
+            <ac:spMk id="36" creationId="{8D06CE56-3881-4ADA-8CEF-D18B02C242A3}"/>
+          </ac:spMkLst>
+        </pc:spChg>
+        <pc:spChg chg="del">
+          <ac:chgData name="Gustavo Lazarotto Schroeder" userId="9fac2260-2786-4836-be82-4f023857ab3a" providerId="ADAL" clId="{91630B59-078F-45E7-BDC6-18BD8A2B9F09}" dt="2021-06-29T18:12:17.437" v="18" actId="26606"/>
+          <ac:spMkLst>
+            <pc:docMk/>
+            <pc:sldMk cId="185879209" sldId="294"/>
+            <ac:spMk id="37" creationId="{79F3C543-62EC-4433-9C93-A2CD8764E9B4}"/>
+          </ac:spMkLst>
+        </pc:spChg>
+        <pc:spChg chg="del">
+          <ac:chgData name="Gustavo Lazarotto Schroeder" userId="9fac2260-2786-4836-be82-4f023857ab3a" providerId="ADAL" clId="{91630B59-078F-45E7-BDC6-18BD8A2B9F09}" dt="2021-06-29T18:12:17.437" v="18" actId="26606"/>
+          <ac:spMkLst>
+            <pc:docMk/>
+            <pc:sldMk cId="185879209" sldId="294"/>
+            <ac:spMk id="38" creationId="{0E2F58BF-12E5-4B5A-AD25-4DAAA2742A7B}"/>
+          </ac:spMkLst>
+        </pc:spChg>
+        <pc:spChg chg="del">
+          <ac:chgData name="Gustavo Lazarotto Schroeder" userId="9fac2260-2786-4836-be82-4f023857ab3a" providerId="ADAL" clId="{91630B59-078F-45E7-BDC6-18BD8A2B9F09}" dt="2021-06-29T18:12:17.437" v="18" actId="26606"/>
+          <ac:spMkLst>
+            <pc:docMk/>
+            <pc:sldMk cId="185879209" sldId="294"/>
+            <ac:spMk id="39" creationId="{AF2F604E-43BE-4DC3-B983-E071523364F8}"/>
+          </ac:spMkLst>
+        </pc:spChg>
+        <pc:spChg chg="del">
+          <ac:chgData name="Gustavo Lazarotto Schroeder" userId="9fac2260-2786-4836-be82-4f023857ab3a" providerId="ADAL" clId="{91630B59-078F-45E7-BDC6-18BD8A2B9F09}" dt="2021-06-29T18:12:17.437" v="18" actId="26606"/>
+          <ac:spMkLst>
+            <pc:docMk/>
+            <pc:sldMk cId="185879209" sldId="294"/>
+            <ac:spMk id="40" creationId="{08C9B587-E65E-4B52-B37C-ABEBB6E87928}"/>
+          </ac:spMkLst>
+        </pc:spChg>
+        <pc:spChg chg="add">
+          <ac:chgData name="Gustavo Lazarotto Schroeder" userId="9fac2260-2786-4836-be82-4f023857ab3a" providerId="ADAL" clId="{91630B59-078F-45E7-BDC6-18BD8A2B9F09}" dt="2021-06-29T18:12:17.437" v="18" actId="26606"/>
+          <ac:spMkLst>
+            <pc:docMk/>
+            <pc:sldMk cId="185879209" sldId="294"/>
+            <ac:spMk id="45" creationId="{8D06CE56-3881-4ADA-8CEF-D18B02C242A3}"/>
+          </ac:spMkLst>
+        </pc:spChg>
+        <pc:spChg chg="add">
+          <ac:chgData name="Gustavo Lazarotto Schroeder" userId="9fac2260-2786-4836-be82-4f023857ab3a" providerId="ADAL" clId="{91630B59-078F-45E7-BDC6-18BD8A2B9F09}" dt="2021-06-29T18:12:17.437" v="18" actId="26606"/>
+          <ac:spMkLst>
+            <pc:docMk/>
+            <pc:sldMk cId="185879209" sldId="294"/>
+            <ac:spMk id="47" creationId="{79F3C543-62EC-4433-9C93-A2CD8764E9B4}"/>
+          </ac:spMkLst>
+        </pc:spChg>
+        <pc:spChg chg="add">
+          <ac:chgData name="Gustavo Lazarotto Schroeder" userId="9fac2260-2786-4836-be82-4f023857ab3a" providerId="ADAL" clId="{91630B59-078F-45E7-BDC6-18BD8A2B9F09}" dt="2021-06-29T18:12:17.437" v="18" actId="26606"/>
+          <ac:spMkLst>
+            <pc:docMk/>
+            <pc:sldMk cId="185879209" sldId="294"/>
+            <ac:spMk id="49" creationId="{68AF5748-FED8-45BA-8631-26D1D10F3246}"/>
+          </ac:spMkLst>
+        </pc:spChg>
+        <pc:spChg chg="add">
+          <ac:chgData name="Gustavo Lazarotto Schroeder" userId="9fac2260-2786-4836-be82-4f023857ab3a" providerId="ADAL" clId="{91630B59-078F-45E7-BDC6-18BD8A2B9F09}" dt="2021-06-29T18:12:17.437" v="18" actId="26606"/>
+          <ac:spMkLst>
+            <pc:docMk/>
+            <pc:sldMk cId="185879209" sldId="294"/>
+            <ac:spMk id="51" creationId="{AF2F604E-43BE-4DC3-B983-E071523364F8}"/>
+          </ac:spMkLst>
+        </pc:spChg>
+        <pc:spChg chg="add">
+          <ac:chgData name="Gustavo Lazarotto Schroeder" userId="9fac2260-2786-4836-be82-4f023857ab3a" providerId="ADAL" clId="{91630B59-078F-45E7-BDC6-18BD8A2B9F09}" dt="2021-06-29T18:12:17.437" v="18" actId="26606"/>
+          <ac:spMkLst>
+            <pc:docMk/>
+            <pc:sldMk cId="185879209" sldId="294"/>
+            <ac:spMk id="53" creationId="{08C9B587-E65E-4B52-B37C-ABEBB6E87928}"/>
+          </ac:spMkLst>
+        </pc:spChg>
+        <pc:picChg chg="mod">
+          <ac:chgData name="Gustavo Lazarotto Schroeder" userId="9fac2260-2786-4836-be82-4f023857ab3a" providerId="ADAL" clId="{91630B59-078F-45E7-BDC6-18BD8A2B9F09}" dt="2021-06-29T18:12:17.437" v="18" actId="26606"/>
+          <ac:picMkLst>
+            <pc:docMk/>
+            <pc:sldMk cId="185879209" sldId="294"/>
+            <ac:picMk id="3" creationId="{5B3253A5-ED55-441D-B5DE-2A96B16EF18E}"/>
+          </ac:picMkLst>
+        </pc:picChg>
+        <pc:picChg chg="del">
+          <ac:chgData name="Gustavo Lazarotto Schroeder" userId="9fac2260-2786-4836-be82-4f023857ab3a" providerId="ADAL" clId="{91630B59-078F-45E7-BDC6-18BD8A2B9F09}" dt="2021-06-29T18:11:31.629" v="17" actId="478"/>
+          <ac:picMkLst>
+            <pc:docMk/>
+            <pc:sldMk cId="185879209" sldId="294"/>
+            <ac:picMk id="7" creationId="{CD5478AB-3DD2-DA43-A235-A273C09A2C88}"/>
+          </ac:picMkLst>
+        </pc:picChg>
+      </pc:sldChg>
+      <pc:sldChg chg="modSp mod">
+        <pc:chgData name="Gustavo Lazarotto Schroeder" userId="9fac2260-2786-4836-be82-4f023857ab3a" providerId="ADAL" clId="{91630B59-078F-45E7-BDC6-18BD8A2B9F09}" dt="2021-06-29T18:16:44.539" v="47" actId="20577"/>
+        <pc:sldMkLst>
+          <pc:docMk/>
+          <pc:sldMk cId="2913513496" sldId="297"/>
+        </pc:sldMkLst>
+        <pc:spChg chg="mod">
+          <ac:chgData name="Gustavo Lazarotto Schroeder" userId="9fac2260-2786-4836-be82-4f023857ab3a" providerId="ADAL" clId="{91630B59-078F-45E7-BDC6-18BD8A2B9F09}" dt="2021-06-29T18:16:44.539" v="47" actId="20577"/>
+          <ac:spMkLst>
+            <pc:docMk/>
+            <pc:sldMk cId="2913513496" sldId="297"/>
+            <ac:spMk id="7" creationId="{CB68D04A-15E7-584B-A836-7A3881161854}"/>
+          </ac:spMkLst>
+        </pc:spChg>
+        <pc:spChg chg="mod">
+          <ac:chgData name="Gustavo Lazarotto Schroeder" userId="9fac2260-2786-4836-be82-4f023857ab3a" providerId="ADAL" clId="{91630B59-078F-45E7-BDC6-18BD8A2B9F09}" dt="2021-06-29T18:12:42.031" v="19"/>
+          <ac:spMkLst>
+            <pc:docMk/>
+            <pc:sldMk cId="2913513496" sldId="297"/>
+            <ac:spMk id="11" creationId="{82C8D5A0-FDC6-4E4D-B58E-4A17538DA805}"/>
+          </ac:spMkLst>
+        </pc:spChg>
+      </pc:sldChg>
+      <pc:sldChg chg="addSp delSp modSp mod">
+        <pc:chgData name="Gustavo Lazarotto Schroeder" userId="9fac2260-2786-4836-be82-4f023857ab3a" providerId="ADAL" clId="{91630B59-078F-45E7-BDC6-18BD8A2B9F09}" dt="2021-06-29T18:17:21.079" v="51" actId="962"/>
+        <pc:sldMkLst>
+          <pc:docMk/>
+          <pc:sldMk cId="1059375724" sldId="298"/>
+        </pc:sldMkLst>
+        <pc:spChg chg="del">
+          <ac:chgData name="Gustavo Lazarotto Schroeder" userId="9fac2260-2786-4836-be82-4f023857ab3a" providerId="ADAL" clId="{91630B59-078F-45E7-BDC6-18BD8A2B9F09}" dt="2021-06-29T18:17:18.961" v="49" actId="26606"/>
+          <ac:spMkLst>
+            <pc:docMk/>
+            <pc:sldMk cId="1059375724" sldId="298"/>
+            <ac:spMk id="38" creationId="{726908CC-6AC4-4222-8250-B90B6072E8AC}"/>
+          </ac:spMkLst>
+        </pc:spChg>
+        <pc:spChg chg="del">
+          <ac:chgData name="Gustavo Lazarotto Schroeder" userId="9fac2260-2786-4836-be82-4f023857ab3a" providerId="ADAL" clId="{91630B59-078F-45E7-BDC6-18BD8A2B9F09}" dt="2021-06-29T18:17:18.961" v="49" actId="26606"/>
+          <ac:spMkLst>
+            <pc:docMk/>
+            <pc:sldMk cId="1059375724" sldId="298"/>
+            <ac:spMk id="45" creationId="{F2F606D8-696E-4B76-BB10-43672AA1475A}"/>
+          </ac:spMkLst>
+        </pc:spChg>
+        <pc:spChg chg="del">
+          <ac:chgData name="Gustavo Lazarotto Schroeder" userId="9fac2260-2786-4836-be82-4f023857ab3a" providerId="ADAL" clId="{91630B59-078F-45E7-BDC6-18BD8A2B9F09}" dt="2021-06-29T18:17:18.961" v="49" actId="26606"/>
+          <ac:spMkLst>
+            <pc:docMk/>
+            <pc:sldMk cId="1059375724" sldId="298"/>
+            <ac:spMk id="46" creationId="{3ABF1881-5AFD-48F9-979A-19EE2FE30A33}"/>
+          </ac:spMkLst>
+        </pc:spChg>
+        <pc:spChg chg="add">
+          <ac:chgData name="Gustavo Lazarotto Schroeder" userId="9fac2260-2786-4836-be82-4f023857ab3a" providerId="ADAL" clId="{91630B59-078F-45E7-BDC6-18BD8A2B9F09}" dt="2021-06-29T18:17:18.961" v="49" actId="26606"/>
+          <ac:spMkLst>
+            <pc:docMk/>
+            <pc:sldMk cId="1059375724" sldId="298"/>
+            <ac:spMk id="51" creationId="{726908CC-6AC4-4222-8250-B90B6072E8AC}"/>
+          </ac:spMkLst>
+        </pc:spChg>
+        <pc:spChg chg="add">
+          <ac:chgData name="Gustavo Lazarotto Schroeder" userId="9fac2260-2786-4836-be82-4f023857ab3a" providerId="ADAL" clId="{91630B59-078F-45E7-BDC6-18BD8A2B9F09}" dt="2021-06-29T18:17:18.961" v="49" actId="26606"/>
+          <ac:spMkLst>
+            <pc:docMk/>
+            <pc:sldMk cId="1059375724" sldId="298"/>
+            <ac:spMk id="53" creationId="{F2F606D8-696E-4B76-BB10-43672AA1475A}"/>
+          </ac:spMkLst>
+        </pc:spChg>
+        <pc:spChg chg="add">
+          <ac:chgData name="Gustavo Lazarotto Schroeder" userId="9fac2260-2786-4836-be82-4f023857ab3a" providerId="ADAL" clId="{91630B59-078F-45E7-BDC6-18BD8A2B9F09}" dt="2021-06-29T18:17:18.961" v="49" actId="26606"/>
+          <ac:spMkLst>
+            <pc:docMk/>
+            <pc:sldMk cId="1059375724" sldId="298"/>
+            <ac:spMk id="55" creationId="{3ABF1881-5AFD-48F9-979A-19EE2FE30A33}"/>
+          </ac:spMkLst>
+        </pc:spChg>
+        <pc:picChg chg="mod">
+          <ac:chgData name="Gustavo Lazarotto Schroeder" userId="9fac2260-2786-4836-be82-4f023857ab3a" providerId="ADAL" clId="{91630B59-078F-45E7-BDC6-18BD8A2B9F09}" dt="2021-06-29T18:17:21.079" v="51" actId="962"/>
+          <ac:picMkLst>
+            <pc:docMk/>
+            <pc:sldMk cId="1059375724" sldId="298"/>
+            <ac:picMk id="2" creationId="{CA64FD52-1643-4AB1-8025-9631C9AE238E}"/>
+          </ac:picMkLst>
+        </pc:picChg>
+        <pc:picChg chg="del">
+          <ac:chgData name="Gustavo Lazarotto Schroeder" userId="9fac2260-2786-4836-be82-4f023857ab3a" providerId="ADAL" clId="{91630B59-078F-45E7-BDC6-18BD8A2B9F09}" dt="2021-06-29T18:17:11.897" v="48" actId="478"/>
+          <ac:picMkLst>
+            <pc:docMk/>
+            <pc:sldMk cId="1059375724" sldId="298"/>
+            <ac:picMk id="48" creationId="{756B6ED1-269A-0148-807E-255F1FC6E6BD}"/>
+          </ac:picMkLst>
+        </pc:picChg>
+      </pc:sldChg>
+    </pc:docChg>
+  </pc:docChgLst>
+</pc:chgInfo>
 </file>
 
 <file path=ppt/diagrams/colors1.xml><?xml version="1.0" encoding="utf-8"?>
@@ -4604,8 +4996,8 @@
     <dgm:cxn modelId="{319B200D-E851-0D41-B3D8-C51867C843C1}" type="presOf" srcId="{3BE89D88-D579-4598-9F5E-B06CDCE4F10E}" destId="{4C3A69D2-2717-BF4F-88D0-042BC9E9E98E}" srcOrd="0" destOrd="0" presId="urn:microsoft.com/office/officeart/2008/layout/LinedList"/>
     <dgm:cxn modelId="{A6FFB111-B9FF-47E2-A509-EB6254F8A8D1}" srcId="{3BE89D88-D579-4598-9F5E-B06CDCE4F10E}" destId="{4DE7DE79-9EC3-49EB-BB6C-B0E28633C66D}" srcOrd="1" destOrd="0" parTransId="{3930E96C-6693-4CFE-B407-F4D4FCF6A778}" sibTransId="{745D65C0-390A-4E70-AA3F-BC517FC0B029}"/>
     <dgm:cxn modelId="{44EF6346-338D-AA44-B465-F03C9839F548}" type="presOf" srcId="{F76D31E7-A4F1-4BEA-BEF2-FDE3E23B976F}" destId="{9EEC75C4-FBF6-DD45-BC74-8CFAAD2F7F5A}" srcOrd="0" destOrd="0" presId="urn:microsoft.com/office/officeart/2008/layout/LinedList"/>
+    <dgm:cxn modelId="{9DB8CF69-41CF-486C-A272-E4B117CD35B3}" srcId="{3BE89D88-D579-4598-9F5E-B06CDCE4F10E}" destId="{49918369-43A1-4D39-BD44-5B9481D5F064}" srcOrd="2" destOrd="0" parTransId="{E8C9DC29-9772-49FB-B655-DE3A82D9D610}" sibTransId="{1F68BC6E-DA8E-47CE-805E-D22A4EB9151B}"/>
     <dgm:cxn modelId="{32BD2E4B-D069-4E9E-9494-BD96D19972CC}" srcId="{3BE89D88-D579-4598-9F5E-B06CDCE4F10E}" destId="{F76D31E7-A4F1-4BEA-BEF2-FDE3E23B976F}" srcOrd="4" destOrd="0" parTransId="{6F25E2D8-A688-45EA-B3FB-60133E90772B}" sibTransId="{21431B58-26C6-4A63-91CE-4BC5FEA88D1B}"/>
-    <dgm:cxn modelId="{9DB8CF69-41CF-486C-A272-E4B117CD35B3}" srcId="{3BE89D88-D579-4598-9F5E-B06CDCE4F10E}" destId="{49918369-43A1-4D39-BD44-5B9481D5F064}" srcOrd="2" destOrd="0" parTransId="{E8C9DC29-9772-49FB-B655-DE3A82D9D610}" sibTransId="{1F68BC6E-DA8E-47CE-805E-D22A4EB9151B}"/>
     <dgm:cxn modelId="{80054982-AFDF-9842-9E5C-A67E07618D8C}" type="presOf" srcId="{49918369-43A1-4D39-BD44-5B9481D5F064}" destId="{FA151DFC-C7D5-FB49-8B08-DC546204FF1C}" srcOrd="0" destOrd="0" presId="urn:microsoft.com/office/officeart/2008/layout/LinedList"/>
     <dgm:cxn modelId="{2E3EE2B1-7D3B-4EA3-AE30-E1A8D0155361}" srcId="{3BE89D88-D579-4598-9F5E-B06CDCE4F10E}" destId="{F8C01B4A-E8F0-409C-8432-C80FCCFD43AE}" srcOrd="0" destOrd="0" parTransId="{D011783D-6C4F-44D8-A197-2E2867BB5F5F}" sibTransId="{E690A52C-E1B0-442E-A59E-7F0F17E76320}"/>
     <dgm:cxn modelId="{586FDFBD-BC2F-EE4D-9597-7FEDD384B8AC}" type="presOf" srcId="{C2F54FD9-2F26-4012-AE1F-5C30E1D01A7B}" destId="{45B51091-8542-D543-82A4-B15C15C93A33}" srcOrd="0" destOrd="0" presId="urn:microsoft.com/office/officeart/2008/layout/LinedList"/>
@@ -15317,7 +15709,7 @@
           <a:p>
             <a:fld id="{95341971-6EB8-194E-BFE5-EF7F9C04335A}" type="datetimeFigureOut">
               <a:rPr lang="pt-BR" smtClean="0"/>
-              <a:t>28/06/2021</a:t>
+              <a:t>29/06/2021</a:t>
             </a:fld>
             <a:endParaRPr lang="pt-BR"/>
           </a:p>
@@ -15901,6 +16293,90 @@
           <a:p>
             <a:fld id="{523011CF-0181-A341-95B6-113DFBB7C104}" type="slidenum">
               <a:rPr lang="pt-BR" smtClean="0"/>
+              <a:t>18</a:t>
+            </a:fld>
+            <a:endParaRPr lang="pt-BR"/>
+          </a:p>
+        </p:txBody>
+      </p:sp>
+    </p:spTree>
+    <p:extLst>
+      <p:ext uri="{BB962C8B-B14F-4D97-AF65-F5344CB8AC3E}">
+        <p14:creationId xmlns:p14="http://schemas.microsoft.com/office/powerpoint/2010/main" val="970571993"/>
+      </p:ext>
+    </p:extLst>
+  </p:cSld>
+  <p:clrMapOvr>
+    <a:masterClrMapping/>
+  </p:clrMapOvr>
+</p:notes>
+</file>
+
+<file path=ppt/notesSlides/notesSlide13.xml><?xml version="1.0" encoding="utf-8"?>
+<p:notes xmlns:a="http://schemas.openxmlformats.org/drawingml/2006/main" xmlns:r="http://schemas.openxmlformats.org/officeDocument/2006/relationships" xmlns:p="http://schemas.openxmlformats.org/presentationml/2006/main">
+  <p:cSld>
+    <p:spTree>
+      <p:nvGrpSpPr>
+        <p:cNvPr id="1" name=""/>
+        <p:cNvGrpSpPr/>
+        <p:nvPr/>
+      </p:nvGrpSpPr>
+      <p:grpSpPr>
+        <a:xfrm>
+          <a:off x="0" y="0"/>
+          <a:ext cx="0" cy="0"/>
+          <a:chOff x="0" y="0"/>
+          <a:chExt cx="0" cy="0"/>
+        </a:xfrm>
+      </p:grpSpPr>
+      <p:sp>
+        <p:nvSpPr>
+          <p:cNvPr id="2" name="Espaço Reservado para Imagem de Slide 1"/>
+          <p:cNvSpPr>
+            <a:spLocks noGrp="1" noRot="1" noChangeAspect="1"/>
+          </p:cNvSpPr>
+          <p:nvPr>
+            <p:ph type="sldImg"/>
+          </p:nvPr>
+        </p:nvSpPr>
+        <p:spPr/>
+      </p:sp>
+      <p:sp>
+        <p:nvSpPr>
+          <p:cNvPr id="3" name="Espaço Reservado para Anotações 2"/>
+          <p:cNvSpPr>
+            <a:spLocks noGrp="1"/>
+          </p:cNvSpPr>
+          <p:nvPr>
+            <p:ph type="body" idx="1"/>
+          </p:nvPr>
+        </p:nvSpPr>
+        <p:spPr/>
+        <p:txBody>
+          <a:bodyPr/>
+          <a:lstStyle/>
+          <a:p>
+            <a:endParaRPr lang="pt-BR" dirty="0"/>
+          </a:p>
+        </p:txBody>
+      </p:sp>
+      <p:sp>
+        <p:nvSpPr>
+          <p:cNvPr id="4" name="Espaço Reservado para Número de Slide 3"/>
+          <p:cNvSpPr>
+            <a:spLocks noGrp="1"/>
+          </p:cNvSpPr>
+          <p:nvPr>
+            <p:ph type="sldNum" sz="quarter" idx="5"/>
+          </p:nvPr>
+        </p:nvSpPr>
+        <p:spPr/>
+        <p:txBody>
+          <a:bodyPr/>
+          <a:lstStyle/>
+          <a:p>
+            <a:fld id="{523011CF-0181-A341-95B6-113DFBB7C104}" type="slidenum">
+              <a:rPr lang="pt-BR" smtClean="0"/>
               <a:t>22</a:t>
             </a:fld>
             <a:endParaRPr lang="pt-BR"/>
@@ -15920,7 +16396,7 @@
 </p:notes>
 </file>
 
-<file path=ppt/notesSlides/notesSlide13.xml><?xml version="1.0" encoding="utf-8"?>
+<file path=ppt/notesSlides/notesSlide14.xml><?xml version="1.0" encoding="utf-8"?>
 <p:notes xmlns:a="http://schemas.openxmlformats.org/drawingml/2006/main" xmlns:r="http://schemas.openxmlformats.org/officeDocument/2006/relationships" xmlns:p="http://schemas.openxmlformats.org/presentationml/2006/main">
   <p:cSld>
     <p:spTree>
@@ -16004,7 +16480,7 @@
 </p:notes>
 </file>
 
-<file path=ppt/notesSlides/notesSlide14.xml><?xml version="1.0" encoding="utf-8"?>
+<file path=ppt/notesSlides/notesSlide15.xml><?xml version="1.0" encoding="utf-8"?>
 <p:notes xmlns:a="http://schemas.openxmlformats.org/drawingml/2006/main" xmlns:r="http://schemas.openxmlformats.org/officeDocument/2006/relationships" xmlns:p="http://schemas.openxmlformats.org/presentationml/2006/main">
   <p:cSld>
     <p:spTree>
@@ -16088,7 +16564,7 @@
 </p:notes>
 </file>
 
-<file path=ppt/notesSlides/notesSlide15.xml><?xml version="1.0" encoding="utf-8"?>
+<file path=ppt/notesSlides/notesSlide16.xml><?xml version="1.0" encoding="utf-8"?>
 <p:notes xmlns:a="http://schemas.openxmlformats.org/drawingml/2006/main" xmlns:r="http://schemas.openxmlformats.org/officeDocument/2006/relationships" xmlns:p="http://schemas.openxmlformats.org/presentationml/2006/main">
   <p:cSld>
     <p:spTree>
@@ -17012,7 +17488,7 @@
           <a:p>
             <a:fld id="{02AC24A9-CCB6-4F8D-B8DB-C2F3692CFA5A}" type="datetimeFigureOut">
               <a:rPr lang="en-US" smtClean="0"/>
-              <a:t>6/28/21</a:t>
+              <a:t>6/29/2021</a:t>
             </a:fld>
             <a:endParaRPr lang="en-US"/>
           </a:p>
@@ -17382,7 +17858,7 @@
           <a:p>
             <a:fld id="{02AC24A9-CCB6-4F8D-B8DB-C2F3692CFA5A}" type="datetimeFigureOut">
               <a:rPr lang="en-US" smtClean="0"/>
-              <a:t>6/28/21</a:t>
+              <a:t>6/29/2021</a:t>
             </a:fld>
             <a:endParaRPr lang="en-US"/>
           </a:p>
@@ -17591,7 +18067,7 @@
           <a:p>
             <a:fld id="{02AC24A9-CCB6-4F8D-B8DB-C2F3692CFA5A}" type="datetimeFigureOut">
               <a:rPr lang="en-US" smtClean="0"/>
-              <a:t>6/28/21</a:t>
+              <a:t>6/29/2021</a:t>
             </a:fld>
             <a:endParaRPr lang="en-US"/>
           </a:p>
@@ -18061,7 +18537,7 @@
           <a:p>
             <a:fld id="{02AC24A9-CCB6-4F8D-B8DB-C2F3692CFA5A}" type="datetimeFigureOut">
               <a:rPr lang="en-US" smtClean="0"/>
-              <a:t>6/28/21</a:t>
+              <a:t>6/29/2021</a:t>
             </a:fld>
             <a:endParaRPr lang="en-US"/>
           </a:p>
@@ -18515,7 +18991,7 @@
           <a:p>
             <a:fld id="{02AC24A9-CCB6-4F8D-B8DB-C2F3692CFA5A}" type="datetimeFigureOut">
               <a:rPr lang="en-US" smtClean="0"/>
-              <a:t>6/28/21</a:t>
+              <a:t>6/29/2021</a:t>
             </a:fld>
             <a:endParaRPr lang="en-US"/>
           </a:p>
@@ -19047,7 +19523,7 @@
           <a:p>
             <a:fld id="{02AC24A9-CCB6-4F8D-B8DB-C2F3692CFA5A}" type="datetimeFigureOut">
               <a:rPr lang="en-US" smtClean="0"/>
-              <a:t>6/28/21</a:t>
+              <a:t>6/29/2021</a:t>
             </a:fld>
             <a:endParaRPr lang="en-US"/>
           </a:p>
@@ -19746,7 +20222,7 @@
           <a:p>
             <a:fld id="{02AC24A9-CCB6-4F8D-B8DB-C2F3692CFA5A}" type="datetimeFigureOut">
               <a:rPr lang="en-US" smtClean="0"/>
-              <a:t>6/28/21</a:t>
+              <a:t>6/29/2021</a:t>
             </a:fld>
             <a:endParaRPr lang="en-US"/>
           </a:p>
@@ -20075,7 +20551,7 @@
           <a:p>
             <a:fld id="{02AC24A9-CCB6-4F8D-B8DB-C2F3692CFA5A}" type="datetimeFigureOut">
               <a:rPr lang="en-US" smtClean="0"/>
-              <a:t>6/28/21</a:t>
+              <a:t>6/29/2021</a:t>
             </a:fld>
             <a:endParaRPr lang="en-US"/>
           </a:p>
@@ -20188,7 +20664,7 @@
           <a:p>
             <a:fld id="{02AC24A9-CCB6-4F8D-B8DB-C2F3692CFA5A}" type="datetimeFigureOut">
               <a:rPr lang="en-US" smtClean="0"/>
-              <a:t>6/28/21</a:t>
+              <a:t>6/29/2021</a:t>
             </a:fld>
             <a:endParaRPr lang="en-US"/>
           </a:p>
@@ -20683,7 +21159,7 @@
           <a:p>
             <a:fld id="{02AC24A9-CCB6-4F8D-B8DB-C2F3692CFA5A}" type="datetimeFigureOut">
               <a:rPr lang="en-US" smtClean="0"/>
-              <a:t>6/28/21</a:t>
+              <a:t>6/29/2021</a:t>
             </a:fld>
             <a:endParaRPr lang="en-US"/>
           </a:p>
@@ -21160,7 +21636,7 @@
           <a:p>
             <a:fld id="{02AC24A9-CCB6-4F8D-B8DB-C2F3692CFA5A}" type="datetimeFigureOut">
               <a:rPr lang="en-US" smtClean="0"/>
-              <a:t>6/28/21</a:t>
+              <a:t>6/29/2021</a:t>
             </a:fld>
             <a:endParaRPr lang="en-US"/>
           </a:p>
@@ -21403,7 +21879,7 @@
           <a:p>
             <a:fld id="{02AC24A9-CCB6-4F8D-B8DB-C2F3692CFA5A}" type="datetimeFigureOut">
               <a:rPr lang="en-US" smtClean="0"/>
-              <a:t>6/28/21</a:t>
+              <a:t>6/29/2021</a:t>
             </a:fld>
             <a:endParaRPr lang="en-US"/>
           </a:p>
@@ -24065,7 +24541,7 @@
 </file>
 
 <file path=ppt/slides/slide15.xml><?xml version="1.0" encoding="utf-8"?>
-<p:sld xmlns:a="http://schemas.openxmlformats.org/drawingml/2006/main" xmlns:r="http://schemas.openxmlformats.org/officeDocument/2006/relationships" xmlns:p="http://schemas.openxmlformats.org/presentationml/2006/main">
+<p:sld xmlns:a="http://schemas.openxmlformats.org/drawingml/2006/main" xmlns:r="http://schemas.openxmlformats.org/officeDocument/2006/relationships" xmlns:p="http://schemas.openxmlformats.org/presentationml/2006/main" show="0">
   <p:cSld>
     <p:spTree>
       <p:nvGrpSpPr>
@@ -25147,31 +25623,64 @@
           </a:p>
         </p:txBody>
       </p:sp>
-      <p:sp>
-        <p:nvSpPr>
-          <p:cNvPr id="3" name="Espaço Reservado para Conteúdo 2">
+      <p:pic>
+        <p:nvPicPr>
+          <p:cNvPr id="7" name="Imagem 6">
             <a:extLst>
               <a:ext uri="{FF2B5EF4-FFF2-40B4-BE49-F238E27FC236}">
-                <a16:creationId xmlns:a16="http://schemas.microsoft.com/office/drawing/2014/main" id="{CBE52EC6-5655-AC41-BFC6-219A701838F1}"/>
+                <a16:creationId xmlns:a16="http://schemas.microsoft.com/office/drawing/2014/main" id="{3EF9CF5C-973E-4CBC-B5AE-143C2DBA04ED}"/>
               </a:ext>
             </a:extLst>
           </p:cNvPr>
-          <p:cNvSpPr>
-            <a:spLocks noGrp="1"/>
-          </p:cNvSpPr>
-          <p:nvPr>
-            <p:ph idx="1"/>
-          </p:nvPr>
-        </p:nvSpPr>
-        <p:spPr/>
-        <p:txBody>
-          <a:bodyPr/>
-          <a:lstStyle/>
-          <a:p>
-            <a:endParaRPr lang="pt-BR"/>
-          </a:p>
-        </p:txBody>
-      </p:sp>
+          <p:cNvPicPr>
+            <a:picLocks noChangeAspect="1"/>
+          </p:cNvPicPr>
+          <p:nvPr/>
+        </p:nvPicPr>
+        <p:blipFill rotWithShape="1">
+          <a:blip r:embed="rId3"/>
+          <a:srcRect r="47013"/>
+          <a:stretch/>
+        </p:blipFill>
+        <p:spPr>
+          <a:xfrm>
+            <a:off x="1115568" y="2751156"/>
+            <a:ext cx="10165214" cy="1376562"/>
+          </a:xfrm>
+          <a:prstGeom prst="rect">
+            <a:avLst/>
+          </a:prstGeom>
+        </p:spPr>
+      </p:pic>
+      <p:pic>
+        <p:nvPicPr>
+          <p:cNvPr id="8" name="Imagem 7">
+            <a:extLst>
+              <a:ext uri="{FF2B5EF4-FFF2-40B4-BE49-F238E27FC236}">
+                <a16:creationId xmlns:a16="http://schemas.microsoft.com/office/drawing/2014/main" id="{8645A8B0-AC6F-4463-BA8A-66482FD96A85}"/>
+              </a:ext>
+            </a:extLst>
+          </p:cNvPr>
+          <p:cNvPicPr>
+            <a:picLocks noChangeAspect="1"/>
+          </p:cNvPicPr>
+          <p:nvPr/>
+        </p:nvPicPr>
+        <p:blipFill rotWithShape="1">
+          <a:blip r:embed="rId3"/>
+          <a:srcRect l="52987"/>
+          <a:stretch/>
+        </p:blipFill>
+        <p:spPr>
+          <a:xfrm>
+            <a:off x="1118482" y="4424668"/>
+            <a:ext cx="10165214" cy="1564607"/>
+          </a:xfrm>
+          <a:prstGeom prst="rect">
+            <a:avLst/>
+          </a:prstGeom>
+        </p:spPr>
+      </p:pic>
     </p:spTree>
     <p:extLst>
       <p:ext uri="{BB962C8B-B14F-4D97-AF65-F5344CB8AC3E}">
@@ -26301,7 +26810,7 @@
 </file>
 
 <file path=ppt/slides/slide20.xml><?xml version="1.0" encoding="utf-8"?>
-<p:sld xmlns:a="http://schemas.openxmlformats.org/drawingml/2006/main" xmlns:r="http://schemas.openxmlformats.org/officeDocument/2006/relationships" xmlns:p="http://schemas.openxmlformats.org/presentationml/2006/main">
+<p:sld xmlns:a="http://schemas.openxmlformats.org/drawingml/2006/main" xmlns:r="http://schemas.openxmlformats.org/officeDocument/2006/relationships" xmlns:p="http://schemas.openxmlformats.org/presentationml/2006/main" show="0">
   <p:cSld>
     <p:spTree>
       <p:nvGrpSpPr>
@@ -26843,7 +27352,7 @@
       </p:grpSpPr>
       <p:sp>
         <p:nvSpPr>
-          <p:cNvPr id="58" name="Rectangle 9">
+          <p:cNvPr id="67" name="Rectangle 66">
             <a:extLst>
               <a:ext uri="{FF2B5EF4-FFF2-40B4-BE49-F238E27FC236}">
                 <a16:creationId xmlns:a16="http://schemas.microsoft.com/office/drawing/2014/main" id="{8D06CE56-3881-4ADA-8CEF-D18B02C242A3}"/>
@@ -26935,7 +27444,7 @@
       </p:sp>
       <p:sp>
         <p:nvSpPr>
-          <p:cNvPr id="59" name="Rectangle 11">
+          <p:cNvPr id="69" name="Rectangle 68">
             <a:extLst>
               <a:ext uri="{FF2B5EF4-FFF2-40B4-BE49-F238E27FC236}">
                 <a16:creationId xmlns:a16="http://schemas.microsoft.com/office/drawing/2014/main" id="{79F3C543-62EC-4433-9C93-A2CD8764E9B4}"/>
@@ -27031,7 +27540,7 @@
       </p:sp>
       <p:sp useBgFill="1">
         <p:nvSpPr>
-          <p:cNvPr id="60" name="Rectangle 13">
+          <p:cNvPr id="71" name="Rectangle 70">
             <a:extLst>
               <a:ext uri="{FF2B5EF4-FFF2-40B4-BE49-F238E27FC236}">
                 <a16:creationId xmlns:a16="http://schemas.microsoft.com/office/drawing/2014/main" id="{96646FC9-C66D-4EC7-8310-0DD4ACC49C6C}"/>
@@ -27091,7 +27600,7 @@
       </p:sp>
       <p:sp useBgFill="1">
         <p:nvSpPr>
-          <p:cNvPr id="61" name="Rectangle 15">
+          <p:cNvPr id="73" name="Rectangle 72">
             <a:extLst>
               <a:ext uri="{FF2B5EF4-FFF2-40B4-BE49-F238E27FC236}">
                 <a16:creationId xmlns:a16="http://schemas.microsoft.com/office/drawing/2014/main" id="{A3473CF9-37EB-43E7-89EF-D2D1C53D1DAC}"/>
@@ -27229,7 +27738,7 @@
       </p:sp>
       <p:sp>
         <p:nvSpPr>
-          <p:cNvPr id="62" name="Rectangle: Rounded Corners 17">
+          <p:cNvPr id="75" name="Rectangle: Rounded Corners 74">
             <a:extLst>
               <a:ext uri="{FF2B5EF4-FFF2-40B4-BE49-F238E27FC236}">
                 <a16:creationId xmlns:a16="http://schemas.microsoft.com/office/drawing/2014/main" id="{586B4EF9-43BA-4655-A6FF-1D8E21574C95}"/>
@@ -27323,10 +27832,10 @@
       </p:sp>
       <p:pic>
         <p:nvPicPr>
-          <p:cNvPr id="4" name="Imagem 3">
+          <p:cNvPr id="6" name="Imagem 5" descr="Texto&#10;&#10;Descrição gerada automaticamente">
             <a:extLst>
               <a:ext uri="{FF2B5EF4-FFF2-40B4-BE49-F238E27FC236}">
-                <a16:creationId xmlns:a16="http://schemas.microsoft.com/office/drawing/2014/main" id="{EF0CCF47-9089-5D41-A3D3-5C44F3D0F5E8}"/>
+                <a16:creationId xmlns:a16="http://schemas.microsoft.com/office/drawing/2014/main" id="{E706A626-ED17-4E8D-A497-09CD0CC70DE2}"/>
               </a:ext>
             </a:extLst>
           </p:cNvPr>
@@ -27335,16 +27844,15 @@
           </p:cNvPicPr>
           <p:nvPr/>
         </p:nvPicPr>
-        <p:blipFill>
+        <p:blipFill rotWithShape="1">
           <a:blip r:embed="rId2"/>
-          <a:stretch>
-            <a:fillRect/>
-          </a:stretch>
+          <a:srcRect t="31394" r="64459"/>
+          <a:stretch/>
         </p:blipFill>
         <p:spPr>
           <a:xfrm>
-            <a:off x="1088233" y="2139484"/>
-            <a:ext cx="4190805" cy="4096512"/>
+            <a:off x="1623212" y="2139484"/>
+            <a:ext cx="3120848" cy="4096512"/>
           </a:xfrm>
           <a:prstGeom prst="rect">
             <a:avLst/>
@@ -27353,7 +27861,7 @@
       </p:pic>
       <p:pic>
         <p:nvPicPr>
-          <p:cNvPr id="5" name="Imagem 4">
+          <p:cNvPr id="5" name="Imagem 4" descr="Texto&#10;&#10;Descrição gerada automaticamente">
             <a:extLst>
               <a:ext uri="{FF2B5EF4-FFF2-40B4-BE49-F238E27FC236}">
                 <a16:creationId xmlns:a16="http://schemas.microsoft.com/office/drawing/2014/main" id="{FB3A5CB2-139B-9348-B30D-293CC97FE5EA}"/>
@@ -28434,7 +28942,7 @@
       </p:grpSpPr>
       <p:sp>
         <p:nvSpPr>
-          <p:cNvPr id="36" name="Rectangle 11">
+          <p:cNvPr id="45" name="Rectangle 44">
             <a:extLst>
               <a:ext uri="{FF2B5EF4-FFF2-40B4-BE49-F238E27FC236}">
                 <a16:creationId xmlns:a16="http://schemas.microsoft.com/office/drawing/2014/main" id="{8D06CE56-3881-4ADA-8CEF-D18B02C242A3}"/>
@@ -28526,7 +29034,7 @@
       </p:sp>
       <p:sp>
         <p:nvSpPr>
-          <p:cNvPr id="37" name="Rectangle 13">
+          <p:cNvPr id="47" name="Rectangle 46">
             <a:extLst>
               <a:ext uri="{FF2B5EF4-FFF2-40B4-BE49-F238E27FC236}">
                 <a16:creationId xmlns:a16="http://schemas.microsoft.com/office/drawing/2014/main" id="{79F3C543-62EC-4433-9C93-A2CD8764E9B4}"/>
@@ -28622,10 +29130,10 @@
       </p:sp>
       <p:sp useBgFill="1">
         <p:nvSpPr>
-          <p:cNvPr id="38" name="Rectangle 15">
+          <p:cNvPr id="49" name="Rectangle 48">
             <a:extLst>
               <a:ext uri="{FF2B5EF4-FFF2-40B4-BE49-F238E27FC236}">
-                <a16:creationId xmlns:a16="http://schemas.microsoft.com/office/drawing/2014/main" id="{0E2F58BF-12E5-4B5A-AD25-4DAAA2742A7B}"/>
+                <a16:creationId xmlns:a16="http://schemas.microsoft.com/office/drawing/2014/main" id="{68AF5748-FED8-45BA-8631-26D1D10F3246}"/>
               </a:ext>
               <a:ext uri="{C183D7F6-B498-43B3-948B-1728B52AA6E4}">
                 <adec:decorative xmlns:adec="http://schemas.microsoft.com/office/drawing/2017/decorative" val="1"/>
@@ -28717,7 +29225,7 @@
       </p:sp>
       <p:sp>
         <p:nvSpPr>
-          <p:cNvPr id="39" name="!!accent">
+          <p:cNvPr id="51" name="Rectangle 50">
             <a:extLst>
               <a:ext uri="{FF2B5EF4-FFF2-40B4-BE49-F238E27FC236}">
                 <a16:creationId xmlns:a16="http://schemas.microsoft.com/office/drawing/2014/main" id="{AF2F604E-43BE-4DC3-B983-E071523364F8}"/>
@@ -28809,7 +29317,7 @@
       </p:sp>
       <p:sp>
         <p:nvSpPr>
-          <p:cNvPr id="40" name="Rectangle 19">
+          <p:cNvPr id="53" name="Rectangle 52">
             <a:extLst>
               <a:ext uri="{FF2B5EF4-FFF2-40B4-BE49-F238E27FC236}">
                 <a16:creationId xmlns:a16="http://schemas.microsoft.com/office/drawing/2014/main" id="{08C9B587-E65E-4B52-B37C-ABEBB6E87928}"/>
@@ -28845,12 +29353,7 @@
             </a:schemeClr>
           </a:solidFill>
           <a:ln w="3175">
-            <a:solidFill>
-              <a:schemeClr val="tx2">
-                <a:lumMod val="25000"/>
-                <a:lumOff val="75000"/>
-              </a:schemeClr>
-            </a:solidFill>
+            <a:noFill/>
           </a:ln>
           <a:effectLst/>
         </p:spPr>
@@ -28910,10 +29413,10 @@
       </p:sp>
       <p:pic>
         <p:nvPicPr>
-          <p:cNvPr id="7" name="Imagem 6" descr="Gráfico, Gráfico de pizza&#10;&#10;Descrição gerada automaticamente">
+          <p:cNvPr id="3" name="Imagem 2">
             <a:extLst>
               <a:ext uri="{FF2B5EF4-FFF2-40B4-BE49-F238E27FC236}">
-                <a16:creationId xmlns:a16="http://schemas.microsoft.com/office/drawing/2014/main" id="{CD5478AB-3DD2-DA43-A235-A273C09A2C88}"/>
+                <a16:creationId xmlns:a16="http://schemas.microsoft.com/office/drawing/2014/main" id="{5B3253A5-ED55-441D-B5DE-2A96B16EF18E}"/>
               </a:ext>
             </a:extLst>
           </p:cNvPr>
@@ -28922,15 +29425,16 @@
           </p:cNvPicPr>
           <p:nvPr/>
         </p:nvPicPr>
-        <p:blipFill rotWithShape="1">
+        <p:blipFill>
           <a:blip r:embed="rId3"/>
-          <a:srcRect l="17263" r="17329" b="1"/>
-          <a:stretch/>
+          <a:stretch>
+            <a:fillRect/>
+          </a:stretch>
         </p:blipFill>
         <p:spPr>
           <a:xfrm>
-            <a:off x="4868487" y="10"/>
-            <a:ext cx="7323513" cy="6857990"/>
+            <a:off x="4864608" y="743197"/>
+            <a:ext cx="6846363" cy="5220352"/>
           </a:xfrm>
           <a:prstGeom prst="rect">
             <a:avLst/>
@@ -29345,12 +29849,8 @@
               <a:buNone/>
             </a:pPr>
             <a:r>
-              <a:rPr lang="pt-BR" sz="1400" dirty="0" err="1"/>
-              <a:t>Apps</a:t>
-            </a:r>
-            <a:r>
               <a:rPr lang="pt-BR" sz="1400" dirty="0"/>
-              <a:t> Open </a:t>
+              <a:t>Apps Open </a:t>
             </a:r>
             <a:r>
               <a:rPr lang="pt-BR" sz="1400" dirty="0" err="1"/>
@@ -29362,7 +29862,7 @@
             </a:r>
             <a:r>
               <a:rPr lang="pt-BR" sz="1400" b="1" dirty="0"/>
-              <a:t>955</a:t>
+              <a:t>674</a:t>
             </a:r>
           </a:p>
           <a:p>
@@ -29394,7 +29894,7 @@
             </a:r>
             <a:r>
               <a:rPr lang="pt-BR" sz="1400" b="1" dirty="0"/>
-              <a:t>40</a:t>
+              <a:t>64</a:t>
             </a:r>
           </a:p>
           <a:p>
@@ -29438,7 +29938,7 @@
             </a:r>
             <a:r>
               <a:rPr lang="pt-BR" sz="1400" b="1" dirty="0"/>
-              <a:t>7</a:t>
+              <a:t>5</a:t>
             </a:r>
             <a:r>
               <a:rPr lang="pt-BR" sz="1400" dirty="0"/>
@@ -29470,15 +29970,15 @@
             </a:r>
             <a:r>
               <a:rPr lang="pt-BR" sz="1400" b="1" dirty="0"/>
-              <a:t>1</a:t>
+              <a:t>2 </a:t>
             </a:r>
             <a:r>
               <a:rPr lang="pt-BR" sz="1400" dirty="0"/>
-              <a:t> (</a:t>
+              <a:t>(</a:t>
             </a:r>
             <a:r>
               <a:rPr lang="pt-BR" sz="1400" dirty="0" err="1"/>
-              <a:t>Very</a:t>
+              <a:t>Fairly</a:t>
             </a:r>
             <a:r>
               <a:rPr lang="pt-BR" sz="1400" dirty="0"/>
@@ -29486,7 +29986,7 @@
             </a:r>
             <a:r>
               <a:rPr lang="pt-BR" sz="1400" dirty="0" err="1"/>
-              <a:t>Good</a:t>
+              <a:t>good</a:t>
             </a:r>
             <a:r>
               <a:rPr lang="pt-BR" sz="1400" dirty="0"/>
@@ -29554,7 +30054,7 @@
             </a:r>
             <a:r>
               <a:rPr lang="pt-BR" sz="1400" b="1" dirty="0"/>
-              <a:t>18</a:t>
+              <a:t>24</a:t>
             </a:r>
             <a:r>
               <a:rPr lang="pt-BR" sz="1400" dirty="0"/>
@@ -29562,7 +30062,7 @@
             </a:r>
             <a:r>
               <a:rPr lang="pt-BR" sz="1400" dirty="0" err="1"/>
-              <a:t>Moderately</a:t>
+              <a:t>Severe</a:t>
             </a:r>
             <a:r>
               <a:rPr lang="pt-BR" sz="1400" dirty="0"/>
@@ -29570,7 +30070,7 @@
             </a:r>
             <a:r>
               <a:rPr lang="pt-BR" sz="1400" dirty="0" err="1"/>
-              <a:t>Severe</a:t>
+              <a:t>Depression</a:t>
             </a:r>
             <a:r>
               <a:rPr lang="pt-BR" sz="1400" dirty="0"/>
@@ -29585,24 +30085,20 @@
               <a:buNone/>
             </a:pPr>
             <a:r>
+              <a:rPr lang="pt-BR" sz="1400" dirty="0"/>
+              <a:t>PSS: </a:t>
+            </a:r>
+            <a:r>
+              <a:rPr lang="pt-BR" sz="1400" b="1" dirty="0"/>
+              <a:t>32</a:t>
+            </a:r>
+            <a:r>
+              <a:rPr lang="pt-BR" sz="1400" dirty="0"/>
+              <a:t> (High </a:t>
+            </a:r>
+            <a:r>
               <a:rPr lang="pt-BR" sz="1400" dirty="0" err="1"/>
               <a:t>Perceived</a:t>
-            </a:r>
-            <a:r>
-              <a:rPr lang="pt-BR" sz="1400" dirty="0"/>
-              <a:t> Stress Scale: </a:t>
-            </a:r>
-            <a:r>
-              <a:rPr lang="pt-BR" sz="1400" b="1" dirty="0"/>
-              <a:t>12</a:t>
-            </a:r>
-            <a:r>
-              <a:rPr lang="pt-BR" sz="1400" dirty="0"/>
-              <a:t> (</a:t>
-            </a:r>
-            <a:r>
-              <a:rPr lang="pt-BR" sz="1400" dirty="0" err="1"/>
-              <a:t>Low</a:t>
             </a:r>
             <a:r>
               <a:rPr lang="pt-BR" sz="1400" dirty="0"/>
@@ -29853,22 +30349,12 @@
               <a:lnSpc>
                 <a:spcPct val="100000"/>
               </a:lnSpc>
-              <a:buFont typeface="Arial" panose="020B0604020202020204" pitchFamily="34" charset="0"/>
               <a:buNone/>
             </a:pPr>
             <a:r>
               <a:rPr lang="pt-BR" sz="1600" dirty="0"/>
-              <a:t>1edff768-5466-42b7-86d3-539556887683</a:t>
-            </a:r>
-          </a:p>
-          <a:p>
-            <a:pPr marL="0" indent="0">
-              <a:lnSpc>
-                <a:spcPct val="100000"/>
-              </a:lnSpc>
-              <a:buFont typeface="Arial" panose="020B0604020202020204" pitchFamily="34" charset="0"/>
-              <a:buNone/>
-            </a:pPr>
+              <a:t> 478dc69a-833a-42a9-84b3-16fff4b93bfb</a:t>
+            </a:r>
             <a:endParaRPr lang="pt-BR" sz="1400" dirty="0"/>
           </a:p>
         </p:txBody>
@@ -29913,7 +30399,7 @@
       </p:grpSpPr>
       <p:sp useBgFill="1">
         <p:nvSpPr>
-          <p:cNvPr id="38" name="Rectangle 36">
+          <p:cNvPr id="51" name="Rectangle 50">
             <a:extLst>
               <a:ext uri="{FF2B5EF4-FFF2-40B4-BE49-F238E27FC236}">
                 <a16:creationId xmlns:a16="http://schemas.microsoft.com/office/drawing/2014/main" id="{726908CC-6AC4-4222-8250-B90B6072E8AC}"/>
@@ -29973,7 +30459,7 @@
       </p:sp>
       <p:sp>
         <p:nvSpPr>
-          <p:cNvPr id="45" name="Rectangle 38">
+          <p:cNvPr id="53" name="Rectangle 52">
             <a:extLst>
               <a:ext uri="{FF2B5EF4-FFF2-40B4-BE49-F238E27FC236}">
                 <a16:creationId xmlns:a16="http://schemas.microsoft.com/office/drawing/2014/main" id="{F2F606D8-696E-4B76-BB10-43672AA1475A}"/>
@@ -30076,9 +30562,38 @@
           </a:p>
         </p:txBody>
       </p:sp>
+      <p:pic>
+        <p:nvPicPr>
+          <p:cNvPr id="2" name="Imagem 1" descr="Gráfico, Gráfico de barras&#10;&#10;Descrição gerada automaticamente">
+            <a:extLst>
+              <a:ext uri="{FF2B5EF4-FFF2-40B4-BE49-F238E27FC236}">
+                <a16:creationId xmlns:a16="http://schemas.microsoft.com/office/drawing/2014/main" id="{CA64FD52-1643-4AB1-8025-9631C9AE238E}"/>
+              </a:ext>
+            </a:extLst>
+          </p:cNvPr>
+          <p:cNvPicPr>
+            <a:picLocks noChangeAspect="1"/>
+          </p:cNvPicPr>
+          <p:nvPr/>
+        </p:nvPicPr>
+        <p:blipFill rotWithShape="1">
+          <a:blip r:embed="rId3"/>
+          <a:srcRect r="9403"/>
+          <a:stretch/>
+        </p:blipFill>
+        <p:spPr>
+          <a:xfrm>
+            <a:off x="352751" y="302429"/>
+            <a:ext cx="11550506" cy="6053920"/>
+          </a:xfrm>
+          <a:prstGeom prst="rect">
+            <a:avLst/>
+          </a:prstGeom>
+        </p:spPr>
+      </p:pic>
       <p:sp>
         <p:nvSpPr>
-          <p:cNvPr id="46" name="Rectangle 40">
+          <p:cNvPr id="55" name="Rectangle 54">
             <a:extLst>
               <a:ext uri="{FF2B5EF4-FFF2-40B4-BE49-F238E27FC236}">
                 <a16:creationId xmlns:a16="http://schemas.microsoft.com/office/drawing/2014/main" id="{3ABF1881-5AFD-48F9-979A-19EE2FE30A33}"/>
@@ -30168,36 +30683,6 @@
           </a:p>
         </p:txBody>
       </p:sp>
-      <p:pic>
-        <p:nvPicPr>
-          <p:cNvPr id="48" name="Imagem 47" descr="Gráfico, Gráfico de barras&#10;&#10;Descrição gerada automaticamente">
-            <a:extLst>
-              <a:ext uri="{FF2B5EF4-FFF2-40B4-BE49-F238E27FC236}">
-                <a16:creationId xmlns:a16="http://schemas.microsoft.com/office/drawing/2014/main" id="{756B6ED1-269A-0148-807E-255F1FC6E6BD}"/>
-              </a:ext>
-            </a:extLst>
-          </p:cNvPr>
-          <p:cNvPicPr>
-            <a:picLocks noChangeAspect="1"/>
-          </p:cNvPicPr>
-          <p:nvPr/>
-        </p:nvPicPr>
-        <p:blipFill>
-          <a:blip r:embed="rId3"/>
-          <a:stretch>
-            <a:fillRect/>
-          </a:stretch>
-        </p:blipFill>
-        <p:spPr>
-          <a:xfrm>
-            <a:off x="1670050" y="184150"/>
-            <a:ext cx="8851900" cy="6489700"/>
-          </a:xfrm>
-          <a:prstGeom prst="rect">
-            <a:avLst/>
-          </a:prstGeom>
-        </p:spPr>
-      </p:pic>
     </p:spTree>
     <p:extLst>
       <p:ext uri="{BB962C8B-B14F-4D97-AF65-F5344CB8AC3E}">

--- a/Apresentação.pptx
+++ b/Apresentação.pptx
@@ -5,7 +5,7 @@
     <p:sldMasterId id="2147483660" r:id="rId1"/>
   </p:sldMasterIdLst>
   <p:notesMasterIdLst>
-    <p:notesMasterId r:id="rId30"/>
+    <p:notesMasterId r:id="rId28"/>
   </p:notesMasterIdLst>
   <p:sldIdLst>
     <p:sldId id="256" r:id="rId2"/>
@@ -20,22 +20,20 @@
     <p:sldId id="281" r:id="rId11"/>
     <p:sldId id="282" r:id="rId12"/>
     <p:sldId id="283" r:id="rId13"/>
-    <p:sldId id="285" r:id="rId14"/>
-    <p:sldId id="280" r:id="rId15"/>
-    <p:sldId id="286" r:id="rId16"/>
-    <p:sldId id="287" r:id="rId17"/>
-    <p:sldId id="288" r:id="rId18"/>
-    <p:sldId id="289" r:id="rId19"/>
-    <p:sldId id="290" r:id="rId20"/>
-    <p:sldId id="291" r:id="rId21"/>
-    <p:sldId id="292" r:id="rId22"/>
-    <p:sldId id="293" r:id="rId23"/>
-    <p:sldId id="296" r:id="rId24"/>
-    <p:sldId id="294" r:id="rId25"/>
-    <p:sldId id="297" r:id="rId26"/>
-    <p:sldId id="298" r:id="rId27"/>
-    <p:sldId id="299" r:id="rId28"/>
-    <p:sldId id="259" r:id="rId29"/>
+    <p:sldId id="280" r:id="rId14"/>
+    <p:sldId id="287" r:id="rId15"/>
+    <p:sldId id="288" r:id="rId16"/>
+    <p:sldId id="289" r:id="rId17"/>
+    <p:sldId id="290" r:id="rId18"/>
+    <p:sldId id="291" r:id="rId19"/>
+    <p:sldId id="292" r:id="rId20"/>
+    <p:sldId id="293" r:id="rId21"/>
+    <p:sldId id="296" r:id="rId22"/>
+    <p:sldId id="294" r:id="rId23"/>
+    <p:sldId id="297" r:id="rId24"/>
+    <p:sldId id="298" r:id="rId25"/>
+    <p:sldId id="299" r:id="rId26"/>
+    <p:sldId id="259" r:id="rId27"/>
   </p:sldIdLst>
   <p:sldSz cx="12192000" cy="6858000"/>
   <p:notesSz cx="6858000" cy="9144000"/>
@@ -4996,8 +4994,8 @@
     <dgm:cxn modelId="{319B200D-E851-0D41-B3D8-C51867C843C1}" type="presOf" srcId="{3BE89D88-D579-4598-9F5E-B06CDCE4F10E}" destId="{4C3A69D2-2717-BF4F-88D0-042BC9E9E98E}" srcOrd="0" destOrd="0" presId="urn:microsoft.com/office/officeart/2008/layout/LinedList"/>
     <dgm:cxn modelId="{A6FFB111-B9FF-47E2-A509-EB6254F8A8D1}" srcId="{3BE89D88-D579-4598-9F5E-B06CDCE4F10E}" destId="{4DE7DE79-9EC3-49EB-BB6C-B0E28633C66D}" srcOrd="1" destOrd="0" parTransId="{3930E96C-6693-4CFE-B407-F4D4FCF6A778}" sibTransId="{745D65C0-390A-4E70-AA3F-BC517FC0B029}"/>
     <dgm:cxn modelId="{44EF6346-338D-AA44-B465-F03C9839F548}" type="presOf" srcId="{F76D31E7-A4F1-4BEA-BEF2-FDE3E23B976F}" destId="{9EEC75C4-FBF6-DD45-BC74-8CFAAD2F7F5A}" srcOrd="0" destOrd="0" presId="urn:microsoft.com/office/officeart/2008/layout/LinedList"/>
+    <dgm:cxn modelId="{32BD2E4B-D069-4E9E-9494-BD96D19972CC}" srcId="{3BE89D88-D579-4598-9F5E-B06CDCE4F10E}" destId="{F76D31E7-A4F1-4BEA-BEF2-FDE3E23B976F}" srcOrd="4" destOrd="0" parTransId="{6F25E2D8-A688-45EA-B3FB-60133E90772B}" sibTransId="{21431B58-26C6-4A63-91CE-4BC5FEA88D1B}"/>
     <dgm:cxn modelId="{9DB8CF69-41CF-486C-A272-E4B117CD35B3}" srcId="{3BE89D88-D579-4598-9F5E-B06CDCE4F10E}" destId="{49918369-43A1-4D39-BD44-5B9481D5F064}" srcOrd="2" destOrd="0" parTransId="{E8C9DC29-9772-49FB-B655-DE3A82D9D610}" sibTransId="{1F68BC6E-DA8E-47CE-805E-D22A4EB9151B}"/>
-    <dgm:cxn modelId="{32BD2E4B-D069-4E9E-9494-BD96D19972CC}" srcId="{3BE89D88-D579-4598-9F5E-B06CDCE4F10E}" destId="{F76D31E7-A4F1-4BEA-BEF2-FDE3E23B976F}" srcOrd="4" destOrd="0" parTransId="{6F25E2D8-A688-45EA-B3FB-60133E90772B}" sibTransId="{21431B58-26C6-4A63-91CE-4BC5FEA88D1B}"/>
     <dgm:cxn modelId="{80054982-AFDF-9842-9E5C-A67E07618D8C}" type="presOf" srcId="{49918369-43A1-4D39-BD44-5B9481D5F064}" destId="{FA151DFC-C7D5-FB49-8B08-DC546204FF1C}" srcOrd="0" destOrd="0" presId="urn:microsoft.com/office/officeart/2008/layout/LinedList"/>
     <dgm:cxn modelId="{2E3EE2B1-7D3B-4EA3-AE30-E1A8D0155361}" srcId="{3BE89D88-D579-4598-9F5E-B06CDCE4F10E}" destId="{F8C01B4A-E8F0-409C-8432-C80FCCFD43AE}" srcOrd="0" destOrd="0" parTransId="{D011783D-6C4F-44D8-A197-2E2867BB5F5F}" sibTransId="{E690A52C-E1B0-442E-A59E-7F0F17E76320}"/>
     <dgm:cxn modelId="{586FDFBD-BC2F-EE4D-9597-7FEDD384B8AC}" type="presOf" srcId="{C2F54FD9-2F26-4012-AE1F-5C30E1D01A7B}" destId="{45B51091-8542-D543-82A4-B15C15C93A33}" srcOrd="0" destOrd="0" presId="urn:microsoft.com/office/officeart/2008/layout/LinedList"/>
@@ -5473,7 +5471,7 @@
 <dgm:dataModel xmlns:dgm="http://schemas.openxmlformats.org/drawingml/2006/diagram" xmlns:a="http://schemas.openxmlformats.org/drawingml/2006/main">
   <dgm:ptLst>
     <dgm:pt modelId="{7F8B3688-4ED5-447F-8CED-A86AF89F6211}" type="doc">
-      <dgm:prSet loTypeId="urn:microsoft.com/office/officeart/2005/8/layout/hierarchy1" loCatId="hierarchy" qsTypeId="urn:microsoft.com/office/officeart/2005/8/quickstyle/simple1" qsCatId="simple" csTypeId="urn:microsoft.com/office/officeart/2005/8/colors/colorful2" csCatId="colorful" phldr="1"/>
+      <dgm:prSet loTypeId="urn:microsoft.com/office/officeart/2018/2/layout/IconCircleList" loCatId="icon" qsTypeId="urn:microsoft.com/office/officeart/2005/8/quickstyle/simple1" qsCatId="simple" csTypeId="urn:microsoft.com/office/officeart/2005/8/colors/colorful2" csCatId="colorful" phldr="1"/>
       <dgm:spPr/>
       <dgm:t>
         <a:bodyPr/>
@@ -5490,6 +5488,11 @@
         <a:bodyPr/>
         <a:lstStyle/>
         <a:p>
+          <a:pPr algn="just">
+            <a:lnSpc>
+              <a:spcPct val="100000"/>
+            </a:lnSpc>
+          </a:pPr>
           <a:r>
             <a:rPr lang="pt-BR" dirty="0" err="1"/>
             <a:t>This</a:t>
@@ -5507,59 +5510,59 @@
             <a:t> </a:t>
           </a:r>
           <a:r>
-            <a:rPr lang="pt-BR" dirty="0" err="1"/>
+            <a:rPr lang="pt-BR" b="1" dirty="0" err="1"/>
             <a:t>aimed</a:t>
           </a:r>
           <a:r>
-            <a:rPr lang="pt-BR" dirty="0"/>
+            <a:rPr lang="pt-BR" b="1" dirty="0"/>
             <a:t> </a:t>
           </a:r>
           <a:r>
-            <a:rPr lang="pt-BR" dirty="0" err="1"/>
+            <a:rPr lang="pt-BR" b="1" dirty="0" err="1"/>
             <a:t>to</a:t>
           </a:r>
           <a:r>
-            <a:rPr lang="pt-BR" dirty="0"/>
+            <a:rPr lang="pt-BR" b="1" dirty="0"/>
             <a:t> </a:t>
           </a:r>
           <a:r>
-            <a:rPr lang="pt-BR" dirty="0" err="1"/>
+            <a:rPr lang="pt-BR" b="1" dirty="0" err="1"/>
             <a:t>estimate</a:t>
           </a:r>
           <a:r>
-            <a:rPr lang="pt-BR" dirty="0"/>
+            <a:rPr lang="pt-BR" b="1" dirty="0"/>
             <a:t> </a:t>
           </a:r>
           <a:r>
-            <a:rPr lang="pt-BR" dirty="0" err="1"/>
+            <a:rPr lang="pt-BR" b="1" dirty="0" err="1"/>
             <a:t>and</a:t>
           </a:r>
           <a:r>
-            <a:rPr lang="pt-BR" dirty="0"/>
+            <a:rPr lang="pt-BR" b="1" dirty="0"/>
             <a:t> </a:t>
           </a:r>
           <a:r>
-            <a:rPr lang="pt-BR" dirty="0" err="1"/>
+            <a:rPr lang="pt-BR" b="1" dirty="0" err="1"/>
             <a:t>predict</a:t>
           </a:r>
           <a:r>
-            <a:rPr lang="pt-BR" dirty="0"/>
+            <a:rPr lang="pt-BR" b="1" dirty="0"/>
             <a:t> </a:t>
           </a:r>
           <a:r>
-            <a:rPr lang="pt-BR" dirty="0" err="1"/>
+            <a:rPr lang="pt-BR" b="1" dirty="0" err="1"/>
             <a:t>entity</a:t>
           </a:r>
           <a:r>
-            <a:rPr lang="pt-BR" dirty="0"/>
+            <a:rPr lang="pt-BR" b="1" dirty="0"/>
             <a:t> </a:t>
           </a:r>
           <a:r>
-            <a:rPr lang="pt-BR" dirty="0" err="1"/>
+            <a:rPr lang="pt-BR" b="1" dirty="0" err="1"/>
             <a:t>states</a:t>
           </a:r>
           <a:r>
-            <a:rPr lang="pt-BR" dirty="0"/>
+            <a:rPr lang="pt-BR" b="1" dirty="0"/>
             <a:t> </a:t>
           </a:r>
           <a:r>
@@ -5632,6 +5635,11 @@
         <a:bodyPr/>
         <a:lstStyle/>
         <a:p>
+          <a:pPr>
+            <a:lnSpc>
+              <a:spcPct val="100000"/>
+            </a:lnSpc>
+          </a:pPr>
           <a:endParaRPr lang="en-US"/>
         </a:p>
       </dgm:t>
@@ -5643,6 +5651,11 @@
         <a:bodyPr/>
         <a:lstStyle/>
         <a:p>
+          <a:pPr algn="just">
+            <a:lnSpc>
+              <a:spcPct val="100000"/>
+            </a:lnSpc>
+          </a:pPr>
           <a:r>
             <a:rPr lang="pt-BR" dirty="0" err="1"/>
             <a:t>Using</a:t>
@@ -5684,68 +5697,72 @@
             <a:t> 1, a </a:t>
           </a:r>
           <a:r>
-            <a:rPr lang="pt-BR" dirty="0" err="1"/>
+            <a:rPr lang="pt-BR" b="1" dirty="0" err="1"/>
             <a:t>report</a:t>
           </a:r>
           <a:r>
+            <a:rPr lang="pt-BR" b="1" dirty="0"/>
+            <a:t> </a:t>
+          </a:r>
+          <a:r>
+            <a:rPr lang="pt-BR" b="1" dirty="0" err="1"/>
+            <a:t>was</a:t>
+          </a:r>
+          <a:r>
+            <a:rPr lang="pt-BR" b="1" dirty="0"/>
+            <a:t> </a:t>
+          </a:r>
+          <a:r>
+            <a:rPr lang="pt-BR" b="1" dirty="0" err="1"/>
+            <a:t>built</a:t>
+          </a:r>
+          <a:r>
+            <a:rPr lang="pt-BR" b="1" dirty="0"/>
+            <a:t> </a:t>
+          </a:r>
+          <a:r>
+            <a:rPr lang="pt-BR" b="1" dirty="0" err="1"/>
+            <a:t>to</a:t>
+          </a:r>
+          <a:r>
+            <a:rPr lang="pt-BR" b="1" dirty="0"/>
+            <a:t> </a:t>
+          </a:r>
+          <a:r>
+            <a:rPr lang="pt-BR" b="1" dirty="0" err="1"/>
+            <a:t>list</a:t>
+          </a:r>
+          <a:r>
+            <a:rPr lang="pt-BR" b="1" dirty="0"/>
+            <a:t> data </a:t>
+          </a:r>
+          <a:r>
+            <a:rPr lang="pt-BR" b="1" dirty="0" err="1"/>
+            <a:t>by</a:t>
+          </a:r>
+          <a:r>
+            <a:rPr lang="pt-BR" b="1" dirty="0"/>
+            <a:t> </a:t>
+          </a:r>
+          <a:r>
+            <a:rPr lang="pt-BR" b="1" dirty="0" err="1"/>
+            <a:t>device</a:t>
+          </a:r>
+          <a:r>
+            <a:rPr lang="pt-BR" b="1" dirty="0"/>
+            <a:t> ID, </a:t>
+          </a:r>
+          <a:r>
+            <a:rPr lang="pt-BR" b="1" dirty="0" err="1"/>
+            <a:t>generating</a:t>
+          </a:r>
+          <a:r>
+            <a:rPr lang="pt-BR" b="1" dirty="0"/>
+            <a:t> a CSV file</a:t>
+          </a:r>
+          <a:r>
             <a:rPr lang="pt-BR" dirty="0"/>
-            <a:t> </a:t>
-          </a:r>
-          <a:r>
-            <a:rPr lang="pt-BR" dirty="0" err="1"/>
-            <a:t>was</a:t>
-          </a:r>
-          <a:r>
-            <a:rPr lang="pt-BR" dirty="0"/>
-            <a:t> </a:t>
-          </a:r>
-          <a:r>
-            <a:rPr lang="pt-BR" dirty="0" err="1"/>
-            <a:t>built</a:t>
-          </a:r>
-          <a:r>
-            <a:rPr lang="pt-BR" dirty="0"/>
-            <a:t> </a:t>
-          </a:r>
-          <a:r>
-            <a:rPr lang="pt-BR" dirty="0" err="1"/>
-            <a:t>to</a:t>
-          </a:r>
-          <a:r>
-            <a:rPr lang="pt-BR" dirty="0"/>
-            <a:t> </a:t>
-          </a:r>
-          <a:r>
-            <a:rPr lang="pt-BR" dirty="0" err="1"/>
-            <a:t>list</a:t>
-          </a:r>
-          <a:r>
-            <a:rPr lang="pt-BR" dirty="0"/>
-            <a:t> data </a:t>
-          </a:r>
-          <a:r>
-            <a:rPr lang="pt-BR" dirty="0" err="1"/>
-            <a:t>by</a:t>
-          </a:r>
-          <a:r>
-            <a:rPr lang="pt-BR" dirty="0"/>
-            <a:t> </a:t>
-          </a:r>
-          <a:r>
-            <a:rPr lang="pt-BR" dirty="0" err="1"/>
-            <a:t>device</a:t>
-          </a:r>
-          <a:r>
-            <a:rPr lang="pt-BR" dirty="0"/>
-            <a:t> ID, </a:t>
-          </a:r>
-          <a:r>
-            <a:rPr lang="pt-BR" dirty="0" err="1"/>
-            <a:t>generating</a:t>
-          </a:r>
-          <a:r>
-            <a:rPr lang="pt-BR" dirty="0"/>
-            <a:t> a CSV file.</a:t>
+            <a:t>.</a:t>
           </a:r>
           <a:endParaRPr lang="en-US" dirty="0"/>
         </a:p>
@@ -5769,6 +5786,11 @@
         <a:bodyPr/>
         <a:lstStyle/>
         <a:p>
+          <a:pPr>
+            <a:lnSpc>
+              <a:spcPct val="100000"/>
+            </a:lnSpc>
+          </a:pPr>
           <a:endParaRPr lang="en-US"/>
         </a:p>
       </dgm:t>
@@ -5780,6 +5802,11 @@
         <a:bodyPr/>
         <a:lstStyle/>
         <a:p>
+          <a:pPr>
+            <a:lnSpc>
+              <a:spcPct val="100000"/>
+            </a:lnSpc>
+          </a:pPr>
           <a:r>
             <a:rPr lang="pt-BR" dirty="0" err="1"/>
             <a:t>From</a:t>
@@ -5794,14 +5821,18 @@
           </a:r>
           <a:r>
             <a:rPr lang="pt-BR" dirty="0"/>
-            <a:t> file, a data </a:t>
-          </a:r>
-          <a:r>
-            <a:rPr lang="pt-BR" dirty="0" err="1"/>
+            <a:t> file, a </a:t>
+          </a:r>
+          <a:r>
+            <a:rPr lang="pt-BR" b="1" dirty="0"/>
+            <a:t>data </a:t>
+          </a:r>
+          <a:r>
+            <a:rPr lang="pt-BR" b="1" dirty="0" err="1"/>
             <a:t>analysis</a:t>
           </a:r>
           <a:r>
-            <a:rPr lang="pt-BR" dirty="0"/>
+            <a:rPr lang="pt-BR" b="1" dirty="0"/>
             <a:t> </a:t>
           </a:r>
           <a:r>
@@ -5858,6 +5889,11 @@
         <a:bodyPr/>
         <a:lstStyle/>
         <a:p>
+          <a:pPr>
+            <a:lnSpc>
+              <a:spcPct val="100000"/>
+            </a:lnSpc>
+          </a:pPr>
           <a:endParaRPr lang="en-US"/>
         </a:p>
       </dgm:t>
@@ -5869,11 +5905,148 @@
         <a:bodyPr/>
         <a:lstStyle/>
         <a:p>
-          <a:r>
-            <a:rPr lang="pt-BR"/>
-            <a:t>This analysis aimed to understand the distribution of values by sensors and to create target personas of digital intoxication.</a:t>
-          </a:r>
-          <a:endParaRPr lang="en-US"/>
+          <a:pPr algn="just">
+            <a:lnSpc>
+              <a:spcPct val="100000"/>
+            </a:lnSpc>
+          </a:pPr>
+          <a:r>
+            <a:rPr lang="pt-BR" dirty="0" err="1"/>
+            <a:t>This</a:t>
+          </a:r>
+          <a:r>
+            <a:rPr lang="pt-BR" dirty="0"/>
+            <a:t> </a:t>
+          </a:r>
+          <a:r>
+            <a:rPr lang="pt-BR" dirty="0" err="1"/>
+            <a:t>analysis</a:t>
+          </a:r>
+          <a:r>
+            <a:rPr lang="pt-BR" dirty="0"/>
+            <a:t> </a:t>
+          </a:r>
+          <a:r>
+            <a:rPr lang="pt-BR" b="1" dirty="0" err="1"/>
+            <a:t>aimed</a:t>
+          </a:r>
+          <a:r>
+            <a:rPr lang="pt-BR" b="1" dirty="0"/>
+            <a:t> </a:t>
+          </a:r>
+          <a:r>
+            <a:rPr lang="pt-BR" b="1" dirty="0" err="1"/>
+            <a:t>to</a:t>
+          </a:r>
+          <a:r>
+            <a:rPr lang="pt-BR" b="1" dirty="0"/>
+            <a:t> </a:t>
+          </a:r>
+          <a:r>
+            <a:rPr lang="pt-BR" b="1" dirty="0" err="1"/>
+            <a:t>understand</a:t>
+          </a:r>
+          <a:r>
+            <a:rPr lang="pt-BR" b="1" dirty="0"/>
+            <a:t> </a:t>
+          </a:r>
+          <a:r>
+            <a:rPr lang="pt-BR" b="1" dirty="0" err="1"/>
+            <a:t>the</a:t>
+          </a:r>
+          <a:r>
+            <a:rPr lang="pt-BR" b="1" dirty="0"/>
+            <a:t> </a:t>
+          </a:r>
+          <a:r>
+            <a:rPr lang="pt-BR" b="1" dirty="0" err="1"/>
+            <a:t>distribution</a:t>
+          </a:r>
+          <a:r>
+            <a:rPr lang="pt-BR" b="1" dirty="0"/>
+            <a:t> </a:t>
+          </a:r>
+          <a:r>
+            <a:rPr lang="pt-BR" b="1" dirty="0" err="1"/>
+            <a:t>of</a:t>
+          </a:r>
+          <a:r>
+            <a:rPr lang="pt-BR" b="1" dirty="0"/>
+            <a:t> </a:t>
+          </a:r>
+          <a:r>
+            <a:rPr lang="pt-BR" b="1" dirty="0" err="1"/>
+            <a:t>values</a:t>
+          </a:r>
+          <a:r>
+            <a:rPr lang="pt-BR" b="1" dirty="0"/>
+            <a:t> </a:t>
+          </a:r>
+          <a:r>
+            <a:rPr lang="pt-BR" b="1" dirty="0" err="1"/>
+            <a:t>by</a:t>
+          </a:r>
+          <a:r>
+            <a:rPr lang="pt-BR" b="1" dirty="0"/>
+            <a:t> </a:t>
+          </a:r>
+          <a:r>
+            <a:rPr lang="pt-BR" b="1" dirty="0" err="1"/>
+            <a:t>sensors</a:t>
+          </a:r>
+          <a:r>
+            <a:rPr lang="pt-BR" dirty="0"/>
+            <a:t> </a:t>
+          </a:r>
+          <a:r>
+            <a:rPr lang="pt-BR" dirty="0" err="1"/>
+            <a:t>and</a:t>
+          </a:r>
+          <a:r>
+            <a:rPr lang="pt-BR" dirty="0"/>
+            <a:t> </a:t>
+          </a:r>
+          <a:r>
+            <a:rPr lang="pt-BR" dirty="0" err="1"/>
+            <a:t>to</a:t>
+          </a:r>
+          <a:r>
+            <a:rPr lang="pt-BR" dirty="0"/>
+            <a:t> </a:t>
+          </a:r>
+          <a:r>
+            <a:rPr lang="pt-BR" dirty="0" err="1"/>
+            <a:t>create</a:t>
+          </a:r>
+          <a:r>
+            <a:rPr lang="pt-BR" dirty="0"/>
+            <a:t> </a:t>
+          </a:r>
+          <a:r>
+            <a:rPr lang="pt-BR" dirty="0" err="1"/>
+            <a:t>target</a:t>
+          </a:r>
+          <a:r>
+            <a:rPr lang="pt-BR" dirty="0"/>
+            <a:t> personas </a:t>
+          </a:r>
+          <a:r>
+            <a:rPr lang="pt-BR" dirty="0" err="1"/>
+            <a:t>of</a:t>
+          </a:r>
+          <a:r>
+            <a:rPr lang="pt-BR" dirty="0"/>
+            <a:t> digital </a:t>
+          </a:r>
+          <a:r>
+            <a:rPr lang="pt-BR" dirty="0" err="1"/>
+            <a:t>intoxication</a:t>
+          </a:r>
+          <a:r>
+            <a:rPr lang="pt-BR" dirty="0"/>
+            <a:t>.</a:t>
+          </a:r>
+          <a:endParaRPr lang="en-US" dirty="0"/>
         </a:p>
       </dgm:t>
     </dgm:pt>
@@ -5899,145 +6072,258 @@
         </a:p>
       </dgm:t>
     </dgm:pt>
-    <dgm:pt modelId="{1D949E7F-EC83-BE46-8F09-104E4D16ED17}" type="pres">
-      <dgm:prSet presAssocID="{7F8B3688-4ED5-447F-8CED-A86AF89F6211}" presName="hierChild1" presStyleCnt="0">
+    <dgm:pt modelId="{33EE4691-38EA-4246-8F13-99BF17DF4166}" type="pres">
+      <dgm:prSet presAssocID="{7F8B3688-4ED5-447F-8CED-A86AF89F6211}" presName="root" presStyleCnt="0">
         <dgm:presLayoutVars>
-          <dgm:chPref val="1"/>
           <dgm:dir/>
-          <dgm:animOne val="branch"/>
-          <dgm:animLvl val="lvl"/>
-          <dgm:resizeHandles/>
+          <dgm:resizeHandles val="exact"/>
         </dgm:presLayoutVars>
       </dgm:prSet>
       <dgm:spPr/>
     </dgm:pt>
-    <dgm:pt modelId="{F3BF4EA5-B4E6-0B40-BDB3-B8227EC176F4}" type="pres">
-      <dgm:prSet presAssocID="{3E0338E9-5D55-4DB0-A292-E97931438AC0}" presName="hierRoot1" presStyleCnt="0"/>
-      <dgm:spPr/>
-    </dgm:pt>
-    <dgm:pt modelId="{4BA87E54-3963-6E49-A846-40B917D15464}" type="pres">
-      <dgm:prSet presAssocID="{3E0338E9-5D55-4DB0-A292-E97931438AC0}" presName="composite" presStyleCnt="0"/>
-      <dgm:spPr/>
-    </dgm:pt>
-    <dgm:pt modelId="{7E14B991-29D7-5943-9499-FF9FC3EE1136}" type="pres">
-      <dgm:prSet presAssocID="{3E0338E9-5D55-4DB0-A292-E97931438AC0}" presName="background" presStyleLbl="node0" presStyleIdx="0" presStyleCnt="4"/>
-      <dgm:spPr/>
-    </dgm:pt>
-    <dgm:pt modelId="{2E72C543-DBB1-A941-8038-B31CCAFDD035}" type="pres">
-      <dgm:prSet presAssocID="{3E0338E9-5D55-4DB0-A292-E97931438AC0}" presName="text" presStyleLbl="fgAcc0" presStyleIdx="0" presStyleCnt="4">
+    <dgm:pt modelId="{EDF548FC-DF99-4325-896A-2B1D4DA2FACC}" type="pres">
+      <dgm:prSet presAssocID="{7F8B3688-4ED5-447F-8CED-A86AF89F6211}" presName="container" presStyleCnt="0">
         <dgm:presLayoutVars>
-          <dgm:chPref val="3"/>
+          <dgm:dir/>
+          <dgm:resizeHandles val="exact"/>
         </dgm:presLayoutVars>
       </dgm:prSet>
       <dgm:spPr/>
     </dgm:pt>
-    <dgm:pt modelId="{3AFBC851-79C6-5848-9FEE-5C8C3A17DE30}" type="pres">
-      <dgm:prSet presAssocID="{3E0338E9-5D55-4DB0-A292-E97931438AC0}" presName="hierChild2" presStyleCnt="0"/>
+    <dgm:pt modelId="{CCB51F12-672C-40D2-84E0-1A0AC4A51972}" type="pres">
+      <dgm:prSet presAssocID="{3E0338E9-5D55-4DB0-A292-E97931438AC0}" presName="compNode" presStyleCnt="0"/>
       <dgm:spPr/>
     </dgm:pt>
-    <dgm:pt modelId="{CD7CE45E-2A71-594E-B434-C292A946F949}" type="pres">
-      <dgm:prSet presAssocID="{8CBFC0BC-75E8-420C-9EE8-0B8E94B3CED1}" presName="hierRoot1" presStyleCnt="0"/>
+    <dgm:pt modelId="{A0FF5DB9-1C8B-45ED-AF2B-A070F8B721D6}" type="pres">
+      <dgm:prSet presAssocID="{3E0338E9-5D55-4DB0-A292-E97931438AC0}" presName="iconBgRect" presStyleLbl="bgShp" presStyleIdx="0" presStyleCnt="4"/>
       <dgm:spPr/>
     </dgm:pt>
-    <dgm:pt modelId="{BFE2844E-F536-684B-B738-D6D20F8BFAD6}" type="pres">
-      <dgm:prSet presAssocID="{8CBFC0BC-75E8-420C-9EE8-0B8E94B3CED1}" presName="composite" presStyleCnt="0"/>
+    <dgm:pt modelId="{B7FB7234-84DA-497E-9BFA-43618066A9A7}" type="pres">
+      <dgm:prSet presAssocID="{3E0338E9-5D55-4DB0-A292-E97931438AC0}" presName="iconRect" presStyleLbl="node1" presStyleIdx="0" presStyleCnt="4"/>
+      <dgm:spPr>
+        <a:blipFill>
+          <a:blip xmlns:r="http://schemas.openxmlformats.org/officeDocument/2006/relationships" r:embed="rId1">
+            <a:extLst>
+              <a:ext uri="{28A0092B-C50C-407E-A947-70E740481C1C}">
+                <a14:useLocalDpi xmlns:a14="http://schemas.microsoft.com/office/drawing/2010/main" val="0"/>
+              </a:ext>
+              <a:ext uri="{96DAC541-7B7A-43D3-8B79-37D633B846F1}">
+                <asvg:svgBlip xmlns:asvg="http://schemas.microsoft.com/office/drawing/2016/SVG/main" r:embed="rId2"/>
+              </a:ext>
+            </a:extLst>
+          </a:blip>
+          <a:stretch>
+            <a:fillRect/>
+          </a:stretch>
+        </a:blipFill>
+      </dgm:spPr>
+      <dgm:extLst>
+        <a:ext uri="{E40237B7-FDA0-4F09-8148-C483321AD2D9}">
+          <dgm14:cNvPr xmlns:dgm14="http://schemas.microsoft.com/office/drawing/2010/diagram" id="0" name="" descr="Irritante"/>
+        </a:ext>
+      </dgm:extLst>
+    </dgm:pt>
+    <dgm:pt modelId="{DD5E5741-069A-4369-B9F2-4833C092590A}" type="pres">
+      <dgm:prSet presAssocID="{3E0338E9-5D55-4DB0-A292-E97931438AC0}" presName="spaceRect" presStyleCnt="0"/>
       <dgm:spPr/>
     </dgm:pt>
-    <dgm:pt modelId="{163EF5C3-DF76-A646-B2FF-16DB2B41AC6B}" type="pres">
-      <dgm:prSet presAssocID="{8CBFC0BC-75E8-420C-9EE8-0B8E94B3CED1}" presName="background" presStyleLbl="node0" presStyleIdx="1" presStyleCnt="4"/>
-      <dgm:spPr/>
-    </dgm:pt>
-    <dgm:pt modelId="{D49145DE-73D1-9248-8718-E50CC895990F}" type="pres">
-      <dgm:prSet presAssocID="{8CBFC0BC-75E8-420C-9EE8-0B8E94B3CED1}" presName="text" presStyleLbl="fgAcc0" presStyleIdx="1" presStyleCnt="4">
+    <dgm:pt modelId="{46BCA6E1-CCEB-449B-98D2-DD124A9D1707}" type="pres">
+      <dgm:prSet presAssocID="{3E0338E9-5D55-4DB0-A292-E97931438AC0}" presName="textRect" presStyleLbl="revTx" presStyleIdx="0" presStyleCnt="4">
         <dgm:presLayoutVars>
-          <dgm:chPref val="3"/>
+          <dgm:chMax val="1"/>
+          <dgm:chPref val="1"/>
         </dgm:presLayoutVars>
       </dgm:prSet>
       <dgm:spPr/>
     </dgm:pt>
-    <dgm:pt modelId="{48E0A4F8-5E3F-3E47-BC53-146471C96714}" type="pres">
-      <dgm:prSet presAssocID="{8CBFC0BC-75E8-420C-9EE8-0B8E94B3CED1}" presName="hierChild2" presStyleCnt="0"/>
+    <dgm:pt modelId="{ACE01038-E638-43C8-8986-E0811AE4FEBC}" type="pres">
+      <dgm:prSet presAssocID="{AC1D2759-CAF8-45F1-89D1-AB6EE7CE796D}" presName="sibTrans" presStyleLbl="sibTrans2D1" presStyleIdx="0" presStyleCnt="0"/>
       <dgm:spPr/>
     </dgm:pt>
-    <dgm:pt modelId="{C1CFF113-E29C-6D44-80F9-66417EA50E73}" type="pres">
-      <dgm:prSet presAssocID="{8CBB3ACB-F94C-4B64-A9A2-9D6B19A96627}" presName="hierRoot1" presStyleCnt="0"/>
+    <dgm:pt modelId="{BED2C0E5-267A-455B-8632-931C342F9CCA}" type="pres">
+      <dgm:prSet presAssocID="{8CBFC0BC-75E8-420C-9EE8-0B8E94B3CED1}" presName="compNode" presStyleCnt="0"/>
       <dgm:spPr/>
     </dgm:pt>
-    <dgm:pt modelId="{038AA7E9-25D7-5440-906C-79C4B2B8BBD9}" type="pres">
-      <dgm:prSet presAssocID="{8CBB3ACB-F94C-4B64-A9A2-9D6B19A96627}" presName="composite" presStyleCnt="0"/>
+    <dgm:pt modelId="{D08D8A6C-682B-4F2B-AB2D-A74E7977F9DA}" type="pres">
+      <dgm:prSet presAssocID="{8CBFC0BC-75E8-420C-9EE8-0B8E94B3CED1}" presName="iconBgRect" presStyleLbl="bgShp" presStyleIdx="1" presStyleCnt="4"/>
       <dgm:spPr/>
     </dgm:pt>
-    <dgm:pt modelId="{6C0767AE-9811-F34F-BC19-816B728B0F15}" type="pres">
-      <dgm:prSet presAssocID="{8CBB3ACB-F94C-4B64-A9A2-9D6B19A96627}" presName="background" presStyleLbl="node0" presStyleIdx="2" presStyleCnt="4"/>
+    <dgm:pt modelId="{BB43EBD7-59A2-413E-BFB8-12706015CEE7}" type="pres">
+      <dgm:prSet presAssocID="{8CBFC0BC-75E8-420C-9EE8-0B8E94B3CED1}" presName="iconRect" presStyleLbl="node1" presStyleIdx="1" presStyleCnt="4"/>
+      <dgm:spPr>
+        <a:blipFill>
+          <a:blip xmlns:r="http://schemas.openxmlformats.org/officeDocument/2006/relationships" r:embed="rId3">
+            <a:extLst>
+              <a:ext uri="{28A0092B-C50C-407E-A947-70E740481C1C}">
+                <a14:useLocalDpi xmlns:a14="http://schemas.microsoft.com/office/drawing/2010/main" val="0"/>
+              </a:ext>
+              <a:ext uri="{96DAC541-7B7A-43D3-8B79-37D633B846F1}">
+                <asvg:svgBlip xmlns:asvg="http://schemas.microsoft.com/office/drawing/2016/SVG/main" r:embed="rId4"/>
+              </a:ext>
+            </a:extLst>
+          </a:blip>
+          <a:stretch>
+            <a:fillRect/>
+          </a:stretch>
+        </a:blipFill>
+      </dgm:spPr>
+      <dgm:extLst>
+        <a:ext uri="{E40237B7-FDA0-4F09-8148-C483321AD2D9}">
+          <dgm14:cNvPr xmlns:dgm14="http://schemas.microsoft.com/office/drawing/2010/diagram" id="0" name="" descr="Banco de dados"/>
+        </a:ext>
+      </dgm:extLst>
+    </dgm:pt>
+    <dgm:pt modelId="{B447A161-00B4-48F2-9390-553A06B9B966}" type="pres">
+      <dgm:prSet presAssocID="{8CBFC0BC-75E8-420C-9EE8-0B8E94B3CED1}" presName="spaceRect" presStyleCnt="0"/>
       <dgm:spPr/>
     </dgm:pt>
-    <dgm:pt modelId="{B279088B-B295-4041-BA40-E22847751672}" type="pres">
-      <dgm:prSet presAssocID="{8CBB3ACB-F94C-4B64-A9A2-9D6B19A96627}" presName="text" presStyleLbl="fgAcc0" presStyleIdx="2" presStyleCnt="4">
+    <dgm:pt modelId="{15DD64E0-3746-4A5A-80E2-C62B0F3E9103}" type="pres">
+      <dgm:prSet presAssocID="{8CBFC0BC-75E8-420C-9EE8-0B8E94B3CED1}" presName="textRect" presStyleLbl="revTx" presStyleIdx="1" presStyleCnt="4">
         <dgm:presLayoutVars>
-          <dgm:chPref val="3"/>
+          <dgm:chMax val="1"/>
+          <dgm:chPref val="1"/>
         </dgm:presLayoutVars>
       </dgm:prSet>
       <dgm:spPr/>
     </dgm:pt>
-    <dgm:pt modelId="{BBC72ACA-7183-8448-8540-B02EFCFD40A6}" type="pres">
-      <dgm:prSet presAssocID="{8CBB3ACB-F94C-4B64-A9A2-9D6B19A96627}" presName="hierChild2" presStyleCnt="0"/>
+    <dgm:pt modelId="{72A5F892-6E13-4D93-A70E-C3105A4F0106}" type="pres">
+      <dgm:prSet presAssocID="{0FAAF933-6582-423A-84CF-78BA61695367}" presName="sibTrans" presStyleLbl="sibTrans2D1" presStyleIdx="0" presStyleCnt="0"/>
       <dgm:spPr/>
     </dgm:pt>
-    <dgm:pt modelId="{C8AF2DD5-DC55-AE47-828E-E636EF616701}" type="pres">
-      <dgm:prSet presAssocID="{0579760A-C9F7-44C5-9AC2-CA1DAD978627}" presName="hierRoot1" presStyleCnt="0"/>
+    <dgm:pt modelId="{796A6E34-97C9-4A22-AADC-3DDAF9F29883}" type="pres">
+      <dgm:prSet presAssocID="{8CBB3ACB-F94C-4B64-A9A2-9D6B19A96627}" presName="compNode" presStyleCnt="0"/>
       <dgm:spPr/>
     </dgm:pt>
-    <dgm:pt modelId="{D5ABED86-35E1-554A-8A44-B02EEFCEC0FC}" type="pres">
-      <dgm:prSet presAssocID="{0579760A-C9F7-44C5-9AC2-CA1DAD978627}" presName="composite" presStyleCnt="0"/>
+    <dgm:pt modelId="{F38EA938-ED9F-4773-98D1-AB5ECED19E93}" type="pres">
+      <dgm:prSet presAssocID="{8CBB3ACB-F94C-4B64-A9A2-9D6B19A96627}" presName="iconBgRect" presStyleLbl="bgShp" presStyleIdx="2" presStyleCnt="4"/>
       <dgm:spPr/>
     </dgm:pt>
-    <dgm:pt modelId="{84CDA947-DB6A-564E-836D-B21C32C70900}" type="pres">
-      <dgm:prSet presAssocID="{0579760A-C9F7-44C5-9AC2-CA1DAD978627}" presName="background" presStyleLbl="node0" presStyleIdx="3" presStyleCnt="4"/>
+    <dgm:pt modelId="{C0F0952F-845F-437C-BF3A-913B6A14FCB4}" type="pres">
+      <dgm:prSet presAssocID="{8CBB3ACB-F94C-4B64-A9A2-9D6B19A96627}" presName="iconRect" presStyleLbl="node1" presStyleIdx="2" presStyleCnt="4"/>
+      <dgm:spPr>
+        <a:blipFill>
+          <a:blip xmlns:r="http://schemas.openxmlformats.org/officeDocument/2006/relationships" r:embed="rId5">
+            <a:extLst>
+              <a:ext uri="{28A0092B-C50C-407E-A947-70E740481C1C}">
+                <a14:useLocalDpi xmlns:a14="http://schemas.microsoft.com/office/drawing/2010/main" val="0"/>
+              </a:ext>
+              <a:ext uri="{96DAC541-7B7A-43D3-8B79-37D633B846F1}">
+                <asvg:svgBlip xmlns:asvg="http://schemas.microsoft.com/office/drawing/2016/SVG/main" r:embed="rId6"/>
+              </a:ext>
+            </a:extLst>
+          </a:blip>
+          <a:stretch>
+            <a:fillRect/>
+          </a:stretch>
+        </a:blipFill>
+      </dgm:spPr>
+      <dgm:extLst>
+        <a:ext uri="{E40237B7-FDA0-4F09-8148-C483321AD2D9}">
+          <dgm14:cNvPr xmlns:dgm14="http://schemas.microsoft.com/office/drawing/2010/diagram" id="0" name="" descr="Cloud Computing"/>
+        </a:ext>
+      </dgm:extLst>
+    </dgm:pt>
+    <dgm:pt modelId="{878696BE-D41C-4132-AA07-8C7ECD74D4A4}" type="pres">
+      <dgm:prSet presAssocID="{8CBB3ACB-F94C-4B64-A9A2-9D6B19A96627}" presName="spaceRect" presStyleCnt="0"/>
       <dgm:spPr/>
     </dgm:pt>
-    <dgm:pt modelId="{50EDCB71-E390-1A44-890B-A405FB969471}" type="pres">
-      <dgm:prSet presAssocID="{0579760A-C9F7-44C5-9AC2-CA1DAD978627}" presName="text" presStyleLbl="fgAcc0" presStyleIdx="3" presStyleCnt="4">
+    <dgm:pt modelId="{39039E96-FD2B-494C-9478-20C633317C8B}" type="pres">
+      <dgm:prSet presAssocID="{8CBB3ACB-F94C-4B64-A9A2-9D6B19A96627}" presName="textRect" presStyleLbl="revTx" presStyleIdx="2" presStyleCnt="4">
         <dgm:presLayoutVars>
-          <dgm:chPref val="3"/>
+          <dgm:chMax val="1"/>
+          <dgm:chPref val="1"/>
         </dgm:presLayoutVars>
       </dgm:prSet>
       <dgm:spPr/>
     </dgm:pt>
-    <dgm:pt modelId="{1701D35C-16BE-3549-8530-67BCDED901B9}" type="pres">
-      <dgm:prSet presAssocID="{0579760A-C9F7-44C5-9AC2-CA1DAD978627}" presName="hierChild2" presStyleCnt="0"/>
+    <dgm:pt modelId="{EC616105-0A5C-4FD6-B5DB-47A5F2A49CE9}" type="pres">
+      <dgm:prSet presAssocID="{682D86EB-D122-437F-9E13-D76B00653F39}" presName="sibTrans" presStyleLbl="sibTrans2D1" presStyleIdx="0" presStyleCnt="0"/>
+      <dgm:spPr/>
+    </dgm:pt>
+    <dgm:pt modelId="{7736C5B8-F998-4D17-9F97-6B69A5AF2D17}" type="pres">
+      <dgm:prSet presAssocID="{0579760A-C9F7-44C5-9AC2-CA1DAD978627}" presName="compNode" presStyleCnt="0"/>
+      <dgm:spPr/>
+    </dgm:pt>
+    <dgm:pt modelId="{FF884DF0-35D4-4341-AAE0-5BB1C8113942}" type="pres">
+      <dgm:prSet presAssocID="{0579760A-C9F7-44C5-9AC2-CA1DAD978627}" presName="iconBgRect" presStyleLbl="bgShp" presStyleIdx="3" presStyleCnt="4"/>
+      <dgm:spPr/>
+    </dgm:pt>
+    <dgm:pt modelId="{184F7FE1-A173-4106-B76E-9CEA8A63559E}" type="pres">
+      <dgm:prSet presAssocID="{0579760A-C9F7-44C5-9AC2-CA1DAD978627}" presName="iconRect" presStyleLbl="node1" presStyleIdx="3" presStyleCnt="4"/>
+      <dgm:spPr>
+        <a:blipFill>
+          <a:blip xmlns:r="http://schemas.openxmlformats.org/officeDocument/2006/relationships" r:embed="rId7">
+            <a:extLst>
+              <a:ext uri="{28A0092B-C50C-407E-A947-70E740481C1C}">
+                <a14:useLocalDpi xmlns:a14="http://schemas.microsoft.com/office/drawing/2010/main" val="0"/>
+              </a:ext>
+              <a:ext uri="{96DAC541-7B7A-43D3-8B79-37D633B846F1}">
+                <asvg:svgBlip xmlns:asvg="http://schemas.microsoft.com/office/drawing/2016/SVG/main" r:embed="rId8"/>
+              </a:ext>
+            </a:extLst>
+          </a:blip>
+          <a:stretch>
+            <a:fillRect/>
+          </a:stretch>
+        </a:blipFill>
+      </dgm:spPr>
+      <dgm:extLst>
+        <a:ext uri="{E40237B7-FDA0-4F09-8148-C483321AD2D9}">
+          <dgm14:cNvPr xmlns:dgm14="http://schemas.microsoft.com/office/drawing/2010/diagram" id="0" name="" descr="Target Audience"/>
+        </a:ext>
+      </dgm:extLst>
+    </dgm:pt>
+    <dgm:pt modelId="{ED96A9BF-1094-47D6-9BF0-C85552B0259F}" type="pres">
+      <dgm:prSet presAssocID="{0579760A-C9F7-44C5-9AC2-CA1DAD978627}" presName="spaceRect" presStyleCnt="0"/>
+      <dgm:spPr/>
+    </dgm:pt>
+    <dgm:pt modelId="{9617AE95-8379-4A80-A0EB-0ADF0C9BB317}" type="pres">
+      <dgm:prSet presAssocID="{0579760A-C9F7-44C5-9AC2-CA1DAD978627}" presName="textRect" presStyleLbl="revTx" presStyleIdx="3" presStyleCnt="4">
+        <dgm:presLayoutVars>
+          <dgm:chMax val="1"/>
+          <dgm:chPref val="1"/>
+        </dgm:presLayoutVars>
+      </dgm:prSet>
       <dgm:spPr/>
     </dgm:pt>
   </dgm:ptLst>
   <dgm:cxnLst>
-    <dgm:cxn modelId="{2616E504-F13E-3444-B2A5-C103E5FF678F}" type="presOf" srcId="{7F8B3688-4ED5-447F-8CED-A86AF89F6211}" destId="{1D949E7F-EC83-BE46-8F09-104E4D16ED17}" srcOrd="0" destOrd="0" presId="urn:microsoft.com/office/officeart/2005/8/layout/hierarchy1"/>
-    <dgm:cxn modelId="{DB3E9F0B-A709-2941-A21C-9ECD708B743F}" type="presOf" srcId="{0579760A-C9F7-44C5-9AC2-CA1DAD978627}" destId="{50EDCB71-E390-1A44-890B-A405FB969471}" srcOrd="0" destOrd="0" presId="urn:microsoft.com/office/officeart/2005/8/layout/hierarchy1"/>
     <dgm:cxn modelId="{A7034B19-142F-4B18-9AA6-1B8F6B8D277D}" srcId="{7F8B3688-4ED5-447F-8CED-A86AF89F6211}" destId="{3E0338E9-5D55-4DB0-A292-E97931438AC0}" srcOrd="0" destOrd="0" parTransId="{07620BC1-92AB-430C-B951-242942BC5BAC}" sibTransId="{AC1D2759-CAF8-45F1-89D1-AB6EE7CE796D}"/>
-    <dgm:cxn modelId="{EA130238-7ABE-6141-A395-9F486E3B020A}" type="presOf" srcId="{8CBB3ACB-F94C-4B64-A9A2-9D6B19A96627}" destId="{B279088B-B295-4041-BA40-E22847751672}" srcOrd="0" destOrd="0" presId="urn:microsoft.com/office/officeart/2005/8/layout/hierarchy1"/>
-    <dgm:cxn modelId="{51713742-57AD-EB40-BA73-F19191D167E3}" type="presOf" srcId="{8CBFC0BC-75E8-420C-9EE8-0B8E94B3CED1}" destId="{D49145DE-73D1-9248-8718-E50CC895990F}" srcOrd="0" destOrd="0" presId="urn:microsoft.com/office/officeart/2005/8/layout/hierarchy1"/>
+    <dgm:cxn modelId="{196BBF61-A4FB-BA4D-B150-F28B70309055}" type="presOf" srcId="{8CBFC0BC-75E8-420C-9EE8-0B8E94B3CED1}" destId="{15DD64E0-3746-4A5A-80E2-C62B0F3E9103}" srcOrd="0" destOrd="0" presId="urn:microsoft.com/office/officeart/2018/2/layout/IconCircleList"/>
+    <dgm:cxn modelId="{D39C6B6B-D81C-7F48-9D6A-567BE174224D}" type="presOf" srcId="{3E0338E9-5D55-4DB0-A292-E97931438AC0}" destId="{46BCA6E1-CCEB-449B-98D2-DD124A9D1707}" srcOrd="0" destOrd="0" presId="urn:microsoft.com/office/officeart/2018/2/layout/IconCircleList"/>
+    <dgm:cxn modelId="{95C8226E-02F8-A94B-9959-7FCAE7D1DDAC}" type="presOf" srcId="{AC1D2759-CAF8-45F1-89D1-AB6EE7CE796D}" destId="{ACE01038-E638-43C8-8986-E0811AE4FEBC}" srcOrd="0" destOrd="0" presId="urn:microsoft.com/office/officeart/2018/2/layout/IconCircleList"/>
+    <dgm:cxn modelId="{674DC17F-DD33-9C46-AEBA-F76C866FBA96}" type="presOf" srcId="{682D86EB-D122-437F-9E13-D76B00653F39}" destId="{EC616105-0A5C-4FD6-B5DB-47A5F2A49CE9}" srcOrd="0" destOrd="0" presId="urn:microsoft.com/office/officeart/2018/2/layout/IconCircleList"/>
+    <dgm:cxn modelId="{E2FCE186-5BDA-3F4A-96F4-B6C7D3002C6B}" type="presOf" srcId="{7F8B3688-4ED5-447F-8CED-A86AF89F6211}" destId="{33EE4691-38EA-4246-8F13-99BF17DF4166}" srcOrd="0" destOrd="0" presId="urn:microsoft.com/office/officeart/2018/2/layout/IconCircleList"/>
     <dgm:cxn modelId="{950C5D9F-F5F7-4631-AEE6-A1DCAF52D2CA}" srcId="{7F8B3688-4ED5-447F-8CED-A86AF89F6211}" destId="{8CBFC0BC-75E8-420C-9EE8-0B8E94B3CED1}" srcOrd="1" destOrd="0" parTransId="{08E89A7B-C27B-451E-A126-44B654E0AB4D}" sibTransId="{0FAAF933-6582-423A-84CF-78BA61695367}"/>
     <dgm:cxn modelId="{B580A2BA-09AC-4E72-8E04-B07EBE9BB3A4}" srcId="{7F8B3688-4ED5-447F-8CED-A86AF89F6211}" destId="{0579760A-C9F7-44C5-9AC2-CA1DAD978627}" srcOrd="3" destOrd="0" parTransId="{09997B1B-C1DC-4E59-8D56-70F06AB6F06A}" sibTransId="{92A92CC7-A141-467C-9677-165819BAB22F}"/>
     <dgm:cxn modelId="{5493D0C0-F704-4767-9430-B0BA983C9A56}" srcId="{7F8B3688-4ED5-447F-8CED-A86AF89F6211}" destId="{8CBB3ACB-F94C-4B64-A9A2-9D6B19A96627}" srcOrd="2" destOrd="0" parTransId="{4F2B7168-341D-4F34-B97A-91869057D15A}" sibTransId="{682D86EB-D122-437F-9E13-D76B00653F39}"/>
-    <dgm:cxn modelId="{C7E8B5D6-F8C4-324E-A7E8-AC665865951D}" type="presOf" srcId="{3E0338E9-5D55-4DB0-A292-E97931438AC0}" destId="{2E72C543-DBB1-A941-8038-B31CCAFDD035}" srcOrd="0" destOrd="0" presId="urn:microsoft.com/office/officeart/2005/8/layout/hierarchy1"/>
-    <dgm:cxn modelId="{39459608-01AE-E247-B598-4491D7F7FBAB}" type="presParOf" srcId="{1D949E7F-EC83-BE46-8F09-104E4D16ED17}" destId="{F3BF4EA5-B4E6-0B40-BDB3-B8227EC176F4}" srcOrd="0" destOrd="0" presId="urn:microsoft.com/office/officeart/2005/8/layout/hierarchy1"/>
-    <dgm:cxn modelId="{3CF6EC79-A779-AC4E-8B02-A3B00F3A0393}" type="presParOf" srcId="{F3BF4EA5-B4E6-0B40-BDB3-B8227EC176F4}" destId="{4BA87E54-3963-6E49-A846-40B917D15464}" srcOrd="0" destOrd="0" presId="urn:microsoft.com/office/officeart/2005/8/layout/hierarchy1"/>
-    <dgm:cxn modelId="{0B94F74C-9B2D-1549-9425-E2498E124922}" type="presParOf" srcId="{4BA87E54-3963-6E49-A846-40B917D15464}" destId="{7E14B991-29D7-5943-9499-FF9FC3EE1136}" srcOrd="0" destOrd="0" presId="urn:microsoft.com/office/officeart/2005/8/layout/hierarchy1"/>
-    <dgm:cxn modelId="{C278C45E-52A7-9242-BDB9-92A7892CDE5A}" type="presParOf" srcId="{4BA87E54-3963-6E49-A846-40B917D15464}" destId="{2E72C543-DBB1-A941-8038-B31CCAFDD035}" srcOrd="1" destOrd="0" presId="urn:microsoft.com/office/officeart/2005/8/layout/hierarchy1"/>
-    <dgm:cxn modelId="{084CF35B-8AE2-2F4A-8E5C-74AA0DDF4758}" type="presParOf" srcId="{F3BF4EA5-B4E6-0B40-BDB3-B8227EC176F4}" destId="{3AFBC851-79C6-5848-9FEE-5C8C3A17DE30}" srcOrd="1" destOrd="0" presId="urn:microsoft.com/office/officeart/2005/8/layout/hierarchy1"/>
-    <dgm:cxn modelId="{EFA4808D-1C71-8F4A-8BE1-F11287401103}" type="presParOf" srcId="{1D949E7F-EC83-BE46-8F09-104E4D16ED17}" destId="{CD7CE45E-2A71-594E-B434-C292A946F949}" srcOrd="1" destOrd="0" presId="urn:microsoft.com/office/officeart/2005/8/layout/hierarchy1"/>
-    <dgm:cxn modelId="{781B663A-0790-AE49-8BE7-D1C2BCE6F7ED}" type="presParOf" srcId="{CD7CE45E-2A71-594E-B434-C292A946F949}" destId="{BFE2844E-F536-684B-B738-D6D20F8BFAD6}" srcOrd="0" destOrd="0" presId="urn:microsoft.com/office/officeart/2005/8/layout/hierarchy1"/>
-    <dgm:cxn modelId="{375B7AD2-643C-F348-BF98-94742316EEAD}" type="presParOf" srcId="{BFE2844E-F536-684B-B738-D6D20F8BFAD6}" destId="{163EF5C3-DF76-A646-B2FF-16DB2B41AC6B}" srcOrd="0" destOrd="0" presId="urn:microsoft.com/office/officeart/2005/8/layout/hierarchy1"/>
-    <dgm:cxn modelId="{7BD1D7B5-38D1-4840-9657-6A5969BEF8C3}" type="presParOf" srcId="{BFE2844E-F536-684B-B738-D6D20F8BFAD6}" destId="{D49145DE-73D1-9248-8718-E50CC895990F}" srcOrd="1" destOrd="0" presId="urn:microsoft.com/office/officeart/2005/8/layout/hierarchy1"/>
-    <dgm:cxn modelId="{4A76012F-FF33-B44E-B45D-A1BF8B5F3F5E}" type="presParOf" srcId="{CD7CE45E-2A71-594E-B434-C292A946F949}" destId="{48E0A4F8-5E3F-3E47-BC53-146471C96714}" srcOrd="1" destOrd="0" presId="urn:microsoft.com/office/officeart/2005/8/layout/hierarchy1"/>
-    <dgm:cxn modelId="{F31E82E9-DFC8-0440-ADC8-B4F7E5DA0D32}" type="presParOf" srcId="{1D949E7F-EC83-BE46-8F09-104E4D16ED17}" destId="{C1CFF113-E29C-6D44-80F9-66417EA50E73}" srcOrd="2" destOrd="0" presId="urn:microsoft.com/office/officeart/2005/8/layout/hierarchy1"/>
-    <dgm:cxn modelId="{7EB6D3A6-BEAF-1349-A82D-8531250A0EDF}" type="presParOf" srcId="{C1CFF113-E29C-6D44-80F9-66417EA50E73}" destId="{038AA7E9-25D7-5440-906C-79C4B2B8BBD9}" srcOrd="0" destOrd="0" presId="urn:microsoft.com/office/officeart/2005/8/layout/hierarchy1"/>
-    <dgm:cxn modelId="{F2E34B35-F050-6C46-926C-D39BBBC36B6B}" type="presParOf" srcId="{038AA7E9-25D7-5440-906C-79C4B2B8BBD9}" destId="{6C0767AE-9811-F34F-BC19-816B728B0F15}" srcOrd="0" destOrd="0" presId="urn:microsoft.com/office/officeart/2005/8/layout/hierarchy1"/>
-    <dgm:cxn modelId="{4D525700-8CB9-6B4B-BCB7-2A55882E87DE}" type="presParOf" srcId="{038AA7E9-25D7-5440-906C-79C4B2B8BBD9}" destId="{B279088B-B295-4041-BA40-E22847751672}" srcOrd="1" destOrd="0" presId="urn:microsoft.com/office/officeart/2005/8/layout/hierarchy1"/>
-    <dgm:cxn modelId="{1145F736-1CFA-D74E-B04B-A232ABB06C1D}" type="presParOf" srcId="{C1CFF113-E29C-6D44-80F9-66417EA50E73}" destId="{BBC72ACA-7183-8448-8540-B02EFCFD40A6}" srcOrd="1" destOrd="0" presId="urn:microsoft.com/office/officeart/2005/8/layout/hierarchy1"/>
-    <dgm:cxn modelId="{8173D2F5-EFEE-5040-BCF3-5BD245DBCEB3}" type="presParOf" srcId="{1D949E7F-EC83-BE46-8F09-104E4D16ED17}" destId="{C8AF2DD5-DC55-AE47-828E-E636EF616701}" srcOrd="3" destOrd="0" presId="urn:microsoft.com/office/officeart/2005/8/layout/hierarchy1"/>
-    <dgm:cxn modelId="{9814EC5A-85FC-0248-951A-C3F609A6D833}" type="presParOf" srcId="{C8AF2DD5-DC55-AE47-828E-E636EF616701}" destId="{D5ABED86-35E1-554A-8A44-B02EEFCEC0FC}" srcOrd="0" destOrd="0" presId="urn:microsoft.com/office/officeart/2005/8/layout/hierarchy1"/>
-    <dgm:cxn modelId="{E2407793-8DA6-424C-A40B-4500A4FFCB4F}" type="presParOf" srcId="{D5ABED86-35E1-554A-8A44-B02EEFCEC0FC}" destId="{84CDA947-DB6A-564E-836D-B21C32C70900}" srcOrd="0" destOrd="0" presId="urn:microsoft.com/office/officeart/2005/8/layout/hierarchy1"/>
-    <dgm:cxn modelId="{5F2D79D6-5190-D042-9853-B00630C41133}" type="presParOf" srcId="{D5ABED86-35E1-554A-8A44-B02EEFCEC0FC}" destId="{50EDCB71-E390-1A44-890B-A405FB969471}" srcOrd="1" destOrd="0" presId="urn:microsoft.com/office/officeart/2005/8/layout/hierarchy1"/>
-    <dgm:cxn modelId="{EB7E4D37-E0FE-E743-BD5F-364FB3F618F8}" type="presParOf" srcId="{C8AF2DD5-DC55-AE47-828E-E636EF616701}" destId="{1701D35C-16BE-3549-8530-67BCDED901B9}" srcOrd="1" destOrd="0" presId="urn:microsoft.com/office/officeart/2005/8/layout/hierarchy1"/>
+    <dgm:cxn modelId="{68C11EE5-8AD1-8D4F-B467-5C239A1E5F7B}" type="presOf" srcId="{8CBB3ACB-F94C-4B64-A9A2-9D6B19A96627}" destId="{39039E96-FD2B-494C-9478-20C633317C8B}" srcOrd="0" destOrd="0" presId="urn:microsoft.com/office/officeart/2018/2/layout/IconCircleList"/>
+    <dgm:cxn modelId="{1F9184E9-3A12-A147-9855-8594BD363BBB}" type="presOf" srcId="{0FAAF933-6582-423A-84CF-78BA61695367}" destId="{72A5F892-6E13-4D93-A70E-C3105A4F0106}" srcOrd="0" destOrd="0" presId="urn:microsoft.com/office/officeart/2018/2/layout/IconCircleList"/>
+    <dgm:cxn modelId="{E27AFEEF-43D6-9D4A-AE03-A23C2C4E3BC8}" type="presOf" srcId="{0579760A-C9F7-44C5-9AC2-CA1DAD978627}" destId="{9617AE95-8379-4A80-A0EB-0ADF0C9BB317}" srcOrd="0" destOrd="0" presId="urn:microsoft.com/office/officeart/2018/2/layout/IconCircleList"/>
+    <dgm:cxn modelId="{1763A93F-0D30-D446-8956-CD6B40E0DACB}" type="presParOf" srcId="{33EE4691-38EA-4246-8F13-99BF17DF4166}" destId="{EDF548FC-DF99-4325-896A-2B1D4DA2FACC}" srcOrd="0" destOrd="0" presId="urn:microsoft.com/office/officeart/2018/2/layout/IconCircleList"/>
+    <dgm:cxn modelId="{968AEDC9-19F4-A544-A9B0-CF3A580DB463}" type="presParOf" srcId="{EDF548FC-DF99-4325-896A-2B1D4DA2FACC}" destId="{CCB51F12-672C-40D2-84E0-1A0AC4A51972}" srcOrd="0" destOrd="0" presId="urn:microsoft.com/office/officeart/2018/2/layout/IconCircleList"/>
+    <dgm:cxn modelId="{77581CB7-E882-894D-984F-29C073DB85BF}" type="presParOf" srcId="{CCB51F12-672C-40D2-84E0-1A0AC4A51972}" destId="{A0FF5DB9-1C8B-45ED-AF2B-A070F8B721D6}" srcOrd="0" destOrd="0" presId="urn:microsoft.com/office/officeart/2018/2/layout/IconCircleList"/>
+    <dgm:cxn modelId="{45314548-0EAD-F248-A6AF-5C4FBAB8462E}" type="presParOf" srcId="{CCB51F12-672C-40D2-84E0-1A0AC4A51972}" destId="{B7FB7234-84DA-497E-9BFA-43618066A9A7}" srcOrd="1" destOrd="0" presId="urn:microsoft.com/office/officeart/2018/2/layout/IconCircleList"/>
+    <dgm:cxn modelId="{429F223C-944B-1F47-8C9E-DE9B9C0D2423}" type="presParOf" srcId="{CCB51F12-672C-40D2-84E0-1A0AC4A51972}" destId="{DD5E5741-069A-4369-B9F2-4833C092590A}" srcOrd="2" destOrd="0" presId="urn:microsoft.com/office/officeart/2018/2/layout/IconCircleList"/>
+    <dgm:cxn modelId="{8383C3F5-632A-BC4E-A901-E86AA4C37E9F}" type="presParOf" srcId="{CCB51F12-672C-40D2-84E0-1A0AC4A51972}" destId="{46BCA6E1-CCEB-449B-98D2-DD124A9D1707}" srcOrd="3" destOrd="0" presId="urn:microsoft.com/office/officeart/2018/2/layout/IconCircleList"/>
+    <dgm:cxn modelId="{206E36DC-3976-E945-990D-4F9295589636}" type="presParOf" srcId="{EDF548FC-DF99-4325-896A-2B1D4DA2FACC}" destId="{ACE01038-E638-43C8-8986-E0811AE4FEBC}" srcOrd="1" destOrd="0" presId="urn:microsoft.com/office/officeart/2018/2/layout/IconCircleList"/>
+    <dgm:cxn modelId="{38D08453-DE79-BC42-8E76-4609C4DAFF58}" type="presParOf" srcId="{EDF548FC-DF99-4325-896A-2B1D4DA2FACC}" destId="{BED2C0E5-267A-455B-8632-931C342F9CCA}" srcOrd="2" destOrd="0" presId="urn:microsoft.com/office/officeart/2018/2/layout/IconCircleList"/>
+    <dgm:cxn modelId="{7954B5CA-0A86-7F46-9C4C-E9D400E54FBB}" type="presParOf" srcId="{BED2C0E5-267A-455B-8632-931C342F9CCA}" destId="{D08D8A6C-682B-4F2B-AB2D-A74E7977F9DA}" srcOrd="0" destOrd="0" presId="urn:microsoft.com/office/officeart/2018/2/layout/IconCircleList"/>
+    <dgm:cxn modelId="{D45C0673-FDD3-5048-9AF3-CEB9279BF7C7}" type="presParOf" srcId="{BED2C0E5-267A-455B-8632-931C342F9CCA}" destId="{BB43EBD7-59A2-413E-BFB8-12706015CEE7}" srcOrd="1" destOrd="0" presId="urn:microsoft.com/office/officeart/2018/2/layout/IconCircleList"/>
+    <dgm:cxn modelId="{C49B5593-DAE6-1445-87AC-8A7FA6CBFC59}" type="presParOf" srcId="{BED2C0E5-267A-455B-8632-931C342F9CCA}" destId="{B447A161-00B4-48F2-9390-553A06B9B966}" srcOrd="2" destOrd="0" presId="urn:microsoft.com/office/officeart/2018/2/layout/IconCircleList"/>
+    <dgm:cxn modelId="{3C454BEA-F3A0-3C43-9727-54B3AF2ADA3A}" type="presParOf" srcId="{BED2C0E5-267A-455B-8632-931C342F9CCA}" destId="{15DD64E0-3746-4A5A-80E2-C62B0F3E9103}" srcOrd="3" destOrd="0" presId="urn:microsoft.com/office/officeart/2018/2/layout/IconCircleList"/>
+    <dgm:cxn modelId="{7FBAD0C3-D5C8-2548-96AA-E902CDDACF2B}" type="presParOf" srcId="{EDF548FC-DF99-4325-896A-2B1D4DA2FACC}" destId="{72A5F892-6E13-4D93-A70E-C3105A4F0106}" srcOrd="3" destOrd="0" presId="urn:microsoft.com/office/officeart/2018/2/layout/IconCircleList"/>
+    <dgm:cxn modelId="{B39C351D-37FB-5D49-8F2B-373FCA099E8C}" type="presParOf" srcId="{EDF548FC-DF99-4325-896A-2B1D4DA2FACC}" destId="{796A6E34-97C9-4A22-AADC-3DDAF9F29883}" srcOrd="4" destOrd="0" presId="urn:microsoft.com/office/officeart/2018/2/layout/IconCircleList"/>
+    <dgm:cxn modelId="{08FA3396-5114-934D-AB2D-0F0C8EB4DDC7}" type="presParOf" srcId="{796A6E34-97C9-4A22-AADC-3DDAF9F29883}" destId="{F38EA938-ED9F-4773-98D1-AB5ECED19E93}" srcOrd="0" destOrd="0" presId="urn:microsoft.com/office/officeart/2018/2/layout/IconCircleList"/>
+    <dgm:cxn modelId="{D9F6F7C3-66FF-CA49-AAFF-89EF9E1E99AB}" type="presParOf" srcId="{796A6E34-97C9-4A22-AADC-3DDAF9F29883}" destId="{C0F0952F-845F-437C-BF3A-913B6A14FCB4}" srcOrd="1" destOrd="0" presId="urn:microsoft.com/office/officeart/2018/2/layout/IconCircleList"/>
+    <dgm:cxn modelId="{21066C13-7258-0B45-9B81-A3740A8DE025}" type="presParOf" srcId="{796A6E34-97C9-4A22-AADC-3DDAF9F29883}" destId="{878696BE-D41C-4132-AA07-8C7ECD74D4A4}" srcOrd="2" destOrd="0" presId="urn:microsoft.com/office/officeart/2018/2/layout/IconCircleList"/>
+    <dgm:cxn modelId="{29B8A9DC-D567-8B42-A693-5FB8C8407008}" type="presParOf" srcId="{796A6E34-97C9-4A22-AADC-3DDAF9F29883}" destId="{39039E96-FD2B-494C-9478-20C633317C8B}" srcOrd="3" destOrd="0" presId="urn:microsoft.com/office/officeart/2018/2/layout/IconCircleList"/>
+    <dgm:cxn modelId="{1A4C44F7-C865-2E4C-A657-E6783B5FE54F}" type="presParOf" srcId="{EDF548FC-DF99-4325-896A-2B1D4DA2FACC}" destId="{EC616105-0A5C-4FD6-B5DB-47A5F2A49CE9}" srcOrd="5" destOrd="0" presId="urn:microsoft.com/office/officeart/2018/2/layout/IconCircleList"/>
+    <dgm:cxn modelId="{66B81CAD-1DEE-2A4B-8656-D7448BBD7632}" type="presParOf" srcId="{EDF548FC-DF99-4325-896A-2B1D4DA2FACC}" destId="{7736C5B8-F998-4D17-9F97-6B69A5AF2D17}" srcOrd="6" destOrd="0" presId="urn:microsoft.com/office/officeart/2018/2/layout/IconCircleList"/>
+    <dgm:cxn modelId="{ED78BC2B-B0F2-5E44-8CE6-FD3CFAADE22D}" type="presParOf" srcId="{7736C5B8-F998-4D17-9F97-6B69A5AF2D17}" destId="{FF884DF0-35D4-4341-AAE0-5BB1C8113942}" srcOrd="0" destOrd="0" presId="urn:microsoft.com/office/officeart/2018/2/layout/IconCircleList"/>
+    <dgm:cxn modelId="{84226998-8EFA-E544-B055-365475AE5524}" type="presParOf" srcId="{7736C5B8-F998-4D17-9F97-6B69A5AF2D17}" destId="{184F7FE1-A173-4106-B76E-9CEA8A63559E}" srcOrd="1" destOrd="0" presId="urn:microsoft.com/office/officeart/2018/2/layout/IconCircleList"/>
+    <dgm:cxn modelId="{11DA05CE-E6BB-1A41-8465-565FDBFBC4D5}" type="presParOf" srcId="{7736C5B8-F998-4D17-9F97-6B69A5AF2D17}" destId="{ED96A9BF-1094-47D6-9BF0-C85552B0259F}" srcOrd="2" destOrd="0" presId="urn:microsoft.com/office/officeart/2018/2/layout/IconCircleList"/>
+    <dgm:cxn modelId="{5D75D06D-D298-3C41-BACD-3152284589B1}" type="presParOf" srcId="{7736C5B8-F998-4D17-9F97-6B69A5AF2D17}" destId="{9617AE95-8379-4A80-A0EB-0ADF0C9BB317}" srcOrd="3" destOrd="0" presId="urn:microsoft.com/office/officeart/2018/2/layout/IconCircleList"/>
   </dgm:cxnLst>
   <dgm:bg/>
   <dgm:whole/>
@@ -8633,29 +8919,74 @@
       <dsp:cNvGrpSpPr/>
     </dsp:nvGrpSpPr>
     <dsp:grpSpPr/>
-    <dsp:sp modelId="{7E14B991-29D7-5943-9499-FF9FC3EE1136}">
+    <dsp:sp modelId="{A0FF5DB9-1C8B-45ED-AF2B-A070F8B721D6}">
       <dsp:nvSpPr>
         <dsp:cNvPr id="0" name=""/>
         <dsp:cNvSpPr/>
       </dsp:nvSpPr>
       <dsp:spPr>
         <a:xfrm>
-          <a:off x="3080" y="1364280"/>
-          <a:ext cx="2199649" cy="1396777"/>
+          <a:off x="212335" y="472457"/>
+          <a:ext cx="1335915" cy="1335915"/>
         </a:xfrm>
-        <a:prstGeom prst="roundRect">
-          <a:avLst>
-            <a:gd name="adj" fmla="val 10000"/>
-          </a:avLst>
+        <a:prstGeom prst="ellipse">
+          <a:avLst/>
         </a:prstGeom>
         <a:solidFill>
-          <a:schemeClr val="accent1">
+          <a:schemeClr val="accent2">
+            <a:tint val="40000"/>
             <a:hueOff val="0"/>
             <a:satOff val="0"/>
             <a:lumOff val="0"/>
             <a:alphaOff val="0"/>
           </a:schemeClr>
         </a:solidFill>
+        <a:ln>
+          <a:noFill/>
+        </a:ln>
+        <a:effectLst/>
+      </dsp:spPr>
+      <dsp:style>
+        <a:lnRef idx="0">
+          <a:scrgbClr r="0" g="0" b="0"/>
+        </a:lnRef>
+        <a:fillRef idx="1">
+          <a:scrgbClr r="0" g="0" b="0"/>
+        </a:fillRef>
+        <a:effectRef idx="0">
+          <a:scrgbClr r="0" g="0" b="0"/>
+        </a:effectRef>
+        <a:fontRef idx="minor"/>
+      </dsp:style>
+    </dsp:sp>
+    <dsp:sp modelId="{B7FB7234-84DA-497E-9BFA-43618066A9A7}">
+      <dsp:nvSpPr>
+        <dsp:cNvPr id="0" name=""/>
+        <dsp:cNvSpPr/>
+      </dsp:nvSpPr>
+      <dsp:spPr>
+        <a:xfrm>
+          <a:off x="492877" y="752999"/>
+          <a:ext cx="774830" cy="774830"/>
+        </a:xfrm>
+        <a:prstGeom prst="rect">
+          <a:avLst/>
+        </a:prstGeom>
+        <a:blipFill>
+          <a:blip xmlns:r="http://schemas.openxmlformats.org/officeDocument/2006/relationships" r:embed="rId1">
+            <a:extLst>
+              <a:ext uri="{28A0092B-C50C-407E-A947-70E740481C1C}">
+                <a14:useLocalDpi xmlns:a14="http://schemas.microsoft.com/office/drawing/2010/main" val="0"/>
+              </a:ext>
+              <a:ext uri="{96DAC541-7B7A-43D3-8B79-37D633B846F1}">
+                <asvg:svgBlip xmlns:asvg="http://schemas.microsoft.com/office/drawing/2016/SVG/main" r:embed="rId2"/>
+              </a:ext>
+            </a:extLst>
+          </a:blip>
+          <a:stretch>
+            <a:fillRect/>
+          </a:stretch>
+        </a:blipFill>
         <a:ln w="12700" cap="flat" cmpd="sng" algn="ctr">
           <a:solidFill>
             <a:schemeClr val="lt1">
@@ -8685,46 +9016,212 @@
         </a:fontRef>
       </dsp:style>
     </dsp:sp>
-    <dsp:sp modelId="{2E72C543-DBB1-A941-8038-B31CCAFDD035}">
+    <dsp:sp modelId="{46BCA6E1-CCEB-449B-98D2-DD124A9D1707}">
       <dsp:nvSpPr>
         <dsp:cNvPr id="0" name=""/>
         <dsp:cNvSpPr/>
       </dsp:nvSpPr>
       <dsp:spPr>
         <a:xfrm>
-          <a:off x="247486" y="1596465"/>
-          <a:ext cx="2199649" cy="1396777"/>
+          <a:off x="1834517" y="472457"/>
+          <a:ext cx="3148942" cy="1335915"/>
         </a:xfrm>
-        <a:prstGeom prst="roundRect">
-          <a:avLst>
-            <a:gd name="adj" fmla="val 10000"/>
-          </a:avLst>
+        <a:prstGeom prst="rect">
+          <a:avLst/>
+        </a:prstGeom>
+        <a:noFill/>
+        <a:ln>
+          <a:noFill/>
+        </a:ln>
+        <a:effectLst/>
+      </dsp:spPr>
+      <dsp:style>
+        <a:lnRef idx="0">
+          <a:scrgbClr r="0" g="0" b="0"/>
+        </a:lnRef>
+        <a:fillRef idx="0">
+          <a:scrgbClr r="0" g="0" b="0"/>
+        </a:fillRef>
+        <a:effectRef idx="0">
+          <a:scrgbClr r="0" g="0" b="0"/>
+        </a:effectRef>
+        <a:fontRef idx="minor"/>
+      </dsp:style>
+      <dsp:txBody>
+        <a:bodyPr spcFirstLastPara="0" vert="horz" wrap="square" lIns="0" tIns="0" rIns="0" bIns="0" numCol="1" spcCol="1270" anchor="ctr" anchorCtr="0">
+          <a:noAutofit/>
+        </a:bodyPr>
+        <a:lstStyle/>
+        <a:p>
+          <a:pPr marL="0" lvl="0" indent="0" algn="just" defTabSz="711200">
+            <a:lnSpc>
+              <a:spcPct val="100000"/>
+            </a:lnSpc>
+            <a:spcBef>
+              <a:spcPct val="0"/>
+            </a:spcBef>
+            <a:spcAft>
+              <a:spcPct val="35000"/>
+            </a:spcAft>
+            <a:buNone/>
+          </a:pPr>
+          <a:r>
+            <a:rPr lang="pt-BR" sz="1600" kern="1200" dirty="0" err="1"/>
+            <a:t>This</a:t>
+          </a:r>
+          <a:r>
+            <a:rPr lang="pt-BR" sz="1600" kern="1200" dirty="0"/>
+            <a:t> </a:t>
+          </a:r>
+          <a:r>
+            <a:rPr lang="pt-BR" sz="1600" kern="1200" dirty="0" err="1"/>
+            <a:t>step</a:t>
+          </a:r>
+          <a:r>
+            <a:rPr lang="pt-BR" sz="1600" kern="1200" dirty="0"/>
+            <a:t> </a:t>
+          </a:r>
+          <a:r>
+            <a:rPr lang="pt-BR" sz="1600" b="1" kern="1200" dirty="0" err="1"/>
+            <a:t>aimed</a:t>
+          </a:r>
+          <a:r>
+            <a:rPr lang="pt-BR" sz="1600" b="1" kern="1200" dirty="0"/>
+            <a:t> </a:t>
+          </a:r>
+          <a:r>
+            <a:rPr lang="pt-BR" sz="1600" b="1" kern="1200" dirty="0" err="1"/>
+            <a:t>to</a:t>
+          </a:r>
+          <a:r>
+            <a:rPr lang="pt-BR" sz="1600" b="1" kern="1200" dirty="0"/>
+            <a:t> </a:t>
+          </a:r>
+          <a:r>
+            <a:rPr lang="pt-BR" sz="1600" b="1" kern="1200" dirty="0" err="1"/>
+            <a:t>estimate</a:t>
+          </a:r>
+          <a:r>
+            <a:rPr lang="pt-BR" sz="1600" b="1" kern="1200" dirty="0"/>
+            <a:t> </a:t>
+          </a:r>
+          <a:r>
+            <a:rPr lang="pt-BR" sz="1600" b="1" kern="1200" dirty="0" err="1"/>
+            <a:t>and</a:t>
+          </a:r>
+          <a:r>
+            <a:rPr lang="pt-BR" sz="1600" b="1" kern="1200" dirty="0"/>
+            <a:t> </a:t>
+          </a:r>
+          <a:r>
+            <a:rPr lang="pt-BR" sz="1600" b="1" kern="1200" dirty="0" err="1"/>
+            <a:t>predict</a:t>
+          </a:r>
+          <a:r>
+            <a:rPr lang="pt-BR" sz="1600" b="1" kern="1200" dirty="0"/>
+            <a:t> </a:t>
+          </a:r>
+          <a:r>
+            <a:rPr lang="pt-BR" sz="1600" b="1" kern="1200" dirty="0" err="1"/>
+            <a:t>entity</a:t>
+          </a:r>
+          <a:r>
+            <a:rPr lang="pt-BR" sz="1600" b="1" kern="1200" dirty="0"/>
+            <a:t> </a:t>
+          </a:r>
+          <a:r>
+            <a:rPr lang="pt-BR" sz="1600" b="1" kern="1200" dirty="0" err="1"/>
+            <a:t>states</a:t>
+          </a:r>
+          <a:r>
+            <a:rPr lang="pt-BR" sz="1600" b="1" kern="1200" dirty="0"/>
+            <a:t> </a:t>
+          </a:r>
+          <a:r>
+            <a:rPr lang="pt-BR" sz="1600" kern="1200" dirty="0" err="1"/>
+            <a:t>based</a:t>
+          </a:r>
+          <a:r>
+            <a:rPr lang="pt-BR" sz="1600" kern="1200" dirty="0"/>
+            <a:t> </a:t>
+          </a:r>
+          <a:r>
+            <a:rPr lang="pt-BR" sz="1600" kern="1200" dirty="0" err="1"/>
+            <a:t>on</a:t>
+          </a:r>
+          <a:r>
+            <a:rPr lang="pt-BR" sz="1600" kern="1200" dirty="0"/>
+            <a:t> </a:t>
+          </a:r>
+          <a:r>
+            <a:rPr lang="pt-BR" sz="1600" kern="1200" dirty="0" err="1"/>
+            <a:t>inferred</a:t>
+          </a:r>
+          <a:r>
+            <a:rPr lang="pt-BR" sz="1600" kern="1200" dirty="0"/>
+            <a:t> </a:t>
+          </a:r>
+          <a:r>
+            <a:rPr lang="pt-BR" sz="1600" kern="1200" dirty="0" err="1"/>
+            <a:t>relationships</a:t>
+          </a:r>
+          <a:r>
+            <a:rPr lang="pt-BR" sz="1600" kern="1200" dirty="0"/>
+            <a:t> </a:t>
+          </a:r>
+          <a:r>
+            <a:rPr lang="pt-BR" sz="1600" kern="1200" dirty="0" err="1"/>
+            <a:t>between</a:t>
+          </a:r>
+          <a:r>
+            <a:rPr lang="pt-BR" sz="1600" kern="1200" dirty="0"/>
+            <a:t> </a:t>
+          </a:r>
+          <a:r>
+            <a:rPr lang="pt-BR" sz="1600" kern="1200" dirty="0" err="1"/>
+            <a:t>entities</a:t>
+          </a:r>
+          <a:r>
+            <a:rPr lang="pt-BR" sz="1600" kern="1200" dirty="0"/>
+            <a:t>.</a:t>
+          </a:r>
+          <a:endParaRPr lang="en-US" sz="1600" kern="1200" dirty="0"/>
+        </a:p>
+      </dsp:txBody>
+      <dsp:txXfrm>
+        <a:off x="1834517" y="472457"/>
+        <a:ext cx="3148942" cy="1335915"/>
+      </dsp:txXfrm>
+    </dsp:sp>
+    <dsp:sp modelId="{D08D8A6C-682B-4F2B-AB2D-A74E7977F9DA}">
+      <dsp:nvSpPr>
+        <dsp:cNvPr id="0" name=""/>
+        <dsp:cNvSpPr/>
+      </dsp:nvSpPr>
+      <dsp:spPr>
+        <a:xfrm>
+          <a:off x="5532139" y="472457"/>
+          <a:ext cx="1335915" cy="1335915"/>
+        </a:xfrm>
+        <a:prstGeom prst="ellipse">
+          <a:avLst/>
         </a:prstGeom>
         <a:solidFill>
-          <a:schemeClr val="lt1">
-            <a:alpha val="90000"/>
+          <a:schemeClr val="accent2">
+            <a:tint val="40000"/>
             <a:hueOff val="0"/>
             <a:satOff val="0"/>
             <a:lumOff val="0"/>
             <a:alphaOff val="0"/>
           </a:schemeClr>
         </a:solidFill>
-        <a:ln w="12700" cap="flat" cmpd="sng" algn="ctr">
-          <a:solidFill>
-            <a:schemeClr val="accent1">
-              <a:hueOff val="0"/>
-              <a:satOff val="0"/>
-              <a:lumOff val="0"/>
-              <a:alphaOff val="0"/>
-            </a:schemeClr>
-          </a:solidFill>
-          <a:prstDash val="solid"/>
-          <a:miter lim="800000"/>
+        <a:ln>
+          <a:noFill/>
         </a:ln>
         <a:effectLst/>
       </dsp:spPr>
       <dsp:style>
-        <a:lnRef idx="2">
+        <a:lnRef idx="0">
           <a:scrgbClr r="0" g="0" b="0"/>
         </a:lnRef>
         <a:fillRef idx="1">
@@ -8735,175 +9232,35 @@
         </a:effectRef>
         <a:fontRef idx="minor"/>
       </dsp:style>
-      <dsp:txBody>
-        <a:bodyPr spcFirstLastPara="0" vert="horz" wrap="square" lIns="53340" tIns="53340" rIns="53340" bIns="53340" numCol="1" spcCol="1270" anchor="ctr" anchorCtr="0">
-          <a:noAutofit/>
-        </a:bodyPr>
-        <a:lstStyle/>
-        <a:p>
-          <a:pPr marL="0" lvl="0" indent="0" algn="ctr" defTabSz="622300">
-            <a:lnSpc>
-              <a:spcPct val="90000"/>
-            </a:lnSpc>
-            <a:spcBef>
-              <a:spcPct val="0"/>
-            </a:spcBef>
-            <a:spcAft>
-              <a:spcPct val="35000"/>
-            </a:spcAft>
-            <a:buNone/>
-          </a:pPr>
-          <a:r>
-            <a:rPr lang="pt-BR" sz="1400" kern="1200" dirty="0" err="1"/>
-            <a:t>This</a:t>
-          </a:r>
-          <a:r>
-            <a:rPr lang="pt-BR" sz="1400" kern="1200" dirty="0"/>
-            <a:t> </a:t>
-          </a:r>
-          <a:r>
-            <a:rPr lang="pt-BR" sz="1400" kern="1200" dirty="0" err="1"/>
-            <a:t>step</a:t>
-          </a:r>
-          <a:r>
-            <a:rPr lang="pt-BR" sz="1400" kern="1200" dirty="0"/>
-            <a:t> </a:t>
-          </a:r>
-          <a:r>
-            <a:rPr lang="pt-BR" sz="1400" kern="1200" dirty="0" err="1"/>
-            <a:t>aimed</a:t>
-          </a:r>
-          <a:r>
-            <a:rPr lang="pt-BR" sz="1400" kern="1200" dirty="0"/>
-            <a:t> </a:t>
-          </a:r>
-          <a:r>
-            <a:rPr lang="pt-BR" sz="1400" kern="1200" dirty="0" err="1"/>
-            <a:t>to</a:t>
-          </a:r>
-          <a:r>
-            <a:rPr lang="pt-BR" sz="1400" kern="1200" dirty="0"/>
-            <a:t> </a:t>
-          </a:r>
-          <a:r>
-            <a:rPr lang="pt-BR" sz="1400" kern="1200" dirty="0" err="1"/>
-            <a:t>estimate</a:t>
-          </a:r>
-          <a:r>
-            <a:rPr lang="pt-BR" sz="1400" kern="1200" dirty="0"/>
-            <a:t> </a:t>
-          </a:r>
-          <a:r>
-            <a:rPr lang="pt-BR" sz="1400" kern="1200" dirty="0" err="1"/>
-            <a:t>and</a:t>
-          </a:r>
-          <a:r>
-            <a:rPr lang="pt-BR" sz="1400" kern="1200" dirty="0"/>
-            <a:t> </a:t>
-          </a:r>
-          <a:r>
-            <a:rPr lang="pt-BR" sz="1400" kern="1200" dirty="0" err="1"/>
-            <a:t>predict</a:t>
-          </a:r>
-          <a:r>
-            <a:rPr lang="pt-BR" sz="1400" kern="1200" dirty="0"/>
-            <a:t> </a:t>
-          </a:r>
-          <a:r>
-            <a:rPr lang="pt-BR" sz="1400" kern="1200" dirty="0" err="1"/>
-            <a:t>entity</a:t>
-          </a:r>
-          <a:r>
-            <a:rPr lang="pt-BR" sz="1400" kern="1200" dirty="0"/>
-            <a:t> </a:t>
-          </a:r>
-          <a:r>
-            <a:rPr lang="pt-BR" sz="1400" kern="1200" dirty="0" err="1"/>
-            <a:t>states</a:t>
-          </a:r>
-          <a:r>
-            <a:rPr lang="pt-BR" sz="1400" kern="1200" dirty="0"/>
-            <a:t> </a:t>
-          </a:r>
-          <a:r>
-            <a:rPr lang="pt-BR" sz="1400" kern="1200" dirty="0" err="1"/>
-            <a:t>based</a:t>
-          </a:r>
-          <a:r>
-            <a:rPr lang="pt-BR" sz="1400" kern="1200" dirty="0"/>
-            <a:t> </a:t>
-          </a:r>
-          <a:r>
-            <a:rPr lang="pt-BR" sz="1400" kern="1200" dirty="0" err="1"/>
-            <a:t>on</a:t>
-          </a:r>
-          <a:r>
-            <a:rPr lang="pt-BR" sz="1400" kern="1200" dirty="0"/>
-            <a:t> </a:t>
-          </a:r>
-          <a:r>
-            <a:rPr lang="pt-BR" sz="1400" kern="1200" dirty="0" err="1"/>
-            <a:t>inferred</a:t>
-          </a:r>
-          <a:r>
-            <a:rPr lang="pt-BR" sz="1400" kern="1200" dirty="0"/>
-            <a:t> </a:t>
-          </a:r>
-          <a:r>
-            <a:rPr lang="pt-BR" sz="1400" kern="1200" dirty="0" err="1"/>
-            <a:t>relationships</a:t>
-          </a:r>
-          <a:r>
-            <a:rPr lang="pt-BR" sz="1400" kern="1200" dirty="0"/>
-            <a:t> </a:t>
-          </a:r>
-          <a:r>
-            <a:rPr lang="pt-BR" sz="1400" kern="1200" dirty="0" err="1"/>
-            <a:t>between</a:t>
-          </a:r>
-          <a:r>
-            <a:rPr lang="pt-BR" sz="1400" kern="1200" dirty="0"/>
-            <a:t> </a:t>
-          </a:r>
-          <a:r>
-            <a:rPr lang="pt-BR" sz="1400" kern="1200" dirty="0" err="1"/>
-            <a:t>entities</a:t>
-          </a:r>
-          <a:r>
-            <a:rPr lang="pt-BR" sz="1400" kern="1200" dirty="0"/>
-            <a:t>.</a:t>
-          </a:r>
-          <a:endParaRPr lang="en-US" sz="1400" kern="1200" dirty="0"/>
-        </a:p>
-      </dsp:txBody>
-      <dsp:txXfrm>
-        <a:off x="288396" y="1637375"/>
-        <a:ext cx="2117829" cy="1314957"/>
-      </dsp:txXfrm>
     </dsp:sp>
-    <dsp:sp modelId="{163EF5C3-DF76-A646-B2FF-16DB2B41AC6B}">
+    <dsp:sp modelId="{BB43EBD7-59A2-413E-BFB8-12706015CEE7}">
       <dsp:nvSpPr>
         <dsp:cNvPr id="0" name=""/>
         <dsp:cNvSpPr/>
       </dsp:nvSpPr>
       <dsp:spPr>
         <a:xfrm>
-          <a:off x="2691541" y="1364280"/>
-          <a:ext cx="2199649" cy="1396777"/>
+          <a:off x="5812681" y="752999"/>
+          <a:ext cx="774830" cy="774830"/>
         </a:xfrm>
-        <a:prstGeom prst="roundRect">
-          <a:avLst>
-            <a:gd name="adj" fmla="val 10000"/>
-          </a:avLst>
+        <a:prstGeom prst="rect">
+          <a:avLst/>
         </a:prstGeom>
-        <a:solidFill>
-          <a:schemeClr val="accent1">
-            <a:hueOff val="0"/>
-            <a:satOff val="0"/>
-            <a:lumOff val="0"/>
-            <a:alphaOff val="0"/>
-          </a:schemeClr>
-        </a:solidFill>
+        <a:blipFill>
+          <a:blip xmlns:r="http://schemas.openxmlformats.org/officeDocument/2006/relationships" r:embed="rId3">
+            <a:extLst>
+              <a:ext uri="{28A0092B-C50C-407E-A947-70E740481C1C}">
+                <a14:useLocalDpi xmlns:a14="http://schemas.microsoft.com/office/drawing/2010/main" val="0"/>
+              </a:ext>
+              <a:ext uri="{96DAC541-7B7A-43D3-8B79-37D633B846F1}">
+                <asvg:svgBlip xmlns:asvg="http://schemas.microsoft.com/office/drawing/2016/SVG/main" r:embed="rId4"/>
+              </a:ext>
+            </a:extLst>
+          </a:blip>
+          <a:stretch>
+            <a:fillRect/>
+          </a:stretch>
+        </a:blipFill>
         <a:ln w="12700" cap="flat" cmpd="sng" algn="ctr">
           <a:solidFill>
             <a:schemeClr val="lt1">
@@ -8933,46 +9290,200 @@
         </a:fontRef>
       </dsp:style>
     </dsp:sp>
-    <dsp:sp modelId="{D49145DE-73D1-9248-8718-E50CC895990F}">
+    <dsp:sp modelId="{15DD64E0-3746-4A5A-80E2-C62B0F3E9103}">
       <dsp:nvSpPr>
         <dsp:cNvPr id="0" name=""/>
         <dsp:cNvSpPr/>
       </dsp:nvSpPr>
       <dsp:spPr>
         <a:xfrm>
-          <a:off x="2935947" y="1596465"/>
-          <a:ext cx="2199649" cy="1396777"/>
+          <a:off x="7154322" y="472457"/>
+          <a:ext cx="3148942" cy="1335915"/>
         </a:xfrm>
-        <a:prstGeom prst="roundRect">
-          <a:avLst>
-            <a:gd name="adj" fmla="val 10000"/>
-          </a:avLst>
+        <a:prstGeom prst="rect">
+          <a:avLst/>
+        </a:prstGeom>
+        <a:noFill/>
+        <a:ln>
+          <a:noFill/>
+        </a:ln>
+        <a:effectLst/>
+      </dsp:spPr>
+      <dsp:style>
+        <a:lnRef idx="0">
+          <a:scrgbClr r="0" g="0" b="0"/>
+        </a:lnRef>
+        <a:fillRef idx="0">
+          <a:scrgbClr r="0" g="0" b="0"/>
+        </a:fillRef>
+        <a:effectRef idx="0">
+          <a:scrgbClr r="0" g="0" b="0"/>
+        </a:effectRef>
+        <a:fontRef idx="minor"/>
+      </dsp:style>
+      <dsp:txBody>
+        <a:bodyPr spcFirstLastPara="0" vert="horz" wrap="square" lIns="0" tIns="0" rIns="0" bIns="0" numCol="1" spcCol="1270" anchor="ctr" anchorCtr="0">
+          <a:noAutofit/>
+        </a:bodyPr>
+        <a:lstStyle/>
+        <a:p>
+          <a:pPr marL="0" lvl="0" indent="0" algn="just" defTabSz="711200">
+            <a:lnSpc>
+              <a:spcPct val="100000"/>
+            </a:lnSpc>
+            <a:spcBef>
+              <a:spcPct val="0"/>
+            </a:spcBef>
+            <a:spcAft>
+              <a:spcPct val="35000"/>
+            </a:spcAft>
+            <a:buNone/>
+          </a:pPr>
+          <a:r>
+            <a:rPr lang="pt-BR" sz="1600" kern="1200" dirty="0" err="1"/>
+            <a:t>Using</a:t>
+          </a:r>
+          <a:r>
+            <a:rPr lang="pt-BR" sz="1600" kern="1200" dirty="0"/>
+            <a:t> </a:t>
+          </a:r>
+          <a:r>
+            <a:rPr lang="pt-BR" sz="1600" kern="1200" dirty="0" err="1"/>
+            <a:t>the</a:t>
+          </a:r>
+          <a:r>
+            <a:rPr lang="pt-BR" sz="1600" kern="1200" dirty="0"/>
+            <a:t> </a:t>
+          </a:r>
+          <a:r>
+            <a:rPr lang="pt-BR" sz="1600" kern="1200" dirty="0" err="1"/>
+            <a:t>architecture</a:t>
+          </a:r>
+          <a:r>
+            <a:rPr lang="pt-BR" sz="1600" kern="1200" dirty="0"/>
+            <a:t> </a:t>
+          </a:r>
+          <a:r>
+            <a:rPr lang="pt-BR" sz="1600" kern="1200" dirty="0" err="1"/>
+            <a:t>constructed</a:t>
+          </a:r>
+          <a:r>
+            <a:rPr lang="pt-BR" sz="1600" kern="1200" dirty="0"/>
+            <a:t> in </a:t>
+          </a:r>
+          <a:r>
+            <a:rPr lang="pt-BR" sz="1600" kern="1200" dirty="0" err="1"/>
+            <a:t>Level</a:t>
+          </a:r>
+          <a:r>
+            <a:rPr lang="pt-BR" sz="1600" kern="1200" dirty="0"/>
+            <a:t> 1, a </a:t>
+          </a:r>
+          <a:r>
+            <a:rPr lang="pt-BR" sz="1600" b="1" kern="1200" dirty="0" err="1"/>
+            <a:t>report</a:t>
+          </a:r>
+          <a:r>
+            <a:rPr lang="pt-BR" sz="1600" b="1" kern="1200" dirty="0"/>
+            <a:t> </a:t>
+          </a:r>
+          <a:r>
+            <a:rPr lang="pt-BR" sz="1600" b="1" kern="1200" dirty="0" err="1"/>
+            <a:t>was</a:t>
+          </a:r>
+          <a:r>
+            <a:rPr lang="pt-BR" sz="1600" b="1" kern="1200" dirty="0"/>
+            <a:t> </a:t>
+          </a:r>
+          <a:r>
+            <a:rPr lang="pt-BR" sz="1600" b="1" kern="1200" dirty="0" err="1"/>
+            <a:t>built</a:t>
+          </a:r>
+          <a:r>
+            <a:rPr lang="pt-BR" sz="1600" b="1" kern="1200" dirty="0"/>
+            <a:t> </a:t>
+          </a:r>
+          <a:r>
+            <a:rPr lang="pt-BR" sz="1600" b="1" kern="1200" dirty="0" err="1"/>
+            <a:t>to</a:t>
+          </a:r>
+          <a:r>
+            <a:rPr lang="pt-BR" sz="1600" b="1" kern="1200" dirty="0"/>
+            <a:t> </a:t>
+          </a:r>
+          <a:r>
+            <a:rPr lang="pt-BR" sz="1600" b="1" kern="1200" dirty="0" err="1"/>
+            <a:t>list</a:t>
+          </a:r>
+          <a:r>
+            <a:rPr lang="pt-BR" sz="1600" b="1" kern="1200" dirty="0"/>
+            <a:t> data </a:t>
+          </a:r>
+          <a:r>
+            <a:rPr lang="pt-BR" sz="1600" b="1" kern="1200" dirty="0" err="1"/>
+            <a:t>by</a:t>
+          </a:r>
+          <a:r>
+            <a:rPr lang="pt-BR" sz="1600" b="1" kern="1200" dirty="0"/>
+            <a:t> </a:t>
+          </a:r>
+          <a:r>
+            <a:rPr lang="pt-BR" sz="1600" b="1" kern="1200" dirty="0" err="1"/>
+            <a:t>device</a:t>
+          </a:r>
+          <a:r>
+            <a:rPr lang="pt-BR" sz="1600" b="1" kern="1200" dirty="0"/>
+            <a:t> ID, </a:t>
+          </a:r>
+          <a:r>
+            <a:rPr lang="pt-BR" sz="1600" b="1" kern="1200" dirty="0" err="1"/>
+            <a:t>generating</a:t>
+          </a:r>
+          <a:r>
+            <a:rPr lang="pt-BR" sz="1600" b="1" kern="1200" dirty="0"/>
+            <a:t> a CSV file</a:t>
+          </a:r>
+          <a:r>
+            <a:rPr lang="pt-BR" sz="1600" kern="1200" dirty="0"/>
+            <a:t>.</a:t>
+          </a:r>
+          <a:endParaRPr lang="en-US" sz="1600" kern="1200" dirty="0"/>
+        </a:p>
+      </dsp:txBody>
+      <dsp:txXfrm>
+        <a:off x="7154322" y="472457"/>
+        <a:ext cx="3148942" cy="1335915"/>
+      </dsp:txXfrm>
+    </dsp:sp>
+    <dsp:sp modelId="{F38EA938-ED9F-4773-98D1-AB5ECED19E93}">
+      <dsp:nvSpPr>
+        <dsp:cNvPr id="0" name=""/>
+        <dsp:cNvSpPr/>
+      </dsp:nvSpPr>
+      <dsp:spPr>
+        <a:xfrm>
+          <a:off x="212335" y="2549151"/>
+          <a:ext cx="1335915" cy="1335915"/>
+        </a:xfrm>
+        <a:prstGeom prst="ellipse">
+          <a:avLst/>
         </a:prstGeom>
         <a:solidFill>
-          <a:schemeClr val="lt1">
-            <a:alpha val="90000"/>
+          <a:schemeClr val="accent2">
+            <a:tint val="40000"/>
             <a:hueOff val="0"/>
             <a:satOff val="0"/>
             <a:lumOff val="0"/>
             <a:alphaOff val="0"/>
           </a:schemeClr>
         </a:solidFill>
-        <a:ln w="12700" cap="flat" cmpd="sng" algn="ctr">
-          <a:solidFill>
-            <a:schemeClr val="accent1">
-              <a:hueOff val="0"/>
-              <a:satOff val="0"/>
-              <a:lumOff val="0"/>
-              <a:alphaOff val="0"/>
-            </a:schemeClr>
-          </a:solidFill>
-          <a:prstDash val="solid"/>
-          <a:miter lim="800000"/>
+        <a:ln>
+          <a:noFill/>
         </a:ln>
         <a:effectLst/>
       </dsp:spPr>
       <dsp:style>
-        <a:lnRef idx="2">
+        <a:lnRef idx="0">
           <a:scrgbClr r="0" g="0" b="0"/>
         </a:lnRef>
         <a:fillRef idx="1">
@@ -8983,159 +9494,35 @@
         </a:effectRef>
         <a:fontRef idx="minor"/>
       </dsp:style>
-      <dsp:txBody>
-        <a:bodyPr spcFirstLastPara="0" vert="horz" wrap="square" lIns="53340" tIns="53340" rIns="53340" bIns="53340" numCol="1" spcCol="1270" anchor="ctr" anchorCtr="0">
-          <a:noAutofit/>
-        </a:bodyPr>
-        <a:lstStyle/>
-        <a:p>
-          <a:pPr marL="0" lvl="0" indent="0" algn="ctr" defTabSz="622300">
-            <a:lnSpc>
-              <a:spcPct val="90000"/>
-            </a:lnSpc>
-            <a:spcBef>
-              <a:spcPct val="0"/>
-            </a:spcBef>
-            <a:spcAft>
-              <a:spcPct val="35000"/>
-            </a:spcAft>
-            <a:buNone/>
-          </a:pPr>
-          <a:r>
-            <a:rPr lang="pt-BR" sz="1400" kern="1200" dirty="0" err="1"/>
-            <a:t>Using</a:t>
-          </a:r>
-          <a:r>
-            <a:rPr lang="pt-BR" sz="1400" kern="1200" dirty="0"/>
-            <a:t> </a:t>
-          </a:r>
-          <a:r>
-            <a:rPr lang="pt-BR" sz="1400" kern="1200" dirty="0" err="1"/>
-            <a:t>the</a:t>
-          </a:r>
-          <a:r>
-            <a:rPr lang="pt-BR" sz="1400" kern="1200" dirty="0"/>
-            <a:t> </a:t>
-          </a:r>
-          <a:r>
-            <a:rPr lang="pt-BR" sz="1400" kern="1200" dirty="0" err="1"/>
-            <a:t>architecture</a:t>
-          </a:r>
-          <a:r>
-            <a:rPr lang="pt-BR" sz="1400" kern="1200" dirty="0"/>
-            <a:t> </a:t>
-          </a:r>
-          <a:r>
-            <a:rPr lang="pt-BR" sz="1400" kern="1200" dirty="0" err="1"/>
-            <a:t>constructed</a:t>
-          </a:r>
-          <a:r>
-            <a:rPr lang="pt-BR" sz="1400" kern="1200" dirty="0"/>
-            <a:t> in </a:t>
-          </a:r>
-          <a:r>
-            <a:rPr lang="pt-BR" sz="1400" kern="1200" dirty="0" err="1"/>
-            <a:t>Level</a:t>
-          </a:r>
-          <a:r>
-            <a:rPr lang="pt-BR" sz="1400" kern="1200" dirty="0"/>
-            <a:t> 1, a </a:t>
-          </a:r>
-          <a:r>
-            <a:rPr lang="pt-BR" sz="1400" kern="1200" dirty="0" err="1"/>
-            <a:t>report</a:t>
-          </a:r>
-          <a:r>
-            <a:rPr lang="pt-BR" sz="1400" kern="1200" dirty="0"/>
-            <a:t> </a:t>
-          </a:r>
-          <a:r>
-            <a:rPr lang="pt-BR" sz="1400" kern="1200" dirty="0" err="1"/>
-            <a:t>was</a:t>
-          </a:r>
-          <a:r>
-            <a:rPr lang="pt-BR" sz="1400" kern="1200" dirty="0"/>
-            <a:t> </a:t>
-          </a:r>
-          <a:r>
-            <a:rPr lang="pt-BR" sz="1400" kern="1200" dirty="0" err="1"/>
-            <a:t>built</a:t>
-          </a:r>
-          <a:r>
-            <a:rPr lang="pt-BR" sz="1400" kern="1200" dirty="0"/>
-            <a:t> </a:t>
-          </a:r>
-          <a:r>
-            <a:rPr lang="pt-BR" sz="1400" kern="1200" dirty="0" err="1"/>
-            <a:t>to</a:t>
-          </a:r>
-          <a:r>
-            <a:rPr lang="pt-BR" sz="1400" kern="1200" dirty="0"/>
-            <a:t> </a:t>
-          </a:r>
-          <a:r>
-            <a:rPr lang="pt-BR" sz="1400" kern="1200" dirty="0" err="1"/>
-            <a:t>list</a:t>
-          </a:r>
-          <a:r>
-            <a:rPr lang="pt-BR" sz="1400" kern="1200" dirty="0"/>
-            <a:t> data </a:t>
-          </a:r>
-          <a:r>
-            <a:rPr lang="pt-BR" sz="1400" kern="1200" dirty="0" err="1"/>
-            <a:t>by</a:t>
-          </a:r>
-          <a:r>
-            <a:rPr lang="pt-BR" sz="1400" kern="1200" dirty="0"/>
-            <a:t> </a:t>
-          </a:r>
-          <a:r>
-            <a:rPr lang="pt-BR" sz="1400" kern="1200" dirty="0" err="1"/>
-            <a:t>device</a:t>
-          </a:r>
-          <a:r>
-            <a:rPr lang="pt-BR" sz="1400" kern="1200" dirty="0"/>
-            <a:t> ID, </a:t>
-          </a:r>
-          <a:r>
-            <a:rPr lang="pt-BR" sz="1400" kern="1200" dirty="0" err="1"/>
-            <a:t>generating</a:t>
-          </a:r>
-          <a:r>
-            <a:rPr lang="pt-BR" sz="1400" kern="1200" dirty="0"/>
-            <a:t> a CSV file.</a:t>
-          </a:r>
-          <a:endParaRPr lang="en-US" sz="1400" kern="1200" dirty="0"/>
-        </a:p>
-      </dsp:txBody>
-      <dsp:txXfrm>
-        <a:off x="2976857" y="1637375"/>
-        <a:ext cx="2117829" cy="1314957"/>
-      </dsp:txXfrm>
     </dsp:sp>
-    <dsp:sp modelId="{6C0767AE-9811-F34F-BC19-816B728B0F15}">
+    <dsp:sp modelId="{C0F0952F-845F-437C-BF3A-913B6A14FCB4}">
       <dsp:nvSpPr>
         <dsp:cNvPr id="0" name=""/>
         <dsp:cNvSpPr/>
       </dsp:nvSpPr>
       <dsp:spPr>
         <a:xfrm>
-          <a:off x="5380002" y="1364280"/>
-          <a:ext cx="2199649" cy="1396777"/>
+          <a:off x="492877" y="2829693"/>
+          <a:ext cx="774830" cy="774830"/>
         </a:xfrm>
-        <a:prstGeom prst="roundRect">
-          <a:avLst>
-            <a:gd name="adj" fmla="val 10000"/>
-          </a:avLst>
+        <a:prstGeom prst="rect">
+          <a:avLst/>
         </a:prstGeom>
-        <a:solidFill>
-          <a:schemeClr val="accent1">
-            <a:hueOff val="0"/>
-            <a:satOff val="0"/>
-            <a:lumOff val="0"/>
-            <a:alphaOff val="0"/>
-          </a:schemeClr>
-        </a:solidFill>
+        <a:blipFill>
+          <a:blip xmlns:r="http://schemas.openxmlformats.org/officeDocument/2006/relationships" r:embed="rId5">
+            <a:extLst>
+              <a:ext uri="{28A0092B-C50C-407E-A947-70E740481C1C}">
+                <a14:useLocalDpi xmlns:a14="http://schemas.microsoft.com/office/drawing/2010/main" val="0"/>
+              </a:ext>
+              <a:ext uri="{96DAC541-7B7A-43D3-8B79-37D633B846F1}">
+                <asvg:svgBlip xmlns:asvg="http://schemas.microsoft.com/office/drawing/2016/SVG/main" r:embed="rId6"/>
+              </a:ext>
+            </a:extLst>
+          </a:blip>
+          <a:stretch>
+            <a:fillRect/>
+          </a:stretch>
+        </a:blipFill>
         <a:ln w="12700" cap="flat" cmpd="sng" algn="ctr">
           <a:solidFill>
             <a:schemeClr val="lt1">
@@ -9165,46 +9552,152 @@
         </a:fontRef>
       </dsp:style>
     </dsp:sp>
-    <dsp:sp modelId="{B279088B-B295-4041-BA40-E22847751672}">
+    <dsp:sp modelId="{39039E96-FD2B-494C-9478-20C633317C8B}">
       <dsp:nvSpPr>
         <dsp:cNvPr id="0" name=""/>
         <dsp:cNvSpPr/>
       </dsp:nvSpPr>
       <dsp:spPr>
         <a:xfrm>
-          <a:off x="5624408" y="1596465"/>
-          <a:ext cx="2199649" cy="1396777"/>
+          <a:off x="1834517" y="2549151"/>
+          <a:ext cx="3148942" cy="1335915"/>
         </a:xfrm>
-        <a:prstGeom prst="roundRect">
-          <a:avLst>
-            <a:gd name="adj" fmla="val 10000"/>
-          </a:avLst>
+        <a:prstGeom prst="rect">
+          <a:avLst/>
+        </a:prstGeom>
+        <a:noFill/>
+        <a:ln>
+          <a:noFill/>
+        </a:ln>
+        <a:effectLst/>
+      </dsp:spPr>
+      <dsp:style>
+        <a:lnRef idx="0">
+          <a:scrgbClr r="0" g="0" b="0"/>
+        </a:lnRef>
+        <a:fillRef idx="0">
+          <a:scrgbClr r="0" g="0" b="0"/>
+        </a:fillRef>
+        <a:effectRef idx="0">
+          <a:scrgbClr r="0" g="0" b="0"/>
+        </a:effectRef>
+        <a:fontRef idx="minor"/>
+      </dsp:style>
+      <dsp:txBody>
+        <a:bodyPr spcFirstLastPara="0" vert="horz" wrap="square" lIns="0" tIns="0" rIns="0" bIns="0" numCol="1" spcCol="1270" anchor="ctr" anchorCtr="0">
+          <a:noAutofit/>
+        </a:bodyPr>
+        <a:lstStyle/>
+        <a:p>
+          <a:pPr marL="0" lvl="0" indent="0" algn="l" defTabSz="711200">
+            <a:lnSpc>
+              <a:spcPct val="100000"/>
+            </a:lnSpc>
+            <a:spcBef>
+              <a:spcPct val="0"/>
+            </a:spcBef>
+            <a:spcAft>
+              <a:spcPct val="35000"/>
+            </a:spcAft>
+            <a:buNone/>
+          </a:pPr>
+          <a:r>
+            <a:rPr lang="pt-BR" sz="1600" kern="1200" dirty="0" err="1"/>
+            <a:t>From</a:t>
+          </a:r>
+          <a:r>
+            <a:rPr lang="pt-BR" sz="1600" kern="1200" dirty="0"/>
+            <a:t> </a:t>
+          </a:r>
+          <a:r>
+            <a:rPr lang="pt-BR" sz="1600" kern="1200" dirty="0" err="1"/>
+            <a:t>this</a:t>
+          </a:r>
+          <a:r>
+            <a:rPr lang="pt-BR" sz="1600" kern="1200" dirty="0"/>
+            <a:t> file, a </a:t>
+          </a:r>
+          <a:r>
+            <a:rPr lang="pt-BR" sz="1600" b="1" kern="1200" dirty="0"/>
+            <a:t>data </a:t>
+          </a:r>
+          <a:r>
+            <a:rPr lang="pt-BR" sz="1600" b="1" kern="1200" dirty="0" err="1"/>
+            <a:t>analysis</a:t>
+          </a:r>
+          <a:r>
+            <a:rPr lang="pt-BR" sz="1600" b="1" kern="1200" dirty="0"/>
+            <a:t> </a:t>
+          </a:r>
+          <a:r>
+            <a:rPr lang="pt-BR" sz="1600" kern="1200" dirty="0" err="1"/>
+            <a:t>process</a:t>
+          </a:r>
+          <a:r>
+            <a:rPr lang="pt-BR" sz="1600" kern="1200" dirty="0"/>
+            <a:t> </a:t>
+          </a:r>
+          <a:r>
+            <a:rPr lang="pt-BR" sz="1600" kern="1200" dirty="0" err="1"/>
+            <a:t>took</a:t>
+          </a:r>
+          <a:r>
+            <a:rPr lang="pt-BR" sz="1600" kern="1200" dirty="0"/>
+            <a:t> </a:t>
+          </a:r>
+          <a:r>
+            <a:rPr lang="pt-BR" sz="1600" kern="1200" dirty="0" err="1"/>
+            <a:t>place</a:t>
+          </a:r>
+          <a:r>
+            <a:rPr lang="pt-BR" sz="1600" kern="1200" dirty="0"/>
+            <a:t> </a:t>
+          </a:r>
+          <a:r>
+            <a:rPr lang="pt-BR" sz="1600" kern="1200" dirty="0" err="1"/>
+            <a:t>using</a:t>
+          </a:r>
+          <a:r>
+            <a:rPr lang="pt-BR" sz="1600" kern="1200" dirty="0"/>
+            <a:t> Microsoft Excel.</a:t>
+          </a:r>
+          <a:endParaRPr lang="en-US" sz="1600" kern="1200" dirty="0"/>
+        </a:p>
+      </dsp:txBody>
+      <dsp:txXfrm>
+        <a:off x="1834517" y="2549151"/>
+        <a:ext cx="3148942" cy="1335915"/>
+      </dsp:txXfrm>
+    </dsp:sp>
+    <dsp:sp modelId="{FF884DF0-35D4-4341-AAE0-5BB1C8113942}">
+      <dsp:nvSpPr>
+        <dsp:cNvPr id="0" name=""/>
+        <dsp:cNvSpPr/>
+      </dsp:nvSpPr>
+      <dsp:spPr>
+        <a:xfrm>
+          <a:off x="5532139" y="2549151"/>
+          <a:ext cx="1335915" cy="1335915"/>
+        </a:xfrm>
+        <a:prstGeom prst="ellipse">
+          <a:avLst/>
         </a:prstGeom>
         <a:solidFill>
-          <a:schemeClr val="lt1">
-            <a:alpha val="90000"/>
+          <a:schemeClr val="accent2">
+            <a:tint val="40000"/>
             <a:hueOff val="0"/>
             <a:satOff val="0"/>
             <a:lumOff val="0"/>
             <a:alphaOff val="0"/>
           </a:schemeClr>
         </a:solidFill>
-        <a:ln w="12700" cap="flat" cmpd="sng" algn="ctr">
-          <a:solidFill>
-            <a:schemeClr val="accent1">
-              <a:hueOff val="0"/>
-              <a:satOff val="0"/>
-              <a:lumOff val="0"/>
-              <a:alphaOff val="0"/>
-            </a:schemeClr>
-          </a:solidFill>
-          <a:prstDash val="solid"/>
-          <a:miter lim="800000"/>
+        <a:ln>
+          <a:noFill/>
         </a:ln>
         <a:effectLst/>
       </dsp:spPr>
       <dsp:style>
-        <a:lnRef idx="2">
+        <a:lnRef idx="0">
           <a:scrgbClr r="0" g="0" b="0"/>
         </a:lnRef>
         <a:fillRef idx="1">
@@ -9215,111 +9708,35 @@
         </a:effectRef>
         <a:fontRef idx="minor"/>
       </dsp:style>
-      <dsp:txBody>
-        <a:bodyPr spcFirstLastPara="0" vert="horz" wrap="square" lIns="53340" tIns="53340" rIns="53340" bIns="53340" numCol="1" spcCol="1270" anchor="ctr" anchorCtr="0">
-          <a:noAutofit/>
-        </a:bodyPr>
-        <a:lstStyle/>
-        <a:p>
-          <a:pPr marL="0" lvl="0" indent="0" algn="ctr" defTabSz="622300">
-            <a:lnSpc>
-              <a:spcPct val="90000"/>
-            </a:lnSpc>
-            <a:spcBef>
-              <a:spcPct val="0"/>
-            </a:spcBef>
-            <a:spcAft>
-              <a:spcPct val="35000"/>
-            </a:spcAft>
-            <a:buNone/>
-          </a:pPr>
-          <a:r>
-            <a:rPr lang="pt-BR" sz="1400" kern="1200" dirty="0" err="1"/>
-            <a:t>From</a:t>
-          </a:r>
-          <a:r>
-            <a:rPr lang="pt-BR" sz="1400" kern="1200" dirty="0"/>
-            <a:t> </a:t>
-          </a:r>
-          <a:r>
-            <a:rPr lang="pt-BR" sz="1400" kern="1200" dirty="0" err="1"/>
-            <a:t>this</a:t>
-          </a:r>
-          <a:r>
-            <a:rPr lang="pt-BR" sz="1400" kern="1200" dirty="0"/>
-            <a:t> file, a data </a:t>
-          </a:r>
-          <a:r>
-            <a:rPr lang="pt-BR" sz="1400" kern="1200" dirty="0" err="1"/>
-            <a:t>analysis</a:t>
-          </a:r>
-          <a:r>
-            <a:rPr lang="pt-BR" sz="1400" kern="1200" dirty="0"/>
-            <a:t> </a:t>
-          </a:r>
-          <a:r>
-            <a:rPr lang="pt-BR" sz="1400" kern="1200" dirty="0" err="1"/>
-            <a:t>process</a:t>
-          </a:r>
-          <a:r>
-            <a:rPr lang="pt-BR" sz="1400" kern="1200" dirty="0"/>
-            <a:t> </a:t>
-          </a:r>
-          <a:r>
-            <a:rPr lang="pt-BR" sz="1400" kern="1200" dirty="0" err="1"/>
-            <a:t>took</a:t>
-          </a:r>
-          <a:r>
-            <a:rPr lang="pt-BR" sz="1400" kern="1200" dirty="0"/>
-            <a:t> </a:t>
-          </a:r>
-          <a:r>
-            <a:rPr lang="pt-BR" sz="1400" kern="1200" dirty="0" err="1"/>
-            <a:t>place</a:t>
-          </a:r>
-          <a:r>
-            <a:rPr lang="pt-BR" sz="1400" kern="1200" dirty="0"/>
-            <a:t> </a:t>
-          </a:r>
-          <a:r>
-            <a:rPr lang="pt-BR" sz="1400" kern="1200" dirty="0" err="1"/>
-            <a:t>using</a:t>
-          </a:r>
-          <a:r>
-            <a:rPr lang="pt-BR" sz="1400" kern="1200" dirty="0"/>
-            <a:t> Microsoft Excel.</a:t>
-          </a:r>
-          <a:endParaRPr lang="en-US" sz="1400" kern="1200" dirty="0"/>
-        </a:p>
-      </dsp:txBody>
-      <dsp:txXfrm>
-        <a:off x="5665318" y="1637375"/>
-        <a:ext cx="2117829" cy="1314957"/>
-      </dsp:txXfrm>
     </dsp:sp>
-    <dsp:sp modelId="{84CDA947-DB6A-564E-836D-B21C32C70900}">
+    <dsp:sp modelId="{184F7FE1-A173-4106-B76E-9CEA8A63559E}">
       <dsp:nvSpPr>
         <dsp:cNvPr id="0" name=""/>
         <dsp:cNvSpPr/>
       </dsp:nvSpPr>
       <dsp:spPr>
         <a:xfrm>
-          <a:off x="8068463" y="1364280"/>
-          <a:ext cx="2199649" cy="1396777"/>
+          <a:off x="5812681" y="2829693"/>
+          <a:ext cx="774830" cy="774830"/>
         </a:xfrm>
-        <a:prstGeom prst="roundRect">
-          <a:avLst>
-            <a:gd name="adj" fmla="val 10000"/>
-          </a:avLst>
+        <a:prstGeom prst="rect">
+          <a:avLst/>
         </a:prstGeom>
-        <a:solidFill>
-          <a:schemeClr val="accent1">
-            <a:hueOff val="0"/>
-            <a:satOff val="0"/>
-            <a:lumOff val="0"/>
-            <a:alphaOff val="0"/>
-          </a:schemeClr>
-        </a:solidFill>
+        <a:blipFill>
+          <a:blip xmlns:r="http://schemas.openxmlformats.org/officeDocument/2006/relationships" r:embed="rId7">
+            <a:extLst>
+              <a:ext uri="{28A0092B-C50C-407E-A947-70E740481C1C}">
+                <a14:useLocalDpi xmlns:a14="http://schemas.microsoft.com/office/drawing/2010/main" val="0"/>
+              </a:ext>
+              <a:ext uri="{96DAC541-7B7A-43D3-8B79-37D633B846F1}">
+                <asvg:svgBlip xmlns:asvg="http://schemas.microsoft.com/office/drawing/2016/SVG/main" r:embed="rId8"/>
+              </a:ext>
+            </a:extLst>
+          </a:blip>
+          <a:stretch>
+            <a:fillRect/>
+          </a:stretch>
+        </a:blipFill>
         <a:ln w="12700" cap="flat" cmpd="sng" algn="ctr">
           <a:solidFill>
             <a:schemeClr val="lt1">
@@ -9349,49 +9766,30 @@
         </a:fontRef>
       </dsp:style>
     </dsp:sp>
-    <dsp:sp modelId="{50EDCB71-E390-1A44-890B-A405FB969471}">
+    <dsp:sp modelId="{9617AE95-8379-4A80-A0EB-0ADF0C9BB317}">
       <dsp:nvSpPr>
         <dsp:cNvPr id="0" name=""/>
         <dsp:cNvSpPr/>
       </dsp:nvSpPr>
       <dsp:spPr>
         <a:xfrm>
-          <a:off x="8312869" y="1596465"/>
-          <a:ext cx="2199649" cy="1396777"/>
+          <a:off x="7154322" y="2549151"/>
+          <a:ext cx="3148942" cy="1335915"/>
         </a:xfrm>
-        <a:prstGeom prst="roundRect">
-          <a:avLst>
-            <a:gd name="adj" fmla="val 10000"/>
-          </a:avLst>
+        <a:prstGeom prst="rect">
+          <a:avLst/>
         </a:prstGeom>
-        <a:solidFill>
-          <a:schemeClr val="lt1">
-            <a:alpha val="90000"/>
-            <a:hueOff val="0"/>
-            <a:satOff val="0"/>
-            <a:lumOff val="0"/>
-            <a:alphaOff val="0"/>
-          </a:schemeClr>
-        </a:solidFill>
-        <a:ln w="12700" cap="flat" cmpd="sng" algn="ctr">
-          <a:solidFill>
-            <a:schemeClr val="accent1">
-              <a:hueOff val="0"/>
-              <a:satOff val="0"/>
-              <a:lumOff val="0"/>
-              <a:alphaOff val="0"/>
-            </a:schemeClr>
-          </a:solidFill>
-          <a:prstDash val="solid"/>
-          <a:miter lim="800000"/>
+        <a:noFill/>
+        <a:ln>
+          <a:noFill/>
         </a:ln>
         <a:effectLst/>
       </dsp:spPr>
       <dsp:style>
-        <a:lnRef idx="2">
+        <a:lnRef idx="0">
           <a:scrgbClr r="0" g="0" b="0"/>
         </a:lnRef>
-        <a:fillRef idx="1">
+        <a:fillRef idx="0">
           <a:scrgbClr r="0" g="0" b="0"/>
         </a:fillRef>
         <a:effectRef idx="0">
@@ -9400,14 +9798,14 @@
         <a:fontRef idx="minor"/>
       </dsp:style>
       <dsp:txBody>
-        <a:bodyPr spcFirstLastPara="0" vert="horz" wrap="square" lIns="53340" tIns="53340" rIns="53340" bIns="53340" numCol="1" spcCol="1270" anchor="ctr" anchorCtr="0">
+        <a:bodyPr spcFirstLastPara="0" vert="horz" wrap="square" lIns="0" tIns="0" rIns="0" bIns="0" numCol="1" spcCol="1270" anchor="ctr" anchorCtr="0">
           <a:noAutofit/>
         </a:bodyPr>
         <a:lstStyle/>
         <a:p>
-          <a:pPr marL="0" lvl="0" indent="0" algn="ctr" defTabSz="622300">
+          <a:pPr marL="0" lvl="0" indent="0" algn="just" defTabSz="711200">
             <a:lnSpc>
-              <a:spcPct val="90000"/>
+              <a:spcPct val="100000"/>
             </a:lnSpc>
             <a:spcBef>
               <a:spcPct val="0"/>
@@ -9418,15 +9816,147 @@
             <a:buNone/>
           </a:pPr>
           <a:r>
-            <a:rPr lang="pt-BR" sz="1400" kern="1200"/>
-            <a:t>This analysis aimed to understand the distribution of values by sensors and to create target personas of digital intoxication.</a:t>
-          </a:r>
-          <a:endParaRPr lang="en-US" sz="1400" kern="1200"/>
+            <a:rPr lang="pt-BR" sz="1600" kern="1200" dirty="0" err="1"/>
+            <a:t>This</a:t>
+          </a:r>
+          <a:r>
+            <a:rPr lang="pt-BR" sz="1600" kern="1200" dirty="0"/>
+            <a:t> </a:t>
+          </a:r>
+          <a:r>
+            <a:rPr lang="pt-BR" sz="1600" kern="1200" dirty="0" err="1"/>
+            <a:t>analysis</a:t>
+          </a:r>
+          <a:r>
+            <a:rPr lang="pt-BR" sz="1600" kern="1200" dirty="0"/>
+            <a:t> </a:t>
+          </a:r>
+          <a:r>
+            <a:rPr lang="pt-BR" sz="1600" b="1" kern="1200" dirty="0" err="1"/>
+            <a:t>aimed</a:t>
+          </a:r>
+          <a:r>
+            <a:rPr lang="pt-BR" sz="1600" b="1" kern="1200" dirty="0"/>
+            <a:t> </a:t>
+          </a:r>
+          <a:r>
+            <a:rPr lang="pt-BR" sz="1600" b="1" kern="1200" dirty="0" err="1"/>
+            <a:t>to</a:t>
+          </a:r>
+          <a:r>
+            <a:rPr lang="pt-BR" sz="1600" b="1" kern="1200" dirty="0"/>
+            <a:t> </a:t>
+          </a:r>
+          <a:r>
+            <a:rPr lang="pt-BR" sz="1600" b="1" kern="1200" dirty="0" err="1"/>
+            <a:t>understand</a:t>
+          </a:r>
+          <a:r>
+            <a:rPr lang="pt-BR" sz="1600" b="1" kern="1200" dirty="0"/>
+            <a:t> </a:t>
+          </a:r>
+          <a:r>
+            <a:rPr lang="pt-BR" sz="1600" b="1" kern="1200" dirty="0" err="1"/>
+            <a:t>the</a:t>
+          </a:r>
+          <a:r>
+            <a:rPr lang="pt-BR" sz="1600" b="1" kern="1200" dirty="0"/>
+            <a:t> </a:t>
+          </a:r>
+          <a:r>
+            <a:rPr lang="pt-BR" sz="1600" b="1" kern="1200" dirty="0" err="1"/>
+            <a:t>distribution</a:t>
+          </a:r>
+          <a:r>
+            <a:rPr lang="pt-BR" sz="1600" b="1" kern="1200" dirty="0"/>
+            <a:t> </a:t>
+          </a:r>
+          <a:r>
+            <a:rPr lang="pt-BR" sz="1600" b="1" kern="1200" dirty="0" err="1"/>
+            <a:t>of</a:t>
+          </a:r>
+          <a:r>
+            <a:rPr lang="pt-BR" sz="1600" b="1" kern="1200" dirty="0"/>
+            <a:t> </a:t>
+          </a:r>
+          <a:r>
+            <a:rPr lang="pt-BR" sz="1600" b="1" kern="1200" dirty="0" err="1"/>
+            <a:t>values</a:t>
+          </a:r>
+          <a:r>
+            <a:rPr lang="pt-BR" sz="1600" b="1" kern="1200" dirty="0"/>
+            <a:t> </a:t>
+          </a:r>
+          <a:r>
+            <a:rPr lang="pt-BR" sz="1600" b="1" kern="1200" dirty="0" err="1"/>
+            <a:t>by</a:t>
+          </a:r>
+          <a:r>
+            <a:rPr lang="pt-BR" sz="1600" b="1" kern="1200" dirty="0"/>
+            <a:t> </a:t>
+          </a:r>
+          <a:r>
+            <a:rPr lang="pt-BR" sz="1600" b="1" kern="1200" dirty="0" err="1"/>
+            <a:t>sensors</a:t>
+          </a:r>
+          <a:r>
+            <a:rPr lang="pt-BR" sz="1600" kern="1200" dirty="0"/>
+            <a:t> </a:t>
+          </a:r>
+          <a:r>
+            <a:rPr lang="pt-BR" sz="1600" kern="1200" dirty="0" err="1"/>
+            <a:t>and</a:t>
+          </a:r>
+          <a:r>
+            <a:rPr lang="pt-BR" sz="1600" kern="1200" dirty="0"/>
+            <a:t> </a:t>
+          </a:r>
+          <a:r>
+            <a:rPr lang="pt-BR" sz="1600" kern="1200" dirty="0" err="1"/>
+            <a:t>to</a:t>
+          </a:r>
+          <a:r>
+            <a:rPr lang="pt-BR" sz="1600" kern="1200" dirty="0"/>
+            <a:t> </a:t>
+          </a:r>
+          <a:r>
+            <a:rPr lang="pt-BR" sz="1600" kern="1200" dirty="0" err="1"/>
+            <a:t>create</a:t>
+          </a:r>
+          <a:r>
+            <a:rPr lang="pt-BR" sz="1600" kern="1200" dirty="0"/>
+            <a:t> </a:t>
+          </a:r>
+          <a:r>
+            <a:rPr lang="pt-BR" sz="1600" kern="1200" dirty="0" err="1"/>
+            <a:t>target</a:t>
+          </a:r>
+          <a:r>
+            <a:rPr lang="pt-BR" sz="1600" kern="1200" dirty="0"/>
+            <a:t> personas </a:t>
+          </a:r>
+          <a:r>
+            <a:rPr lang="pt-BR" sz="1600" kern="1200" dirty="0" err="1"/>
+            <a:t>of</a:t>
+          </a:r>
+          <a:r>
+            <a:rPr lang="pt-BR" sz="1600" kern="1200" dirty="0"/>
+            <a:t> digital </a:t>
+          </a:r>
+          <a:r>
+            <a:rPr lang="pt-BR" sz="1600" kern="1200" dirty="0" err="1"/>
+            <a:t>intoxication</a:t>
+          </a:r>
+          <a:r>
+            <a:rPr lang="pt-BR" sz="1600" kern="1200" dirty="0"/>
+            <a:t>.</a:t>
+          </a:r>
+          <a:endParaRPr lang="en-US" sz="1600" kern="1200" dirty="0"/>
         </a:p>
       </dsp:txBody>
       <dsp:txXfrm>
-        <a:off x="8353779" y="1637375"/>
-        <a:ext cx="2117829" cy="1314957"/>
+        <a:off x="7154322" y="2549151"/>
+        <a:ext cx="3148942" cy="1335915"/>
       </dsp:txXfrm>
     </dsp:sp>
   </dsp:spTree>
@@ -10929,565 +11459,214 @@
 </file>
 
 <file path=ppt/diagrams/layout4.xml><?xml version="1.0" encoding="utf-8"?>
-<dgm:layoutDef xmlns:dgm="http://schemas.openxmlformats.org/drawingml/2006/diagram" xmlns:a="http://schemas.openxmlformats.org/drawingml/2006/main" uniqueId="urn:microsoft.com/office/officeart/2005/8/layout/hierarchy1">
-  <dgm:title val=""/>
-  <dgm:desc val=""/>
+<dgm:layoutDef xmlns:dgm="http://schemas.openxmlformats.org/drawingml/2006/diagram" xmlns:a="http://schemas.openxmlformats.org/drawingml/2006/main" uniqueId="urn:microsoft.com/office/officeart/2018/2/layout/IconCircleList">
+  <dgm:title val="Icon Circle List"/>
+  <dgm:desc val="Use to show non-sequential or grouped chunks of information accompanied by related visuals. Circular shapes can hold an icon or small picture and corresponding text box shows Level 1 text. Works best for icons or small pictures with medium-length descriptions."/>
   <dgm:catLst>
-    <dgm:cat type="hierarchy" pri="2000"/>
+    <dgm:cat type="icon" pri="500"/>
   </dgm:catLst>
-  <dgm:sampData>
+  <dgm:sampData useDef="1">
     <dgm:dataModel>
-      <dgm:ptLst>
-        <dgm:pt modelId="0" type="doc"/>
-        <dgm:pt modelId="1">
-          <dgm:prSet phldr="1"/>
-        </dgm:pt>
-        <dgm:pt modelId="2">
-          <dgm:prSet phldr="1"/>
-        </dgm:pt>
-        <dgm:pt modelId="21">
-          <dgm:prSet phldr="1"/>
-        </dgm:pt>
-        <dgm:pt modelId="22">
-          <dgm:prSet phldr="1"/>
-        </dgm:pt>
-        <dgm:pt modelId="3">
-          <dgm:prSet phldr="1"/>
-        </dgm:pt>
-        <dgm:pt modelId="31">
-          <dgm:prSet phldr="1"/>
-        </dgm:pt>
-      </dgm:ptLst>
-      <dgm:cxnLst>
-        <dgm:cxn modelId="4" srcId="0" destId="1" srcOrd="0" destOrd="0"/>
-        <dgm:cxn modelId="5" srcId="1" destId="2" srcOrd="0" destOrd="0"/>
-        <dgm:cxn modelId="6" srcId="1" destId="3" srcOrd="1" destOrd="0"/>
-        <dgm:cxn modelId="23" srcId="2" destId="21" srcOrd="0" destOrd="0"/>
-        <dgm:cxn modelId="24" srcId="2" destId="22" srcOrd="1" destOrd="0"/>
-        <dgm:cxn modelId="33" srcId="3" destId="31" srcOrd="0" destOrd="0"/>
-      </dgm:cxnLst>
+      <dgm:ptLst/>
       <dgm:bg/>
       <dgm:whole/>
     </dgm:dataModel>
   </dgm:sampData>
-  <dgm:styleData>
+  <dgm:styleData useDef="1">
     <dgm:dataModel>
-      <dgm:ptLst>
-        <dgm:pt modelId="0" type="doc"/>
-        <dgm:pt modelId="1"/>
-        <dgm:pt modelId="11"/>
-        <dgm:pt modelId="12"/>
-      </dgm:ptLst>
-      <dgm:cxnLst>
-        <dgm:cxn modelId="2" srcId="0" destId="1" srcOrd="0" destOrd="0"/>
-        <dgm:cxn modelId="13" srcId="1" destId="11" srcOrd="0" destOrd="0"/>
-        <dgm:cxn modelId="14" srcId="1" destId="12" srcOrd="1" destOrd="0"/>
-      </dgm:cxnLst>
+      <dgm:ptLst/>
       <dgm:bg/>
       <dgm:whole/>
     </dgm:dataModel>
   </dgm:styleData>
-  <dgm:clrData>
+  <dgm:clrData useDef="1">
     <dgm:dataModel>
-      <dgm:ptLst>
-        <dgm:pt modelId="0" type="doc"/>
-        <dgm:pt modelId="1"/>
-        <dgm:pt modelId="2"/>
-        <dgm:pt modelId="21"/>
-        <dgm:pt modelId="211"/>
-        <dgm:pt modelId="3"/>
-        <dgm:pt modelId="31"/>
-        <dgm:pt modelId="311"/>
-      </dgm:ptLst>
-      <dgm:cxnLst>
-        <dgm:cxn modelId="4" srcId="0" destId="1" srcOrd="0" destOrd="0"/>
-        <dgm:cxn modelId="5" srcId="1" destId="2" srcOrd="0" destOrd="0"/>
-        <dgm:cxn modelId="6" srcId="1" destId="3" srcOrd="1" destOrd="0"/>
-        <dgm:cxn modelId="23" srcId="2" destId="21" srcOrd="0" destOrd="0"/>
-        <dgm:cxn modelId="24" srcId="21" destId="211" srcOrd="0" destOrd="0"/>
-        <dgm:cxn modelId="33" srcId="3" destId="31" srcOrd="0" destOrd="0"/>
-        <dgm:cxn modelId="34" srcId="31" destId="311" srcOrd="0" destOrd="0"/>
-      </dgm:cxnLst>
+      <dgm:ptLst/>
       <dgm:bg/>
       <dgm:whole/>
     </dgm:dataModel>
   </dgm:clrData>
-  <dgm:layoutNode name="hierChild1">
+  <dgm:layoutNode name="root">
     <dgm:varLst>
-      <dgm:chPref val="1"/>
       <dgm:dir/>
-      <dgm:animOne val="branch"/>
-      <dgm:animLvl val="lvl"/>
-      <dgm:resizeHandles/>
+      <dgm:resizeHandles val="exact"/>
     </dgm:varLst>
-    <dgm:choose name="Name0">
-      <dgm:if name="Name1" func="var" arg="dir" op="equ" val="norm">
-        <dgm:alg type="hierChild">
-          <dgm:param type="linDir" val="fromL"/>
-        </dgm:alg>
-      </dgm:if>
-      <dgm:else name="Name2">
-        <dgm:alg type="hierChild">
-          <dgm:param type="linDir" val="fromR"/>
-        </dgm:alg>
-      </dgm:else>
-    </dgm:choose>
+    <dgm:alg type="sp"/>
     <dgm:shape xmlns:r="http://schemas.openxmlformats.org/officeDocument/2006/relationships" r:blip="">
       <dgm:adjLst/>
     </dgm:shape>
     <dgm:presOf/>
-    <dgm:constrLst>
-      <dgm:constr type="primFontSz" for="des" ptType="node" op="equ" val="65"/>
-      <dgm:constr type="w" for="des" forName="composite" refType="w"/>
-      <dgm:constr type="h" for="des" forName="composite" refType="w" refFor="des" refForName="composite" fact="0.667"/>
-      <dgm:constr type="w" for="des" forName="composite2" refType="w" refFor="des" refForName="composite"/>
-      <dgm:constr type="h" for="des" forName="composite2" refType="h" refFor="des" refForName="composite"/>
-      <dgm:constr type="w" for="des" forName="composite3" refType="w" refFor="des" refForName="composite"/>
-      <dgm:constr type="h" for="des" forName="composite3" refType="h" refFor="des" refForName="composite"/>
-      <dgm:constr type="w" for="des" forName="composite4" refType="w" refFor="des" refForName="composite"/>
-      <dgm:constr type="h" for="des" forName="composite4" refType="h" refFor="des" refForName="composite"/>
-      <dgm:constr type="w" for="des" forName="composite5" refType="w" refFor="des" refForName="composite"/>
-      <dgm:constr type="h" for="des" forName="composite5" refType="h" refFor="des" refForName="composite"/>
-      <dgm:constr type="sibSp" refType="w" refFor="des" refForName="composite" fact="0.1"/>
-      <dgm:constr type="sibSp" for="des" forName="hierChild2" refType="sibSp"/>
-      <dgm:constr type="sibSp" for="des" forName="hierChild3" refType="sibSp"/>
-      <dgm:constr type="sibSp" for="des" forName="hierChild4" refType="sibSp"/>
-      <dgm:constr type="sibSp" for="des" forName="hierChild5" refType="sibSp"/>
-      <dgm:constr type="sibSp" for="des" forName="hierChild6" refType="sibSp"/>
-      <dgm:constr type="sp" for="des" forName="hierRoot1" refType="h" refFor="des" refForName="composite" fact="0.25"/>
-      <dgm:constr type="sp" for="des" forName="hierRoot2" refType="sp" refFor="des" refForName="hierRoot1"/>
-      <dgm:constr type="sp" for="des" forName="hierRoot3" refType="sp" refFor="des" refForName="hierRoot1"/>
-      <dgm:constr type="sp" for="des" forName="hierRoot4" refType="sp" refFor="des" refForName="hierRoot1"/>
-      <dgm:constr type="sp" for="des" forName="hierRoot5" refType="sp" refFor="des" refForName="hierRoot1"/>
-    </dgm:constrLst>
-    <dgm:ruleLst/>
-    <dgm:forEach name="Name3" axis="ch">
-      <dgm:forEach name="Name4" axis="self" ptType="node">
-        <dgm:layoutNode name="hierRoot1">
-          <dgm:alg type="hierRoot"/>
+    <dgm:choose name="Name0">
+      <dgm:if name="Name1" axis="ch" ptType="node" func="cnt" op="lte" val="3">
+        <dgm:constrLst>
+          <dgm:constr type="w" for="ch" forName="container" refType="w"/>
+          <dgm:constr type="h" for="ch" forName="container" refType="h" fact="0.4"/>
+        </dgm:constrLst>
+      </dgm:if>
+      <dgm:else name="Name2">
+        <dgm:constrLst>
+          <dgm:constr type="w" for="ch" forName="container" refType="w"/>
+          <dgm:constr type="h" for="ch" forName="container" refType="h"/>
+        </dgm:constrLst>
+      </dgm:else>
+    </dgm:choose>
+    <dgm:ruleLst>
+      <dgm:rule type="h" for="ch" forName="container" val="INF" fact="NaN" max="NaN"/>
+    </dgm:ruleLst>
+    <dgm:layoutNode name="container">
+      <dgm:varLst>
+        <dgm:dir/>
+        <dgm:resizeHandles val="exact"/>
+      </dgm:varLst>
+      <dgm:choose name="Name3">
+        <dgm:if name="Name4" axis="self" func="var" arg="dir" op="equ" val="norm">
+          <dgm:alg type="snake">
+            <dgm:param type="grDir" val="tL"/>
+            <dgm:param type="flowDir" val="row"/>
+            <dgm:param type="contDir" val="sameDir"/>
+          </dgm:alg>
+        </dgm:if>
+        <dgm:else name="Name5">
+          <dgm:alg type="snake">
+            <dgm:param type="grDir" val="tR"/>
+            <dgm:param type="flowDir" val="row"/>
+            <dgm:param type="contDir" val="sameDir"/>
+          </dgm:alg>
+        </dgm:else>
+      </dgm:choose>
+      <dgm:shape xmlns:r="http://schemas.openxmlformats.org/officeDocument/2006/relationships" r:blip="">
+        <dgm:adjLst/>
+      </dgm:shape>
+      <dgm:presOf/>
+      <dgm:constrLst>
+        <dgm:constr type="w" for="ch" forName="compNode" refType="w"/>
+        <dgm:constr type="h" for="ch" forName="compNode" refType="w" fact="0.28"/>
+        <dgm:constr type="w" for="ch" forName="sibTrans" refType="w" refFor="ch" refForName="compNode" fact="0.115"/>
+        <dgm:constr type="sp" refType="h" op="equ" fact="0.17"/>
+        <dgm:constr type="primFontSz" for="des" ptType="node" op="equ" val="24"/>
+        <dgm:constr type="h" for="des" forName="compNode" op="equ"/>
+        <dgm:constr type="h" for="des" forName="iconBgRect" op="equ"/>
+      </dgm:constrLst>
+      <dgm:ruleLst>
+        <dgm:rule type="w" for="ch" forName="compNode" val="60" fact="NaN" max="NaN"/>
+      </dgm:ruleLst>
+      <dgm:forEach name="Name6" axis="ch" ptType="node">
+        <dgm:layoutNode name="compNode">
+          <dgm:alg type="composite"/>
           <dgm:shape xmlns:r="http://schemas.openxmlformats.org/officeDocument/2006/relationships" r:blip="">
             <dgm:adjLst/>
           </dgm:shape>
-          <dgm:presOf/>
+          <dgm:presOf axis="self"/>
           <dgm:constrLst>
-            <dgm:constr type="bendDist" for="des" ptType="parTrans" refType="sp" fact="0.5"/>
+            <dgm:constr type="w" for="ch" forName="iconBgRect" refType="w" fact="0.28"/>
+            <dgm:constr type="h" for="ch" forName="iconBgRect" refType="w" refFor="ch" refForName="iconBgRect"/>
+            <dgm:constr type="t" for="ch" forName="iconBgRect"/>
+            <dgm:constr type="l" for="ch" forName="iconBgRect"/>
+            <dgm:constr type="w" for="ch" forName="iconRect" refType="w" refFor="ch" refForName="iconBgRect" fact="0.58"/>
+            <dgm:constr type="h" for="ch" forName="iconRect" refType="w" refFor="ch" refForName="iconRect"/>
+            <dgm:constr type="ctrX" for="ch" forName="iconRect" refType="ctrX" refFor="ch" refForName="iconBgRect"/>
+            <dgm:constr type="ctrY" for="ch" forName="iconRect" refType="ctrY" refFor="ch" refForName="iconBgRect"/>
+            <dgm:constr type="w" for="ch" forName="spaceRect" refType="w" fact="0.06"/>
+            <dgm:constr type="h" for="ch" forName="spaceRect" refType="h" refFor="ch" refForName="iconBgRect"/>
+            <dgm:constr type="t" for="ch" forName="spaceRect" refType="t" refFor="ch" refForName="iconBgRect"/>
+            <dgm:constr type="l" for="ch" forName="spaceRect" refType="r" refFor="ch" refForName="iconBgRect"/>
+            <dgm:constr type="h" for="ch" forName="textRect" refType="h" refFor="ch" refForName="iconBgRect"/>
+            <dgm:constr type="t" for="ch" forName="textRect" refType="t" refFor="ch" refForName="iconBgRect"/>
+            <dgm:constr type="l" for="ch" forName="textRect" refType="r" refFor="ch" refForName="spaceRect"/>
           </dgm:constrLst>
           <dgm:ruleLst/>
-          <dgm:layoutNode name="composite">
-            <dgm:alg type="composite"/>
-            <dgm:shape xmlns:r="http://schemas.openxmlformats.org/officeDocument/2006/relationships" r:blip="">
+          <dgm:layoutNode name="iconBgRect" styleLbl="bgShp">
+            <dgm:alg type="sp"/>
+            <dgm:shape xmlns:r="http://schemas.openxmlformats.org/officeDocument/2006/relationships" type="ellipse" r:blip="">
               <dgm:adjLst/>
             </dgm:shape>
             <dgm:presOf/>
-            <dgm:constrLst>
-              <dgm:constr type="w" for="ch" forName="background" refType="w" fact="0.9"/>
-              <dgm:constr type="h" for="ch" forName="background" refType="w" refFor="ch" refForName="background" fact="0.635"/>
-              <dgm:constr type="t" for="ch" forName="background"/>
-              <dgm:constr type="l" for="ch" forName="background"/>
-              <dgm:constr type="w" for="ch" forName="text" refType="w" fact="0.9"/>
-              <dgm:constr type="h" for="ch" forName="text" refType="w" refFor="ch" refForName="text" fact="0.635"/>
-              <dgm:constr type="t" for="ch" forName="text" refType="w" fact="0.095"/>
-              <dgm:constr type="l" for="ch" forName="text" refType="w" fact="0.1"/>
-            </dgm:constrLst>
+            <dgm:constrLst/>
             <dgm:ruleLst/>
-            <dgm:layoutNode name="background" styleLbl="node0" moveWith="text">
-              <dgm:alg type="sp"/>
-              <dgm:shape xmlns:r="http://schemas.openxmlformats.org/officeDocument/2006/relationships" type="roundRect" r:blip="">
-                <dgm:adjLst>
-                  <dgm:adj idx="1" val="0.1"/>
-                </dgm:adjLst>
-              </dgm:shape>
-              <dgm:presOf/>
-              <dgm:constrLst/>
-              <dgm:ruleLst/>
-            </dgm:layoutNode>
-            <dgm:layoutNode name="text" styleLbl="fgAcc0">
-              <dgm:varLst>
-                <dgm:chPref val="3"/>
-              </dgm:varLst>
-              <dgm:alg type="tx"/>
-              <dgm:shape xmlns:r="http://schemas.openxmlformats.org/officeDocument/2006/relationships" type="roundRect" r:blip="">
-                <dgm:adjLst>
-                  <dgm:adj idx="1" val="0.1"/>
-                </dgm:adjLst>
-              </dgm:shape>
-              <dgm:presOf axis="self"/>
-              <dgm:constrLst>
-                <dgm:constr type="tMarg" refType="primFontSz" fact="0.3"/>
-                <dgm:constr type="bMarg" refType="primFontSz" fact="0.3"/>
-                <dgm:constr type="lMarg" refType="primFontSz" fact="0.3"/>
-                <dgm:constr type="rMarg" refType="primFontSz" fact="0.3"/>
-              </dgm:constrLst>
-              <dgm:ruleLst>
-                <dgm:rule type="primFontSz" val="5" fact="NaN" max="NaN"/>
-              </dgm:ruleLst>
-            </dgm:layoutNode>
           </dgm:layoutNode>
-          <dgm:layoutNode name="hierChild2">
-            <dgm:choose name="Name5">
-              <dgm:if name="Name6" func="var" arg="dir" op="equ" val="norm">
-                <dgm:alg type="hierChild">
-                  <dgm:param type="linDir" val="fromL"/>
-                </dgm:alg>
-              </dgm:if>
-              <dgm:else name="Name7">
-                <dgm:alg type="hierChild">
-                  <dgm:param type="linDir" val="fromR"/>
-                </dgm:alg>
-              </dgm:else>
-            </dgm:choose>
+          <dgm:layoutNode name="iconRect" styleLbl="node1">
+            <dgm:alg type="sp"/>
+            <dgm:shape xmlns:r="http://schemas.openxmlformats.org/officeDocument/2006/relationships" type="rect" r:blip="" blipPhldr="1">
+              <dgm:adjLst/>
+            </dgm:shape>
+            <dgm:presOf/>
+            <dgm:constrLst/>
+            <dgm:ruleLst/>
+          </dgm:layoutNode>
+          <dgm:layoutNode name="spaceRect">
+            <dgm:alg type="sp"/>
             <dgm:shape xmlns:r="http://schemas.openxmlformats.org/officeDocument/2006/relationships" r:blip="">
               <dgm:adjLst/>
             </dgm:shape>
             <dgm:presOf/>
             <dgm:constrLst/>
             <dgm:ruleLst/>
-            <dgm:forEach name="Name8" axis="ch">
-              <dgm:forEach name="Name9" axis="self" ptType="parTrans" cnt="1">
-                <dgm:layoutNode name="Name10">
-                  <dgm:alg type="conn">
-                    <dgm:param type="dim" val="1D"/>
-                    <dgm:param type="endSty" val="noArr"/>
-                    <dgm:param type="connRout" val="bend"/>
-                    <dgm:param type="bendPt" val="end"/>
-                    <dgm:param type="begPts" val="bCtr"/>
-                    <dgm:param type="endPts" val="tCtr"/>
-                    <dgm:param type="srcNode" val="background"/>
-                    <dgm:param type="dstNode" val="background2"/>
-                  </dgm:alg>
-                  <dgm:shape xmlns:r="http://schemas.openxmlformats.org/officeDocument/2006/relationships" type="conn" r:blip="" zOrderOff="-999">
-                    <dgm:adjLst/>
-                  </dgm:shape>
-                  <dgm:presOf axis="self"/>
-                  <dgm:constrLst>
-                    <dgm:constr type="begPad"/>
-                    <dgm:constr type="endPad"/>
-                  </dgm:constrLst>
-                  <dgm:ruleLst/>
-                </dgm:layoutNode>
-              </dgm:forEach>
-              <dgm:forEach name="Name11" axis="self" ptType="node">
-                <dgm:layoutNode name="hierRoot2">
-                  <dgm:alg type="hierRoot"/>
-                  <dgm:shape xmlns:r="http://schemas.openxmlformats.org/officeDocument/2006/relationships" r:blip="">
-                    <dgm:adjLst/>
-                  </dgm:shape>
-                  <dgm:presOf/>
-                  <dgm:constrLst>
-                    <dgm:constr type="bendDist" for="des" ptType="parTrans" refType="sp" fact="0.5"/>
-                  </dgm:constrLst>
-                  <dgm:ruleLst/>
-                  <dgm:layoutNode name="composite2">
-                    <dgm:alg type="composite"/>
-                    <dgm:shape xmlns:r="http://schemas.openxmlformats.org/officeDocument/2006/relationships" r:blip="">
-                      <dgm:adjLst/>
-                    </dgm:shape>
-                    <dgm:presOf/>
-                    <dgm:constrLst>
-                      <dgm:constr type="w" for="ch" forName="background2" refType="w" fact="0.9"/>
-                      <dgm:constr type="h" for="ch" forName="background2" refType="w" refFor="ch" refForName="background2" fact="0.635"/>
-                      <dgm:constr type="t" for="ch" forName="background2"/>
-                      <dgm:constr type="l" for="ch" forName="background2"/>
-                      <dgm:constr type="w" for="ch" forName="text2" refType="w" fact="0.9"/>
-                      <dgm:constr type="h" for="ch" forName="text2" refType="w" refFor="ch" refForName="text2" fact="0.635"/>
-                      <dgm:constr type="t" for="ch" forName="text2" refType="w" fact="0.095"/>
-                      <dgm:constr type="l" for="ch" forName="text2" refType="w" fact="0.1"/>
-                    </dgm:constrLst>
-                    <dgm:ruleLst/>
-                    <dgm:layoutNode name="background2" moveWith="text2">
-                      <dgm:alg type="sp"/>
-                      <dgm:shape xmlns:r="http://schemas.openxmlformats.org/officeDocument/2006/relationships" type="roundRect" r:blip="">
-                        <dgm:adjLst>
-                          <dgm:adj idx="1" val="0.1"/>
-                        </dgm:adjLst>
-                      </dgm:shape>
-                      <dgm:presOf/>
-                      <dgm:constrLst/>
-                      <dgm:ruleLst/>
-                    </dgm:layoutNode>
-                    <dgm:layoutNode name="text2" styleLbl="fgAcc2">
-                      <dgm:varLst>
-                        <dgm:chPref val="3"/>
-                      </dgm:varLst>
-                      <dgm:alg type="tx"/>
-                      <dgm:shape xmlns:r="http://schemas.openxmlformats.org/officeDocument/2006/relationships" type="roundRect" r:blip="">
-                        <dgm:adjLst>
-                          <dgm:adj idx="1" val="0.1"/>
-                        </dgm:adjLst>
-                      </dgm:shape>
-                      <dgm:presOf axis="self"/>
-                      <dgm:constrLst>
-                        <dgm:constr type="tMarg" refType="primFontSz" fact="0.3"/>
-                        <dgm:constr type="bMarg" refType="primFontSz" fact="0.3"/>
-                        <dgm:constr type="lMarg" refType="primFontSz" fact="0.3"/>
-                        <dgm:constr type="rMarg" refType="primFontSz" fact="0.3"/>
-                      </dgm:constrLst>
-                      <dgm:ruleLst>
-                        <dgm:rule type="primFontSz" val="5" fact="NaN" max="NaN"/>
-                      </dgm:ruleLst>
-                    </dgm:layoutNode>
-                  </dgm:layoutNode>
-                  <dgm:layoutNode name="hierChild3">
-                    <dgm:choose name="Name12">
-                      <dgm:if name="Name13" func="var" arg="dir" op="equ" val="norm">
-                        <dgm:alg type="hierChild">
-                          <dgm:param type="linDir" val="fromL"/>
-                        </dgm:alg>
-                      </dgm:if>
-                      <dgm:else name="Name14">
-                        <dgm:alg type="hierChild">
-                          <dgm:param type="linDir" val="fromR"/>
-                        </dgm:alg>
-                      </dgm:else>
-                    </dgm:choose>
-                    <dgm:shape xmlns:r="http://schemas.openxmlformats.org/officeDocument/2006/relationships" r:blip="">
-                      <dgm:adjLst/>
-                    </dgm:shape>
-                    <dgm:presOf/>
-                    <dgm:constrLst/>
-                    <dgm:ruleLst/>
-                    <dgm:forEach name="Name15" axis="ch">
-                      <dgm:forEach name="Name16" axis="self" ptType="parTrans" cnt="1">
-                        <dgm:layoutNode name="Name17">
-                          <dgm:alg type="conn">
-                            <dgm:param type="dim" val="1D"/>
-                            <dgm:param type="endSty" val="noArr"/>
-                            <dgm:param type="connRout" val="bend"/>
-                            <dgm:param type="bendPt" val="end"/>
-                            <dgm:param type="begPts" val="bCtr"/>
-                            <dgm:param type="endPts" val="tCtr"/>
-                            <dgm:param type="srcNode" val="background2"/>
-                            <dgm:param type="dstNode" val="background3"/>
-                          </dgm:alg>
-                          <dgm:shape xmlns:r="http://schemas.openxmlformats.org/officeDocument/2006/relationships" type="conn" r:blip="" zOrderOff="-999">
-                            <dgm:adjLst/>
-                          </dgm:shape>
-                          <dgm:presOf axis="self"/>
-                          <dgm:constrLst>
-                            <dgm:constr type="begPad"/>
-                            <dgm:constr type="endPad"/>
-                          </dgm:constrLst>
-                          <dgm:ruleLst/>
-                        </dgm:layoutNode>
-                      </dgm:forEach>
-                      <dgm:forEach name="Name18" axis="self" ptType="node">
-                        <dgm:layoutNode name="hierRoot3">
-                          <dgm:alg type="hierRoot"/>
-                          <dgm:shape xmlns:r="http://schemas.openxmlformats.org/officeDocument/2006/relationships" r:blip="">
-                            <dgm:adjLst/>
-                          </dgm:shape>
-                          <dgm:presOf/>
-                          <dgm:constrLst>
-                            <dgm:constr type="bendDist" for="des" ptType="parTrans" refType="sp" fact="0.5"/>
-                          </dgm:constrLst>
-                          <dgm:ruleLst/>
-                          <dgm:layoutNode name="composite3">
-                            <dgm:alg type="composite"/>
-                            <dgm:shape xmlns:r="http://schemas.openxmlformats.org/officeDocument/2006/relationships" r:blip="">
-                              <dgm:adjLst/>
-                            </dgm:shape>
-                            <dgm:presOf/>
-                            <dgm:constrLst>
-                              <dgm:constr type="w" for="ch" forName="background3" refType="w" fact="0.9"/>
-                              <dgm:constr type="h" for="ch" forName="background3" refType="w" refFor="ch" refForName="background3" fact="0.635"/>
-                              <dgm:constr type="t" for="ch" forName="background3"/>
-                              <dgm:constr type="l" for="ch" forName="background3"/>
-                              <dgm:constr type="w" for="ch" forName="text3" refType="w" fact="0.9"/>
-                              <dgm:constr type="h" for="ch" forName="text3" refType="w" refFor="ch" refForName="text3" fact="0.635"/>
-                              <dgm:constr type="t" for="ch" forName="text3" refType="w" fact="0.095"/>
-                              <dgm:constr type="l" for="ch" forName="text3" refType="w" fact="0.1"/>
-                            </dgm:constrLst>
-                            <dgm:ruleLst/>
-                            <dgm:layoutNode name="background3" moveWith="text3">
-                              <dgm:alg type="sp"/>
-                              <dgm:shape xmlns:r="http://schemas.openxmlformats.org/officeDocument/2006/relationships" type="roundRect" r:blip="">
-                                <dgm:adjLst>
-                                  <dgm:adj idx="1" val="0.1"/>
-                                </dgm:adjLst>
-                              </dgm:shape>
-                              <dgm:presOf/>
-                              <dgm:constrLst/>
-                              <dgm:ruleLst/>
-                            </dgm:layoutNode>
-                            <dgm:layoutNode name="text3" styleLbl="fgAcc3">
-                              <dgm:varLst>
-                                <dgm:chPref val="3"/>
-                              </dgm:varLst>
-                              <dgm:alg type="tx"/>
-                              <dgm:shape xmlns:r="http://schemas.openxmlformats.org/officeDocument/2006/relationships" type="roundRect" r:blip="">
-                                <dgm:adjLst>
-                                  <dgm:adj idx="1" val="0.1"/>
-                                </dgm:adjLst>
-                              </dgm:shape>
-                              <dgm:presOf axis="self"/>
-                              <dgm:constrLst>
-                                <dgm:constr type="tMarg" refType="primFontSz" fact="0.3"/>
-                                <dgm:constr type="bMarg" refType="primFontSz" fact="0.3"/>
-                                <dgm:constr type="lMarg" refType="primFontSz" fact="0.3"/>
-                                <dgm:constr type="rMarg" refType="primFontSz" fact="0.3"/>
-                              </dgm:constrLst>
-                              <dgm:ruleLst>
-                                <dgm:rule type="primFontSz" val="5" fact="NaN" max="NaN"/>
-                              </dgm:ruleLst>
-                            </dgm:layoutNode>
-                          </dgm:layoutNode>
-                          <dgm:layoutNode name="hierChild4">
-                            <dgm:choose name="Name19">
-                              <dgm:if name="Name20" func="var" arg="dir" op="equ" val="norm">
-                                <dgm:alg type="hierChild">
-                                  <dgm:param type="linDir" val="fromL"/>
-                                </dgm:alg>
-                              </dgm:if>
-                              <dgm:else name="Name21">
-                                <dgm:alg type="hierChild">
-                                  <dgm:param type="linDir" val="fromR"/>
-                                </dgm:alg>
-                              </dgm:else>
-                            </dgm:choose>
-                            <dgm:shape xmlns:r="http://schemas.openxmlformats.org/officeDocument/2006/relationships" r:blip="">
-                              <dgm:adjLst/>
-                            </dgm:shape>
-                            <dgm:presOf/>
-                            <dgm:constrLst/>
-                            <dgm:ruleLst/>
-                            <dgm:forEach name="repeat" axis="ch">
-                              <dgm:forEach name="Name22" axis="self" ptType="parTrans" cnt="1">
-                                <dgm:layoutNode name="Name23">
-                                  <dgm:choose name="Name24">
-                                    <dgm:if name="Name25" axis="self" func="depth" op="lte" val="4">
-                                      <dgm:alg type="conn">
-                                        <dgm:param type="dim" val="1D"/>
-                                        <dgm:param type="endSty" val="noArr"/>
-                                        <dgm:param type="connRout" val="bend"/>
-                                        <dgm:param type="bendPt" val="end"/>
-                                        <dgm:param type="begPts" val="bCtr"/>
-                                        <dgm:param type="endPts" val="tCtr"/>
-                                        <dgm:param type="srcNode" val="background3"/>
-                                        <dgm:param type="dstNode" val="background4"/>
-                                      </dgm:alg>
-                                    </dgm:if>
-                                    <dgm:else name="Name26">
-                                      <dgm:alg type="conn">
-                                        <dgm:param type="dim" val="1D"/>
-                                        <dgm:param type="endSty" val="noArr"/>
-                                        <dgm:param type="connRout" val="bend"/>
-                                        <dgm:param type="bendPt" val="end"/>
-                                        <dgm:param type="begPts" val="bCtr"/>
-                                        <dgm:param type="endPts" val="tCtr"/>
-                                        <dgm:param type="srcNode" val="background4"/>
-                                        <dgm:param type="dstNode" val="background4"/>
-                                      </dgm:alg>
-                                    </dgm:else>
-                                  </dgm:choose>
-                                  <dgm:shape xmlns:r="http://schemas.openxmlformats.org/officeDocument/2006/relationships" type="conn" r:blip="" zOrderOff="-999">
-                                    <dgm:adjLst/>
-                                  </dgm:shape>
-                                  <dgm:presOf axis="self"/>
-                                  <dgm:constrLst>
-                                    <dgm:constr type="begPad"/>
-                                    <dgm:constr type="endPad"/>
-                                  </dgm:constrLst>
-                                  <dgm:ruleLst/>
-                                </dgm:layoutNode>
-                              </dgm:forEach>
-                              <dgm:forEach name="Name27" axis="self" ptType="node">
-                                <dgm:layoutNode name="hierRoot4">
-                                  <dgm:alg type="hierRoot"/>
-                                  <dgm:shape xmlns:r="http://schemas.openxmlformats.org/officeDocument/2006/relationships" r:blip="">
-                                    <dgm:adjLst/>
-                                  </dgm:shape>
-                                  <dgm:presOf/>
-                                  <dgm:constrLst>
-                                    <dgm:constr type="bendDist" for="des" ptType="parTrans" refType="sp" fact="0.5"/>
-                                  </dgm:constrLst>
-                                  <dgm:ruleLst/>
-                                  <dgm:layoutNode name="composite4">
-                                    <dgm:alg type="composite"/>
-                                    <dgm:shape xmlns:r="http://schemas.openxmlformats.org/officeDocument/2006/relationships" r:blip="">
-                                      <dgm:adjLst/>
-                                    </dgm:shape>
-                                    <dgm:presOf/>
-                                    <dgm:constrLst>
-                                      <dgm:constr type="w" for="ch" forName="background4" refType="w" fact="0.9"/>
-                                      <dgm:constr type="h" for="ch" forName="background4" refType="w" refFor="ch" refForName="background4" fact="0.635"/>
-                                      <dgm:constr type="t" for="ch" forName="background4"/>
-                                      <dgm:constr type="l" for="ch" forName="background4"/>
-                                      <dgm:constr type="w" for="ch" forName="text4" refType="w" fact="0.9"/>
-                                      <dgm:constr type="h" for="ch" forName="text4" refType="w" refFor="ch" refForName="text4" fact="0.635"/>
-                                      <dgm:constr type="t" for="ch" forName="text4" refType="w" fact="0.095"/>
-                                      <dgm:constr type="l" for="ch" forName="text4" refType="w" fact="0.1"/>
-                                    </dgm:constrLst>
-                                    <dgm:ruleLst/>
-                                    <dgm:layoutNode name="background4" moveWith="text4">
-                                      <dgm:alg type="sp"/>
-                                      <dgm:shape xmlns:r="http://schemas.openxmlformats.org/officeDocument/2006/relationships" type="roundRect" r:blip="">
-                                        <dgm:adjLst>
-                                          <dgm:adj idx="1" val="0.1"/>
-                                        </dgm:adjLst>
-                                      </dgm:shape>
-                                      <dgm:presOf/>
-                                      <dgm:constrLst/>
-                                      <dgm:ruleLst/>
-                                    </dgm:layoutNode>
-                                    <dgm:layoutNode name="text4" styleLbl="fgAcc4">
-                                      <dgm:varLst>
-                                        <dgm:chPref val="3"/>
-                                      </dgm:varLst>
-                                      <dgm:alg type="tx"/>
-                                      <dgm:shape xmlns:r="http://schemas.openxmlformats.org/officeDocument/2006/relationships" type="roundRect" r:blip="">
-                                        <dgm:adjLst>
-                                          <dgm:adj idx="1" val="0.1"/>
-                                        </dgm:adjLst>
-                                      </dgm:shape>
-                                      <dgm:presOf axis="self"/>
-                                      <dgm:constrLst>
-                                        <dgm:constr type="tMarg" refType="primFontSz" fact="0.3"/>
-                                        <dgm:constr type="bMarg" refType="primFontSz" fact="0.3"/>
-                                        <dgm:constr type="lMarg" refType="primFontSz" fact="0.3"/>
-                                        <dgm:constr type="rMarg" refType="primFontSz" fact="0.3"/>
-                                      </dgm:constrLst>
-                                      <dgm:ruleLst>
-                                        <dgm:rule type="primFontSz" val="5" fact="NaN" max="NaN"/>
-                                      </dgm:ruleLst>
-                                    </dgm:layoutNode>
-                                  </dgm:layoutNode>
-                                  <dgm:layoutNode name="hierChild5">
-                                    <dgm:choose name="Name28">
-                                      <dgm:if name="Name29" func="var" arg="dir" op="equ" val="norm">
-                                        <dgm:alg type="hierChild">
-                                          <dgm:param type="linDir" val="fromL"/>
-                                        </dgm:alg>
-                                      </dgm:if>
-                                      <dgm:else name="Name30">
-                                        <dgm:alg type="hierChild">
-                                          <dgm:param type="linDir" val="fromR"/>
-                                        </dgm:alg>
-                                      </dgm:else>
-                                    </dgm:choose>
-                                    <dgm:shape xmlns:r="http://schemas.openxmlformats.org/officeDocument/2006/relationships" r:blip="">
-                                      <dgm:adjLst/>
-                                    </dgm:shape>
-                                    <dgm:presOf/>
-                                    <dgm:constrLst/>
-                                    <dgm:ruleLst/>
-                                    <dgm:forEach name="Name31" ref="repeat"/>
-                                  </dgm:layoutNode>
-                                </dgm:layoutNode>
-                              </dgm:forEach>
-                            </dgm:forEach>
-                          </dgm:layoutNode>
-                        </dgm:layoutNode>
-                      </dgm:forEach>
-                    </dgm:forEach>
-                  </dgm:layoutNode>
-                </dgm:layoutNode>
-              </dgm:forEach>
-            </dgm:forEach>
+          </dgm:layoutNode>
+          <dgm:layoutNode name="textRect" styleLbl="revTx">
+            <dgm:varLst>
+              <dgm:chMax val="1"/>
+              <dgm:chPref val="1"/>
+            </dgm:varLst>
+            <dgm:choose name="Name7">
+              <dgm:if name="Name8" func="var" arg="dir" op="equ" val="norm">
+                <dgm:alg type="tx">
+                  <dgm:param type="txAnchorVert" val="mid"/>
+                  <dgm:param type="parTxLTRAlign" val="l"/>
+                  <dgm:param type="shpTxLTRAlignCh" val="l"/>
+                  <dgm:param type="parTxRTLAlign" val="l"/>
+                  <dgm:param type="shpTxRTLAlignCh" val="l"/>
+                </dgm:alg>
+              </dgm:if>
+              <dgm:else name="Name9">
+                <dgm:alg type="tx">
+                  <dgm:param type="txAnchorVert" val="mid"/>
+                  <dgm:param type="parTxLTRAlign" val="r"/>
+                  <dgm:param type="shpTxLTRAlignCh" val="r"/>
+                  <dgm:param type="parTxRTLAlign" val="r"/>
+                  <dgm:param type="shpTxRTLAlignCh" val="r"/>
+                </dgm:alg>
+              </dgm:else>
+            </dgm:choose>
+            <dgm:shape xmlns:r="http://schemas.openxmlformats.org/officeDocument/2006/relationships" type="rect" r:blip="">
+              <dgm:adjLst/>
+            </dgm:shape>
+            <dgm:presOf axis="self" ptType="node"/>
+            <dgm:constrLst>
+              <dgm:constr type="lMarg"/>
+              <dgm:constr type="rMarg"/>
+              <dgm:constr type="tMarg"/>
+              <dgm:constr type="bMarg"/>
+            </dgm:constrLst>
+            <dgm:ruleLst>
+              <dgm:rule type="primFontSz" val="11" fact="NaN" max="NaN"/>
+            </dgm:ruleLst>
           </dgm:layoutNode>
         </dgm:layoutNode>
+        <dgm:forEach name="Name10" axis="followSib" ptType="sibTrans" cnt="1">
+          <dgm:layoutNode name="sibTrans">
+            <dgm:alg type="sp"/>
+            <dgm:shape xmlns:r="http://schemas.openxmlformats.org/officeDocument/2006/relationships" type="rect" r:blip="" hideGeom="1">
+              <dgm:adjLst/>
+            </dgm:shape>
+            <dgm:presOf axis="self"/>
+            <dgm:constrLst/>
+            <dgm:ruleLst/>
+          </dgm:layoutNode>
+        </dgm:forEach>
       </dgm:forEach>
-    </dgm:forEach>
+    </dgm:layoutNode>
   </dgm:layoutNode>
+  <dgm:extLst>
+    <a:ext uri="{68A01E43-0DF5-4B5B-8FA6-DAF915123BFB}">
+      <dgm1612:lstStyle xmlns:dgm1612="http://schemas.microsoft.com/office/drawing/2016/12/diagram">
+        <a:lvl1pPr>
+          <a:lnSpc>
+            <a:spcPct val="100000"/>
+          </a:lnSpc>
+        </a:lvl1pPr>
+      </dgm1612:lstStyle>
+    </a:ext>
+  </dgm:extLst>
 </dgm:layoutDef>
 </file>
 
@@ -16125,7 +16304,7 @@
           <a:p>
             <a:fld id="{523011CF-0181-A341-95B6-113DFBB7C104}" type="slidenum">
               <a:rPr lang="pt-BR" smtClean="0"/>
-              <a:t>15</a:t>
+              <a:t>16</a:t>
             </a:fld>
             <a:endParaRPr lang="pt-BR"/>
           </a:p>
@@ -16134,7 +16313,7 @@
     </p:spTree>
     <p:extLst>
       <p:ext uri="{BB962C8B-B14F-4D97-AF65-F5344CB8AC3E}">
-        <p14:creationId xmlns:p14="http://schemas.microsoft.com/office/powerpoint/2010/main" val="3683125550"/>
+        <p14:creationId xmlns:p14="http://schemas.microsoft.com/office/powerpoint/2010/main" val="970571993"/>
       </p:ext>
     </p:extLst>
   </p:cSld>
@@ -16209,7 +16388,7 @@
           <a:p>
             <a:fld id="{523011CF-0181-A341-95B6-113DFBB7C104}" type="slidenum">
               <a:rPr lang="pt-BR" smtClean="0"/>
-              <a:t>16</a:t>
+              <a:t>17</a:t>
             </a:fld>
             <a:endParaRPr lang="pt-BR"/>
           </a:p>
@@ -16218,7 +16397,7 @@
     </p:spTree>
     <p:extLst>
       <p:ext uri="{BB962C8B-B14F-4D97-AF65-F5344CB8AC3E}">
-        <p14:creationId xmlns:p14="http://schemas.microsoft.com/office/powerpoint/2010/main" val="1509237298"/>
+        <p14:creationId xmlns:p14="http://schemas.microsoft.com/office/powerpoint/2010/main" val="2553262327"/>
       </p:ext>
     </p:extLst>
   </p:cSld>
@@ -16293,7 +16472,7 @@
           <a:p>
             <a:fld id="{523011CF-0181-A341-95B6-113DFBB7C104}" type="slidenum">
               <a:rPr lang="pt-BR" smtClean="0"/>
-              <a:t>18</a:t>
+              <a:t>20</a:t>
             </a:fld>
             <a:endParaRPr lang="pt-BR"/>
           </a:p>
@@ -16302,7 +16481,7 @@
     </p:spTree>
     <p:extLst>
       <p:ext uri="{BB962C8B-B14F-4D97-AF65-F5344CB8AC3E}">
-        <p14:creationId xmlns:p14="http://schemas.microsoft.com/office/powerpoint/2010/main" val="970571993"/>
+        <p14:creationId xmlns:p14="http://schemas.microsoft.com/office/powerpoint/2010/main" val="1861926177"/>
       </p:ext>
     </p:extLst>
   </p:cSld>
@@ -16386,7 +16565,7 @@
     </p:spTree>
     <p:extLst>
       <p:ext uri="{BB962C8B-B14F-4D97-AF65-F5344CB8AC3E}">
-        <p14:creationId xmlns:p14="http://schemas.microsoft.com/office/powerpoint/2010/main" val="1861926177"/>
+        <p14:creationId xmlns:p14="http://schemas.microsoft.com/office/powerpoint/2010/main" val="2883157367"/>
       </p:ext>
     </p:extLst>
   </p:cSld>
@@ -16461,7 +16640,7 @@
           <a:p>
             <a:fld id="{523011CF-0181-A341-95B6-113DFBB7C104}" type="slidenum">
               <a:rPr lang="pt-BR" smtClean="0"/>
-              <a:t>24</a:t>
+              <a:t>23</a:t>
             </a:fld>
             <a:endParaRPr lang="pt-BR"/>
           </a:p>
@@ -16470,7 +16649,7 @@
     </p:spTree>
     <p:extLst>
       <p:ext uri="{BB962C8B-B14F-4D97-AF65-F5344CB8AC3E}">
-        <p14:creationId xmlns:p14="http://schemas.microsoft.com/office/powerpoint/2010/main" val="2883157367"/>
+        <p14:creationId xmlns:p14="http://schemas.microsoft.com/office/powerpoint/2010/main" val="4197591542"/>
       </p:ext>
     </p:extLst>
   </p:cSld>
@@ -16545,91 +16724,7 @@
           <a:p>
             <a:fld id="{523011CF-0181-A341-95B6-113DFBB7C104}" type="slidenum">
               <a:rPr lang="pt-BR" smtClean="0"/>
-              <a:t>25</a:t>
-            </a:fld>
-            <a:endParaRPr lang="pt-BR"/>
-          </a:p>
-        </p:txBody>
-      </p:sp>
-    </p:spTree>
-    <p:extLst>
-      <p:ext uri="{BB962C8B-B14F-4D97-AF65-F5344CB8AC3E}">
-        <p14:creationId xmlns:p14="http://schemas.microsoft.com/office/powerpoint/2010/main" val="4197591542"/>
-      </p:ext>
-    </p:extLst>
-  </p:cSld>
-  <p:clrMapOvr>
-    <a:masterClrMapping/>
-  </p:clrMapOvr>
-</p:notes>
-</file>
-
-<file path=ppt/notesSlides/notesSlide16.xml><?xml version="1.0" encoding="utf-8"?>
-<p:notes xmlns:a="http://schemas.openxmlformats.org/drawingml/2006/main" xmlns:r="http://schemas.openxmlformats.org/officeDocument/2006/relationships" xmlns:p="http://schemas.openxmlformats.org/presentationml/2006/main">
-  <p:cSld>
-    <p:spTree>
-      <p:nvGrpSpPr>
-        <p:cNvPr id="1" name=""/>
-        <p:cNvGrpSpPr/>
-        <p:nvPr/>
-      </p:nvGrpSpPr>
-      <p:grpSpPr>
-        <a:xfrm>
-          <a:off x="0" y="0"/>
-          <a:ext cx="0" cy="0"/>
-          <a:chOff x="0" y="0"/>
-          <a:chExt cx="0" cy="0"/>
-        </a:xfrm>
-      </p:grpSpPr>
-      <p:sp>
-        <p:nvSpPr>
-          <p:cNvPr id="2" name="Espaço Reservado para Imagem de Slide 1"/>
-          <p:cNvSpPr>
-            <a:spLocks noGrp="1" noRot="1" noChangeAspect="1"/>
-          </p:cNvSpPr>
-          <p:nvPr>
-            <p:ph type="sldImg"/>
-          </p:nvPr>
-        </p:nvSpPr>
-        <p:spPr/>
-      </p:sp>
-      <p:sp>
-        <p:nvSpPr>
-          <p:cNvPr id="3" name="Espaço Reservado para Anotações 2"/>
-          <p:cNvSpPr>
-            <a:spLocks noGrp="1"/>
-          </p:cNvSpPr>
-          <p:nvPr>
-            <p:ph type="body" idx="1"/>
-          </p:nvPr>
-        </p:nvSpPr>
-        <p:spPr/>
-        <p:txBody>
-          <a:bodyPr/>
-          <a:lstStyle/>
-          <a:p>
-            <a:endParaRPr lang="pt-BR" dirty="0"/>
-          </a:p>
-        </p:txBody>
-      </p:sp>
-      <p:sp>
-        <p:nvSpPr>
-          <p:cNvPr id="4" name="Espaço Reservado para Número de Slide 3"/>
-          <p:cNvSpPr>
-            <a:spLocks noGrp="1"/>
-          </p:cNvSpPr>
-          <p:nvPr>
-            <p:ph type="sldNum" sz="quarter" idx="5"/>
-          </p:nvPr>
-        </p:nvSpPr>
-        <p:spPr/>
-        <p:txBody>
-          <a:bodyPr/>
-          <a:lstStyle/>
-          <a:p>
-            <a:fld id="{523011CF-0181-A341-95B6-113DFBB7C104}" type="slidenum">
-              <a:rPr lang="pt-BR" smtClean="0"/>
-              <a:t>26</a:t>
+              <a:t>24</a:t>
             </a:fld>
             <a:endParaRPr lang="pt-BR"/>
           </a:p>
@@ -17238,7 +17333,7 @@
     </p:spTree>
     <p:extLst>
       <p:ext uri="{BB962C8B-B14F-4D97-AF65-F5344CB8AC3E}">
-        <p14:creationId xmlns:p14="http://schemas.microsoft.com/office/powerpoint/2010/main" val="871506965"/>
+        <p14:creationId xmlns:p14="http://schemas.microsoft.com/office/powerpoint/2010/main" val="3202349452"/>
       </p:ext>
     </p:extLst>
   </p:cSld>
@@ -17322,7 +17417,7 @@
     </p:spTree>
     <p:extLst>
       <p:ext uri="{BB962C8B-B14F-4D97-AF65-F5344CB8AC3E}">
-        <p14:creationId xmlns:p14="http://schemas.microsoft.com/office/powerpoint/2010/main" val="3202349452"/>
+        <p14:creationId xmlns:p14="http://schemas.microsoft.com/office/powerpoint/2010/main" val="1509237298"/>
       </p:ext>
     </p:extLst>
   </p:cSld>
@@ -17488,7 +17583,7 @@
           <a:p>
             <a:fld id="{02AC24A9-CCB6-4F8D-B8DB-C2F3692CFA5A}" type="datetimeFigureOut">
               <a:rPr lang="en-US" smtClean="0"/>
-              <a:t>6/29/2021</a:t>
+              <a:t>6/29/21</a:t>
             </a:fld>
             <a:endParaRPr lang="en-US"/>
           </a:p>
@@ -17858,7 +17953,7 @@
           <a:p>
             <a:fld id="{02AC24A9-CCB6-4F8D-B8DB-C2F3692CFA5A}" type="datetimeFigureOut">
               <a:rPr lang="en-US" smtClean="0"/>
-              <a:t>6/29/2021</a:t>
+              <a:t>6/29/21</a:t>
             </a:fld>
             <a:endParaRPr lang="en-US"/>
           </a:p>
@@ -18067,7 +18162,7 @@
           <a:p>
             <a:fld id="{02AC24A9-CCB6-4F8D-B8DB-C2F3692CFA5A}" type="datetimeFigureOut">
               <a:rPr lang="en-US" smtClean="0"/>
-              <a:t>6/29/2021</a:t>
+              <a:t>6/29/21</a:t>
             </a:fld>
             <a:endParaRPr lang="en-US"/>
           </a:p>
@@ -18537,7 +18632,7 @@
           <a:p>
             <a:fld id="{02AC24A9-CCB6-4F8D-B8DB-C2F3692CFA5A}" type="datetimeFigureOut">
               <a:rPr lang="en-US" smtClean="0"/>
-              <a:t>6/29/2021</a:t>
+              <a:t>6/29/21</a:t>
             </a:fld>
             <a:endParaRPr lang="en-US"/>
           </a:p>
@@ -18991,7 +19086,7 @@
           <a:p>
             <a:fld id="{02AC24A9-CCB6-4F8D-B8DB-C2F3692CFA5A}" type="datetimeFigureOut">
               <a:rPr lang="en-US" smtClean="0"/>
-              <a:t>6/29/2021</a:t>
+              <a:t>6/29/21</a:t>
             </a:fld>
             <a:endParaRPr lang="en-US"/>
           </a:p>
@@ -19523,7 +19618,7 @@
           <a:p>
             <a:fld id="{02AC24A9-CCB6-4F8D-B8DB-C2F3692CFA5A}" type="datetimeFigureOut">
               <a:rPr lang="en-US" smtClean="0"/>
-              <a:t>6/29/2021</a:t>
+              <a:t>6/29/21</a:t>
             </a:fld>
             <a:endParaRPr lang="en-US"/>
           </a:p>
@@ -20222,7 +20317,7 @@
           <a:p>
             <a:fld id="{02AC24A9-CCB6-4F8D-B8DB-C2F3692CFA5A}" type="datetimeFigureOut">
               <a:rPr lang="en-US" smtClean="0"/>
-              <a:t>6/29/2021</a:t>
+              <a:t>6/29/21</a:t>
             </a:fld>
             <a:endParaRPr lang="en-US"/>
           </a:p>
@@ -20551,7 +20646,7 @@
           <a:p>
             <a:fld id="{02AC24A9-CCB6-4F8D-B8DB-C2F3692CFA5A}" type="datetimeFigureOut">
               <a:rPr lang="en-US" smtClean="0"/>
-              <a:t>6/29/2021</a:t>
+              <a:t>6/29/21</a:t>
             </a:fld>
             <a:endParaRPr lang="en-US"/>
           </a:p>
@@ -20664,7 +20759,7 @@
           <a:p>
             <a:fld id="{02AC24A9-CCB6-4F8D-B8DB-C2F3692CFA5A}" type="datetimeFigureOut">
               <a:rPr lang="en-US" smtClean="0"/>
-              <a:t>6/29/2021</a:t>
+              <a:t>6/29/21</a:t>
             </a:fld>
             <a:endParaRPr lang="en-US"/>
           </a:p>
@@ -21159,7 +21254,7 @@
           <a:p>
             <a:fld id="{02AC24A9-CCB6-4F8D-B8DB-C2F3692CFA5A}" type="datetimeFigureOut">
               <a:rPr lang="en-US" smtClean="0"/>
-              <a:t>6/29/2021</a:t>
+              <a:t>6/29/21</a:t>
             </a:fld>
             <a:endParaRPr lang="en-US"/>
           </a:p>
@@ -21636,7 +21731,7 @@
           <a:p>
             <a:fld id="{02AC24A9-CCB6-4F8D-B8DB-C2F3692CFA5A}" type="datetimeFigureOut">
               <a:rPr lang="en-US" smtClean="0"/>
-              <a:t>6/29/2021</a:t>
+              <a:t>6/29/21</a:t>
             </a:fld>
             <a:endParaRPr lang="en-US"/>
           </a:p>
@@ -21879,7 +21974,7 @@
           <a:p>
             <a:fld id="{02AC24A9-CCB6-4F8D-B8DB-C2F3692CFA5A}" type="datetimeFigureOut">
               <a:rPr lang="en-US" smtClean="0"/>
-              <a:t>6/29/2021</a:t>
+              <a:t>6/29/21</a:t>
             </a:fld>
             <a:endParaRPr lang="en-US"/>
           </a:p>
@@ -22772,12 +22867,12 @@
   <p:clrMapOvr>
     <a:masterClrMapping/>
   </p:clrMapOvr>
-  <mc:AlternateContent xmlns:mc="http://schemas.openxmlformats.org/markup-compatibility/2006" xmlns:p14="http://schemas.microsoft.com/office/powerpoint/2010/main">
-    <mc:Choice Requires="p14">
-      <p:transition spd="slow" p14:dur="2000" advTm="17038"/>
+  <mc:AlternateContent xmlns:mc="http://schemas.openxmlformats.org/markup-compatibility/2006">
+    <mc:Choice xmlns:p14="http://schemas.microsoft.com/office/powerpoint/2010/main" Requires="p14">
+      <p:transition p14:dur="10"/>
     </mc:Choice>
-    <mc:Fallback xmlns="">
-      <p:transition spd="slow" advTm="17038"/>
+    <mc:Fallback>
+      <p:transition/>
     </mc:Fallback>
   </mc:AlternateContent>
 </p:sld>
@@ -24067,132 +24162,6 @@
           <p:cNvPr id="2" name="Título 1">
             <a:extLst>
               <a:ext uri="{FF2B5EF4-FFF2-40B4-BE49-F238E27FC236}">
-                <a16:creationId xmlns:a16="http://schemas.microsoft.com/office/drawing/2014/main" id="{2AE26E4D-6312-1449-A3BF-E1D8233F5444}"/>
-              </a:ext>
-            </a:extLst>
-          </p:cNvPr>
-          <p:cNvSpPr>
-            <a:spLocks noGrp="1"/>
-          </p:cNvSpPr>
-          <p:nvPr>
-            <p:ph type="title"/>
-          </p:nvPr>
-        </p:nvSpPr>
-        <p:spPr>
-          <a:xfrm>
-            <a:off x="838200" y="226061"/>
-            <a:ext cx="10515600" cy="1092050"/>
-          </a:xfrm>
-        </p:spPr>
-        <p:txBody>
-          <a:bodyPr vert="horz" lIns="91440" tIns="45720" rIns="91440" bIns="45720" rtlCol="0" anchor="b">
-            <a:normAutofit/>
-          </a:bodyPr>
-          <a:lstStyle/>
-          <a:p>
-            <a:pPr algn="ctr"/>
-            <a:r>
-              <a:rPr lang="en-US" sz="5200"/>
-              <a:t>Level 0 - Source Preprocessing</a:t>
-            </a:r>
-          </a:p>
-        </p:txBody>
-      </p:sp>
-      <p:pic>
-        <p:nvPicPr>
-          <p:cNvPr id="6" name="Imagem 5">
-            <a:extLst>
-              <a:ext uri="{FF2B5EF4-FFF2-40B4-BE49-F238E27FC236}">
-                <a16:creationId xmlns:a16="http://schemas.microsoft.com/office/drawing/2014/main" id="{A8E7A754-2696-3F48-907C-40F78F1B26DC}"/>
-              </a:ext>
-            </a:extLst>
-          </p:cNvPr>
-          <p:cNvPicPr>
-            <a:picLocks noChangeAspect="1"/>
-          </p:cNvPicPr>
-          <p:nvPr/>
-        </p:nvPicPr>
-        <p:blipFill>
-          <a:blip r:embed="rId3"/>
-          <a:stretch>
-            <a:fillRect/>
-          </a:stretch>
-        </p:blipFill>
-        <p:spPr>
-          <a:xfrm>
-            <a:off x="838199" y="2763286"/>
-            <a:ext cx="5140661" cy="3152292"/>
-          </a:xfrm>
-          <a:prstGeom prst="rect">
-            <a:avLst/>
-          </a:prstGeom>
-        </p:spPr>
-      </p:pic>
-      <p:pic>
-        <p:nvPicPr>
-          <p:cNvPr id="8" name="Imagem 7">
-            <a:extLst>
-              <a:ext uri="{FF2B5EF4-FFF2-40B4-BE49-F238E27FC236}">
-                <a16:creationId xmlns:a16="http://schemas.microsoft.com/office/drawing/2014/main" id="{E33B313E-B432-D940-9406-B411D0B48122}"/>
-              </a:ext>
-            </a:extLst>
-          </p:cNvPr>
-          <p:cNvPicPr>
-            <a:picLocks noChangeAspect="1"/>
-          </p:cNvPicPr>
-          <p:nvPr/>
-        </p:nvPicPr>
-        <p:blipFill>
-          <a:blip r:embed="rId4"/>
-          <a:stretch>
-            <a:fillRect/>
-          </a:stretch>
-        </p:blipFill>
-        <p:spPr>
-          <a:xfrm>
-            <a:off x="7129673" y="2399494"/>
-            <a:ext cx="3307594" cy="3879878"/>
-          </a:xfrm>
-          <a:prstGeom prst="rect">
-            <a:avLst/>
-          </a:prstGeom>
-        </p:spPr>
-      </p:pic>
-    </p:spTree>
-    <p:extLst>
-      <p:ext uri="{BB962C8B-B14F-4D97-AF65-F5344CB8AC3E}">
-        <p14:creationId xmlns:p14="http://schemas.microsoft.com/office/powerpoint/2010/main" val="2464396629"/>
-      </p:ext>
-    </p:extLst>
-  </p:cSld>
-  <p:clrMapOvr>
-    <a:masterClrMapping/>
-  </p:clrMapOvr>
-</p:sld>
-</file>
-
-<file path=ppt/slides/slide14.xml><?xml version="1.0" encoding="utf-8"?>
-<p:sld xmlns:a="http://schemas.openxmlformats.org/drawingml/2006/main" xmlns:r="http://schemas.openxmlformats.org/officeDocument/2006/relationships" xmlns:p="http://schemas.openxmlformats.org/presentationml/2006/main">
-  <p:cSld>
-    <p:spTree>
-      <p:nvGrpSpPr>
-        <p:cNvPr id="1" name=""/>
-        <p:cNvGrpSpPr/>
-        <p:nvPr/>
-      </p:nvGrpSpPr>
-      <p:grpSpPr>
-        <a:xfrm>
-          <a:off x="0" y="0"/>
-          <a:ext cx="0" cy="0"/>
-          <a:chOff x="0" y="0"/>
-          <a:chExt cx="0" cy="0"/>
-        </a:xfrm>
-      </p:grpSpPr>
-      <p:sp>
-        <p:nvSpPr>
-          <p:cNvPr id="2" name="Título 1">
-            <a:extLst>
-              <a:ext uri="{FF2B5EF4-FFF2-40B4-BE49-F238E27FC236}">
                 <a16:creationId xmlns:a16="http://schemas.microsoft.com/office/drawing/2014/main" id="{83816313-2251-9C46-B25B-75239D866567}"/>
               </a:ext>
             </a:extLst>
@@ -24527,6 +24496,35 @@
           </a:prstGeom>
         </p:spPr>
       </p:pic>
+      <p:pic>
+        <p:nvPicPr>
+          <p:cNvPr id="6" name="Imagem 5" descr="Diagrama&#10;&#10;Descrição gerada automaticamente">
+            <a:extLst>
+              <a:ext uri="{FF2B5EF4-FFF2-40B4-BE49-F238E27FC236}">
+                <a16:creationId xmlns:a16="http://schemas.microsoft.com/office/drawing/2014/main" id="{F7486375-55C0-6D4C-B827-F882C44CEC94}"/>
+              </a:ext>
+            </a:extLst>
+          </p:cNvPr>
+          <p:cNvPicPr>
+            <a:picLocks noChangeAspect="1"/>
+          </p:cNvPicPr>
+          <p:nvPr/>
+        </p:nvPicPr>
+        <p:blipFill rotWithShape="1">
+          <a:blip r:embed="rId4"/>
+          <a:srcRect l="34167" t="11155" r="50000" b="65408"/>
+          <a:stretch/>
+        </p:blipFill>
+        <p:spPr>
+          <a:xfrm>
+            <a:off x="9461944" y="624365"/>
+            <a:ext cx="1614488" cy="985837"/>
+          </a:xfrm>
+          <a:prstGeom prst="rect">
+            <a:avLst/>
+          </a:prstGeom>
+        </p:spPr>
+      </p:pic>
     </p:spTree>
     <p:extLst>
       <p:ext uri="{BB962C8B-B14F-4D97-AF65-F5344CB8AC3E}">
@@ -24540,67 +24538,7 @@
 </p:sld>
 </file>
 
-<file path=ppt/slides/slide15.xml><?xml version="1.0" encoding="utf-8"?>
-<p:sld xmlns:a="http://schemas.openxmlformats.org/drawingml/2006/main" xmlns:r="http://schemas.openxmlformats.org/officeDocument/2006/relationships" xmlns:p="http://schemas.openxmlformats.org/presentationml/2006/main" show="0">
-  <p:cSld>
-    <p:spTree>
-      <p:nvGrpSpPr>
-        <p:cNvPr id="1" name=""/>
-        <p:cNvGrpSpPr/>
-        <p:nvPr/>
-      </p:nvGrpSpPr>
-      <p:grpSpPr>
-        <a:xfrm>
-          <a:off x="0" y="0"/>
-          <a:ext cx="0" cy="0"/>
-          <a:chOff x="0" y="0"/>
-          <a:chExt cx="0" cy="0"/>
-        </a:xfrm>
-      </p:grpSpPr>
-      <p:pic>
-        <p:nvPicPr>
-          <p:cNvPr id="4" name="Imagem 3">
-            <a:extLst>
-              <a:ext uri="{FF2B5EF4-FFF2-40B4-BE49-F238E27FC236}">
-                <a16:creationId xmlns:a16="http://schemas.microsoft.com/office/drawing/2014/main" id="{6963233E-5CD0-D54D-AF79-CEC98FE69CF6}"/>
-              </a:ext>
-            </a:extLst>
-          </p:cNvPr>
-          <p:cNvPicPr>
-            <a:picLocks noChangeAspect="1"/>
-          </p:cNvPicPr>
-          <p:nvPr/>
-        </p:nvPicPr>
-        <p:blipFill>
-          <a:blip r:embed="rId3"/>
-          <a:stretch>
-            <a:fillRect/>
-          </a:stretch>
-        </p:blipFill>
-        <p:spPr>
-          <a:xfrm>
-            <a:off x="723899" y="0"/>
-            <a:ext cx="11034713" cy="6769100"/>
-          </a:xfrm>
-          <a:prstGeom prst="rect">
-            <a:avLst/>
-          </a:prstGeom>
-        </p:spPr>
-      </p:pic>
-    </p:spTree>
-    <p:extLst>
-      <p:ext uri="{BB962C8B-B14F-4D97-AF65-F5344CB8AC3E}">
-        <p14:creationId xmlns:p14="http://schemas.microsoft.com/office/powerpoint/2010/main" val="2880174055"/>
-      </p:ext>
-    </p:extLst>
-  </p:cSld>
-  <p:clrMapOvr>
-    <a:masterClrMapping/>
-  </p:clrMapOvr>
-</p:sld>
-</file>
-
-<file path=ppt/slides/slide16.xml><?xml version="1.0" encoding="utf-8"?>
+<file path=ppt/slides/slide14.xml><?xml version="1.0" encoding="utf-8"?>
 <p:sld xmlns:a="http://schemas.openxmlformats.org/drawingml/2006/main" xmlns:r="http://schemas.openxmlformats.org/officeDocument/2006/relationships" xmlns:p="http://schemas.openxmlformats.org/presentationml/2006/main">
   <p:cSld>
     <p:bg>
@@ -24947,7 +24885,7 @@
             <p:ph idx="1"/>
             <p:extLst>
               <p:ext uri="{D42A27DB-BD31-4B8C-83A1-F6EECF244321}">
-                <p14:modId xmlns:p14="http://schemas.microsoft.com/office/powerpoint/2010/main" val="454078650"/>
+                <p14:modId xmlns:p14="http://schemas.microsoft.com/office/powerpoint/2010/main" val="3234937311"/>
               </p:ext>
             </p:extLst>
           </p:nvPr>
@@ -24962,6 +24900,35 @@
           </a:graphicData>
         </a:graphic>
       </p:graphicFrame>
+      <p:pic>
+        <p:nvPicPr>
+          <p:cNvPr id="8" name="Imagem 7" descr="Diagrama&#10;&#10;Descrição gerada automaticamente">
+            <a:extLst>
+              <a:ext uri="{FF2B5EF4-FFF2-40B4-BE49-F238E27FC236}">
+                <a16:creationId xmlns:a16="http://schemas.microsoft.com/office/drawing/2014/main" id="{CDBF77AE-8A2C-0848-BC7C-754FCD376CA9}"/>
+              </a:ext>
+            </a:extLst>
+          </p:cNvPr>
+          <p:cNvPicPr>
+            <a:picLocks noChangeAspect="1"/>
+          </p:cNvPicPr>
+          <p:nvPr/>
+        </p:nvPicPr>
+        <p:blipFill rotWithShape="1">
+          <a:blip r:embed="rId8"/>
+          <a:srcRect l="50163" t="11478" r="34004" b="65085"/>
+          <a:stretch/>
+        </p:blipFill>
+        <p:spPr>
+          <a:xfrm>
+            <a:off x="9449587" y="381505"/>
+            <a:ext cx="1614488" cy="985837"/>
+          </a:xfrm>
+          <a:prstGeom prst="rect">
+            <a:avLst/>
+          </a:prstGeom>
+        </p:spPr>
+      </p:pic>
     </p:spTree>
     <p:extLst>
       <p:ext uri="{BB962C8B-B14F-4D97-AF65-F5344CB8AC3E}">
@@ -24975,7 +24942,7 @@
 </p:sld>
 </file>
 
-<file path=ppt/slides/slide17.xml><?xml version="1.0" encoding="utf-8"?>
+<file path=ppt/slides/slide15.xml><?xml version="1.0" encoding="utf-8"?>
 <p:sld xmlns:a="http://schemas.openxmlformats.org/drawingml/2006/main" xmlns:r="http://schemas.openxmlformats.org/officeDocument/2006/relationships" xmlns:p="http://schemas.openxmlformats.org/presentationml/2006/main">
   <p:cSld>
     <p:bg>
@@ -25560,7 +25527,7 @@
             <a:pPr algn="ctr"/>
             <a:r>
               <a:rPr lang="en-US" sz="2400" dirty="0"/>
-              <a:t>AVG Open Apps</a:t>
+              <a:t>(AVG) Open Apps</a:t>
             </a:r>
           </a:p>
         </p:txBody>
@@ -25578,7 +25545,7 @@
 </p:sld>
 </file>
 
-<file path=ppt/slides/slide18.xml><?xml version="1.0" encoding="utf-8"?>
+<file path=ppt/slides/slide16.xml><?xml version="1.0" encoding="utf-8"?>
 <p:sld xmlns:a="http://schemas.openxmlformats.org/drawingml/2006/main" xmlns:r="http://schemas.openxmlformats.org/officeDocument/2006/relationships" xmlns:p="http://schemas.openxmlformats.org/presentationml/2006/main">
   <p:cSld>
     <p:spTree>
@@ -25694,7 +25661,7 @@
 </p:sld>
 </file>
 
-<file path=ppt/slides/slide19.xml><?xml version="1.0" encoding="utf-8"?>
+<file path=ppt/slides/slide17.xml><?xml version="1.0" encoding="utf-8"?>
 <p:sld xmlns:a="http://schemas.openxmlformats.org/drawingml/2006/main" xmlns:r="http://schemas.openxmlformats.org/officeDocument/2006/relationships" xmlns:p="http://schemas.openxmlformats.org/presentationml/2006/main">
   <p:cSld>
     <p:spTree>
@@ -26193,10 +26160,1130 @@
           </a:p>
         </p:txBody>
       </p:sp>
+      <p:pic>
+        <p:nvPicPr>
+          <p:cNvPr id="4" name="Imagem 3" descr="Diagrama&#10;&#10;Descrição gerada automaticamente">
+            <a:extLst>
+              <a:ext uri="{FF2B5EF4-FFF2-40B4-BE49-F238E27FC236}">
+                <a16:creationId xmlns:a16="http://schemas.microsoft.com/office/drawing/2014/main" id="{80C4F0BA-64C2-3147-B5D1-94DE24782E5B}"/>
+              </a:ext>
+            </a:extLst>
+          </p:cNvPr>
+          <p:cNvPicPr>
+            <a:picLocks noChangeAspect="1"/>
+          </p:cNvPicPr>
+          <p:nvPr/>
+        </p:nvPicPr>
+        <p:blipFill rotWithShape="1">
+          <a:blip r:embed="rId3"/>
+          <a:srcRect l="65833" t="12020" r="18334" b="64543"/>
+          <a:stretch/>
+        </p:blipFill>
+        <p:spPr>
+          <a:xfrm>
+            <a:off x="9461944" y="624365"/>
+            <a:ext cx="1614488" cy="985837"/>
+          </a:xfrm>
+          <a:prstGeom prst="rect">
+            <a:avLst/>
+          </a:prstGeom>
+        </p:spPr>
+      </p:pic>
     </p:spTree>
     <p:extLst>
       <p:ext uri="{BB962C8B-B14F-4D97-AF65-F5344CB8AC3E}">
         <p14:creationId xmlns:p14="http://schemas.microsoft.com/office/powerpoint/2010/main" val="1850364752"/>
+      </p:ext>
+    </p:extLst>
+  </p:cSld>
+  <p:clrMapOvr>
+    <a:masterClrMapping/>
+  </p:clrMapOvr>
+</p:sld>
+</file>
+
+<file path=ppt/slides/slide18.xml><?xml version="1.0" encoding="utf-8"?>
+<p:sld xmlns:a="http://schemas.openxmlformats.org/drawingml/2006/main" xmlns:r="http://schemas.openxmlformats.org/officeDocument/2006/relationships" xmlns:p="http://schemas.openxmlformats.org/presentationml/2006/main" show="0">
+  <p:cSld>
+    <p:spTree>
+      <p:nvGrpSpPr>
+        <p:cNvPr id="1" name=""/>
+        <p:cNvGrpSpPr/>
+        <p:nvPr/>
+      </p:nvGrpSpPr>
+      <p:grpSpPr>
+        <a:xfrm>
+          <a:off x="0" y="0"/>
+          <a:ext cx="0" cy="0"/>
+          <a:chOff x="0" y="0"/>
+          <a:chExt cx="0" cy="0"/>
+        </a:xfrm>
+      </p:grpSpPr>
+      <p:sp>
+        <p:nvSpPr>
+          <p:cNvPr id="2" name="Título 1">
+            <a:extLst>
+              <a:ext uri="{FF2B5EF4-FFF2-40B4-BE49-F238E27FC236}">
+                <a16:creationId xmlns:a16="http://schemas.microsoft.com/office/drawing/2014/main" id="{221E8372-7823-1440-9EAF-5E5D24D73CDC}"/>
+              </a:ext>
+            </a:extLst>
+          </p:cNvPr>
+          <p:cNvSpPr>
+            <a:spLocks noGrp="1"/>
+          </p:cNvSpPr>
+          <p:nvPr>
+            <p:ph type="title"/>
+          </p:nvPr>
+        </p:nvSpPr>
+        <p:spPr/>
+        <p:txBody>
+          <a:bodyPr/>
+          <a:lstStyle/>
+          <a:p>
+            <a:r>
+              <a:rPr lang="pt-BR" dirty="0" err="1"/>
+              <a:t>Level</a:t>
+            </a:r>
+            <a:r>
+              <a:rPr lang="pt-BR" dirty="0"/>
+              <a:t> 3 - </a:t>
+            </a:r>
+            <a:r>
+              <a:rPr lang="pt-BR" dirty="0" err="1"/>
+              <a:t>Impact</a:t>
+            </a:r>
+            <a:r>
+              <a:rPr lang="pt-BR" dirty="0"/>
+              <a:t> </a:t>
+            </a:r>
+            <a:r>
+              <a:rPr lang="pt-BR" dirty="0" err="1"/>
+              <a:t>assessment</a:t>
+            </a:r>
+            <a:endParaRPr lang="pt-BR" dirty="0"/>
+          </a:p>
+        </p:txBody>
+      </p:sp>
+      <p:sp>
+        <p:nvSpPr>
+          <p:cNvPr id="3" name="Espaço Reservado para Conteúdo 2">
+            <a:extLst>
+              <a:ext uri="{FF2B5EF4-FFF2-40B4-BE49-F238E27FC236}">
+                <a16:creationId xmlns:a16="http://schemas.microsoft.com/office/drawing/2014/main" id="{07CD2073-D895-7242-BEEB-135F208224B4}"/>
+              </a:ext>
+            </a:extLst>
+          </p:cNvPr>
+          <p:cNvSpPr>
+            <a:spLocks noGrp="1"/>
+          </p:cNvSpPr>
+          <p:nvPr>
+            <p:ph idx="1"/>
+          </p:nvPr>
+        </p:nvSpPr>
+        <p:spPr/>
+        <p:txBody>
+          <a:bodyPr>
+            <a:normAutofit/>
+          </a:bodyPr>
+          <a:lstStyle/>
+          <a:p>
+            <a:pPr algn="just"/>
+            <a:r>
+              <a:rPr lang="pt-BR" dirty="0"/>
+              <a:t> The </a:t>
+            </a:r>
+            <a:r>
+              <a:rPr lang="pt-BR" dirty="0" err="1"/>
+              <a:t>distance</a:t>
+            </a:r>
+            <a:r>
+              <a:rPr lang="pt-BR" dirty="0"/>
+              <a:t> </a:t>
+            </a:r>
+            <a:r>
+              <a:rPr lang="pt-BR" dirty="0" err="1"/>
+              <a:t>is</a:t>
+            </a:r>
+            <a:r>
+              <a:rPr lang="pt-BR" dirty="0"/>
+              <a:t> </a:t>
+            </a:r>
+            <a:r>
+              <a:rPr lang="pt-BR" dirty="0" err="1"/>
+              <a:t>the</a:t>
+            </a:r>
+            <a:r>
+              <a:rPr lang="pt-BR" dirty="0"/>
+              <a:t> sum </a:t>
+            </a:r>
+            <a:r>
+              <a:rPr lang="pt-BR" dirty="0" err="1"/>
+              <a:t>of</a:t>
+            </a:r>
+            <a:r>
+              <a:rPr lang="pt-BR" dirty="0"/>
+              <a:t> </a:t>
+            </a:r>
+            <a:r>
+              <a:rPr lang="pt-BR" dirty="0" err="1"/>
+              <a:t>all</a:t>
+            </a:r>
+            <a:r>
+              <a:rPr lang="pt-BR" dirty="0"/>
+              <a:t> </a:t>
+            </a:r>
+            <a:r>
+              <a:rPr lang="pt-BR" dirty="0" err="1"/>
+              <a:t>dimensions</a:t>
+            </a:r>
+            <a:r>
+              <a:rPr lang="pt-BR" dirty="0"/>
+              <a:t>, </a:t>
+            </a:r>
+            <a:r>
+              <a:rPr lang="pt-BR" dirty="0" err="1"/>
+              <a:t>multiplied</a:t>
+            </a:r>
+            <a:r>
+              <a:rPr lang="pt-BR" dirty="0"/>
+              <a:t> </a:t>
+            </a:r>
+            <a:r>
+              <a:rPr lang="pt-BR" dirty="0" err="1"/>
+              <a:t>by</a:t>
+            </a:r>
+            <a:r>
+              <a:rPr lang="pt-BR" dirty="0"/>
+              <a:t> </a:t>
+            </a:r>
+            <a:r>
+              <a:rPr lang="pt-BR" dirty="0" err="1"/>
+              <a:t>the</a:t>
+            </a:r>
+            <a:r>
+              <a:rPr lang="pt-BR" dirty="0"/>
+              <a:t> </a:t>
+            </a:r>
+            <a:r>
+              <a:rPr lang="pt-BR" dirty="0" err="1"/>
+              <a:t>importance</a:t>
+            </a:r>
+            <a:r>
+              <a:rPr lang="pt-BR" dirty="0"/>
+              <a:t> </a:t>
+            </a:r>
+            <a:r>
+              <a:rPr lang="pt-BR" dirty="0" err="1"/>
+              <a:t>weight</a:t>
+            </a:r>
+            <a:r>
+              <a:rPr lang="pt-BR" dirty="0"/>
+              <a:t>, </a:t>
+            </a:r>
+            <a:r>
+              <a:rPr lang="pt-BR" dirty="0" err="1"/>
+              <a:t>divided</a:t>
+            </a:r>
+            <a:r>
+              <a:rPr lang="pt-BR" dirty="0"/>
+              <a:t> </a:t>
+            </a:r>
+            <a:r>
+              <a:rPr lang="pt-BR" dirty="0" err="1"/>
+              <a:t>by</a:t>
+            </a:r>
+            <a:r>
+              <a:rPr lang="pt-BR" dirty="0"/>
+              <a:t> </a:t>
+            </a:r>
+            <a:r>
+              <a:rPr lang="pt-BR" dirty="0" err="1"/>
+              <a:t>the</a:t>
+            </a:r>
+            <a:r>
+              <a:rPr lang="pt-BR" dirty="0"/>
+              <a:t> individual </a:t>
+            </a:r>
+            <a:r>
+              <a:rPr lang="pt-BR" dirty="0" err="1"/>
+              <a:t>rounded</a:t>
+            </a:r>
+            <a:r>
+              <a:rPr lang="pt-BR" dirty="0"/>
+              <a:t> </a:t>
+            </a:r>
+            <a:r>
+              <a:rPr lang="pt-BR" dirty="0" err="1"/>
+              <a:t>average</a:t>
+            </a:r>
+            <a:r>
+              <a:rPr lang="pt-BR" dirty="0"/>
+              <a:t>.</a:t>
+            </a:r>
+          </a:p>
+          <a:p>
+            <a:pPr algn="just"/>
+            <a:r>
+              <a:rPr lang="pt-BR" dirty="0"/>
+              <a:t>The </a:t>
+            </a:r>
+            <a:r>
+              <a:rPr lang="pt-BR" dirty="0" err="1"/>
+              <a:t>weights</a:t>
+            </a:r>
+            <a:r>
+              <a:rPr lang="pt-BR" dirty="0"/>
+              <a:t> </a:t>
+            </a:r>
+            <a:r>
+              <a:rPr lang="pt-BR" dirty="0" err="1"/>
+              <a:t>were</a:t>
+            </a:r>
+            <a:r>
+              <a:rPr lang="pt-BR" dirty="0"/>
+              <a:t> </a:t>
+            </a:r>
+            <a:r>
+              <a:rPr lang="pt-BR" dirty="0" err="1"/>
+              <a:t>assigned</a:t>
+            </a:r>
+            <a:r>
+              <a:rPr lang="pt-BR" dirty="0"/>
+              <a:t> </a:t>
+            </a:r>
+            <a:r>
+              <a:rPr lang="pt-BR" dirty="0" err="1"/>
+              <a:t>through</a:t>
+            </a:r>
+            <a:r>
+              <a:rPr lang="pt-BR" dirty="0"/>
+              <a:t> </a:t>
+            </a:r>
+            <a:r>
+              <a:rPr lang="pt-BR" dirty="0" err="1"/>
+              <a:t>the</a:t>
+            </a:r>
+            <a:r>
+              <a:rPr lang="pt-BR" dirty="0"/>
+              <a:t> </a:t>
+            </a:r>
+            <a:r>
+              <a:rPr lang="pt-BR" dirty="0" err="1"/>
+              <a:t>interpretation</a:t>
+            </a:r>
+            <a:r>
+              <a:rPr lang="pt-BR" dirty="0"/>
+              <a:t> </a:t>
+            </a:r>
+            <a:r>
+              <a:rPr lang="pt-BR" dirty="0" err="1"/>
+              <a:t>of</a:t>
+            </a:r>
+            <a:r>
+              <a:rPr lang="pt-BR" dirty="0"/>
+              <a:t> </a:t>
+            </a:r>
+            <a:r>
+              <a:rPr lang="pt-BR" dirty="0" err="1"/>
+              <a:t>the</a:t>
+            </a:r>
+            <a:r>
+              <a:rPr lang="pt-BR" dirty="0"/>
+              <a:t> data </a:t>
+            </a:r>
+            <a:r>
+              <a:rPr lang="pt-BR" dirty="0" err="1"/>
+              <a:t>distribution</a:t>
+            </a:r>
+            <a:r>
+              <a:rPr lang="pt-BR" dirty="0"/>
+              <a:t>.</a:t>
+            </a:r>
+          </a:p>
+          <a:p>
+            <a:pPr algn="just"/>
+            <a:r>
+              <a:rPr lang="pt-BR" dirty="0" err="1"/>
+              <a:t>To</a:t>
+            </a:r>
+            <a:r>
+              <a:rPr lang="pt-BR" dirty="0"/>
+              <a:t> </a:t>
+            </a:r>
+            <a:r>
+              <a:rPr lang="pt-BR" dirty="0" err="1"/>
+              <a:t>prevent</a:t>
+            </a:r>
+            <a:r>
+              <a:rPr lang="pt-BR" dirty="0"/>
+              <a:t> a </a:t>
+            </a:r>
+            <a:r>
+              <a:rPr lang="pt-BR" dirty="0" err="1"/>
+              <a:t>numerical</a:t>
+            </a:r>
+            <a:r>
+              <a:rPr lang="pt-BR" dirty="0"/>
+              <a:t> </a:t>
+            </a:r>
+            <a:r>
+              <a:rPr lang="pt-BR" dirty="0" err="1"/>
+              <a:t>attribute</a:t>
+            </a:r>
+            <a:r>
+              <a:rPr lang="pt-BR" dirty="0"/>
+              <a:t> </a:t>
+            </a:r>
+            <a:r>
+              <a:rPr lang="pt-BR" dirty="0" err="1"/>
+              <a:t>from</a:t>
+            </a:r>
+            <a:r>
+              <a:rPr lang="pt-BR" dirty="0"/>
+              <a:t> </a:t>
+            </a:r>
+            <a:r>
+              <a:rPr lang="pt-BR" dirty="0" err="1"/>
+              <a:t>gaining</a:t>
+            </a:r>
+            <a:r>
+              <a:rPr lang="pt-BR" dirty="0"/>
+              <a:t> a </a:t>
+            </a:r>
+            <a:r>
+              <a:rPr lang="pt-BR" dirty="0" err="1"/>
+              <a:t>greater</a:t>
+            </a:r>
+            <a:r>
+              <a:rPr lang="pt-BR" dirty="0"/>
+              <a:t> </a:t>
+            </a:r>
+            <a:r>
+              <a:rPr lang="pt-BR" dirty="0" err="1"/>
+              <a:t>weight</a:t>
+            </a:r>
+            <a:r>
+              <a:rPr lang="pt-BR" dirty="0"/>
+              <a:t> </a:t>
+            </a:r>
+            <a:r>
+              <a:rPr lang="pt-BR" dirty="0" err="1"/>
+              <a:t>than</a:t>
+            </a:r>
+            <a:r>
+              <a:rPr lang="pt-BR" dirty="0"/>
+              <a:t> </a:t>
+            </a:r>
+            <a:r>
+              <a:rPr lang="pt-BR" dirty="0" err="1"/>
+              <a:t>another</a:t>
+            </a:r>
+            <a:r>
+              <a:rPr lang="pt-BR" dirty="0"/>
+              <a:t>, in </a:t>
+            </a:r>
+            <a:r>
+              <a:rPr lang="pt-BR" dirty="0" err="1"/>
+              <a:t>addition</a:t>
+            </a:r>
+            <a:r>
+              <a:rPr lang="pt-BR" dirty="0"/>
+              <a:t>, </a:t>
+            </a:r>
+            <a:r>
+              <a:rPr lang="pt-BR" dirty="0" err="1"/>
+              <a:t>the</a:t>
+            </a:r>
+            <a:r>
+              <a:rPr lang="pt-BR" dirty="0"/>
+              <a:t> </a:t>
+            </a:r>
+            <a:r>
+              <a:rPr lang="pt-BR" dirty="0" err="1"/>
+              <a:t>normalization</a:t>
+            </a:r>
+            <a:r>
+              <a:rPr lang="pt-BR" dirty="0"/>
+              <a:t> </a:t>
+            </a:r>
+            <a:r>
+              <a:rPr lang="pt-BR" dirty="0" err="1"/>
+              <a:t>of</a:t>
+            </a:r>
+            <a:r>
+              <a:rPr lang="pt-BR" dirty="0"/>
+              <a:t> </a:t>
+            </a:r>
+            <a:r>
+              <a:rPr lang="pt-BR" dirty="0" err="1"/>
+              <a:t>all</a:t>
+            </a:r>
+            <a:r>
+              <a:rPr lang="pt-BR" dirty="0"/>
+              <a:t> </a:t>
+            </a:r>
+            <a:r>
+              <a:rPr lang="pt-BR" dirty="0" err="1"/>
+              <a:t>dimensions</a:t>
+            </a:r>
+            <a:r>
+              <a:rPr lang="pt-BR" dirty="0"/>
+              <a:t> </a:t>
+            </a:r>
+            <a:r>
+              <a:rPr lang="pt-BR" dirty="0" err="1"/>
+              <a:t>was</a:t>
+            </a:r>
+            <a:r>
+              <a:rPr lang="pt-BR" dirty="0"/>
+              <a:t> </a:t>
+            </a:r>
+            <a:r>
+              <a:rPr lang="pt-BR" dirty="0" err="1"/>
+              <a:t>performed</a:t>
+            </a:r>
+            <a:r>
+              <a:rPr lang="pt-BR" dirty="0"/>
+              <a:t> </a:t>
+            </a:r>
+            <a:r>
+              <a:rPr lang="pt-BR" dirty="0" err="1"/>
+              <a:t>through</a:t>
+            </a:r>
+            <a:r>
+              <a:rPr lang="pt-BR" dirty="0"/>
+              <a:t> </a:t>
+            </a:r>
+            <a:r>
+              <a:rPr lang="pt-BR" dirty="0" err="1"/>
+              <a:t>the</a:t>
+            </a:r>
+            <a:r>
+              <a:rPr lang="pt-BR" dirty="0"/>
+              <a:t> </a:t>
+            </a:r>
+            <a:r>
+              <a:rPr lang="pt-BR" dirty="0" err="1"/>
+              <a:t>rounded</a:t>
+            </a:r>
+            <a:r>
+              <a:rPr lang="pt-BR" dirty="0"/>
+              <a:t> </a:t>
+            </a:r>
+            <a:r>
+              <a:rPr lang="pt-BR" dirty="0" err="1"/>
+              <a:t>average</a:t>
+            </a:r>
+            <a:r>
+              <a:rPr lang="pt-BR" dirty="0"/>
+              <a:t> </a:t>
+            </a:r>
+            <a:r>
+              <a:rPr lang="pt-BR" dirty="0" err="1"/>
+              <a:t>of</a:t>
+            </a:r>
+            <a:r>
+              <a:rPr lang="pt-BR" dirty="0"/>
+              <a:t> </a:t>
+            </a:r>
+            <a:r>
+              <a:rPr lang="pt-BR" dirty="0" err="1"/>
+              <a:t>the</a:t>
+            </a:r>
+            <a:r>
+              <a:rPr lang="pt-BR" dirty="0"/>
+              <a:t> </a:t>
+            </a:r>
+            <a:r>
+              <a:rPr lang="pt-BR" dirty="0" err="1"/>
+              <a:t>distances</a:t>
+            </a:r>
+            <a:r>
+              <a:rPr lang="pt-BR" dirty="0"/>
+              <a:t>.</a:t>
+            </a:r>
+          </a:p>
+        </p:txBody>
+      </p:sp>
+    </p:spTree>
+    <p:extLst>
+      <p:ext uri="{BB962C8B-B14F-4D97-AF65-F5344CB8AC3E}">
+        <p14:creationId xmlns:p14="http://schemas.microsoft.com/office/powerpoint/2010/main" val="2873162771"/>
+      </p:ext>
+    </p:extLst>
+  </p:cSld>
+  <p:clrMapOvr>
+    <a:masterClrMapping/>
+  </p:clrMapOvr>
+</p:sld>
+</file>
+
+<file path=ppt/slides/slide19.xml><?xml version="1.0" encoding="utf-8"?>
+<p:sld xmlns:a="http://schemas.openxmlformats.org/drawingml/2006/main" xmlns:r="http://schemas.openxmlformats.org/officeDocument/2006/relationships" xmlns:p="http://schemas.openxmlformats.org/presentationml/2006/main">
+  <p:cSld>
+    <p:bg>
+      <p:bgPr>
+        <a:solidFill>
+          <a:schemeClr val="bg1"/>
+        </a:solidFill>
+        <a:effectLst/>
+      </p:bgPr>
+    </p:bg>
+    <p:spTree>
+      <p:nvGrpSpPr>
+        <p:cNvPr id="1" name=""/>
+        <p:cNvGrpSpPr/>
+        <p:nvPr/>
+      </p:nvGrpSpPr>
+      <p:grpSpPr>
+        <a:xfrm>
+          <a:off x="0" y="0"/>
+          <a:ext cx="0" cy="0"/>
+          <a:chOff x="0" y="0"/>
+          <a:chExt cx="0" cy="0"/>
+        </a:xfrm>
+      </p:grpSpPr>
+      <p:sp>
+        <p:nvSpPr>
+          <p:cNvPr id="80" name="Rectangle 79">
+            <a:extLst>
+              <a:ext uri="{FF2B5EF4-FFF2-40B4-BE49-F238E27FC236}">
+                <a16:creationId xmlns:a16="http://schemas.microsoft.com/office/drawing/2014/main" id="{8D06CE56-3881-4ADA-8CEF-D18B02C242A3}"/>
+              </a:ext>
+              <a:ext uri="{C183D7F6-B498-43B3-948B-1728B52AA6E4}">
+                <adec:decorative xmlns:adec="http://schemas.microsoft.com/office/drawing/2017/decorative" val="1"/>
+              </a:ext>
+            </a:extLst>
+          </p:cNvPr>
+          <p:cNvSpPr>
+            <a:spLocks noGrp="1" noRot="1" noChangeAspect="1" noMove="1" noResize="1" noEditPoints="1" noAdjustHandles="1" noChangeArrowheads="1" noChangeShapeType="1" noTextEdit="1"/>
+          </p:cNvSpPr>
+          <p:nvPr>
+            <p:extLst>
+              <p:ext uri="{386F3935-93C4-4BCD-93E2-E3B085C9AB24}">
+                <p16:designElem xmlns:p16="http://schemas.microsoft.com/office/powerpoint/2015/main" val="1"/>
+              </p:ext>
+            </p:extLst>
+          </p:nvPr>
+        </p:nvSpPr>
+        <p:spPr>
+          <a:xfrm rot="5400000">
+            <a:off x="857544" y="346791"/>
+            <a:ext cx="146304" cy="704088"/>
+          </a:xfrm>
+          <a:prstGeom prst="rect">
+            <a:avLst/>
+          </a:prstGeom>
+          <a:solidFill>
+            <a:schemeClr val="accent1"/>
+          </a:solidFill>
+          <a:ln>
+            <a:noFill/>
+          </a:ln>
+        </p:spPr>
+        <p:style>
+          <a:lnRef idx="2">
+            <a:schemeClr val="accent1">
+              <a:shade val="50000"/>
+            </a:schemeClr>
+          </a:lnRef>
+          <a:fillRef idx="1">
+            <a:schemeClr val="accent1"/>
+          </a:fillRef>
+          <a:effectRef idx="0">
+            <a:schemeClr val="accent1"/>
+          </a:effectRef>
+          <a:fontRef idx="minor">
+            <a:schemeClr val="lt1"/>
+          </a:fontRef>
+        </p:style>
+        <p:txBody>
+          <a:bodyPr rtlCol="0" anchor="ctr"/>
+          <a:lstStyle/>
+          <a:p>
+            <a:pPr marL="0" marR="0" lvl="0" indent="0" algn="ctr" defTabSz="914400" rtl="0" eaLnBrk="1" fontAlgn="auto" latinLnBrk="0" hangingPunct="1">
+              <a:lnSpc>
+                <a:spcPct val="100000"/>
+              </a:lnSpc>
+              <a:spcBef>
+                <a:spcPts val="0"/>
+              </a:spcBef>
+              <a:spcAft>
+                <a:spcPts val="0"/>
+              </a:spcAft>
+              <a:buClrTx/>
+              <a:buSzTx/>
+              <a:buFontTx/>
+              <a:buNone/>
+              <a:tabLst/>
+              <a:defRPr/>
+            </a:pPr>
+            <a:endParaRPr kumimoji="0" lang="en-US" sz="1800" b="0" i="0" u="none" strike="noStrike" kern="1200" cap="none" spc="0" normalizeH="0" baseline="0" noProof="0">
+              <a:ln>
+                <a:noFill/>
+              </a:ln>
+              <a:solidFill>
+                <a:prstClr val="white"/>
+              </a:solidFill>
+              <a:effectLst/>
+              <a:uLnTx/>
+              <a:uFillTx/>
+              <a:latin typeface="Calibri" panose="020F0502020204030204"/>
+              <a:ea typeface="+mn-ea"/>
+              <a:cs typeface="+mn-cs"/>
+            </a:endParaRPr>
+          </a:p>
+        </p:txBody>
+      </p:sp>
+      <p:sp>
+        <p:nvSpPr>
+          <p:cNvPr id="82" name="Rectangle 81">
+            <a:extLst>
+              <a:ext uri="{FF2B5EF4-FFF2-40B4-BE49-F238E27FC236}">
+                <a16:creationId xmlns:a16="http://schemas.microsoft.com/office/drawing/2014/main" id="{79F3C543-62EC-4433-9C93-A2CD8764E9B4}"/>
+              </a:ext>
+              <a:ext uri="{C183D7F6-B498-43B3-948B-1728B52AA6E4}">
+                <adec:decorative xmlns:adec="http://schemas.microsoft.com/office/drawing/2017/decorative" val="1"/>
+              </a:ext>
+            </a:extLst>
+          </p:cNvPr>
+          <p:cNvSpPr>
+            <a:spLocks noGrp="1" noRot="1" noChangeAspect="1" noMove="1" noResize="1" noEditPoints="1" noAdjustHandles="1" noChangeArrowheads="1" noChangeShapeType="1" noTextEdit="1"/>
+          </p:cNvSpPr>
+          <p:nvPr>
+            <p:extLst>
+              <p:ext uri="{386F3935-93C4-4BCD-93E2-E3B085C9AB24}">
+                <p16:designElem xmlns:p16="http://schemas.microsoft.com/office/powerpoint/2015/main" val="1"/>
+              </p:ext>
+            </p:extLst>
+          </p:nvPr>
+        </p:nvSpPr>
+        <p:spPr>
+          <a:xfrm flipV="1">
+            <a:off x="578652" y="4501201"/>
+            <a:ext cx="11034696" cy="18288"/>
+          </a:xfrm>
+          <a:prstGeom prst="rect">
+            <a:avLst/>
+          </a:prstGeom>
+          <a:solidFill>
+            <a:schemeClr val="tx2">
+              <a:lumMod val="25000"/>
+              <a:lumOff val="75000"/>
+            </a:schemeClr>
+          </a:solidFill>
+          <a:ln w="3175">
+            <a:noFill/>
+          </a:ln>
+          <a:effectLst/>
+        </p:spPr>
+        <p:style>
+          <a:lnRef idx="2">
+            <a:schemeClr val="accent1">
+              <a:shade val="50000"/>
+            </a:schemeClr>
+          </a:lnRef>
+          <a:fillRef idx="1">
+            <a:schemeClr val="accent1"/>
+          </a:fillRef>
+          <a:effectRef idx="0">
+            <a:schemeClr val="accent1"/>
+          </a:effectRef>
+          <a:fontRef idx="minor">
+            <a:schemeClr val="lt1"/>
+          </a:fontRef>
+        </p:style>
+        <p:txBody>
+          <a:bodyPr rtlCol="0" anchor="ctr"/>
+          <a:lstStyle/>
+          <a:p>
+            <a:pPr marL="0" marR="0" lvl="0" indent="0" algn="ctr" defTabSz="914400" rtl="0" eaLnBrk="1" fontAlgn="auto" latinLnBrk="0" hangingPunct="1">
+              <a:lnSpc>
+                <a:spcPct val="100000"/>
+              </a:lnSpc>
+              <a:spcBef>
+                <a:spcPts val="0"/>
+              </a:spcBef>
+              <a:spcAft>
+                <a:spcPts val="0"/>
+              </a:spcAft>
+              <a:buClrTx/>
+              <a:buSzTx/>
+              <a:buFontTx/>
+              <a:buNone/>
+              <a:tabLst/>
+              <a:defRPr/>
+            </a:pPr>
+            <a:endParaRPr kumimoji="0" lang="en-US" sz="1800" b="0" i="0" u="none" strike="noStrike" kern="1200" cap="none" spc="0" normalizeH="0" baseline="0" noProof="0">
+              <a:ln>
+                <a:noFill/>
+              </a:ln>
+              <a:solidFill>
+                <a:prstClr val="white"/>
+              </a:solidFill>
+              <a:effectLst/>
+              <a:uLnTx/>
+              <a:uFillTx/>
+              <a:latin typeface="Calibri" panose="020F0502020204030204"/>
+              <a:ea typeface="+mn-ea"/>
+              <a:cs typeface="+mn-cs"/>
+            </a:endParaRPr>
+          </a:p>
+        </p:txBody>
+      </p:sp>
+      <p:sp useBgFill="1">
+        <p:nvSpPr>
+          <p:cNvPr id="84" name="Rectangle 83">
+            <a:extLst>
+              <a:ext uri="{FF2B5EF4-FFF2-40B4-BE49-F238E27FC236}">
+                <a16:creationId xmlns:a16="http://schemas.microsoft.com/office/drawing/2014/main" id="{D7D03296-BABA-47AD-A5D5-ED156727016E}"/>
+              </a:ext>
+              <a:ext uri="{C183D7F6-B498-43B3-948B-1728B52AA6E4}">
+                <adec:decorative xmlns:adec="http://schemas.microsoft.com/office/drawing/2017/decorative" val="1"/>
+              </a:ext>
+            </a:extLst>
+          </p:cNvPr>
+          <p:cNvSpPr>
+            <a:spLocks noGrp="1" noRot="1" noChangeAspect="1" noMove="1" noResize="1" noEditPoints="1" noAdjustHandles="1" noChangeArrowheads="1" noChangeShapeType="1" noTextEdit="1"/>
+          </p:cNvSpPr>
+          <p:nvPr>
+            <p:extLst>
+              <p:ext uri="{386F3935-93C4-4BCD-93E2-E3B085C9AB24}">
+                <p16:designElem xmlns:p16="http://schemas.microsoft.com/office/powerpoint/2015/main" val="1"/>
+              </p:ext>
+            </p:extLst>
+          </p:nvPr>
+        </p:nvSpPr>
+        <p:spPr>
+          <a:xfrm>
+            <a:off x="0" y="0"/>
+            <a:ext cx="12192000" cy="6858000"/>
+          </a:xfrm>
+          <a:prstGeom prst="rect">
+            <a:avLst/>
+          </a:prstGeom>
+          <a:ln>
+            <a:noFill/>
+          </a:ln>
+        </p:spPr>
+        <p:style>
+          <a:lnRef idx="2">
+            <a:schemeClr val="accent1">
+              <a:shade val="50000"/>
+            </a:schemeClr>
+          </a:lnRef>
+          <a:fillRef idx="1">
+            <a:schemeClr val="accent1"/>
+          </a:fillRef>
+          <a:effectRef idx="0">
+            <a:schemeClr val="accent1"/>
+          </a:effectRef>
+          <a:fontRef idx="minor">
+            <a:schemeClr val="lt1"/>
+          </a:fontRef>
+        </p:style>
+        <p:txBody>
+          <a:bodyPr rtlCol="0" anchor="ctr"/>
+          <a:lstStyle/>
+          <a:p>
+            <a:pPr algn="ctr"/>
+            <a:endParaRPr lang="en-US"/>
+          </a:p>
+        </p:txBody>
+      </p:sp>
+      <p:sp>
+        <p:nvSpPr>
+          <p:cNvPr id="2" name="Título 1">
+            <a:extLst>
+              <a:ext uri="{FF2B5EF4-FFF2-40B4-BE49-F238E27FC236}">
+                <a16:creationId xmlns:a16="http://schemas.microsoft.com/office/drawing/2014/main" id="{BCBA1AF7-1FD1-8943-AE9B-36BD13BCD5B9}"/>
+              </a:ext>
+            </a:extLst>
+          </p:cNvPr>
+          <p:cNvSpPr>
+            <a:spLocks noGrp="1"/>
+          </p:cNvSpPr>
+          <p:nvPr>
+            <p:ph type="title"/>
+          </p:nvPr>
+        </p:nvSpPr>
+        <p:spPr>
+          <a:xfrm>
+            <a:off x="838200" y="226061"/>
+            <a:ext cx="10515600" cy="1092050"/>
+          </a:xfrm>
+        </p:spPr>
+        <p:txBody>
+          <a:bodyPr vert="horz" lIns="91440" tIns="45720" rIns="91440" bIns="45720" rtlCol="0" anchor="b">
+            <a:normAutofit/>
+          </a:bodyPr>
+          <a:lstStyle/>
+          <a:p>
+            <a:pPr algn="ctr"/>
+            <a:r>
+              <a:rPr lang="en-US" sz="5200"/>
+              <a:t>Level 3 - Impact assessment</a:t>
+            </a:r>
+          </a:p>
+        </p:txBody>
+      </p:sp>
+      <p:sp useBgFill="1">
+        <p:nvSpPr>
+          <p:cNvPr id="86" name="Rectangle 85">
+            <a:extLst>
+              <a:ext uri="{FF2B5EF4-FFF2-40B4-BE49-F238E27FC236}">
+                <a16:creationId xmlns:a16="http://schemas.microsoft.com/office/drawing/2014/main" id="{284A8429-F65A-490D-96E4-1158D3E8A026}"/>
+              </a:ext>
+              <a:ext uri="{C183D7F6-B498-43B3-948B-1728B52AA6E4}">
+                <adec:decorative xmlns:adec="http://schemas.microsoft.com/office/drawing/2017/decorative" val="1"/>
+              </a:ext>
+            </a:extLst>
+          </p:cNvPr>
+          <p:cNvSpPr>
+            <a:spLocks noGrp="1" noRot="1" noChangeAspect="1" noMove="1" noResize="1" noEditPoints="1" noAdjustHandles="1" noChangeArrowheads="1" noChangeShapeType="1" noTextEdit="1"/>
+          </p:cNvSpPr>
+          <p:nvPr>
+            <p:extLst>
+              <p:ext uri="{386F3935-93C4-4BCD-93E2-E3B085C9AB24}">
+                <p16:designElem xmlns:p16="http://schemas.microsoft.com/office/powerpoint/2015/main" val="1"/>
+              </p:ext>
+            </p:extLst>
+          </p:nvPr>
+        </p:nvSpPr>
+        <p:spPr>
+          <a:xfrm>
+            <a:off x="838199" y="1396083"/>
+            <a:ext cx="10515599" cy="822960"/>
+          </a:xfrm>
+          <a:prstGeom prst="rect">
+            <a:avLst/>
+          </a:prstGeom>
+          <a:ln w="12700">
+            <a:solidFill>
+              <a:schemeClr val="tx2">
+                <a:lumMod val="10000"/>
+                <a:lumOff val="90000"/>
+              </a:schemeClr>
+            </a:solidFill>
+          </a:ln>
+          <a:effectLst>
+            <a:outerShdw blurRad="50800" dist="38100" dir="2700000" algn="tl" rotWithShape="0">
+              <a:schemeClr val="bg1">
+                <a:lumMod val="85000"/>
+                <a:alpha val="30000"/>
+              </a:schemeClr>
+            </a:outerShdw>
+          </a:effectLst>
+        </p:spPr>
+        <p:style>
+          <a:lnRef idx="2">
+            <a:schemeClr val="accent1">
+              <a:shade val="50000"/>
+            </a:schemeClr>
+          </a:lnRef>
+          <a:fillRef idx="1">
+            <a:schemeClr val="accent1"/>
+          </a:fillRef>
+          <a:effectRef idx="0">
+            <a:schemeClr val="accent1"/>
+          </a:effectRef>
+          <a:fontRef idx="minor">
+            <a:schemeClr val="lt1"/>
+          </a:fontRef>
+        </p:style>
+        <p:txBody>
+          <a:bodyPr rtlCol="0" anchor="ctr"/>
+          <a:lstStyle/>
+          <a:p>
+            <a:pPr marL="0" marR="0" lvl="0" indent="0" algn="ctr" defTabSz="914400" rtl="0" eaLnBrk="1" fontAlgn="auto" latinLnBrk="0" hangingPunct="1">
+              <a:lnSpc>
+                <a:spcPct val="100000"/>
+              </a:lnSpc>
+              <a:spcBef>
+                <a:spcPts val="0"/>
+              </a:spcBef>
+              <a:spcAft>
+                <a:spcPts val="0"/>
+              </a:spcAft>
+              <a:buClrTx/>
+              <a:buSzTx/>
+              <a:buFontTx/>
+              <a:buNone/>
+              <a:tabLst/>
+              <a:defRPr/>
+            </a:pPr>
+            <a:endParaRPr kumimoji="0" lang="en-US" sz="1800" b="0" i="0" u="none" strike="noStrike" kern="1200" cap="none" spc="0" normalizeH="0" baseline="0" noProof="0" dirty="0">
+              <a:ln>
+                <a:noFill/>
+              </a:ln>
+              <a:solidFill>
+                <a:prstClr val="white"/>
+              </a:solidFill>
+              <a:effectLst/>
+              <a:uLnTx/>
+              <a:uFillTx/>
+              <a:latin typeface="Calibri" panose="020F0502020204030204"/>
+              <a:ea typeface="+mn-ea"/>
+              <a:cs typeface="+mn-cs"/>
+            </a:endParaRPr>
+          </a:p>
+        </p:txBody>
+      </p:sp>
+      <p:sp>
+        <p:nvSpPr>
+          <p:cNvPr id="88" name="Rectangle 87">
+            <a:extLst>
+              <a:ext uri="{FF2B5EF4-FFF2-40B4-BE49-F238E27FC236}">
+                <a16:creationId xmlns:a16="http://schemas.microsoft.com/office/drawing/2014/main" id="{0F022291-A82B-4D23-A1E0-5F9BD684669E}"/>
+              </a:ext>
+              <a:ext uri="{C183D7F6-B498-43B3-948B-1728B52AA6E4}">
+                <adec:decorative xmlns:adec="http://schemas.microsoft.com/office/drawing/2017/decorative" val="1"/>
+              </a:ext>
+            </a:extLst>
+          </p:cNvPr>
+          <p:cNvSpPr>
+            <a:spLocks noGrp="1" noRot="1" noChangeAspect="1" noMove="1" noResize="1" noEditPoints="1" noAdjustHandles="1" noChangeArrowheads="1" noChangeShapeType="1" noTextEdit="1"/>
+          </p:cNvSpPr>
+          <p:nvPr>
+            <p:extLst>
+              <p:ext uri="{386F3935-93C4-4BCD-93E2-E3B085C9AB24}">
+                <p16:designElem xmlns:p16="http://schemas.microsoft.com/office/powerpoint/2015/main" val="1"/>
+              </p:ext>
+            </p:extLst>
+          </p:nvPr>
+        </p:nvSpPr>
+        <p:spPr>
+          <a:xfrm rot="5400000">
+            <a:off x="6041136" y="1859832"/>
+            <a:ext cx="109728" cy="731520"/>
+          </a:xfrm>
+          <a:prstGeom prst="rect">
+            <a:avLst/>
+          </a:prstGeom>
+          <a:solidFill>
+            <a:schemeClr val="accent1"/>
+          </a:solidFill>
+          <a:ln>
+            <a:noFill/>
+          </a:ln>
+        </p:spPr>
+        <p:style>
+          <a:lnRef idx="2">
+            <a:schemeClr val="accent1">
+              <a:shade val="50000"/>
+            </a:schemeClr>
+          </a:lnRef>
+          <a:fillRef idx="1">
+            <a:schemeClr val="accent1"/>
+          </a:fillRef>
+          <a:effectRef idx="0">
+            <a:schemeClr val="accent1"/>
+          </a:effectRef>
+          <a:fontRef idx="minor">
+            <a:schemeClr val="lt1"/>
+          </a:fontRef>
+        </p:style>
+        <p:txBody>
+          <a:bodyPr rtlCol="0" anchor="ctr"/>
+          <a:lstStyle/>
+          <a:p>
+            <a:pPr marL="0" marR="0" lvl="0" indent="0" algn="ctr" defTabSz="914400" rtl="0" eaLnBrk="1" fontAlgn="auto" latinLnBrk="0" hangingPunct="1">
+              <a:lnSpc>
+                <a:spcPct val="100000"/>
+              </a:lnSpc>
+              <a:spcBef>
+                <a:spcPts val="0"/>
+              </a:spcBef>
+              <a:spcAft>
+                <a:spcPts val="0"/>
+              </a:spcAft>
+              <a:buClrTx/>
+              <a:buSzTx/>
+              <a:buFontTx/>
+              <a:buNone/>
+              <a:tabLst/>
+              <a:defRPr/>
+            </a:pPr>
+            <a:endParaRPr kumimoji="0" lang="en-US" sz="1800" b="0" i="0" u="none" strike="noStrike" kern="1200" cap="none" spc="0" normalizeH="0" baseline="0" noProof="0">
+              <a:ln>
+                <a:noFill/>
+              </a:ln>
+              <a:solidFill>
+                <a:prstClr val="white"/>
+              </a:solidFill>
+              <a:effectLst/>
+              <a:uLnTx/>
+              <a:uFillTx/>
+              <a:latin typeface="Calibri" panose="020F0502020204030204"/>
+              <a:ea typeface="+mn-ea"/>
+              <a:cs typeface="+mn-cs"/>
+            </a:endParaRPr>
+          </a:p>
+        </p:txBody>
+      </p:sp>
+      <p:pic>
+        <p:nvPicPr>
+          <p:cNvPr id="3" name="Imagem 2" descr="Texto&#10;&#10;Descrição gerada automaticamente">
+            <a:extLst>
+              <a:ext uri="{FF2B5EF4-FFF2-40B4-BE49-F238E27FC236}">
+                <a16:creationId xmlns:a16="http://schemas.microsoft.com/office/drawing/2014/main" id="{7F690B28-766C-374F-9105-5A87E225C6DF}"/>
+              </a:ext>
+            </a:extLst>
+          </p:cNvPr>
+          <p:cNvPicPr>
+            <a:picLocks noChangeAspect="1"/>
+          </p:cNvPicPr>
+          <p:nvPr/>
+        </p:nvPicPr>
+        <p:blipFill>
+          <a:blip r:embed="rId2"/>
+          <a:stretch>
+            <a:fillRect/>
+          </a:stretch>
+        </p:blipFill>
+        <p:spPr>
+          <a:xfrm>
+            <a:off x="838199" y="2861493"/>
+            <a:ext cx="5140661" cy="2955879"/>
+          </a:xfrm>
+          <a:prstGeom prst="rect">
+            <a:avLst/>
+          </a:prstGeom>
+        </p:spPr>
+      </p:pic>
+      <p:pic>
+        <p:nvPicPr>
+          <p:cNvPr id="6" name="Imagem 5" descr="Texto&#10;&#10;Descrição gerada automaticamente">
+            <a:extLst>
+              <a:ext uri="{FF2B5EF4-FFF2-40B4-BE49-F238E27FC236}">
+                <a16:creationId xmlns:a16="http://schemas.microsoft.com/office/drawing/2014/main" id="{E706A626-ED17-4E8D-A497-09CD0CC70DE2}"/>
+              </a:ext>
+            </a:extLst>
+          </p:cNvPr>
+          <p:cNvPicPr>
+            <a:picLocks noChangeAspect="1"/>
+          </p:cNvPicPr>
+          <p:nvPr/>
+        </p:nvPicPr>
+        <p:blipFill rotWithShape="1">
+          <a:blip r:embed="rId3"/>
+          <a:srcRect t="31394" r="64459"/>
+          <a:stretch/>
+        </p:blipFill>
+        <p:spPr>
+          <a:xfrm>
+            <a:off x="7305566" y="2399494"/>
+            <a:ext cx="2955808" cy="3879878"/>
+          </a:xfrm>
+          <a:prstGeom prst="rect">
+            <a:avLst/>
+          </a:prstGeom>
+        </p:spPr>
+      </p:pic>
+    </p:spTree>
+    <p:extLst>
+      <p:ext uri="{BB962C8B-B14F-4D97-AF65-F5344CB8AC3E}">
+        <p14:creationId xmlns:p14="http://schemas.microsoft.com/office/powerpoint/2010/main" val="1558528727"/>
       </p:ext>
     </p:extLst>
   </p:cSld>
@@ -26798,1111 +27885,10 @@
   <p:clrMapOvr>
     <a:masterClrMapping/>
   </p:clrMapOvr>
-  <mc:AlternateContent xmlns:mc="http://schemas.openxmlformats.org/markup-compatibility/2006" xmlns:p14="http://schemas.microsoft.com/office/powerpoint/2010/main">
-    <mc:Choice Requires="p14">
-      <p:transition spd="slow" p14:dur="2000" advTm="61298"/>
-    </mc:Choice>
-    <mc:Fallback xmlns="">
-      <p:transition spd="slow" advTm="61298"/>
-    </mc:Fallback>
-  </mc:AlternateContent>
 </p:sld>
 </file>
 
 <file path=ppt/slides/slide20.xml><?xml version="1.0" encoding="utf-8"?>
-<p:sld xmlns:a="http://schemas.openxmlformats.org/drawingml/2006/main" xmlns:r="http://schemas.openxmlformats.org/officeDocument/2006/relationships" xmlns:p="http://schemas.openxmlformats.org/presentationml/2006/main" show="0">
-  <p:cSld>
-    <p:spTree>
-      <p:nvGrpSpPr>
-        <p:cNvPr id="1" name=""/>
-        <p:cNvGrpSpPr/>
-        <p:nvPr/>
-      </p:nvGrpSpPr>
-      <p:grpSpPr>
-        <a:xfrm>
-          <a:off x="0" y="0"/>
-          <a:ext cx="0" cy="0"/>
-          <a:chOff x="0" y="0"/>
-          <a:chExt cx="0" cy="0"/>
-        </a:xfrm>
-      </p:grpSpPr>
-      <p:sp>
-        <p:nvSpPr>
-          <p:cNvPr id="2" name="Título 1">
-            <a:extLst>
-              <a:ext uri="{FF2B5EF4-FFF2-40B4-BE49-F238E27FC236}">
-                <a16:creationId xmlns:a16="http://schemas.microsoft.com/office/drawing/2014/main" id="{221E8372-7823-1440-9EAF-5E5D24D73CDC}"/>
-              </a:ext>
-            </a:extLst>
-          </p:cNvPr>
-          <p:cNvSpPr>
-            <a:spLocks noGrp="1"/>
-          </p:cNvSpPr>
-          <p:nvPr>
-            <p:ph type="title"/>
-          </p:nvPr>
-        </p:nvSpPr>
-        <p:spPr/>
-        <p:txBody>
-          <a:bodyPr/>
-          <a:lstStyle/>
-          <a:p>
-            <a:r>
-              <a:rPr lang="pt-BR" dirty="0" err="1"/>
-              <a:t>Level</a:t>
-            </a:r>
-            <a:r>
-              <a:rPr lang="pt-BR" dirty="0"/>
-              <a:t> 3 - </a:t>
-            </a:r>
-            <a:r>
-              <a:rPr lang="pt-BR" dirty="0" err="1"/>
-              <a:t>Impact</a:t>
-            </a:r>
-            <a:r>
-              <a:rPr lang="pt-BR" dirty="0"/>
-              <a:t> </a:t>
-            </a:r>
-            <a:r>
-              <a:rPr lang="pt-BR" dirty="0" err="1"/>
-              <a:t>assessment</a:t>
-            </a:r>
-            <a:endParaRPr lang="pt-BR" dirty="0"/>
-          </a:p>
-        </p:txBody>
-      </p:sp>
-      <p:sp>
-        <p:nvSpPr>
-          <p:cNvPr id="3" name="Espaço Reservado para Conteúdo 2">
-            <a:extLst>
-              <a:ext uri="{FF2B5EF4-FFF2-40B4-BE49-F238E27FC236}">
-                <a16:creationId xmlns:a16="http://schemas.microsoft.com/office/drawing/2014/main" id="{07CD2073-D895-7242-BEEB-135F208224B4}"/>
-              </a:ext>
-            </a:extLst>
-          </p:cNvPr>
-          <p:cNvSpPr>
-            <a:spLocks noGrp="1"/>
-          </p:cNvSpPr>
-          <p:nvPr>
-            <p:ph idx="1"/>
-          </p:nvPr>
-        </p:nvSpPr>
-        <p:spPr/>
-        <p:txBody>
-          <a:bodyPr>
-            <a:normAutofit/>
-          </a:bodyPr>
-          <a:lstStyle/>
-          <a:p>
-            <a:pPr algn="just"/>
-            <a:r>
-              <a:rPr lang="pt-BR" dirty="0"/>
-              <a:t> The </a:t>
-            </a:r>
-            <a:r>
-              <a:rPr lang="pt-BR" dirty="0" err="1"/>
-              <a:t>distance</a:t>
-            </a:r>
-            <a:r>
-              <a:rPr lang="pt-BR" dirty="0"/>
-              <a:t> </a:t>
-            </a:r>
-            <a:r>
-              <a:rPr lang="pt-BR" dirty="0" err="1"/>
-              <a:t>is</a:t>
-            </a:r>
-            <a:r>
-              <a:rPr lang="pt-BR" dirty="0"/>
-              <a:t> </a:t>
-            </a:r>
-            <a:r>
-              <a:rPr lang="pt-BR" dirty="0" err="1"/>
-              <a:t>the</a:t>
-            </a:r>
-            <a:r>
-              <a:rPr lang="pt-BR" dirty="0"/>
-              <a:t> sum </a:t>
-            </a:r>
-            <a:r>
-              <a:rPr lang="pt-BR" dirty="0" err="1"/>
-              <a:t>of</a:t>
-            </a:r>
-            <a:r>
-              <a:rPr lang="pt-BR" dirty="0"/>
-              <a:t> </a:t>
-            </a:r>
-            <a:r>
-              <a:rPr lang="pt-BR" dirty="0" err="1"/>
-              <a:t>all</a:t>
-            </a:r>
-            <a:r>
-              <a:rPr lang="pt-BR" dirty="0"/>
-              <a:t> </a:t>
-            </a:r>
-            <a:r>
-              <a:rPr lang="pt-BR" dirty="0" err="1"/>
-              <a:t>dimensions</a:t>
-            </a:r>
-            <a:r>
-              <a:rPr lang="pt-BR" dirty="0"/>
-              <a:t>, </a:t>
-            </a:r>
-            <a:r>
-              <a:rPr lang="pt-BR" dirty="0" err="1"/>
-              <a:t>multiplied</a:t>
-            </a:r>
-            <a:r>
-              <a:rPr lang="pt-BR" dirty="0"/>
-              <a:t> </a:t>
-            </a:r>
-            <a:r>
-              <a:rPr lang="pt-BR" dirty="0" err="1"/>
-              <a:t>by</a:t>
-            </a:r>
-            <a:r>
-              <a:rPr lang="pt-BR" dirty="0"/>
-              <a:t> </a:t>
-            </a:r>
-            <a:r>
-              <a:rPr lang="pt-BR" dirty="0" err="1"/>
-              <a:t>the</a:t>
-            </a:r>
-            <a:r>
-              <a:rPr lang="pt-BR" dirty="0"/>
-              <a:t> </a:t>
-            </a:r>
-            <a:r>
-              <a:rPr lang="pt-BR" dirty="0" err="1"/>
-              <a:t>importance</a:t>
-            </a:r>
-            <a:r>
-              <a:rPr lang="pt-BR" dirty="0"/>
-              <a:t> </a:t>
-            </a:r>
-            <a:r>
-              <a:rPr lang="pt-BR" dirty="0" err="1"/>
-              <a:t>weight</a:t>
-            </a:r>
-            <a:r>
-              <a:rPr lang="pt-BR" dirty="0"/>
-              <a:t>, </a:t>
-            </a:r>
-            <a:r>
-              <a:rPr lang="pt-BR" dirty="0" err="1"/>
-              <a:t>divided</a:t>
-            </a:r>
-            <a:r>
-              <a:rPr lang="pt-BR" dirty="0"/>
-              <a:t> </a:t>
-            </a:r>
-            <a:r>
-              <a:rPr lang="pt-BR" dirty="0" err="1"/>
-              <a:t>by</a:t>
-            </a:r>
-            <a:r>
-              <a:rPr lang="pt-BR" dirty="0"/>
-              <a:t> </a:t>
-            </a:r>
-            <a:r>
-              <a:rPr lang="pt-BR" dirty="0" err="1"/>
-              <a:t>the</a:t>
-            </a:r>
-            <a:r>
-              <a:rPr lang="pt-BR" dirty="0"/>
-              <a:t> individual </a:t>
-            </a:r>
-            <a:r>
-              <a:rPr lang="pt-BR" dirty="0" err="1"/>
-              <a:t>rounded</a:t>
-            </a:r>
-            <a:r>
-              <a:rPr lang="pt-BR" dirty="0"/>
-              <a:t> </a:t>
-            </a:r>
-            <a:r>
-              <a:rPr lang="pt-BR" dirty="0" err="1"/>
-              <a:t>average</a:t>
-            </a:r>
-            <a:r>
-              <a:rPr lang="pt-BR" dirty="0"/>
-              <a:t>.</a:t>
-            </a:r>
-          </a:p>
-          <a:p>
-            <a:pPr algn="just"/>
-            <a:r>
-              <a:rPr lang="pt-BR" dirty="0"/>
-              <a:t>The </a:t>
-            </a:r>
-            <a:r>
-              <a:rPr lang="pt-BR" dirty="0" err="1"/>
-              <a:t>weights</a:t>
-            </a:r>
-            <a:r>
-              <a:rPr lang="pt-BR" dirty="0"/>
-              <a:t> </a:t>
-            </a:r>
-            <a:r>
-              <a:rPr lang="pt-BR" dirty="0" err="1"/>
-              <a:t>were</a:t>
-            </a:r>
-            <a:r>
-              <a:rPr lang="pt-BR" dirty="0"/>
-              <a:t> </a:t>
-            </a:r>
-            <a:r>
-              <a:rPr lang="pt-BR" dirty="0" err="1"/>
-              <a:t>assigned</a:t>
-            </a:r>
-            <a:r>
-              <a:rPr lang="pt-BR" dirty="0"/>
-              <a:t> </a:t>
-            </a:r>
-            <a:r>
-              <a:rPr lang="pt-BR" dirty="0" err="1"/>
-              <a:t>through</a:t>
-            </a:r>
-            <a:r>
-              <a:rPr lang="pt-BR" dirty="0"/>
-              <a:t> </a:t>
-            </a:r>
-            <a:r>
-              <a:rPr lang="pt-BR" dirty="0" err="1"/>
-              <a:t>the</a:t>
-            </a:r>
-            <a:r>
-              <a:rPr lang="pt-BR" dirty="0"/>
-              <a:t> </a:t>
-            </a:r>
-            <a:r>
-              <a:rPr lang="pt-BR" dirty="0" err="1"/>
-              <a:t>interpretation</a:t>
-            </a:r>
-            <a:r>
-              <a:rPr lang="pt-BR" dirty="0"/>
-              <a:t> </a:t>
-            </a:r>
-            <a:r>
-              <a:rPr lang="pt-BR" dirty="0" err="1"/>
-              <a:t>of</a:t>
-            </a:r>
-            <a:r>
-              <a:rPr lang="pt-BR" dirty="0"/>
-              <a:t> </a:t>
-            </a:r>
-            <a:r>
-              <a:rPr lang="pt-BR" dirty="0" err="1"/>
-              <a:t>the</a:t>
-            </a:r>
-            <a:r>
-              <a:rPr lang="pt-BR" dirty="0"/>
-              <a:t> data </a:t>
-            </a:r>
-            <a:r>
-              <a:rPr lang="pt-BR" dirty="0" err="1"/>
-              <a:t>distribution</a:t>
-            </a:r>
-            <a:r>
-              <a:rPr lang="pt-BR" dirty="0"/>
-              <a:t>.</a:t>
-            </a:r>
-          </a:p>
-          <a:p>
-            <a:pPr algn="just"/>
-            <a:r>
-              <a:rPr lang="pt-BR" dirty="0" err="1"/>
-              <a:t>To</a:t>
-            </a:r>
-            <a:r>
-              <a:rPr lang="pt-BR" dirty="0"/>
-              <a:t> </a:t>
-            </a:r>
-            <a:r>
-              <a:rPr lang="pt-BR" dirty="0" err="1"/>
-              <a:t>prevent</a:t>
-            </a:r>
-            <a:r>
-              <a:rPr lang="pt-BR" dirty="0"/>
-              <a:t> a </a:t>
-            </a:r>
-            <a:r>
-              <a:rPr lang="pt-BR" dirty="0" err="1"/>
-              <a:t>numerical</a:t>
-            </a:r>
-            <a:r>
-              <a:rPr lang="pt-BR" dirty="0"/>
-              <a:t> </a:t>
-            </a:r>
-            <a:r>
-              <a:rPr lang="pt-BR" dirty="0" err="1"/>
-              <a:t>attribute</a:t>
-            </a:r>
-            <a:r>
-              <a:rPr lang="pt-BR" dirty="0"/>
-              <a:t> </a:t>
-            </a:r>
-            <a:r>
-              <a:rPr lang="pt-BR" dirty="0" err="1"/>
-              <a:t>from</a:t>
-            </a:r>
-            <a:r>
-              <a:rPr lang="pt-BR" dirty="0"/>
-              <a:t> </a:t>
-            </a:r>
-            <a:r>
-              <a:rPr lang="pt-BR" dirty="0" err="1"/>
-              <a:t>gaining</a:t>
-            </a:r>
-            <a:r>
-              <a:rPr lang="pt-BR" dirty="0"/>
-              <a:t> a </a:t>
-            </a:r>
-            <a:r>
-              <a:rPr lang="pt-BR" dirty="0" err="1"/>
-              <a:t>greater</a:t>
-            </a:r>
-            <a:r>
-              <a:rPr lang="pt-BR" dirty="0"/>
-              <a:t> </a:t>
-            </a:r>
-            <a:r>
-              <a:rPr lang="pt-BR" dirty="0" err="1"/>
-              <a:t>weight</a:t>
-            </a:r>
-            <a:r>
-              <a:rPr lang="pt-BR" dirty="0"/>
-              <a:t> </a:t>
-            </a:r>
-            <a:r>
-              <a:rPr lang="pt-BR" dirty="0" err="1"/>
-              <a:t>than</a:t>
-            </a:r>
-            <a:r>
-              <a:rPr lang="pt-BR" dirty="0"/>
-              <a:t> </a:t>
-            </a:r>
-            <a:r>
-              <a:rPr lang="pt-BR" dirty="0" err="1"/>
-              <a:t>another</a:t>
-            </a:r>
-            <a:r>
-              <a:rPr lang="pt-BR" dirty="0"/>
-              <a:t>, in </a:t>
-            </a:r>
-            <a:r>
-              <a:rPr lang="pt-BR" dirty="0" err="1"/>
-              <a:t>addition</a:t>
-            </a:r>
-            <a:r>
-              <a:rPr lang="pt-BR" dirty="0"/>
-              <a:t>, </a:t>
-            </a:r>
-            <a:r>
-              <a:rPr lang="pt-BR" dirty="0" err="1"/>
-              <a:t>the</a:t>
-            </a:r>
-            <a:r>
-              <a:rPr lang="pt-BR" dirty="0"/>
-              <a:t> </a:t>
-            </a:r>
-            <a:r>
-              <a:rPr lang="pt-BR" dirty="0" err="1"/>
-              <a:t>normalization</a:t>
-            </a:r>
-            <a:r>
-              <a:rPr lang="pt-BR" dirty="0"/>
-              <a:t> </a:t>
-            </a:r>
-            <a:r>
-              <a:rPr lang="pt-BR" dirty="0" err="1"/>
-              <a:t>of</a:t>
-            </a:r>
-            <a:r>
-              <a:rPr lang="pt-BR" dirty="0"/>
-              <a:t> </a:t>
-            </a:r>
-            <a:r>
-              <a:rPr lang="pt-BR" dirty="0" err="1"/>
-              <a:t>all</a:t>
-            </a:r>
-            <a:r>
-              <a:rPr lang="pt-BR" dirty="0"/>
-              <a:t> </a:t>
-            </a:r>
-            <a:r>
-              <a:rPr lang="pt-BR" dirty="0" err="1"/>
-              <a:t>dimensions</a:t>
-            </a:r>
-            <a:r>
-              <a:rPr lang="pt-BR" dirty="0"/>
-              <a:t> </a:t>
-            </a:r>
-            <a:r>
-              <a:rPr lang="pt-BR" dirty="0" err="1"/>
-              <a:t>was</a:t>
-            </a:r>
-            <a:r>
-              <a:rPr lang="pt-BR" dirty="0"/>
-              <a:t> </a:t>
-            </a:r>
-            <a:r>
-              <a:rPr lang="pt-BR" dirty="0" err="1"/>
-              <a:t>performed</a:t>
-            </a:r>
-            <a:r>
-              <a:rPr lang="pt-BR" dirty="0"/>
-              <a:t> </a:t>
-            </a:r>
-            <a:r>
-              <a:rPr lang="pt-BR" dirty="0" err="1"/>
-              <a:t>through</a:t>
-            </a:r>
-            <a:r>
-              <a:rPr lang="pt-BR" dirty="0"/>
-              <a:t> </a:t>
-            </a:r>
-            <a:r>
-              <a:rPr lang="pt-BR" dirty="0" err="1"/>
-              <a:t>the</a:t>
-            </a:r>
-            <a:r>
-              <a:rPr lang="pt-BR" dirty="0"/>
-              <a:t> </a:t>
-            </a:r>
-            <a:r>
-              <a:rPr lang="pt-BR" dirty="0" err="1"/>
-              <a:t>rounded</a:t>
-            </a:r>
-            <a:r>
-              <a:rPr lang="pt-BR" dirty="0"/>
-              <a:t> </a:t>
-            </a:r>
-            <a:r>
-              <a:rPr lang="pt-BR" dirty="0" err="1"/>
-              <a:t>average</a:t>
-            </a:r>
-            <a:r>
-              <a:rPr lang="pt-BR" dirty="0"/>
-              <a:t> </a:t>
-            </a:r>
-            <a:r>
-              <a:rPr lang="pt-BR" dirty="0" err="1"/>
-              <a:t>of</a:t>
-            </a:r>
-            <a:r>
-              <a:rPr lang="pt-BR" dirty="0"/>
-              <a:t> </a:t>
-            </a:r>
-            <a:r>
-              <a:rPr lang="pt-BR" dirty="0" err="1"/>
-              <a:t>the</a:t>
-            </a:r>
-            <a:r>
-              <a:rPr lang="pt-BR" dirty="0"/>
-              <a:t> </a:t>
-            </a:r>
-            <a:r>
-              <a:rPr lang="pt-BR" dirty="0" err="1"/>
-              <a:t>distances</a:t>
-            </a:r>
-            <a:r>
-              <a:rPr lang="pt-BR" dirty="0"/>
-              <a:t>.</a:t>
-            </a:r>
-          </a:p>
-        </p:txBody>
-      </p:sp>
-    </p:spTree>
-    <p:extLst>
-      <p:ext uri="{BB962C8B-B14F-4D97-AF65-F5344CB8AC3E}">
-        <p14:creationId xmlns:p14="http://schemas.microsoft.com/office/powerpoint/2010/main" val="2873162771"/>
-      </p:ext>
-    </p:extLst>
-  </p:cSld>
-  <p:clrMapOvr>
-    <a:masterClrMapping/>
-  </p:clrMapOvr>
-</p:sld>
-</file>
-
-<file path=ppt/slides/slide21.xml><?xml version="1.0" encoding="utf-8"?>
-<p:sld xmlns:a="http://schemas.openxmlformats.org/drawingml/2006/main" xmlns:r="http://schemas.openxmlformats.org/officeDocument/2006/relationships" xmlns:p="http://schemas.openxmlformats.org/presentationml/2006/main">
-  <p:cSld>
-    <p:bg>
-      <p:bgPr>
-        <a:solidFill>
-          <a:schemeClr val="bg1"/>
-        </a:solidFill>
-        <a:effectLst/>
-      </p:bgPr>
-    </p:bg>
-    <p:spTree>
-      <p:nvGrpSpPr>
-        <p:cNvPr id="1" name=""/>
-        <p:cNvGrpSpPr/>
-        <p:nvPr/>
-      </p:nvGrpSpPr>
-      <p:grpSpPr>
-        <a:xfrm>
-          <a:off x="0" y="0"/>
-          <a:ext cx="0" cy="0"/>
-          <a:chOff x="0" y="0"/>
-          <a:chExt cx="0" cy="0"/>
-        </a:xfrm>
-      </p:grpSpPr>
-      <p:sp>
-        <p:nvSpPr>
-          <p:cNvPr id="67" name="Rectangle 66">
-            <a:extLst>
-              <a:ext uri="{FF2B5EF4-FFF2-40B4-BE49-F238E27FC236}">
-                <a16:creationId xmlns:a16="http://schemas.microsoft.com/office/drawing/2014/main" id="{8D06CE56-3881-4ADA-8CEF-D18B02C242A3}"/>
-              </a:ext>
-              <a:ext uri="{C183D7F6-B498-43B3-948B-1728B52AA6E4}">
-                <adec:decorative xmlns:adec="http://schemas.microsoft.com/office/drawing/2017/decorative" val="1"/>
-              </a:ext>
-            </a:extLst>
-          </p:cNvPr>
-          <p:cNvSpPr>
-            <a:spLocks noGrp="1" noRot="1" noChangeAspect="1" noMove="1" noResize="1" noEditPoints="1" noAdjustHandles="1" noChangeArrowheads="1" noChangeShapeType="1" noTextEdit="1"/>
-          </p:cNvSpPr>
-          <p:nvPr>
-            <p:extLst>
-              <p:ext uri="{386F3935-93C4-4BCD-93E2-E3B085C9AB24}">
-                <p16:designElem xmlns:p16="http://schemas.microsoft.com/office/powerpoint/2015/main" val="1"/>
-              </p:ext>
-            </p:extLst>
-          </p:nvPr>
-        </p:nvSpPr>
-        <p:spPr>
-          <a:xfrm rot="5400000">
-            <a:off x="857544" y="346791"/>
-            <a:ext cx="146304" cy="704088"/>
-          </a:xfrm>
-          <a:prstGeom prst="rect">
-            <a:avLst/>
-          </a:prstGeom>
-          <a:solidFill>
-            <a:schemeClr val="accent1"/>
-          </a:solidFill>
-          <a:ln>
-            <a:noFill/>
-          </a:ln>
-        </p:spPr>
-        <p:style>
-          <a:lnRef idx="2">
-            <a:schemeClr val="accent1">
-              <a:shade val="50000"/>
-            </a:schemeClr>
-          </a:lnRef>
-          <a:fillRef idx="1">
-            <a:schemeClr val="accent1"/>
-          </a:fillRef>
-          <a:effectRef idx="0">
-            <a:schemeClr val="accent1"/>
-          </a:effectRef>
-          <a:fontRef idx="minor">
-            <a:schemeClr val="lt1"/>
-          </a:fontRef>
-        </p:style>
-        <p:txBody>
-          <a:bodyPr rtlCol="0" anchor="ctr"/>
-          <a:lstStyle/>
-          <a:p>
-            <a:pPr marL="0" marR="0" lvl="0" indent="0" algn="ctr" defTabSz="914400" rtl="0" eaLnBrk="1" fontAlgn="auto" latinLnBrk="0" hangingPunct="1">
-              <a:lnSpc>
-                <a:spcPct val="100000"/>
-              </a:lnSpc>
-              <a:spcBef>
-                <a:spcPts val="0"/>
-              </a:spcBef>
-              <a:spcAft>
-                <a:spcPts val="0"/>
-              </a:spcAft>
-              <a:buClrTx/>
-              <a:buSzTx/>
-              <a:buFontTx/>
-              <a:buNone/>
-              <a:tabLst/>
-              <a:defRPr/>
-            </a:pPr>
-            <a:endParaRPr kumimoji="0" lang="en-US" sz="1800" b="0" i="0" u="none" strike="noStrike" kern="1200" cap="none" spc="0" normalizeH="0" baseline="0" noProof="0">
-              <a:ln>
-                <a:noFill/>
-              </a:ln>
-              <a:solidFill>
-                <a:prstClr val="white"/>
-              </a:solidFill>
-              <a:effectLst/>
-              <a:uLnTx/>
-              <a:uFillTx/>
-              <a:latin typeface="Calibri" panose="020F0502020204030204"/>
-              <a:ea typeface="+mn-ea"/>
-              <a:cs typeface="+mn-cs"/>
-            </a:endParaRPr>
-          </a:p>
-        </p:txBody>
-      </p:sp>
-      <p:sp>
-        <p:nvSpPr>
-          <p:cNvPr id="69" name="Rectangle 68">
-            <a:extLst>
-              <a:ext uri="{FF2B5EF4-FFF2-40B4-BE49-F238E27FC236}">
-                <a16:creationId xmlns:a16="http://schemas.microsoft.com/office/drawing/2014/main" id="{79F3C543-62EC-4433-9C93-A2CD8764E9B4}"/>
-              </a:ext>
-              <a:ext uri="{C183D7F6-B498-43B3-948B-1728B52AA6E4}">
-                <adec:decorative xmlns:adec="http://schemas.microsoft.com/office/drawing/2017/decorative" val="1"/>
-              </a:ext>
-            </a:extLst>
-          </p:cNvPr>
-          <p:cNvSpPr>
-            <a:spLocks noGrp="1" noRot="1" noChangeAspect="1" noMove="1" noResize="1" noEditPoints="1" noAdjustHandles="1" noChangeArrowheads="1" noChangeShapeType="1" noTextEdit="1"/>
-          </p:cNvSpPr>
-          <p:nvPr>
-            <p:extLst>
-              <p:ext uri="{386F3935-93C4-4BCD-93E2-E3B085C9AB24}">
-                <p16:designElem xmlns:p16="http://schemas.microsoft.com/office/powerpoint/2015/main" val="1"/>
-              </p:ext>
-            </p:extLst>
-          </p:nvPr>
-        </p:nvSpPr>
-        <p:spPr>
-          <a:xfrm flipV="1">
-            <a:off x="578652" y="4501201"/>
-            <a:ext cx="11034696" cy="18288"/>
-          </a:xfrm>
-          <a:prstGeom prst="rect">
-            <a:avLst/>
-          </a:prstGeom>
-          <a:solidFill>
-            <a:schemeClr val="tx2">
-              <a:lumMod val="25000"/>
-              <a:lumOff val="75000"/>
-            </a:schemeClr>
-          </a:solidFill>
-          <a:ln w="3175">
-            <a:noFill/>
-          </a:ln>
-          <a:effectLst/>
-        </p:spPr>
-        <p:style>
-          <a:lnRef idx="2">
-            <a:schemeClr val="accent1">
-              <a:shade val="50000"/>
-            </a:schemeClr>
-          </a:lnRef>
-          <a:fillRef idx="1">
-            <a:schemeClr val="accent1"/>
-          </a:fillRef>
-          <a:effectRef idx="0">
-            <a:schemeClr val="accent1"/>
-          </a:effectRef>
-          <a:fontRef idx="minor">
-            <a:schemeClr val="lt1"/>
-          </a:fontRef>
-        </p:style>
-        <p:txBody>
-          <a:bodyPr rtlCol="0" anchor="ctr"/>
-          <a:lstStyle/>
-          <a:p>
-            <a:pPr marL="0" marR="0" lvl="0" indent="0" algn="ctr" defTabSz="914400" rtl="0" eaLnBrk="1" fontAlgn="auto" latinLnBrk="0" hangingPunct="1">
-              <a:lnSpc>
-                <a:spcPct val="100000"/>
-              </a:lnSpc>
-              <a:spcBef>
-                <a:spcPts val="0"/>
-              </a:spcBef>
-              <a:spcAft>
-                <a:spcPts val="0"/>
-              </a:spcAft>
-              <a:buClrTx/>
-              <a:buSzTx/>
-              <a:buFontTx/>
-              <a:buNone/>
-              <a:tabLst/>
-              <a:defRPr/>
-            </a:pPr>
-            <a:endParaRPr kumimoji="0" lang="en-US" sz="1800" b="0" i="0" u="none" strike="noStrike" kern="1200" cap="none" spc="0" normalizeH="0" baseline="0" noProof="0">
-              <a:ln>
-                <a:noFill/>
-              </a:ln>
-              <a:solidFill>
-                <a:prstClr val="white"/>
-              </a:solidFill>
-              <a:effectLst/>
-              <a:uLnTx/>
-              <a:uFillTx/>
-              <a:latin typeface="Calibri" panose="020F0502020204030204"/>
-              <a:ea typeface="+mn-ea"/>
-              <a:cs typeface="+mn-cs"/>
-            </a:endParaRPr>
-          </a:p>
-        </p:txBody>
-      </p:sp>
-      <p:sp useBgFill="1">
-        <p:nvSpPr>
-          <p:cNvPr id="71" name="Rectangle 70">
-            <a:extLst>
-              <a:ext uri="{FF2B5EF4-FFF2-40B4-BE49-F238E27FC236}">
-                <a16:creationId xmlns:a16="http://schemas.microsoft.com/office/drawing/2014/main" id="{96646FC9-C66D-4EC7-8310-0DD4ACC49C6C}"/>
-              </a:ext>
-              <a:ext uri="{C183D7F6-B498-43B3-948B-1728B52AA6E4}">
-                <adec:decorative xmlns:adec="http://schemas.microsoft.com/office/drawing/2017/decorative" val="1"/>
-              </a:ext>
-            </a:extLst>
-          </p:cNvPr>
-          <p:cNvSpPr>
-            <a:spLocks noGrp="1" noRot="1" noChangeAspect="1" noMove="1" noResize="1" noEditPoints="1" noAdjustHandles="1" noChangeArrowheads="1" noChangeShapeType="1" noTextEdit="1"/>
-          </p:cNvSpPr>
-          <p:nvPr>
-            <p:extLst>
-              <p:ext uri="{386F3935-93C4-4BCD-93E2-E3B085C9AB24}">
-                <p16:designElem xmlns:p16="http://schemas.microsoft.com/office/powerpoint/2015/main" val="1"/>
-              </p:ext>
-            </p:extLst>
-          </p:nvPr>
-        </p:nvSpPr>
-        <p:spPr>
-          <a:xfrm>
-            <a:off x="0" y="0"/>
-            <a:ext cx="12192000" cy="6858000"/>
-          </a:xfrm>
-          <a:prstGeom prst="rect">
-            <a:avLst/>
-          </a:prstGeom>
-          <a:ln>
-            <a:noFill/>
-          </a:ln>
-        </p:spPr>
-        <p:style>
-          <a:lnRef idx="2">
-            <a:schemeClr val="accent1">
-              <a:shade val="50000"/>
-            </a:schemeClr>
-          </a:lnRef>
-          <a:fillRef idx="1">
-            <a:schemeClr val="accent1"/>
-          </a:fillRef>
-          <a:effectRef idx="0">
-            <a:schemeClr val="accent1"/>
-          </a:effectRef>
-          <a:fontRef idx="minor">
-            <a:schemeClr val="lt1"/>
-          </a:fontRef>
-        </p:style>
-        <p:txBody>
-          <a:bodyPr rtlCol="0" anchor="ctr"/>
-          <a:lstStyle/>
-          <a:p>
-            <a:pPr algn="ctr"/>
-            <a:endParaRPr lang="en-US"/>
-          </a:p>
-        </p:txBody>
-      </p:sp>
-      <p:sp useBgFill="1">
-        <p:nvSpPr>
-          <p:cNvPr id="73" name="Rectangle 72">
-            <a:extLst>
-              <a:ext uri="{FF2B5EF4-FFF2-40B4-BE49-F238E27FC236}">
-                <a16:creationId xmlns:a16="http://schemas.microsoft.com/office/drawing/2014/main" id="{A3473CF9-37EB-43E7-89EF-D2D1C53D1DAC}"/>
-              </a:ext>
-              <a:ext uri="{C183D7F6-B498-43B3-948B-1728B52AA6E4}">
-                <adec:decorative xmlns:adec="http://schemas.microsoft.com/office/drawing/2017/decorative" val="1"/>
-              </a:ext>
-            </a:extLst>
-          </p:cNvPr>
-          <p:cNvSpPr>
-            <a:spLocks noGrp="1" noRot="1" noChangeAspect="1" noMove="1" noResize="1" noEditPoints="1" noAdjustHandles="1" noChangeArrowheads="1" noChangeShapeType="1" noTextEdit="1"/>
-          </p:cNvSpPr>
-          <p:nvPr>
-            <p:extLst>
-              <p:ext uri="{386F3935-93C4-4BCD-93E2-E3B085C9AB24}">
-                <p16:designElem xmlns:p16="http://schemas.microsoft.com/office/powerpoint/2015/main" val="1"/>
-              </p:ext>
-            </p:extLst>
-          </p:nvPr>
-        </p:nvSpPr>
-        <p:spPr>
-          <a:xfrm>
-            <a:off x="1903615" y="221673"/>
-            <a:ext cx="8384770" cy="1332634"/>
-          </a:xfrm>
-          <a:prstGeom prst="rect">
-            <a:avLst/>
-          </a:prstGeom>
-          <a:ln w="12700">
-            <a:solidFill>
-              <a:schemeClr val="tx2">
-                <a:lumMod val="10000"/>
-                <a:lumOff val="90000"/>
-              </a:schemeClr>
-            </a:solidFill>
-          </a:ln>
-          <a:effectLst>
-            <a:outerShdw blurRad="50800" dist="38100" dir="2700000" algn="tl" rotWithShape="0">
-              <a:schemeClr val="bg2">
-                <a:lumMod val="85000"/>
-                <a:alpha val="30000"/>
-              </a:schemeClr>
-            </a:outerShdw>
-          </a:effectLst>
-        </p:spPr>
-        <p:style>
-          <a:lnRef idx="2">
-            <a:schemeClr val="accent1">
-              <a:shade val="50000"/>
-            </a:schemeClr>
-          </a:lnRef>
-          <a:fillRef idx="1">
-            <a:schemeClr val="accent1"/>
-          </a:fillRef>
-          <a:effectRef idx="0">
-            <a:schemeClr val="accent1"/>
-          </a:effectRef>
-          <a:fontRef idx="minor">
-            <a:schemeClr val="lt1"/>
-          </a:fontRef>
-        </p:style>
-        <p:txBody>
-          <a:bodyPr rtlCol="0" anchor="ctr"/>
-          <a:lstStyle/>
-          <a:p>
-            <a:pPr marL="0" marR="0" lvl="0" indent="0" algn="ctr" defTabSz="914400" rtl="0" eaLnBrk="1" fontAlgn="auto" latinLnBrk="0" hangingPunct="1">
-              <a:lnSpc>
-                <a:spcPct val="100000"/>
-              </a:lnSpc>
-              <a:spcBef>
-                <a:spcPts val="0"/>
-              </a:spcBef>
-              <a:spcAft>
-                <a:spcPts val="0"/>
-              </a:spcAft>
-              <a:buClrTx/>
-              <a:buSzTx/>
-              <a:buFontTx/>
-              <a:buNone/>
-              <a:tabLst/>
-              <a:defRPr/>
-            </a:pPr>
-            <a:endParaRPr kumimoji="0" lang="en-US" sz="1800" b="0" i="0" u="none" strike="noStrike" kern="1200" cap="none" spc="0" normalizeH="0" baseline="0" noProof="0">
-              <a:ln>
-                <a:noFill/>
-              </a:ln>
-              <a:solidFill>
-                <a:prstClr val="white"/>
-              </a:solidFill>
-              <a:effectLst/>
-              <a:uLnTx/>
-              <a:uFillTx/>
-              <a:latin typeface="Calibri" panose="020F0502020204030204"/>
-              <a:ea typeface="+mn-ea"/>
-              <a:cs typeface="+mn-cs"/>
-            </a:endParaRPr>
-          </a:p>
-        </p:txBody>
-      </p:sp>
-      <p:sp>
-        <p:nvSpPr>
-          <p:cNvPr id="2" name="Título 1">
-            <a:extLst>
-              <a:ext uri="{FF2B5EF4-FFF2-40B4-BE49-F238E27FC236}">
-                <a16:creationId xmlns:a16="http://schemas.microsoft.com/office/drawing/2014/main" id="{BCBA1AF7-1FD1-8943-AE9B-36BD13BCD5B9}"/>
-              </a:ext>
-            </a:extLst>
-          </p:cNvPr>
-          <p:cNvSpPr>
-            <a:spLocks noGrp="1"/>
-          </p:cNvSpPr>
-          <p:nvPr>
-            <p:ph type="title"/>
-          </p:nvPr>
-        </p:nvSpPr>
-        <p:spPr>
-          <a:xfrm>
-            <a:off x="2103121" y="310343"/>
-            <a:ext cx="7985759" cy="868823"/>
-          </a:xfrm>
-        </p:spPr>
-        <p:txBody>
-          <a:bodyPr vert="horz" lIns="91440" tIns="45720" rIns="91440" bIns="45720" rtlCol="0" anchor="ctr">
-            <a:normAutofit/>
-          </a:bodyPr>
-          <a:lstStyle/>
-          <a:p>
-            <a:pPr algn="ctr"/>
-            <a:r>
-              <a:rPr lang="en-US"/>
-              <a:t>Level 3 - Impact assessment</a:t>
-            </a:r>
-          </a:p>
-        </p:txBody>
-      </p:sp>
-      <p:sp>
-        <p:nvSpPr>
-          <p:cNvPr id="75" name="Rectangle: Rounded Corners 74">
-            <a:extLst>
-              <a:ext uri="{FF2B5EF4-FFF2-40B4-BE49-F238E27FC236}">
-                <a16:creationId xmlns:a16="http://schemas.microsoft.com/office/drawing/2014/main" id="{586B4EF9-43BA-4655-A6FF-1D8E21574C95}"/>
-              </a:ext>
-              <a:ext uri="{C183D7F6-B498-43B3-948B-1728B52AA6E4}">
-                <adec:decorative xmlns:adec="http://schemas.microsoft.com/office/drawing/2017/decorative" val="1"/>
-              </a:ext>
-            </a:extLst>
-          </p:cNvPr>
-          <p:cNvSpPr>
-            <a:spLocks noGrp="1" noRot="1" noChangeAspect="1" noMove="1" noResize="1" noEditPoints="1" noAdjustHandles="1" noChangeArrowheads="1" noChangeShapeType="1" noTextEdit="1"/>
-          </p:cNvSpPr>
-          <p:nvPr>
-            <p:extLst>
-              <p:ext uri="{386F3935-93C4-4BCD-93E2-E3B085C9AB24}">
-                <p16:designElem xmlns:p16="http://schemas.microsoft.com/office/powerpoint/2015/main" val="1"/>
-              </p:ext>
-            </p:extLst>
-          </p:nvPr>
-        </p:nvSpPr>
-        <p:spPr>
-          <a:xfrm>
-            <a:off x="2483110" y="1211407"/>
-            <a:ext cx="7225780" cy="685800"/>
-          </a:xfrm>
-          <a:prstGeom prst="roundRect">
-            <a:avLst>
-              <a:gd name="adj" fmla="val 0"/>
-            </a:avLst>
-          </a:prstGeom>
-          <a:solidFill>
-            <a:schemeClr val="accent1"/>
-          </a:solidFill>
-          <a:ln>
-            <a:noFill/>
-          </a:ln>
-        </p:spPr>
-        <p:style>
-          <a:lnRef idx="2">
-            <a:schemeClr val="accent1">
-              <a:shade val="50000"/>
-            </a:schemeClr>
-          </a:lnRef>
-          <a:fillRef idx="1">
-            <a:schemeClr val="accent1"/>
-          </a:fillRef>
-          <a:effectRef idx="0">
-            <a:schemeClr val="accent1"/>
-          </a:effectRef>
-          <a:fontRef idx="minor">
-            <a:schemeClr val="lt1"/>
-          </a:fontRef>
-        </p:style>
-        <p:txBody>
-          <a:bodyPr rtlCol="0" anchor="ctr"/>
-          <a:lstStyle/>
-          <a:p>
-            <a:pPr marL="0" marR="0" lvl="0" indent="0" algn="ctr" defTabSz="914400" rtl="0" eaLnBrk="1" fontAlgn="auto" latinLnBrk="0" hangingPunct="1">
-              <a:lnSpc>
-                <a:spcPct val="100000"/>
-              </a:lnSpc>
-              <a:spcBef>
-                <a:spcPts val="0"/>
-              </a:spcBef>
-              <a:spcAft>
-                <a:spcPts val="0"/>
-              </a:spcAft>
-              <a:buClrTx/>
-              <a:buSzTx/>
-              <a:buFontTx/>
-              <a:buNone/>
-              <a:tabLst/>
-              <a:defRPr/>
-            </a:pPr>
-            <a:endParaRPr kumimoji="0" lang="en-US" sz="1800" b="0" i="0" u="none" strike="noStrike" kern="1200" cap="none" spc="0" normalizeH="0" baseline="0" noProof="0">
-              <a:ln>
-                <a:noFill/>
-              </a:ln>
-              <a:solidFill>
-                <a:prstClr val="white"/>
-              </a:solidFill>
-              <a:effectLst/>
-              <a:uLnTx/>
-              <a:uFillTx/>
-              <a:latin typeface="Avenir Next LT Pro"/>
-              <a:ea typeface="+mn-ea"/>
-              <a:cs typeface="+mn-cs"/>
-            </a:endParaRPr>
-          </a:p>
-        </p:txBody>
-      </p:sp>
-      <p:pic>
-        <p:nvPicPr>
-          <p:cNvPr id="6" name="Imagem 5" descr="Texto&#10;&#10;Descrição gerada automaticamente">
-            <a:extLst>
-              <a:ext uri="{FF2B5EF4-FFF2-40B4-BE49-F238E27FC236}">
-                <a16:creationId xmlns:a16="http://schemas.microsoft.com/office/drawing/2014/main" id="{E706A626-ED17-4E8D-A497-09CD0CC70DE2}"/>
-              </a:ext>
-            </a:extLst>
-          </p:cNvPr>
-          <p:cNvPicPr>
-            <a:picLocks noChangeAspect="1"/>
-          </p:cNvPicPr>
-          <p:nvPr/>
-        </p:nvPicPr>
-        <p:blipFill rotWithShape="1">
-          <a:blip r:embed="rId2"/>
-          <a:srcRect t="31394" r="64459"/>
-          <a:stretch/>
-        </p:blipFill>
-        <p:spPr>
-          <a:xfrm>
-            <a:off x="1623212" y="2139484"/>
-            <a:ext cx="3120848" cy="4096512"/>
-          </a:xfrm>
-          <a:prstGeom prst="rect">
-            <a:avLst/>
-          </a:prstGeom>
-        </p:spPr>
-      </p:pic>
-      <p:pic>
-        <p:nvPicPr>
-          <p:cNvPr id="5" name="Imagem 4" descr="Texto&#10;&#10;Descrição gerada automaticamente">
-            <a:extLst>
-              <a:ext uri="{FF2B5EF4-FFF2-40B4-BE49-F238E27FC236}">
-                <a16:creationId xmlns:a16="http://schemas.microsoft.com/office/drawing/2014/main" id="{FB3A5CB2-139B-9348-B30D-293CC97FE5EA}"/>
-              </a:ext>
-            </a:extLst>
-          </p:cNvPr>
-          <p:cNvPicPr>
-            <a:picLocks noChangeAspect="1"/>
-          </p:cNvPicPr>
-          <p:nvPr/>
-        </p:nvPicPr>
-        <p:blipFill>
-          <a:blip r:embed="rId3"/>
-          <a:stretch>
-            <a:fillRect/>
-          </a:stretch>
-        </p:blipFill>
-        <p:spPr>
-          <a:xfrm>
-            <a:off x="6210302" y="2732747"/>
-            <a:ext cx="5596128" cy="2909986"/>
-          </a:xfrm>
-          <a:prstGeom prst="rect">
-            <a:avLst/>
-          </a:prstGeom>
-        </p:spPr>
-      </p:pic>
-    </p:spTree>
-    <p:extLst>
-      <p:ext uri="{BB962C8B-B14F-4D97-AF65-F5344CB8AC3E}">
-        <p14:creationId xmlns:p14="http://schemas.microsoft.com/office/powerpoint/2010/main" val="1558528727"/>
-      </p:ext>
-    </p:extLst>
-  </p:cSld>
-  <p:clrMapOvr>
-    <a:masterClrMapping/>
-  </p:clrMapOvr>
-</p:sld>
-</file>
-
-<file path=ppt/slides/slide22.xml><?xml version="1.0" encoding="utf-8"?>
 <p:sld xmlns:a="http://schemas.openxmlformats.org/drawingml/2006/main" xmlns:r="http://schemas.openxmlformats.org/officeDocument/2006/relationships" xmlns:p="http://schemas.openxmlformats.org/presentationml/2006/main">
   <p:cSld>
     <p:spTree>
@@ -28004,11 +27990,11 @@
             </a:r>
             <a:r>
               <a:rPr lang="pt-BR" dirty="0"/>
-              <a:t>, in </a:t>
+              <a:t>, </a:t>
             </a:r>
             <a:r>
               <a:rPr lang="pt-BR" dirty="0" err="1"/>
-              <a:t>order</a:t>
+              <a:t>to</a:t>
             </a:r>
             <a:r>
               <a:rPr lang="pt-BR" dirty="0"/>
@@ -28016,7 +28002,7 @@
             </a:r>
             <a:r>
               <a:rPr lang="pt-BR" dirty="0" err="1"/>
-              <a:t>to</a:t>
+              <a:t>support</a:t>
             </a:r>
             <a:r>
               <a:rPr lang="pt-BR" dirty="0"/>
@@ -28024,11 +28010,27 @@
             </a:r>
             <a:r>
               <a:rPr lang="pt-BR" dirty="0" err="1"/>
-              <a:t>carry</a:t>
+              <a:t>the</a:t>
             </a:r>
             <a:r>
               <a:rPr lang="pt-BR" dirty="0"/>
-              <a:t> out </a:t>
+              <a:t> </a:t>
+            </a:r>
+            <a:r>
+              <a:rPr lang="pt-BR" dirty="0" err="1"/>
+              <a:t>objective</a:t>
+            </a:r>
+            <a:r>
+              <a:rPr lang="pt-BR" dirty="0"/>
+              <a:t>, </a:t>
+            </a:r>
+            <a:r>
+              <a:rPr lang="pt-BR" dirty="0" err="1"/>
+              <a:t>occured</a:t>
+            </a:r>
+            <a:r>
+              <a:rPr lang="pt-BR" dirty="0"/>
+              <a:t> </a:t>
             </a:r>
             <a:r>
               <a:rPr lang="pt-BR" dirty="0" err="1"/>
@@ -28039,72 +28041,44 @@
               <a:t> </a:t>
             </a:r>
             <a:r>
-              <a:rPr lang="pt-BR" dirty="0" err="1"/>
+              <a:rPr lang="pt-BR" b="1" dirty="0" err="1"/>
               <a:t>acquisition</a:t>
             </a:r>
             <a:r>
-              <a:rPr lang="pt-BR" dirty="0"/>
+              <a:rPr lang="pt-BR" b="1" dirty="0"/>
               <a:t> </a:t>
             </a:r>
             <a:r>
-              <a:rPr lang="pt-BR" dirty="0" err="1"/>
+              <a:rPr lang="pt-BR" b="1" dirty="0" err="1"/>
               <a:t>and</a:t>
             </a:r>
             <a:r>
-              <a:rPr lang="pt-BR" dirty="0"/>
+              <a:rPr lang="pt-BR" b="1" dirty="0"/>
               <a:t> </a:t>
             </a:r>
             <a:r>
-              <a:rPr lang="pt-BR" dirty="0" err="1"/>
+              <a:rPr lang="pt-BR" b="1" dirty="0" err="1"/>
               <a:t>processing</a:t>
             </a:r>
             <a:r>
-              <a:rPr lang="pt-BR" dirty="0"/>
+              <a:rPr lang="pt-BR" b="1" dirty="0"/>
               <a:t> </a:t>
             </a:r>
             <a:r>
-              <a:rPr lang="pt-BR" dirty="0" err="1"/>
+              <a:rPr lang="pt-BR" b="1" dirty="0" err="1"/>
               <a:t>of</a:t>
             </a:r>
             <a:r>
-              <a:rPr lang="pt-BR" dirty="0"/>
+              <a:rPr lang="pt-BR" b="1" dirty="0"/>
               <a:t> </a:t>
             </a:r>
             <a:r>
-              <a:rPr lang="pt-BR" dirty="0" err="1"/>
+              <a:rPr lang="pt-BR" b="1" dirty="0" err="1"/>
               <a:t>adaptable</a:t>
             </a:r>
             <a:r>
-              <a:rPr lang="pt-BR" dirty="0"/>
-              <a:t> data </a:t>
-            </a:r>
-            <a:r>
-              <a:rPr lang="pt-BR" dirty="0" err="1"/>
-              <a:t>to</a:t>
-            </a:r>
-            <a:r>
-              <a:rPr lang="pt-BR" dirty="0"/>
-              <a:t> </a:t>
-            </a:r>
-            <a:r>
-              <a:rPr lang="pt-BR" dirty="0" err="1"/>
-              <a:t>support</a:t>
-            </a:r>
-            <a:r>
-              <a:rPr lang="pt-BR" dirty="0"/>
-              <a:t> </a:t>
-            </a:r>
-            <a:r>
-              <a:rPr lang="pt-BR" dirty="0" err="1"/>
-              <a:t>the</a:t>
-            </a:r>
-            <a:r>
-              <a:rPr lang="pt-BR" dirty="0"/>
-              <a:t> </a:t>
-            </a:r>
-            <a:r>
-              <a:rPr lang="pt-BR" dirty="0" err="1"/>
-              <a:t>objectives</a:t>
+              <a:rPr lang="pt-BR" b="1" dirty="0"/>
+              <a:t> data</a:t>
             </a:r>
             <a:r>
               <a:rPr lang="pt-BR" dirty="0"/>
@@ -28305,7 +28279,7 @@
 </p:sld>
 </file>
 
-<file path=ppt/slides/slide23.xml><?xml version="1.0" encoding="utf-8"?>
+<file path=ppt/slides/slide21.xml><?xml version="1.0" encoding="utf-8"?>
 <p:sld xmlns:a="http://schemas.openxmlformats.org/drawingml/2006/main" xmlns:r="http://schemas.openxmlformats.org/officeDocument/2006/relationships" xmlns:p="http://schemas.openxmlformats.org/presentationml/2006/main">
   <p:cSld>
     <p:bg>
@@ -28904,18 +28878,10 @@
   <p:clrMapOvr>
     <a:masterClrMapping/>
   </p:clrMapOvr>
-  <mc:AlternateContent xmlns:mc="http://schemas.openxmlformats.org/markup-compatibility/2006" xmlns:p14="http://schemas.microsoft.com/office/powerpoint/2010/main">
-    <mc:Choice Requires="p14">
-      <p:transition spd="slow" p14:dur="2000" advTm="61298"/>
-    </mc:Choice>
-    <mc:Fallback xmlns="">
-      <p:transition spd="slow" advTm="61298"/>
-    </mc:Fallback>
-  </mc:AlternateContent>
 </p:sld>
 </file>
 
-<file path=ppt/slides/slide24.xml><?xml version="1.0" encoding="utf-8"?>
+<file path=ppt/slides/slide22.xml><?xml version="1.0" encoding="utf-8"?>
 <p:sld xmlns:a="http://schemas.openxmlformats.org/drawingml/2006/main" xmlns:r="http://schemas.openxmlformats.org/officeDocument/2006/relationships" xmlns:p="http://schemas.openxmlformats.org/presentationml/2006/main">
   <p:cSld>
     <p:bg>
@@ -29454,7 +29420,7 @@
 </p:sld>
 </file>
 
-<file path=ppt/slides/slide25.xml><?xml version="1.0" encoding="utf-8"?>
+<file path=ppt/slides/slide23.xml><?xml version="1.0" encoding="utf-8"?>
 <p:sld xmlns:a="http://schemas.openxmlformats.org/drawingml/2006/main" xmlns:r="http://schemas.openxmlformats.org/officeDocument/2006/relationships" xmlns:p="http://schemas.openxmlformats.org/presentationml/2006/main">
   <p:cSld>
     <p:bg>
@@ -30372,7 +30338,7 @@
 </p:sld>
 </file>
 
-<file path=ppt/slides/slide26.xml><?xml version="1.0" encoding="utf-8"?>
+<file path=ppt/slides/slide24.xml><?xml version="1.0" encoding="utf-8"?>
 <p:sld xmlns:a="http://schemas.openxmlformats.org/drawingml/2006/main" xmlns:r="http://schemas.openxmlformats.org/officeDocument/2006/relationships" xmlns:p="http://schemas.openxmlformats.org/presentationml/2006/main">
   <p:cSld>
     <p:bg>
@@ -30696,7 +30662,7 @@
 </p:sld>
 </file>
 
-<file path=ppt/slides/slide27.xml><?xml version="1.0" encoding="utf-8"?>
+<file path=ppt/slides/slide25.xml><?xml version="1.0" encoding="utf-8"?>
 <p:sld xmlns:a="http://schemas.openxmlformats.org/drawingml/2006/main" xmlns:r="http://schemas.openxmlformats.org/officeDocument/2006/relationships" xmlns:p="http://schemas.openxmlformats.org/presentationml/2006/main">
   <p:cSld>
     <p:spTree>
@@ -30786,7 +30752,7 @@
             </a:r>
             <a:r>
               <a:rPr lang="pt-BR" dirty="0" err="1"/>
-              <a:t>powerfull</a:t>
+              <a:t>powerful</a:t>
             </a:r>
             <a:r>
               <a:rPr lang="pt-BR" dirty="0"/>
@@ -30802,7 +30768,7 @@
             </a:r>
             <a:r>
               <a:rPr lang="pt-BR" dirty="0" err="1"/>
-              <a:t>analysing</a:t>
+              <a:t>analyzing</a:t>
             </a:r>
             <a:r>
               <a:rPr lang="pt-BR" dirty="0"/>
@@ -30810,7 +30776,7 @@
             </a:r>
             <a:r>
               <a:rPr lang="pt-BR" b="1" dirty="0" err="1"/>
-              <a:t>behaviora</a:t>
+              <a:t>behavioral</a:t>
             </a:r>
             <a:r>
               <a:rPr lang="pt-BR" b="1" dirty="0"/>
@@ -30837,7 +30803,7 @@
               <a:t>addiction</a:t>
             </a:r>
             <a:r>
-              <a:rPr lang="pt-BR" b="1" dirty="0"/>
+              <a:rPr lang="pt-BR" dirty="0"/>
               <a:t>.</a:t>
             </a:r>
           </a:p>
@@ -30976,11 +30942,87 @@
             </a:r>
             <a:r>
               <a:rPr lang="pt-BR" dirty="0"/>
-              <a:t> Manhattan </a:t>
+              <a:t> </a:t>
+            </a:r>
+            <a:r>
+              <a:rPr lang="pt-BR" b="1" dirty="0"/>
+              <a:t>Manhattan </a:t>
+            </a:r>
+            <a:r>
+              <a:rPr lang="pt-BR" b="1" dirty="0" err="1"/>
+              <a:t>Distance</a:t>
+            </a:r>
+            <a:r>
+              <a:rPr lang="pt-BR" b="1" dirty="0"/>
+              <a:t> (L1) </a:t>
             </a:r>
             <a:r>
               <a:rPr lang="pt-BR" dirty="0" err="1"/>
-              <a:t>Distance</a:t>
+              <a:t>allows</a:t>
+            </a:r>
+            <a:r>
+              <a:rPr lang="pt-BR" dirty="0"/>
+              <a:t> for </a:t>
+            </a:r>
+            <a:r>
+              <a:rPr lang="pt-BR" b="1" dirty="0" err="1"/>
+              <a:t>quick</a:t>
+            </a:r>
+            <a:r>
+              <a:rPr lang="pt-BR" b="1" dirty="0"/>
+              <a:t> </a:t>
+            </a:r>
+            <a:r>
+              <a:rPr lang="pt-BR" b="1" dirty="0" err="1"/>
+              <a:t>identification</a:t>
+            </a:r>
+            <a:r>
+              <a:rPr lang="pt-BR" b="1" dirty="0"/>
+              <a:t> </a:t>
+            </a:r>
+            <a:r>
+              <a:rPr lang="pt-BR" b="1" dirty="0" err="1"/>
+              <a:t>of</a:t>
+            </a:r>
+            <a:r>
+              <a:rPr lang="pt-BR" b="1" dirty="0"/>
+              <a:t> </a:t>
+            </a:r>
+            <a:r>
+              <a:rPr lang="pt-BR" b="1" dirty="0" err="1"/>
+              <a:t>the</a:t>
+            </a:r>
+            <a:r>
+              <a:rPr lang="pt-BR" b="1" dirty="0"/>
+              <a:t> </a:t>
+            </a:r>
+            <a:r>
+              <a:rPr lang="pt-BR" b="1" dirty="0" err="1"/>
+              <a:t>nearest</a:t>
+            </a:r>
+            <a:r>
+              <a:rPr lang="pt-BR" b="1" dirty="0"/>
+              <a:t> </a:t>
+            </a:r>
+            <a:r>
+              <a:rPr lang="pt-BR" b="1" dirty="0" err="1"/>
+              <a:t>neighbor</a:t>
+            </a:r>
+            <a:r>
+              <a:rPr lang="pt-BR" dirty="0"/>
+              <a:t>, </a:t>
+            </a:r>
+            <a:r>
+              <a:rPr lang="pt-BR" dirty="0" err="1"/>
+              <a:t>allowing</a:t>
+            </a:r>
+            <a:r>
+              <a:rPr lang="pt-BR" dirty="0"/>
+              <a:t> future use in </a:t>
+            </a:r>
+            <a:r>
+              <a:rPr lang="pt-BR" dirty="0" err="1"/>
+              <a:t>an</a:t>
             </a:r>
             <a:r>
               <a:rPr lang="pt-BR" dirty="0"/>
@@ -30988,15 +31030,7 @@
             </a:r>
             <a:r>
               <a:rPr lang="pt-BR" dirty="0" err="1"/>
-              <a:t>allows</a:t>
-            </a:r>
-            <a:r>
-              <a:rPr lang="pt-BR" dirty="0"/>
-              <a:t> for </a:t>
-            </a:r>
-            <a:r>
-              <a:rPr lang="pt-BR" dirty="0" err="1"/>
-              <a:t>quick</a:t>
+              <a:t>application</a:t>
             </a:r>
             <a:r>
               <a:rPr lang="pt-BR" dirty="0"/>
@@ -31004,7 +31038,7 @@
             </a:r>
             <a:r>
               <a:rPr lang="pt-BR" dirty="0" err="1"/>
-              <a:t>identification</a:t>
+              <a:t>that</a:t>
             </a:r>
             <a:r>
               <a:rPr lang="pt-BR" dirty="0"/>
@@ -31012,7 +31046,7 @@
             </a:r>
             <a:r>
               <a:rPr lang="pt-BR" dirty="0" err="1"/>
-              <a:t>of</a:t>
+              <a:t>can</a:t>
             </a:r>
             <a:r>
               <a:rPr lang="pt-BR" dirty="0"/>
@@ -31020,7 +31054,7 @@
             </a:r>
             <a:r>
               <a:rPr lang="pt-BR" dirty="0" err="1"/>
-              <a:t>the</a:t>
+              <a:t>make</a:t>
             </a:r>
             <a:r>
               <a:rPr lang="pt-BR" dirty="0"/>
@@ -31028,7 +31062,7 @@
             </a:r>
             <a:r>
               <a:rPr lang="pt-BR" dirty="0" err="1"/>
-              <a:t>nearest</a:t>
+              <a:t>interventions</a:t>
             </a:r>
             <a:r>
               <a:rPr lang="pt-BR" dirty="0"/>
@@ -31036,23 +31070,7 @@
             </a:r>
             <a:r>
               <a:rPr lang="pt-BR" dirty="0" err="1"/>
-              <a:t>neighbor</a:t>
-            </a:r>
-            <a:r>
-              <a:rPr lang="pt-BR" dirty="0"/>
-              <a:t>, </a:t>
-            </a:r>
-            <a:r>
-              <a:rPr lang="pt-BR" dirty="0" err="1"/>
-              <a:t>allowing</a:t>
-            </a:r>
-            <a:r>
-              <a:rPr lang="pt-BR" dirty="0"/>
-              <a:t> future use in </a:t>
-            </a:r>
-            <a:r>
-              <a:rPr lang="pt-BR" dirty="0" err="1"/>
-              <a:t>an</a:t>
+              <a:t>by</a:t>
             </a:r>
             <a:r>
               <a:rPr lang="pt-BR" dirty="0"/>
@@ -31060,7 +31078,7 @@
             </a:r>
             <a:r>
               <a:rPr lang="pt-BR" dirty="0" err="1"/>
-              <a:t>application</a:t>
+              <a:t>identifying</a:t>
             </a:r>
             <a:r>
               <a:rPr lang="pt-BR" dirty="0"/>
@@ -31068,7 +31086,15 @@
             </a:r>
             <a:r>
               <a:rPr lang="pt-BR" dirty="0" err="1"/>
-              <a:t>that</a:t>
+              <a:t>changes</a:t>
+            </a:r>
+            <a:r>
+              <a:rPr lang="pt-BR" dirty="0"/>
+              <a:t> in </a:t>
+            </a:r>
+            <a:r>
+              <a:rPr lang="pt-BR" dirty="0" err="1"/>
+              <a:t>levels</a:t>
             </a:r>
             <a:r>
               <a:rPr lang="pt-BR" dirty="0"/>
@@ -31076,62 +31102,6 @@
             </a:r>
             <a:r>
               <a:rPr lang="pt-BR" dirty="0" err="1"/>
-              <a:t>can</a:t>
-            </a:r>
-            <a:r>
-              <a:rPr lang="pt-BR" dirty="0"/>
-              <a:t> </a:t>
-            </a:r>
-            <a:r>
-              <a:rPr lang="pt-BR" dirty="0" err="1"/>
-              <a:t>intervene</a:t>
-            </a:r>
-            <a:r>
-              <a:rPr lang="pt-BR" dirty="0"/>
-              <a:t> </a:t>
-            </a:r>
-            <a:r>
-              <a:rPr lang="pt-BR" dirty="0" err="1"/>
-              <a:t>by</a:t>
-            </a:r>
-            <a:r>
-              <a:rPr lang="pt-BR" dirty="0"/>
-              <a:t> </a:t>
-            </a:r>
-            <a:r>
-              <a:rPr lang="pt-BR" dirty="0" err="1"/>
-              <a:t>identifying</a:t>
-            </a:r>
-            <a:r>
-              <a:rPr lang="pt-BR" dirty="0"/>
-              <a:t> </a:t>
-            </a:r>
-            <a:r>
-              <a:rPr lang="pt-BR" dirty="0" err="1"/>
-              <a:t>sudden</a:t>
-            </a:r>
-            <a:r>
-              <a:rPr lang="pt-BR" dirty="0"/>
-              <a:t> </a:t>
-            </a:r>
-            <a:r>
-              <a:rPr lang="pt-BR" dirty="0" err="1"/>
-              <a:t>changes</a:t>
-            </a:r>
-            <a:r>
-              <a:rPr lang="pt-BR" dirty="0"/>
-              <a:t> in </a:t>
-            </a:r>
-            <a:r>
-              <a:rPr lang="pt-BR" dirty="0" err="1"/>
-              <a:t>levels</a:t>
-            </a:r>
-            <a:r>
-              <a:rPr lang="pt-BR" dirty="0"/>
-              <a:t> </a:t>
-            </a:r>
-            <a:r>
-              <a:rPr lang="pt-BR" dirty="0" err="1"/>
               <a:t>of</a:t>
             </a:r>
             <a:r>
@@ -31146,15 +31116,6 @@
               <a:rPr lang="pt-BR" dirty="0"/>
               <a:t>.</a:t>
             </a:r>
-          </a:p>
-          <a:p>
-            <a:endParaRPr lang="pt-BR" b="1" dirty="0"/>
-          </a:p>
-          <a:p>
-            <a:endParaRPr lang="pt-BR" dirty="0"/>
-          </a:p>
-          <a:p>
-            <a:endParaRPr lang="pt-BR" dirty="0"/>
           </a:p>
         </p:txBody>
       </p:sp>
@@ -31171,7 +31132,7 @@
 </p:sld>
 </file>
 
-<file path=ppt/slides/slide28.xml><?xml version="1.0" encoding="utf-8"?>
+<file path=ppt/slides/slide26.xml><?xml version="1.0" encoding="utf-8"?>
 <p:sld xmlns:a="http://schemas.openxmlformats.org/drawingml/2006/main" xmlns:r="http://schemas.openxmlformats.org/officeDocument/2006/relationships" xmlns:p="http://schemas.openxmlformats.org/presentationml/2006/main">
   <p:cSld>
     <p:bg>
@@ -31732,14 +31693,6 @@
   <p:clrMapOvr>
     <a:masterClrMapping/>
   </p:clrMapOvr>
-  <mc:AlternateContent xmlns:mc="http://schemas.openxmlformats.org/markup-compatibility/2006" xmlns:p14="http://schemas.microsoft.com/office/powerpoint/2010/main">
-    <mc:Choice Requires="p14">
-      <p:transition spd="slow" p14:dur="2000" advTm="4405"/>
-    </mc:Choice>
-    <mc:Fallback xmlns="">
-      <p:transition spd="slow" advTm="4405"/>
-    </mc:Fallback>
-  </mc:AlternateContent>
 </p:sld>
 </file>
 
@@ -31830,14 +31783,6 @@
   <p:clrMapOvr>
     <a:masterClrMapping/>
   </p:clrMapOvr>
-  <mc:AlternateContent xmlns:mc="http://schemas.openxmlformats.org/markup-compatibility/2006" xmlns:p14="http://schemas.microsoft.com/office/powerpoint/2010/main">
-    <mc:Choice Requires="p14">
-      <p:transition spd="slow" p14:dur="2000" advTm="9746"/>
-    </mc:Choice>
-    <mc:Fallback xmlns="">
-      <p:transition spd="slow" advTm="9746"/>
-    </mc:Fallback>
-  </mc:AlternateContent>
 </p:sld>
 </file>
 
@@ -32205,14 +32150,6 @@
   <p:clrMapOvr>
     <a:masterClrMapping/>
   </p:clrMapOvr>
-  <mc:AlternateContent xmlns:mc="http://schemas.openxmlformats.org/markup-compatibility/2006" xmlns:p14="http://schemas.microsoft.com/office/powerpoint/2010/main">
-    <mc:Choice Requires="p14">
-      <p:transition spd="slow" p14:dur="2000" advTm="151155"/>
-    </mc:Choice>
-    <mc:Fallback xmlns="">
-      <p:transition spd="slow" advTm="151155"/>
-    </mc:Fallback>
-  </mc:AlternateContent>
 </p:sld>
 </file>
 
@@ -32647,14 +32584,6 @@
   <p:clrMapOvr>
     <a:masterClrMapping/>
   </p:clrMapOvr>
-  <mc:AlternateContent xmlns:mc="http://schemas.openxmlformats.org/markup-compatibility/2006" xmlns:p14="http://schemas.microsoft.com/office/powerpoint/2010/main">
-    <mc:Choice Requires="p14">
-      <p:transition spd="slow" p14:dur="2000" advTm="49199"/>
-    </mc:Choice>
-    <mc:Fallback xmlns="">
-      <p:transition spd="slow" advTm="49199"/>
-    </mc:Fallback>
-  </mc:AlternateContent>
 </p:sld>
 </file>
 
@@ -33366,14 +33295,6 @@
   <p:clrMapOvr>
     <a:masterClrMapping/>
   </p:clrMapOvr>
-  <mc:AlternateContent xmlns:mc="http://schemas.openxmlformats.org/markup-compatibility/2006" xmlns:p14="http://schemas.microsoft.com/office/powerpoint/2010/main">
-    <mc:Choice Requires="p14">
-      <p:transition spd="slow" p14:dur="2000" advTm="46776"/>
-    </mc:Choice>
-    <mc:Fallback xmlns="">
-      <p:transition spd="slow" advTm="46776"/>
-    </mc:Fallback>
-  </mc:AlternateContent>
 </p:sld>
 </file>
 

--- a/Apresentação.pptx
+++ b/Apresentação.pptx
@@ -541,6 +541,1500 @@
 </file>
 
 <file path=ppt/diagrams/colors1.xml><?xml version="1.0" encoding="utf-8"?>
+<dgm:colorsDef xmlns:dgm="http://schemas.openxmlformats.org/drawingml/2006/diagram" xmlns:a="http://schemas.openxmlformats.org/drawingml/2006/main" uniqueId="urn:microsoft.com/office/officeart/2005/8/colors/accent2_2">
+  <dgm:title val=""/>
+  <dgm:desc val=""/>
+  <dgm:catLst>
+    <dgm:cat type="accent2" pri="11200"/>
+  </dgm:catLst>
+  <dgm:styleLbl name="node0">
+    <dgm:fillClrLst meth="repeat">
+      <a:schemeClr val="accent2"/>
+    </dgm:fillClrLst>
+    <dgm:linClrLst meth="repeat">
+      <a:schemeClr val="lt1"/>
+    </dgm:linClrLst>
+    <dgm:effectClrLst/>
+    <dgm:txLinClrLst/>
+    <dgm:txFillClrLst/>
+    <dgm:txEffectClrLst/>
+  </dgm:styleLbl>
+  <dgm:styleLbl name="node1">
+    <dgm:fillClrLst meth="repeat">
+      <a:schemeClr val="accent2"/>
+    </dgm:fillClrLst>
+    <dgm:linClrLst meth="repeat">
+      <a:schemeClr val="lt1"/>
+    </dgm:linClrLst>
+    <dgm:effectClrLst/>
+    <dgm:txLinClrLst/>
+    <dgm:txFillClrLst/>
+    <dgm:txEffectClrLst/>
+  </dgm:styleLbl>
+  <dgm:styleLbl name="alignNode1">
+    <dgm:fillClrLst meth="repeat">
+      <a:schemeClr val="accent2"/>
+    </dgm:fillClrLst>
+    <dgm:linClrLst meth="repeat">
+      <a:schemeClr val="accent2"/>
+    </dgm:linClrLst>
+    <dgm:effectClrLst/>
+    <dgm:txLinClrLst/>
+    <dgm:txFillClrLst/>
+    <dgm:txEffectClrLst/>
+  </dgm:styleLbl>
+  <dgm:styleLbl name="lnNode1">
+    <dgm:fillClrLst meth="repeat">
+      <a:schemeClr val="accent2"/>
+    </dgm:fillClrLst>
+    <dgm:linClrLst meth="repeat">
+      <a:schemeClr val="lt1"/>
+    </dgm:linClrLst>
+    <dgm:effectClrLst/>
+    <dgm:txLinClrLst/>
+    <dgm:txFillClrLst/>
+    <dgm:txEffectClrLst/>
+  </dgm:styleLbl>
+  <dgm:styleLbl name="vennNode1">
+    <dgm:fillClrLst meth="repeat">
+      <a:schemeClr val="accent2">
+        <a:alpha val="50000"/>
+      </a:schemeClr>
+    </dgm:fillClrLst>
+    <dgm:linClrLst meth="repeat">
+      <a:schemeClr val="lt1"/>
+    </dgm:linClrLst>
+    <dgm:effectClrLst/>
+    <dgm:txLinClrLst/>
+    <dgm:txFillClrLst/>
+    <dgm:txEffectClrLst/>
+  </dgm:styleLbl>
+  <dgm:styleLbl name="node2">
+    <dgm:fillClrLst meth="repeat">
+      <a:schemeClr val="accent2"/>
+    </dgm:fillClrLst>
+    <dgm:linClrLst meth="repeat">
+      <a:schemeClr val="lt1"/>
+    </dgm:linClrLst>
+    <dgm:effectClrLst/>
+    <dgm:txLinClrLst/>
+    <dgm:txFillClrLst/>
+    <dgm:txEffectClrLst/>
+  </dgm:styleLbl>
+  <dgm:styleLbl name="node3">
+    <dgm:fillClrLst meth="repeat">
+      <a:schemeClr val="accent2"/>
+    </dgm:fillClrLst>
+    <dgm:linClrLst meth="repeat">
+      <a:schemeClr val="lt1"/>
+    </dgm:linClrLst>
+    <dgm:effectClrLst/>
+    <dgm:txLinClrLst/>
+    <dgm:txFillClrLst/>
+    <dgm:txEffectClrLst/>
+  </dgm:styleLbl>
+  <dgm:styleLbl name="node4">
+    <dgm:fillClrLst meth="repeat">
+      <a:schemeClr val="accent2"/>
+    </dgm:fillClrLst>
+    <dgm:linClrLst meth="repeat">
+      <a:schemeClr val="lt1"/>
+    </dgm:linClrLst>
+    <dgm:effectClrLst/>
+    <dgm:txLinClrLst/>
+    <dgm:txFillClrLst/>
+    <dgm:txEffectClrLst/>
+  </dgm:styleLbl>
+  <dgm:styleLbl name="fgImgPlace1">
+    <dgm:fillClrLst meth="repeat">
+      <a:schemeClr val="accent2">
+        <a:tint val="50000"/>
+      </a:schemeClr>
+    </dgm:fillClrLst>
+    <dgm:linClrLst meth="repeat">
+      <a:schemeClr val="lt1"/>
+    </dgm:linClrLst>
+    <dgm:effectClrLst/>
+    <dgm:txLinClrLst/>
+    <dgm:txFillClrLst meth="repeat">
+      <a:schemeClr val="lt1"/>
+    </dgm:txFillClrLst>
+    <dgm:txEffectClrLst/>
+  </dgm:styleLbl>
+  <dgm:styleLbl name="alignImgPlace1">
+    <dgm:fillClrLst meth="repeat">
+      <a:schemeClr val="accent2">
+        <a:tint val="50000"/>
+      </a:schemeClr>
+    </dgm:fillClrLst>
+    <dgm:linClrLst meth="repeat">
+      <a:schemeClr val="lt1"/>
+    </dgm:linClrLst>
+    <dgm:effectClrLst/>
+    <dgm:txLinClrLst/>
+    <dgm:txFillClrLst meth="repeat">
+      <a:schemeClr val="lt1"/>
+    </dgm:txFillClrLst>
+    <dgm:txEffectClrLst/>
+  </dgm:styleLbl>
+  <dgm:styleLbl name="bgImgPlace1">
+    <dgm:fillClrLst meth="repeat">
+      <a:schemeClr val="accent2">
+        <a:tint val="50000"/>
+      </a:schemeClr>
+    </dgm:fillClrLst>
+    <dgm:linClrLst meth="repeat">
+      <a:schemeClr val="lt1"/>
+    </dgm:linClrLst>
+    <dgm:effectClrLst/>
+    <dgm:txLinClrLst/>
+    <dgm:txFillClrLst meth="repeat">
+      <a:schemeClr val="lt1"/>
+    </dgm:txFillClrLst>
+    <dgm:txEffectClrLst/>
+  </dgm:styleLbl>
+  <dgm:styleLbl name="sibTrans2D1">
+    <dgm:fillClrLst meth="repeat">
+      <a:schemeClr val="accent2">
+        <a:tint val="60000"/>
+      </a:schemeClr>
+    </dgm:fillClrLst>
+    <dgm:linClrLst meth="repeat">
+      <a:schemeClr val="accent2">
+        <a:tint val="60000"/>
+      </a:schemeClr>
+    </dgm:linClrLst>
+    <dgm:effectClrLst/>
+    <dgm:txLinClrLst/>
+    <dgm:txFillClrLst/>
+    <dgm:txEffectClrLst/>
+  </dgm:styleLbl>
+  <dgm:styleLbl name="fgSibTrans2D1">
+    <dgm:fillClrLst meth="repeat">
+      <a:schemeClr val="accent2">
+        <a:tint val="60000"/>
+      </a:schemeClr>
+    </dgm:fillClrLst>
+    <dgm:linClrLst meth="repeat">
+      <a:schemeClr val="accent2">
+        <a:tint val="60000"/>
+      </a:schemeClr>
+    </dgm:linClrLst>
+    <dgm:effectClrLst/>
+    <dgm:txLinClrLst/>
+    <dgm:txFillClrLst/>
+    <dgm:txEffectClrLst/>
+  </dgm:styleLbl>
+  <dgm:styleLbl name="bgSibTrans2D1">
+    <dgm:fillClrLst meth="repeat">
+      <a:schemeClr val="accent2">
+        <a:tint val="60000"/>
+      </a:schemeClr>
+    </dgm:fillClrLst>
+    <dgm:linClrLst meth="repeat">
+      <a:schemeClr val="accent2">
+        <a:tint val="60000"/>
+      </a:schemeClr>
+    </dgm:linClrLst>
+    <dgm:effectClrLst/>
+    <dgm:txLinClrLst/>
+    <dgm:txFillClrLst/>
+    <dgm:txEffectClrLst/>
+  </dgm:styleLbl>
+  <dgm:styleLbl name="sibTrans1D1">
+    <dgm:fillClrLst meth="repeat">
+      <a:schemeClr val="accent2"/>
+    </dgm:fillClrLst>
+    <dgm:linClrLst meth="repeat">
+      <a:schemeClr val="accent2"/>
+    </dgm:linClrLst>
+    <dgm:effectClrLst/>
+    <dgm:txLinClrLst/>
+    <dgm:txFillClrLst meth="repeat">
+      <a:schemeClr val="tx1"/>
+    </dgm:txFillClrLst>
+    <dgm:txEffectClrLst/>
+  </dgm:styleLbl>
+  <dgm:styleLbl name="callout">
+    <dgm:fillClrLst meth="repeat">
+      <a:schemeClr val="accent2"/>
+    </dgm:fillClrLst>
+    <dgm:linClrLst meth="repeat">
+      <a:schemeClr val="accent2">
+        <a:tint val="50000"/>
+      </a:schemeClr>
+    </dgm:linClrLst>
+    <dgm:effectClrLst/>
+    <dgm:txLinClrLst/>
+    <dgm:txFillClrLst meth="repeat">
+      <a:schemeClr val="tx1"/>
+    </dgm:txFillClrLst>
+    <dgm:txEffectClrLst/>
+  </dgm:styleLbl>
+  <dgm:styleLbl name="asst0">
+    <dgm:fillClrLst meth="repeat">
+      <a:schemeClr val="accent2"/>
+    </dgm:fillClrLst>
+    <dgm:linClrLst meth="repeat">
+      <a:schemeClr val="lt1"/>
+    </dgm:linClrLst>
+    <dgm:effectClrLst/>
+    <dgm:txLinClrLst/>
+    <dgm:txFillClrLst/>
+    <dgm:txEffectClrLst/>
+  </dgm:styleLbl>
+  <dgm:styleLbl name="asst1">
+    <dgm:fillClrLst meth="repeat">
+      <a:schemeClr val="accent2"/>
+    </dgm:fillClrLst>
+    <dgm:linClrLst meth="repeat">
+      <a:schemeClr val="lt1"/>
+    </dgm:linClrLst>
+    <dgm:effectClrLst/>
+    <dgm:txLinClrLst/>
+    <dgm:txFillClrLst/>
+    <dgm:txEffectClrLst/>
+  </dgm:styleLbl>
+  <dgm:styleLbl name="asst2">
+    <dgm:fillClrLst meth="repeat">
+      <a:schemeClr val="accent2"/>
+    </dgm:fillClrLst>
+    <dgm:linClrLst meth="repeat">
+      <a:schemeClr val="lt1"/>
+    </dgm:linClrLst>
+    <dgm:effectClrLst/>
+    <dgm:txLinClrLst/>
+    <dgm:txFillClrLst/>
+    <dgm:txEffectClrLst/>
+  </dgm:styleLbl>
+  <dgm:styleLbl name="asst3">
+    <dgm:fillClrLst meth="repeat">
+      <a:schemeClr val="accent2"/>
+    </dgm:fillClrLst>
+    <dgm:linClrLst meth="repeat">
+      <a:schemeClr val="lt1"/>
+    </dgm:linClrLst>
+    <dgm:effectClrLst/>
+    <dgm:txLinClrLst/>
+    <dgm:txFillClrLst/>
+    <dgm:txEffectClrLst/>
+  </dgm:styleLbl>
+  <dgm:styleLbl name="asst4">
+    <dgm:fillClrLst meth="repeat">
+      <a:schemeClr val="accent2"/>
+    </dgm:fillClrLst>
+    <dgm:linClrLst meth="repeat">
+      <a:schemeClr val="lt1"/>
+    </dgm:linClrLst>
+    <dgm:effectClrLst/>
+    <dgm:txLinClrLst/>
+    <dgm:txFillClrLst/>
+    <dgm:txEffectClrLst/>
+  </dgm:styleLbl>
+  <dgm:styleLbl name="parChTrans2D1">
+    <dgm:fillClrLst meth="repeat">
+      <a:schemeClr val="accent2">
+        <a:tint val="60000"/>
+      </a:schemeClr>
+    </dgm:fillClrLst>
+    <dgm:linClrLst meth="repeat">
+      <a:schemeClr val="accent2">
+        <a:tint val="60000"/>
+      </a:schemeClr>
+    </dgm:linClrLst>
+    <dgm:effectClrLst/>
+    <dgm:txLinClrLst/>
+    <dgm:txFillClrLst meth="repeat">
+      <a:schemeClr val="lt1"/>
+    </dgm:txFillClrLst>
+    <dgm:txEffectClrLst/>
+  </dgm:styleLbl>
+  <dgm:styleLbl name="parChTrans2D2">
+    <dgm:fillClrLst meth="repeat">
+      <a:schemeClr val="accent2"/>
+    </dgm:fillClrLst>
+    <dgm:linClrLst meth="repeat">
+      <a:schemeClr val="accent2"/>
+    </dgm:linClrLst>
+    <dgm:effectClrLst/>
+    <dgm:txLinClrLst/>
+    <dgm:txFillClrLst meth="repeat">
+      <a:schemeClr val="lt1"/>
+    </dgm:txFillClrLst>
+    <dgm:txEffectClrLst/>
+  </dgm:styleLbl>
+  <dgm:styleLbl name="parChTrans2D3">
+    <dgm:fillClrLst meth="repeat">
+      <a:schemeClr val="accent2"/>
+    </dgm:fillClrLst>
+    <dgm:linClrLst meth="repeat">
+      <a:schemeClr val="accent2"/>
+    </dgm:linClrLst>
+    <dgm:effectClrLst/>
+    <dgm:txLinClrLst/>
+    <dgm:txFillClrLst meth="repeat">
+      <a:schemeClr val="lt1"/>
+    </dgm:txFillClrLst>
+    <dgm:txEffectClrLst/>
+  </dgm:styleLbl>
+  <dgm:styleLbl name="parChTrans2D4">
+    <dgm:fillClrLst meth="repeat">
+      <a:schemeClr val="accent2"/>
+    </dgm:fillClrLst>
+    <dgm:linClrLst meth="repeat">
+      <a:schemeClr val="accent2"/>
+    </dgm:linClrLst>
+    <dgm:effectClrLst/>
+    <dgm:txLinClrLst/>
+    <dgm:txFillClrLst meth="repeat">
+      <a:schemeClr val="lt1"/>
+    </dgm:txFillClrLst>
+    <dgm:txEffectClrLst/>
+  </dgm:styleLbl>
+  <dgm:styleLbl name="parChTrans1D1">
+    <dgm:fillClrLst meth="repeat">
+      <a:schemeClr val="accent2"/>
+    </dgm:fillClrLst>
+    <dgm:linClrLst meth="repeat">
+      <a:schemeClr val="accent2">
+        <a:shade val="60000"/>
+      </a:schemeClr>
+    </dgm:linClrLst>
+    <dgm:effectClrLst/>
+    <dgm:txLinClrLst/>
+    <dgm:txFillClrLst meth="repeat">
+      <a:schemeClr val="tx1"/>
+    </dgm:txFillClrLst>
+    <dgm:txEffectClrLst/>
+  </dgm:styleLbl>
+  <dgm:styleLbl name="parChTrans1D2">
+    <dgm:fillClrLst meth="repeat">
+      <a:schemeClr val="accent2"/>
+    </dgm:fillClrLst>
+    <dgm:linClrLst meth="repeat">
+      <a:schemeClr val="accent2">
+        <a:shade val="60000"/>
+      </a:schemeClr>
+    </dgm:linClrLst>
+    <dgm:effectClrLst/>
+    <dgm:txLinClrLst/>
+    <dgm:txFillClrLst meth="repeat">
+      <a:schemeClr val="tx1"/>
+    </dgm:txFillClrLst>
+    <dgm:txEffectClrLst/>
+  </dgm:styleLbl>
+  <dgm:styleLbl name="parChTrans1D3">
+    <dgm:fillClrLst meth="repeat">
+      <a:schemeClr val="accent2"/>
+    </dgm:fillClrLst>
+    <dgm:linClrLst meth="repeat">
+      <a:schemeClr val="accent2">
+        <a:shade val="80000"/>
+      </a:schemeClr>
+    </dgm:linClrLst>
+    <dgm:effectClrLst/>
+    <dgm:txLinClrLst/>
+    <dgm:txFillClrLst meth="repeat">
+      <a:schemeClr val="tx1"/>
+    </dgm:txFillClrLst>
+    <dgm:txEffectClrLst/>
+  </dgm:styleLbl>
+  <dgm:styleLbl name="parChTrans1D4">
+    <dgm:fillClrLst meth="repeat">
+      <a:schemeClr val="accent2"/>
+    </dgm:fillClrLst>
+    <dgm:linClrLst meth="repeat">
+      <a:schemeClr val="accent2">
+        <a:shade val="80000"/>
+      </a:schemeClr>
+    </dgm:linClrLst>
+    <dgm:effectClrLst/>
+    <dgm:txLinClrLst/>
+    <dgm:txFillClrLst meth="repeat">
+      <a:schemeClr val="tx1"/>
+    </dgm:txFillClrLst>
+    <dgm:txEffectClrLst/>
+  </dgm:styleLbl>
+  <dgm:styleLbl name="fgAcc1">
+    <dgm:fillClrLst meth="repeat">
+      <a:schemeClr val="lt1">
+        <a:alpha val="90000"/>
+      </a:schemeClr>
+    </dgm:fillClrLst>
+    <dgm:linClrLst meth="repeat">
+      <a:schemeClr val="accent2"/>
+    </dgm:linClrLst>
+    <dgm:effectClrLst/>
+    <dgm:txLinClrLst/>
+    <dgm:txFillClrLst meth="repeat">
+      <a:schemeClr val="dk1"/>
+    </dgm:txFillClrLst>
+    <dgm:txEffectClrLst/>
+  </dgm:styleLbl>
+  <dgm:styleLbl name="conFgAcc1">
+    <dgm:fillClrLst meth="repeat">
+      <a:schemeClr val="lt1">
+        <a:alpha val="90000"/>
+      </a:schemeClr>
+    </dgm:fillClrLst>
+    <dgm:linClrLst meth="repeat">
+      <a:schemeClr val="accent2"/>
+    </dgm:linClrLst>
+    <dgm:effectClrLst/>
+    <dgm:txLinClrLst/>
+    <dgm:txFillClrLst meth="repeat">
+      <a:schemeClr val="dk1"/>
+    </dgm:txFillClrLst>
+    <dgm:txEffectClrLst/>
+  </dgm:styleLbl>
+  <dgm:styleLbl name="alignAcc1">
+    <dgm:fillClrLst meth="repeat">
+      <a:schemeClr val="lt1">
+        <a:alpha val="90000"/>
+      </a:schemeClr>
+    </dgm:fillClrLst>
+    <dgm:linClrLst meth="repeat">
+      <a:schemeClr val="accent2"/>
+    </dgm:linClrLst>
+    <dgm:effectClrLst/>
+    <dgm:txLinClrLst/>
+    <dgm:txFillClrLst meth="repeat">
+      <a:schemeClr val="dk1"/>
+    </dgm:txFillClrLst>
+    <dgm:txEffectClrLst/>
+  </dgm:styleLbl>
+  <dgm:styleLbl name="trAlignAcc1">
+    <dgm:fillClrLst meth="repeat">
+      <a:schemeClr val="lt1">
+        <a:alpha val="40000"/>
+      </a:schemeClr>
+    </dgm:fillClrLst>
+    <dgm:linClrLst meth="repeat">
+      <a:schemeClr val="accent2"/>
+    </dgm:linClrLst>
+    <dgm:effectClrLst/>
+    <dgm:txLinClrLst/>
+    <dgm:txFillClrLst meth="repeat">
+      <a:schemeClr val="dk1"/>
+    </dgm:txFillClrLst>
+    <dgm:txEffectClrLst/>
+  </dgm:styleLbl>
+  <dgm:styleLbl name="bgAcc1">
+    <dgm:fillClrLst meth="repeat">
+      <a:schemeClr val="lt1">
+        <a:alpha val="90000"/>
+      </a:schemeClr>
+    </dgm:fillClrLst>
+    <dgm:linClrLst meth="repeat">
+      <a:schemeClr val="accent2"/>
+    </dgm:linClrLst>
+    <dgm:effectClrLst/>
+    <dgm:txLinClrLst/>
+    <dgm:txFillClrLst meth="repeat">
+      <a:schemeClr val="dk1"/>
+    </dgm:txFillClrLst>
+    <dgm:txEffectClrLst/>
+  </dgm:styleLbl>
+  <dgm:styleLbl name="solidFgAcc1">
+    <dgm:fillClrLst meth="repeat">
+      <a:schemeClr val="lt1"/>
+    </dgm:fillClrLst>
+    <dgm:linClrLst meth="repeat">
+      <a:schemeClr val="accent2"/>
+    </dgm:linClrLst>
+    <dgm:effectClrLst/>
+    <dgm:txLinClrLst/>
+    <dgm:txFillClrLst meth="repeat">
+      <a:schemeClr val="dk1"/>
+    </dgm:txFillClrLst>
+    <dgm:txEffectClrLst/>
+  </dgm:styleLbl>
+  <dgm:styleLbl name="solidAlignAcc1">
+    <dgm:fillClrLst meth="repeat">
+      <a:schemeClr val="lt1"/>
+    </dgm:fillClrLst>
+    <dgm:linClrLst meth="repeat">
+      <a:schemeClr val="accent2"/>
+    </dgm:linClrLst>
+    <dgm:effectClrLst/>
+    <dgm:txLinClrLst/>
+    <dgm:txFillClrLst meth="repeat">
+      <a:schemeClr val="dk1"/>
+    </dgm:txFillClrLst>
+    <dgm:txEffectClrLst/>
+  </dgm:styleLbl>
+  <dgm:styleLbl name="solidBgAcc1">
+    <dgm:fillClrLst meth="repeat">
+      <a:schemeClr val="lt1"/>
+    </dgm:fillClrLst>
+    <dgm:linClrLst meth="repeat">
+      <a:schemeClr val="accent2"/>
+    </dgm:linClrLst>
+    <dgm:effectClrLst/>
+    <dgm:txLinClrLst/>
+    <dgm:txFillClrLst meth="repeat">
+      <a:schemeClr val="dk1"/>
+    </dgm:txFillClrLst>
+    <dgm:txEffectClrLst/>
+  </dgm:styleLbl>
+  <dgm:styleLbl name="fgAccFollowNode1">
+    <dgm:fillClrLst meth="repeat">
+      <a:schemeClr val="accent2">
+        <a:alpha val="90000"/>
+        <a:tint val="40000"/>
+      </a:schemeClr>
+    </dgm:fillClrLst>
+    <dgm:linClrLst meth="repeat">
+      <a:schemeClr val="accent2">
+        <a:alpha val="90000"/>
+        <a:tint val="40000"/>
+      </a:schemeClr>
+    </dgm:linClrLst>
+    <dgm:effectClrLst/>
+    <dgm:txLinClrLst/>
+    <dgm:txFillClrLst meth="repeat">
+      <a:schemeClr val="dk1"/>
+    </dgm:txFillClrLst>
+    <dgm:txEffectClrLst/>
+  </dgm:styleLbl>
+  <dgm:styleLbl name="alignAccFollowNode1">
+    <dgm:fillClrLst meth="repeat">
+      <a:schemeClr val="accent2">
+        <a:alpha val="90000"/>
+        <a:tint val="40000"/>
+      </a:schemeClr>
+    </dgm:fillClrLst>
+    <dgm:linClrLst meth="repeat">
+      <a:schemeClr val="accent2">
+        <a:alpha val="90000"/>
+        <a:tint val="40000"/>
+      </a:schemeClr>
+    </dgm:linClrLst>
+    <dgm:effectClrLst/>
+    <dgm:txLinClrLst/>
+    <dgm:txFillClrLst meth="repeat">
+      <a:schemeClr val="dk1"/>
+    </dgm:txFillClrLst>
+    <dgm:txEffectClrLst/>
+  </dgm:styleLbl>
+  <dgm:styleLbl name="bgAccFollowNode1">
+    <dgm:fillClrLst meth="repeat">
+      <a:schemeClr val="accent2">
+        <a:alpha val="90000"/>
+        <a:tint val="40000"/>
+      </a:schemeClr>
+    </dgm:fillClrLst>
+    <dgm:linClrLst meth="repeat">
+      <a:schemeClr val="accent2">
+        <a:alpha val="90000"/>
+        <a:tint val="40000"/>
+      </a:schemeClr>
+    </dgm:linClrLst>
+    <dgm:effectClrLst/>
+    <dgm:txLinClrLst/>
+    <dgm:txFillClrLst meth="repeat">
+      <a:schemeClr val="dk1"/>
+    </dgm:txFillClrLst>
+    <dgm:txEffectClrLst/>
+  </dgm:styleLbl>
+  <dgm:styleLbl name="fgAcc0">
+    <dgm:fillClrLst meth="repeat">
+      <a:schemeClr val="lt1">
+        <a:alpha val="90000"/>
+      </a:schemeClr>
+    </dgm:fillClrLst>
+    <dgm:linClrLst meth="repeat">
+      <a:schemeClr val="accent2"/>
+    </dgm:linClrLst>
+    <dgm:effectClrLst/>
+    <dgm:txLinClrLst/>
+    <dgm:txFillClrLst meth="repeat">
+      <a:schemeClr val="dk1"/>
+    </dgm:txFillClrLst>
+    <dgm:txEffectClrLst/>
+  </dgm:styleLbl>
+  <dgm:styleLbl name="fgAcc2">
+    <dgm:fillClrLst meth="repeat">
+      <a:schemeClr val="lt1">
+        <a:alpha val="90000"/>
+      </a:schemeClr>
+    </dgm:fillClrLst>
+    <dgm:linClrLst meth="repeat">
+      <a:schemeClr val="accent2"/>
+    </dgm:linClrLst>
+    <dgm:effectClrLst/>
+    <dgm:txLinClrLst/>
+    <dgm:txFillClrLst meth="repeat">
+      <a:schemeClr val="dk1"/>
+    </dgm:txFillClrLst>
+    <dgm:txEffectClrLst/>
+  </dgm:styleLbl>
+  <dgm:styleLbl name="fgAcc3">
+    <dgm:fillClrLst meth="repeat">
+      <a:schemeClr val="lt1">
+        <a:alpha val="90000"/>
+      </a:schemeClr>
+    </dgm:fillClrLst>
+    <dgm:linClrLst meth="repeat">
+      <a:schemeClr val="accent2"/>
+    </dgm:linClrLst>
+    <dgm:effectClrLst/>
+    <dgm:txLinClrLst/>
+    <dgm:txFillClrLst meth="repeat">
+      <a:schemeClr val="dk1"/>
+    </dgm:txFillClrLst>
+    <dgm:txEffectClrLst/>
+  </dgm:styleLbl>
+  <dgm:styleLbl name="fgAcc4">
+    <dgm:fillClrLst meth="repeat">
+      <a:schemeClr val="lt1">
+        <a:alpha val="90000"/>
+      </a:schemeClr>
+    </dgm:fillClrLst>
+    <dgm:linClrLst meth="repeat">
+      <a:schemeClr val="accent2"/>
+    </dgm:linClrLst>
+    <dgm:effectClrLst/>
+    <dgm:txLinClrLst/>
+    <dgm:txFillClrLst meth="repeat">
+      <a:schemeClr val="dk1"/>
+    </dgm:txFillClrLst>
+    <dgm:txEffectClrLst/>
+  </dgm:styleLbl>
+  <dgm:styleLbl name="bgShp">
+    <dgm:fillClrLst meth="repeat">
+      <a:schemeClr val="accent2">
+        <a:tint val="40000"/>
+      </a:schemeClr>
+    </dgm:fillClrLst>
+    <dgm:linClrLst meth="repeat">
+      <a:schemeClr val="accent2"/>
+    </dgm:linClrLst>
+    <dgm:effectClrLst/>
+    <dgm:txLinClrLst/>
+    <dgm:txFillClrLst meth="repeat">
+      <a:schemeClr val="dk1"/>
+    </dgm:txFillClrLst>
+    <dgm:txEffectClrLst/>
+  </dgm:styleLbl>
+  <dgm:styleLbl name="dkBgShp">
+    <dgm:fillClrLst meth="repeat">
+      <a:schemeClr val="accent2">
+        <a:shade val="80000"/>
+      </a:schemeClr>
+    </dgm:fillClrLst>
+    <dgm:linClrLst meth="repeat">
+      <a:schemeClr val="accent2"/>
+    </dgm:linClrLst>
+    <dgm:effectClrLst/>
+    <dgm:txLinClrLst/>
+    <dgm:txFillClrLst meth="repeat">
+      <a:schemeClr val="lt1"/>
+    </dgm:txFillClrLst>
+    <dgm:txEffectClrLst/>
+  </dgm:styleLbl>
+  <dgm:styleLbl name="trBgShp">
+    <dgm:fillClrLst meth="repeat">
+      <a:schemeClr val="accent2">
+        <a:tint val="50000"/>
+        <a:alpha val="40000"/>
+      </a:schemeClr>
+    </dgm:fillClrLst>
+    <dgm:linClrLst meth="repeat">
+      <a:schemeClr val="accent2"/>
+    </dgm:linClrLst>
+    <dgm:effectClrLst/>
+    <dgm:txLinClrLst/>
+    <dgm:txFillClrLst meth="repeat">
+      <a:schemeClr val="lt1"/>
+    </dgm:txFillClrLst>
+    <dgm:txEffectClrLst/>
+  </dgm:styleLbl>
+  <dgm:styleLbl name="fgShp">
+    <dgm:fillClrLst meth="repeat">
+      <a:schemeClr val="accent2">
+        <a:tint val="60000"/>
+      </a:schemeClr>
+    </dgm:fillClrLst>
+    <dgm:linClrLst meth="repeat">
+      <a:schemeClr val="lt1"/>
+    </dgm:linClrLst>
+    <dgm:effectClrLst/>
+    <dgm:txLinClrLst/>
+    <dgm:txFillClrLst meth="repeat">
+      <a:schemeClr val="dk1"/>
+    </dgm:txFillClrLst>
+    <dgm:txEffectClrLst/>
+  </dgm:styleLbl>
+  <dgm:styleLbl name="revTx">
+    <dgm:fillClrLst meth="repeat">
+      <a:schemeClr val="lt1">
+        <a:alpha val="0"/>
+      </a:schemeClr>
+    </dgm:fillClrLst>
+    <dgm:linClrLst meth="repeat">
+      <a:schemeClr val="dk1">
+        <a:alpha val="0"/>
+      </a:schemeClr>
+    </dgm:linClrLst>
+    <dgm:effectClrLst/>
+    <dgm:txLinClrLst/>
+    <dgm:txFillClrLst meth="repeat">
+      <a:schemeClr val="tx1"/>
+    </dgm:txFillClrLst>
+    <dgm:txEffectClrLst/>
+  </dgm:styleLbl>
+</dgm:colorsDef>
+</file>
+
+<file path=ppt/diagrams/colors2.xml><?xml version="1.0" encoding="utf-8"?>
+<dgm:colorsDef xmlns:dgm="http://schemas.openxmlformats.org/drawingml/2006/diagram" xmlns:a="http://schemas.openxmlformats.org/drawingml/2006/main" uniqueId="urn:microsoft.com/office/officeart/2005/8/colors/accent1_2">
+  <dgm:title val=""/>
+  <dgm:desc val=""/>
+  <dgm:catLst>
+    <dgm:cat type="accent1" pri="11200"/>
+  </dgm:catLst>
+  <dgm:styleLbl name="node0">
+    <dgm:fillClrLst meth="repeat">
+      <a:schemeClr val="accent1"/>
+    </dgm:fillClrLst>
+    <dgm:linClrLst meth="repeat">
+      <a:schemeClr val="lt1"/>
+    </dgm:linClrLst>
+    <dgm:effectClrLst/>
+    <dgm:txLinClrLst/>
+    <dgm:txFillClrLst/>
+    <dgm:txEffectClrLst/>
+  </dgm:styleLbl>
+  <dgm:styleLbl name="alignNode1">
+    <dgm:fillClrLst meth="repeat">
+      <a:schemeClr val="accent1"/>
+    </dgm:fillClrLst>
+    <dgm:linClrLst meth="repeat">
+      <a:schemeClr val="accent1"/>
+    </dgm:linClrLst>
+    <dgm:effectClrLst/>
+    <dgm:txLinClrLst/>
+    <dgm:txFillClrLst/>
+    <dgm:txEffectClrLst/>
+  </dgm:styleLbl>
+  <dgm:styleLbl name="node1">
+    <dgm:fillClrLst meth="repeat">
+      <a:schemeClr val="accent1"/>
+    </dgm:fillClrLst>
+    <dgm:linClrLst meth="repeat">
+      <a:schemeClr val="lt1"/>
+    </dgm:linClrLst>
+    <dgm:effectClrLst/>
+    <dgm:txLinClrLst/>
+    <dgm:txFillClrLst/>
+    <dgm:txEffectClrLst/>
+  </dgm:styleLbl>
+  <dgm:styleLbl name="lnNode1">
+    <dgm:fillClrLst meth="repeat">
+      <a:schemeClr val="accent1"/>
+    </dgm:fillClrLst>
+    <dgm:linClrLst meth="repeat">
+      <a:schemeClr val="lt1"/>
+    </dgm:linClrLst>
+    <dgm:effectClrLst/>
+    <dgm:txLinClrLst/>
+    <dgm:txFillClrLst/>
+    <dgm:txEffectClrLst/>
+  </dgm:styleLbl>
+  <dgm:styleLbl name="vennNode1">
+    <dgm:fillClrLst meth="repeat">
+      <a:schemeClr val="accent1">
+        <a:alpha val="50000"/>
+      </a:schemeClr>
+    </dgm:fillClrLst>
+    <dgm:linClrLst meth="repeat">
+      <a:schemeClr val="lt1"/>
+    </dgm:linClrLst>
+    <dgm:effectClrLst/>
+    <dgm:txLinClrLst/>
+    <dgm:txFillClrLst/>
+    <dgm:txEffectClrLst/>
+  </dgm:styleLbl>
+  <dgm:styleLbl name="node2">
+    <dgm:fillClrLst meth="repeat">
+      <a:schemeClr val="accent1"/>
+    </dgm:fillClrLst>
+    <dgm:linClrLst meth="repeat">
+      <a:schemeClr val="lt1"/>
+    </dgm:linClrLst>
+    <dgm:effectClrLst/>
+    <dgm:txLinClrLst/>
+    <dgm:txFillClrLst/>
+    <dgm:txEffectClrLst/>
+  </dgm:styleLbl>
+  <dgm:styleLbl name="node3">
+    <dgm:fillClrLst meth="repeat">
+      <a:schemeClr val="accent1"/>
+    </dgm:fillClrLst>
+    <dgm:linClrLst meth="repeat">
+      <a:schemeClr val="lt1"/>
+    </dgm:linClrLst>
+    <dgm:effectClrLst/>
+    <dgm:txLinClrLst/>
+    <dgm:txFillClrLst/>
+    <dgm:txEffectClrLst/>
+  </dgm:styleLbl>
+  <dgm:styleLbl name="node4">
+    <dgm:fillClrLst meth="repeat">
+      <a:schemeClr val="accent1"/>
+    </dgm:fillClrLst>
+    <dgm:linClrLst meth="repeat">
+      <a:schemeClr val="lt1"/>
+    </dgm:linClrLst>
+    <dgm:effectClrLst/>
+    <dgm:txLinClrLst/>
+    <dgm:txFillClrLst/>
+    <dgm:txEffectClrLst/>
+  </dgm:styleLbl>
+  <dgm:styleLbl name="fgImgPlace1">
+    <dgm:fillClrLst meth="repeat">
+      <a:schemeClr val="accent1">
+        <a:tint val="50000"/>
+      </a:schemeClr>
+    </dgm:fillClrLst>
+    <dgm:linClrLst meth="repeat">
+      <a:schemeClr val="lt1"/>
+    </dgm:linClrLst>
+    <dgm:effectClrLst/>
+    <dgm:txLinClrLst/>
+    <dgm:txFillClrLst meth="repeat">
+      <a:schemeClr val="lt1"/>
+    </dgm:txFillClrLst>
+    <dgm:txEffectClrLst/>
+  </dgm:styleLbl>
+  <dgm:styleLbl name="alignImgPlace1">
+    <dgm:fillClrLst meth="repeat">
+      <a:schemeClr val="accent1">
+        <a:tint val="50000"/>
+      </a:schemeClr>
+    </dgm:fillClrLst>
+    <dgm:linClrLst meth="repeat">
+      <a:schemeClr val="lt1"/>
+    </dgm:linClrLst>
+    <dgm:effectClrLst/>
+    <dgm:txLinClrLst/>
+    <dgm:txFillClrLst meth="repeat">
+      <a:schemeClr val="lt1"/>
+    </dgm:txFillClrLst>
+    <dgm:txEffectClrLst/>
+  </dgm:styleLbl>
+  <dgm:styleLbl name="bgImgPlace1">
+    <dgm:fillClrLst meth="repeat">
+      <a:schemeClr val="accent1">
+        <a:tint val="50000"/>
+      </a:schemeClr>
+    </dgm:fillClrLst>
+    <dgm:linClrLst meth="repeat">
+      <a:schemeClr val="lt1"/>
+    </dgm:linClrLst>
+    <dgm:effectClrLst/>
+    <dgm:txLinClrLst/>
+    <dgm:txFillClrLst meth="repeat">
+      <a:schemeClr val="lt1"/>
+    </dgm:txFillClrLst>
+    <dgm:txEffectClrLst/>
+  </dgm:styleLbl>
+  <dgm:styleLbl name="sibTrans2D1">
+    <dgm:fillClrLst meth="repeat">
+      <a:schemeClr val="accent1">
+        <a:tint val="60000"/>
+      </a:schemeClr>
+    </dgm:fillClrLst>
+    <dgm:linClrLst meth="repeat">
+      <a:schemeClr val="accent1">
+        <a:tint val="60000"/>
+      </a:schemeClr>
+    </dgm:linClrLst>
+    <dgm:effectClrLst/>
+    <dgm:txLinClrLst/>
+    <dgm:txFillClrLst/>
+    <dgm:txEffectClrLst/>
+  </dgm:styleLbl>
+  <dgm:styleLbl name="fgSibTrans2D1">
+    <dgm:fillClrLst meth="repeat">
+      <a:schemeClr val="accent1">
+        <a:tint val="60000"/>
+      </a:schemeClr>
+    </dgm:fillClrLst>
+    <dgm:linClrLst meth="repeat">
+      <a:schemeClr val="accent1">
+        <a:tint val="60000"/>
+      </a:schemeClr>
+    </dgm:linClrLst>
+    <dgm:effectClrLst/>
+    <dgm:txLinClrLst/>
+    <dgm:txFillClrLst/>
+    <dgm:txEffectClrLst/>
+  </dgm:styleLbl>
+  <dgm:styleLbl name="bgSibTrans2D1">
+    <dgm:fillClrLst meth="repeat">
+      <a:schemeClr val="accent1">
+        <a:tint val="60000"/>
+      </a:schemeClr>
+    </dgm:fillClrLst>
+    <dgm:linClrLst meth="repeat">
+      <a:schemeClr val="accent1">
+        <a:tint val="60000"/>
+      </a:schemeClr>
+    </dgm:linClrLst>
+    <dgm:effectClrLst/>
+    <dgm:txLinClrLst/>
+    <dgm:txFillClrLst/>
+    <dgm:txEffectClrLst/>
+  </dgm:styleLbl>
+  <dgm:styleLbl name="sibTrans1D1">
+    <dgm:fillClrLst meth="repeat">
+      <a:schemeClr val="accent1"/>
+    </dgm:fillClrLst>
+    <dgm:linClrLst meth="repeat">
+      <a:schemeClr val="accent1"/>
+    </dgm:linClrLst>
+    <dgm:effectClrLst/>
+    <dgm:txLinClrLst/>
+    <dgm:txFillClrLst meth="repeat">
+      <a:schemeClr val="tx1"/>
+    </dgm:txFillClrLst>
+    <dgm:txEffectClrLst/>
+  </dgm:styleLbl>
+  <dgm:styleLbl name="callout">
+    <dgm:fillClrLst meth="repeat">
+      <a:schemeClr val="accent1"/>
+    </dgm:fillClrLst>
+    <dgm:linClrLst meth="repeat">
+      <a:schemeClr val="accent1">
+        <a:tint val="50000"/>
+      </a:schemeClr>
+    </dgm:linClrLst>
+    <dgm:effectClrLst/>
+    <dgm:txLinClrLst/>
+    <dgm:txFillClrLst meth="repeat">
+      <a:schemeClr val="tx1"/>
+    </dgm:txFillClrLst>
+    <dgm:txEffectClrLst/>
+  </dgm:styleLbl>
+  <dgm:styleLbl name="asst0">
+    <dgm:fillClrLst meth="repeat">
+      <a:schemeClr val="accent1"/>
+    </dgm:fillClrLst>
+    <dgm:linClrLst meth="repeat">
+      <a:schemeClr val="lt1"/>
+    </dgm:linClrLst>
+    <dgm:effectClrLst/>
+    <dgm:txLinClrLst/>
+    <dgm:txFillClrLst/>
+    <dgm:txEffectClrLst/>
+  </dgm:styleLbl>
+  <dgm:styleLbl name="asst1">
+    <dgm:fillClrLst meth="repeat">
+      <a:schemeClr val="accent1"/>
+    </dgm:fillClrLst>
+    <dgm:linClrLst meth="repeat">
+      <a:schemeClr val="lt1"/>
+    </dgm:linClrLst>
+    <dgm:effectClrLst/>
+    <dgm:txLinClrLst/>
+    <dgm:txFillClrLst/>
+    <dgm:txEffectClrLst/>
+  </dgm:styleLbl>
+  <dgm:styleLbl name="asst2">
+    <dgm:fillClrLst meth="repeat">
+      <a:schemeClr val="accent1"/>
+    </dgm:fillClrLst>
+    <dgm:linClrLst meth="repeat">
+      <a:schemeClr val="lt1"/>
+    </dgm:linClrLst>
+    <dgm:effectClrLst/>
+    <dgm:txLinClrLst/>
+    <dgm:txFillClrLst/>
+    <dgm:txEffectClrLst/>
+  </dgm:styleLbl>
+  <dgm:styleLbl name="asst3">
+    <dgm:fillClrLst meth="repeat">
+      <a:schemeClr val="accent1"/>
+    </dgm:fillClrLst>
+    <dgm:linClrLst meth="repeat">
+      <a:schemeClr val="lt1"/>
+    </dgm:linClrLst>
+    <dgm:effectClrLst/>
+    <dgm:txLinClrLst/>
+    <dgm:txFillClrLst/>
+    <dgm:txEffectClrLst/>
+  </dgm:styleLbl>
+  <dgm:styleLbl name="asst4">
+    <dgm:fillClrLst meth="repeat">
+      <a:schemeClr val="accent1"/>
+    </dgm:fillClrLst>
+    <dgm:linClrLst meth="repeat">
+      <a:schemeClr val="lt1"/>
+    </dgm:linClrLst>
+    <dgm:effectClrLst/>
+    <dgm:txLinClrLst/>
+    <dgm:txFillClrLst/>
+    <dgm:txEffectClrLst/>
+  </dgm:styleLbl>
+  <dgm:styleLbl name="parChTrans2D1">
+    <dgm:fillClrLst meth="repeat">
+      <a:schemeClr val="accent1">
+        <a:tint val="60000"/>
+      </a:schemeClr>
+    </dgm:fillClrLst>
+    <dgm:linClrLst meth="repeat">
+      <a:schemeClr val="accent1">
+        <a:tint val="60000"/>
+      </a:schemeClr>
+    </dgm:linClrLst>
+    <dgm:effectClrLst/>
+    <dgm:txLinClrLst/>
+    <dgm:txFillClrLst meth="repeat">
+      <a:schemeClr val="lt1"/>
+    </dgm:txFillClrLst>
+    <dgm:txEffectClrLst/>
+  </dgm:styleLbl>
+  <dgm:styleLbl name="parChTrans2D2">
+    <dgm:fillClrLst meth="repeat">
+      <a:schemeClr val="accent1"/>
+    </dgm:fillClrLst>
+    <dgm:linClrLst meth="repeat">
+      <a:schemeClr val="accent1"/>
+    </dgm:linClrLst>
+    <dgm:effectClrLst/>
+    <dgm:txLinClrLst/>
+    <dgm:txFillClrLst meth="repeat">
+      <a:schemeClr val="lt1"/>
+    </dgm:txFillClrLst>
+    <dgm:txEffectClrLst/>
+  </dgm:styleLbl>
+  <dgm:styleLbl name="parChTrans2D3">
+    <dgm:fillClrLst meth="repeat">
+      <a:schemeClr val="accent1"/>
+    </dgm:fillClrLst>
+    <dgm:linClrLst meth="repeat">
+      <a:schemeClr val="accent1"/>
+    </dgm:linClrLst>
+    <dgm:effectClrLst/>
+    <dgm:txLinClrLst/>
+    <dgm:txFillClrLst meth="repeat">
+      <a:schemeClr val="lt1"/>
+    </dgm:txFillClrLst>
+    <dgm:txEffectClrLst/>
+  </dgm:styleLbl>
+  <dgm:styleLbl name="parChTrans2D4">
+    <dgm:fillClrLst meth="repeat">
+      <a:schemeClr val="accent1"/>
+    </dgm:fillClrLst>
+    <dgm:linClrLst meth="repeat">
+      <a:schemeClr val="accent1"/>
+    </dgm:linClrLst>
+    <dgm:effectClrLst/>
+    <dgm:txLinClrLst/>
+    <dgm:txFillClrLst meth="repeat">
+      <a:schemeClr val="lt1"/>
+    </dgm:txFillClrLst>
+    <dgm:txEffectClrLst/>
+  </dgm:styleLbl>
+  <dgm:styleLbl name="parChTrans1D1">
+    <dgm:fillClrLst meth="repeat">
+      <a:schemeClr val="accent1"/>
+    </dgm:fillClrLst>
+    <dgm:linClrLst meth="repeat">
+      <a:schemeClr val="accent1">
+        <a:shade val="60000"/>
+      </a:schemeClr>
+    </dgm:linClrLst>
+    <dgm:effectClrLst/>
+    <dgm:txLinClrLst/>
+    <dgm:txFillClrLst meth="repeat">
+      <a:schemeClr val="tx1"/>
+    </dgm:txFillClrLst>
+    <dgm:txEffectClrLst/>
+  </dgm:styleLbl>
+  <dgm:styleLbl name="parChTrans1D2">
+    <dgm:fillClrLst meth="repeat">
+      <a:schemeClr val="accent1"/>
+    </dgm:fillClrLst>
+    <dgm:linClrLst meth="repeat">
+      <a:schemeClr val="accent1">
+        <a:shade val="60000"/>
+      </a:schemeClr>
+    </dgm:linClrLst>
+    <dgm:effectClrLst/>
+    <dgm:txLinClrLst/>
+    <dgm:txFillClrLst meth="repeat">
+      <a:schemeClr val="tx1"/>
+    </dgm:txFillClrLst>
+    <dgm:txEffectClrLst/>
+  </dgm:styleLbl>
+  <dgm:styleLbl name="parChTrans1D3">
+    <dgm:fillClrLst meth="repeat">
+      <a:schemeClr val="accent1"/>
+    </dgm:fillClrLst>
+    <dgm:linClrLst meth="repeat">
+      <a:schemeClr val="accent1">
+        <a:shade val="80000"/>
+      </a:schemeClr>
+    </dgm:linClrLst>
+    <dgm:effectClrLst/>
+    <dgm:txLinClrLst/>
+    <dgm:txFillClrLst meth="repeat">
+      <a:schemeClr val="tx1"/>
+    </dgm:txFillClrLst>
+    <dgm:txEffectClrLst/>
+  </dgm:styleLbl>
+  <dgm:styleLbl name="parChTrans1D4">
+    <dgm:fillClrLst meth="repeat">
+      <a:schemeClr val="accent1"/>
+    </dgm:fillClrLst>
+    <dgm:linClrLst meth="repeat">
+      <a:schemeClr val="accent1">
+        <a:shade val="80000"/>
+      </a:schemeClr>
+    </dgm:linClrLst>
+    <dgm:effectClrLst/>
+    <dgm:txLinClrLst/>
+    <dgm:txFillClrLst meth="repeat">
+      <a:schemeClr val="tx1"/>
+    </dgm:txFillClrLst>
+    <dgm:txEffectClrLst/>
+  </dgm:styleLbl>
+  <dgm:styleLbl name="fgAcc1">
+    <dgm:fillClrLst meth="repeat">
+      <a:schemeClr val="lt1">
+        <a:alpha val="90000"/>
+      </a:schemeClr>
+    </dgm:fillClrLst>
+    <dgm:linClrLst meth="repeat">
+      <a:schemeClr val="accent1"/>
+    </dgm:linClrLst>
+    <dgm:effectClrLst/>
+    <dgm:txLinClrLst/>
+    <dgm:txFillClrLst meth="repeat">
+      <a:schemeClr val="dk1"/>
+    </dgm:txFillClrLst>
+    <dgm:txEffectClrLst/>
+  </dgm:styleLbl>
+  <dgm:styleLbl name="conFgAcc1">
+    <dgm:fillClrLst meth="repeat">
+      <a:schemeClr val="lt1">
+        <a:alpha val="90000"/>
+      </a:schemeClr>
+    </dgm:fillClrLst>
+    <dgm:linClrLst meth="repeat">
+      <a:schemeClr val="accent1"/>
+    </dgm:linClrLst>
+    <dgm:effectClrLst/>
+    <dgm:txLinClrLst/>
+    <dgm:txFillClrLst meth="repeat">
+      <a:schemeClr val="dk1"/>
+    </dgm:txFillClrLst>
+    <dgm:txEffectClrLst/>
+  </dgm:styleLbl>
+  <dgm:styleLbl name="alignAcc1">
+    <dgm:fillClrLst meth="repeat">
+      <a:schemeClr val="lt1">
+        <a:alpha val="90000"/>
+      </a:schemeClr>
+    </dgm:fillClrLst>
+    <dgm:linClrLst meth="repeat">
+      <a:schemeClr val="accent1"/>
+    </dgm:linClrLst>
+    <dgm:effectClrLst/>
+    <dgm:txLinClrLst/>
+    <dgm:txFillClrLst meth="repeat">
+      <a:schemeClr val="dk1"/>
+    </dgm:txFillClrLst>
+    <dgm:txEffectClrLst/>
+  </dgm:styleLbl>
+  <dgm:styleLbl name="trAlignAcc1">
+    <dgm:fillClrLst meth="repeat">
+      <a:schemeClr val="lt1">
+        <a:alpha val="40000"/>
+      </a:schemeClr>
+    </dgm:fillClrLst>
+    <dgm:linClrLst meth="repeat">
+      <a:schemeClr val="accent1"/>
+    </dgm:linClrLst>
+    <dgm:effectClrLst/>
+    <dgm:txLinClrLst/>
+    <dgm:txFillClrLst meth="repeat">
+      <a:schemeClr val="dk1"/>
+    </dgm:txFillClrLst>
+    <dgm:txEffectClrLst/>
+  </dgm:styleLbl>
+  <dgm:styleLbl name="bgAcc1">
+    <dgm:fillClrLst meth="repeat">
+      <a:schemeClr val="lt1">
+        <a:alpha val="90000"/>
+      </a:schemeClr>
+    </dgm:fillClrLst>
+    <dgm:linClrLst meth="repeat">
+      <a:schemeClr val="accent1"/>
+    </dgm:linClrLst>
+    <dgm:effectClrLst/>
+    <dgm:txLinClrLst/>
+    <dgm:txFillClrLst meth="repeat">
+      <a:schemeClr val="dk1"/>
+    </dgm:txFillClrLst>
+    <dgm:txEffectClrLst/>
+  </dgm:styleLbl>
+  <dgm:styleLbl name="solidFgAcc1">
+    <dgm:fillClrLst meth="repeat">
+      <a:schemeClr val="lt1"/>
+    </dgm:fillClrLst>
+    <dgm:linClrLst meth="repeat">
+      <a:schemeClr val="accent1"/>
+    </dgm:linClrLst>
+    <dgm:effectClrLst/>
+    <dgm:txLinClrLst/>
+    <dgm:txFillClrLst meth="repeat">
+      <a:schemeClr val="dk1"/>
+    </dgm:txFillClrLst>
+    <dgm:txEffectClrLst/>
+  </dgm:styleLbl>
+  <dgm:styleLbl name="solidAlignAcc1">
+    <dgm:fillClrLst meth="repeat">
+      <a:schemeClr val="lt1"/>
+    </dgm:fillClrLst>
+    <dgm:linClrLst meth="repeat">
+      <a:schemeClr val="accent1"/>
+    </dgm:linClrLst>
+    <dgm:effectClrLst/>
+    <dgm:txLinClrLst/>
+    <dgm:txFillClrLst meth="repeat">
+      <a:schemeClr val="dk1"/>
+    </dgm:txFillClrLst>
+    <dgm:txEffectClrLst/>
+  </dgm:styleLbl>
+  <dgm:styleLbl name="solidBgAcc1">
+    <dgm:fillClrLst meth="repeat">
+      <a:schemeClr val="lt1"/>
+    </dgm:fillClrLst>
+    <dgm:linClrLst meth="repeat">
+      <a:schemeClr val="accent1"/>
+    </dgm:linClrLst>
+    <dgm:effectClrLst/>
+    <dgm:txLinClrLst/>
+    <dgm:txFillClrLst meth="repeat">
+      <a:schemeClr val="dk1"/>
+    </dgm:txFillClrLst>
+    <dgm:txEffectClrLst/>
+  </dgm:styleLbl>
+  <dgm:styleLbl name="fgAccFollowNode1">
+    <dgm:fillClrLst meth="repeat">
+      <a:schemeClr val="accent1">
+        <a:alpha val="90000"/>
+        <a:tint val="40000"/>
+      </a:schemeClr>
+    </dgm:fillClrLst>
+    <dgm:linClrLst meth="repeat">
+      <a:schemeClr val="accent1">
+        <a:alpha val="90000"/>
+        <a:tint val="40000"/>
+      </a:schemeClr>
+    </dgm:linClrLst>
+    <dgm:effectClrLst/>
+    <dgm:txLinClrLst/>
+    <dgm:txFillClrLst meth="repeat">
+      <a:schemeClr val="dk1"/>
+    </dgm:txFillClrLst>
+    <dgm:txEffectClrLst/>
+  </dgm:styleLbl>
+  <dgm:styleLbl name="alignAccFollowNode1">
+    <dgm:fillClrLst meth="repeat">
+      <a:schemeClr val="accent1">
+        <a:alpha val="90000"/>
+        <a:tint val="40000"/>
+      </a:schemeClr>
+    </dgm:fillClrLst>
+    <dgm:linClrLst meth="repeat">
+      <a:schemeClr val="accent1">
+        <a:alpha val="90000"/>
+        <a:tint val="40000"/>
+      </a:schemeClr>
+    </dgm:linClrLst>
+    <dgm:effectClrLst/>
+    <dgm:txLinClrLst/>
+    <dgm:txFillClrLst meth="repeat">
+      <a:schemeClr val="dk1"/>
+    </dgm:txFillClrLst>
+    <dgm:txEffectClrLst/>
+  </dgm:styleLbl>
+  <dgm:styleLbl name="bgAccFollowNode1">
+    <dgm:fillClrLst meth="repeat">
+      <a:schemeClr val="accent1">
+        <a:alpha val="90000"/>
+        <a:tint val="40000"/>
+      </a:schemeClr>
+    </dgm:fillClrLst>
+    <dgm:linClrLst meth="repeat">
+      <a:schemeClr val="accent1">
+        <a:alpha val="90000"/>
+        <a:tint val="40000"/>
+      </a:schemeClr>
+    </dgm:linClrLst>
+    <dgm:effectClrLst/>
+    <dgm:txLinClrLst/>
+    <dgm:txFillClrLst meth="repeat">
+      <a:schemeClr val="dk1"/>
+    </dgm:txFillClrLst>
+    <dgm:txEffectClrLst/>
+  </dgm:styleLbl>
+  <dgm:styleLbl name="fgAcc0">
+    <dgm:fillClrLst meth="repeat">
+      <a:schemeClr val="lt1">
+        <a:alpha val="90000"/>
+      </a:schemeClr>
+    </dgm:fillClrLst>
+    <dgm:linClrLst meth="repeat">
+      <a:schemeClr val="accent1"/>
+    </dgm:linClrLst>
+    <dgm:effectClrLst/>
+    <dgm:txLinClrLst/>
+    <dgm:txFillClrLst meth="repeat">
+      <a:schemeClr val="dk1"/>
+    </dgm:txFillClrLst>
+    <dgm:txEffectClrLst/>
+  </dgm:styleLbl>
+  <dgm:styleLbl name="fgAcc2">
+    <dgm:fillClrLst meth="repeat">
+      <a:schemeClr val="lt1">
+        <a:alpha val="90000"/>
+      </a:schemeClr>
+    </dgm:fillClrLst>
+    <dgm:linClrLst meth="repeat">
+      <a:schemeClr val="accent1"/>
+    </dgm:linClrLst>
+    <dgm:effectClrLst/>
+    <dgm:txLinClrLst/>
+    <dgm:txFillClrLst meth="repeat">
+      <a:schemeClr val="dk1"/>
+    </dgm:txFillClrLst>
+    <dgm:txEffectClrLst/>
+  </dgm:styleLbl>
+  <dgm:styleLbl name="fgAcc3">
+    <dgm:fillClrLst meth="repeat">
+      <a:schemeClr val="lt1">
+        <a:alpha val="90000"/>
+      </a:schemeClr>
+    </dgm:fillClrLst>
+    <dgm:linClrLst meth="repeat">
+      <a:schemeClr val="accent1"/>
+    </dgm:linClrLst>
+    <dgm:effectClrLst/>
+    <dgm:txLinClrLst/>
+    <dgm:txFillClrLst meth="repeat">
+      <a:schemeClr val="dk1"/>
+    </dgm:txFillClrLst>
+    <dgm:txEffectClrLst/>
+  </dgm:styleLbl>
+  <dgm:styleLbl name="fgAcc4">
+    <dgm:fillClrLst meth="repeat">
+      <a:schemeClr val="lt1">
+        <a:alpha val="90000"/>
+      </a:schemeClr>
+    </dgm:fillClrLst>
+    <dgm:linClrLst meth="repeat">
+      <a:schemeClr val="accent1"/>
+    </dgm:linClrLst>
+    <dgm:effectClrLst/>
+    <dgm:txLinClrLst/>
+    <dgm:txFillClrLst meth="repeat">
+      <a:schemeClr val="dk1"/>
+    </dgm:txFillClrLst>
+    <dgm:txEffectClrLst/>
+  </dgm:styleLbl>
+  <dgm:styleLbl name="bgShp">
+    <dgm:fillClrLst meth="repeat">
+      <a:schemeClr val="accent1">
+        <a:tint val="40000"/>
+      </a:schemeClr>
+    </dgm:fillClrLst>
+    <dgm:linClrLst meth="repeat">
+      <a:schemeClr val="accent1"/>
+    </dgm:linClrLst>
+    <dgm:effectClrLst/>
+    <dgm:txLinClrLst/>
+    <dgm:txFillClrLst meth="repeat">
+      <a:schemeClr val="dk1"/>
+    </dgm:txFillClrLst>
+    <dgm:txEffectClrLst/>
+  </dgm:styleLbl>
+  <dgm:styleLbl name="dkBgShp">
+    <dgm:fillClrLst meth="repeat">
+      <a:schemeClr val="accent1">
+        <a:shade val="80000"/>
+      </a:schemeClr>
+    </dgm:fillClrLst>
+    <dgm:linClrLst meth="repeat">
+      <a:schemeClr val="accent1"/>
+    </dgm:linClrLst>
+    <dgm:effectClrLst/>
+    <dgm:txLinClrLst/>
+    <dgm:txFillClrLst meth="repeat">
+      <a:schemeClr val="lt1"/>
+    </dgm:txFillClrLst>
+    <dgm:txEffectClrLst/>
+  </dgm:styleLbl>
+  <dgm:styleLbl name="trBgShp">
+    <dgm:fillClrLst meth="repeat">
+      <a:schemeClr val="accent1">
+        <a:tint val="50000"/>
+        <a:alpha val="40000"/>
+      </a:schemeClr>
+    </dgm:fillClrLst>
+    <dgm:linClrLst meth="repeat">
+      <a:schemeClr val="accent1"/>
+    </dgm:linClrLst>
+    <dgm:effectClrLst/>
+    <dgm:txLinClrLst/>
+    <dgm:txFillClrLst meth="repeat">
+      <a:schemeClr val="lt1"/>
+    </dgm:txFillClrLst>
+    <dgm:txEffectClrLst/>
+  </dgm:styleLbl>
+  <dgm:styleLbl name="fgShp">
+    <dgm:fillClrLst meth="repeat">
+      <a:schemeClr val="accent1">
+        <a:tint val="60000"/>
+      </a:schemeClr>
+    </dgm:fillClrLst>
+    <dgm:linClrLst meth="repeat">
+      <a:schemeClr val="lt1"/>
+    </dgm:linClrLst>
+    <dgm:effectClrLst/>
+    <dgm:txLinClrLst/>
+    <dgm:txFillClrLst meth="repeat">
+      <a:schemeClr val="dk1"/>
+    </dgm:txFillClrLst>
+    <dgm:txEffectClrLst/>
+  </dgm:styleLbl>
+  <dgm:styleLbl name="revTx">
+    <dgm:fillClrLst meth="repeat">
+      <a:schemeClr val="lt1">
+        <a:alpha val="0"/>
+      </a:schemeClr>
+    </dgm:fillClrLst>
+    <dgm:linClrLst meth="repeat">
+      <a:schemeClr val="dk1">
+        <a:alpha val="0"/>
+      </a:schemeClr>
+    </dgm:linClrLst>
+    <dgm:effectClrLst/>
+    <dgm:txLinClrLst/>
+    <dgm:txFillClrLst meth="repeat">
+      <a:schemeClr val="tx1"/>
+    </dgm:txFillClrLst>
+    <dgm:txEffectClrLst/>
+  </dgm:styleLbl>
+</dgm:colorsDef>
+</file>
+
+<file path=ppt/diagrams/colors3.xml><?xml version="1.0" encoding="utf-8"?>
 <dgm:colorsDef xmlns:dgm="http://schemas.openxmlformats.org/drawingml/2006/diagram" xmlns:a="http://schemas.openxmlformats.org/drawingml/2006/main" uniqueId="urn:microsoft.com/office/officeart/2005/8/colors/colorful2">
   <dgm:title val=""/>
   <dgm:desc val=""/>
@@ -1322,754 +2816,7 @@
 </dgm:colorsDef>
 </file>
 
-<file path=ppt/diagrams/colors2.xml><?xml version="1.0" encoding="utf-8"?>
-<dgm:colorsDef xmlns:dgm="http://schemas.openxmlformats.org/drawingml/2006/diagram" xmlns:a="http://schemas.openxmlformats.org/drawingml/2006/main" uniqueId="urn:microsoft.com/office/officeart/2005/8/colors/accent1_2">
-  <dgm:title val=""/>
-  <dgm:desc val=""/>
-  <dgm:catLst>
-    <dgm:cat type="accent1" pri="11200"/>
-  </dgm:catLst>
-  <dgm:styleLbl name="node0">
-    <dgm:fillClrLst meth="repeat">
-      <a:schemeClr val="accent1"/>
-    </dgm:fillClrLst>
-    <dgm:linClrLst meth="repeat">
-      <a:schemeClr val="lt1"/>
-    </dgm:linClrLst>
-    <dgm:effectClrLst/>
-    <dgm:txLinClrLst/>
-    <dgm:txFillClrLst/>
-    <dgm:txEffectClrLst/>
-  </dgm:styleLbl>
-  <dgm:styleLbl name="alignNode1">
-    <dgm:fillClrLst meth="repeat">
-      <a:schemeClr val="accent1"/>
-    </dgm:fillClrLst>
-    <dgm:linClrLst meth="repeat">
-      <a:schemeClr val="accent1"/>
-    </dgm:linClrLst>
-    <dgm:effectClrLst/>
-    <dgm:txLinClrLst/>
-    <dgm:txFillClrLst/>
-    <dgm:txEffectClrLst/>
-  </dgm:styleLbl>
-  <dgm:styleLbl name="node1">
-    <dgm:fillClrLst meth="repeat">
-      <a:schemeClr val="accent1"/>
-    </dgm:fillClrLst>
-    <dgm:linClrLst meth="repeat">
-      <a:schemeClr val="lt1"/>
-    </dgm:linClrLst>
-    <dgm:effectClrLst/>
-    <dgm:txLinClrLst/>
-    <dgm:txFillClrLst/>
-    <dgm:txEffectClrLst/>
-  </dgm:styleLbl>
-  <dgm:styleLbl name="lnNode1">
-    <dgm:fillClrLst meth="repeat">
-      <a:schemeClr val="accent1"/>
-    </dgm:fillClrLst>
-    <dgm:linClrLst meth="repeat">
-      <a:schemeClr val="lt1"/>
-    </dgm:linClrLst>
-    <dgm:effectClrLst/>
-    <dgm:txLinClrLst/>
-    <dgm:txFillClrLst/>
-    <dgm:txEffectClrLst/>
-  </dgm:styleLbl>
-  <dgm:styleLbl name="vennNode1">
-    <dgm:fillClrLst meth="repeat">
-      <a:schemeClr val="accent1">
-        <a:alpha val="50000"/>
-      </a:schemeClr>
-    </dgm:fillClrLst>
-    <dgm:linClrLst meth="repeat">
-      <a:schemeClr val="lt1"/>
-    </dgm:linClrLst>
-    <dgm:effectClrLst/>
-    <dgm:txLinClrLst/>
-    <dgm:txFillClrLst/>
-    <dgm:txEffectClrLst/>
-  </dgm:styleLbl>
-  <dgm:styleLbl name="node2">
-    <dgm:fillClrLst meth="repeat">
-      <a:schemeClr val="accent1"/>
-    </dgm:fillClrLst>
-    <dgm:linClrLst meth="repeat">
-      <a:schemeClr val="lt1"/>
-    </dgm:linClrLst>
-    <dgm:effectClrLst/>
-    <dgm:txLinClrLst/>
-    <dgm:txFillClrLst/>
-    <dgm:txEffectClrLst/>
-  </dgm:styleLbl>
-  <dgm:styleLbl name="node3">
-    <dgm:fillClrLst meth="repeat">
-      <a:schemeClr val="accent1"/>
-    </dgm:fillClrLst>
-    <dgm:linClrLst meth="repeat">
-      <a:schemeClr val="lt1"/>
-    </dgm:linClrLst>
-    <dgm:effectClrLst/>
-    <dgm:txLinClrLst/>
-    <dgm:txFillClrLst/>
-    <dgm:txEffectClrLst/>
-  </dgm:styleLbl>
-  <dgm:styleLbl name="node4">
-    <dgm:fillClrLst meth="repeat">
-      <a:schemeClr val="accent1"/>
-    </dgm:fillClrLst>
-    <dgm:linClrLst meth="repeat">
-      <a:schemeClr val="lt1"/>
-    </dgm:linClrLst>
-    <dgm:effectClrLst/>
-    <dgm:txLinClrLst/>
-    <dgm:txFillClrLst/>
-    <dgm:txEffectClrLst/>
-  </dgm:styleLbl>
-  <dgm:styleLbl name="fgImgPlace1">
-    <dgm:fillClrLst meth="repeat">
-      <a:schemeClr val="accent1">
-        <a:tint val="50000"/>
-      </a:schemeClr>
-    </dgm:fillClrLst>
-    <dgm:linClrLst meth="repeat">
-      <a:schemeClr val="lt1"/>
-    </dgm:linClrLst>
-    <dgm:effectClrLst/>
-    <dgm:txLinClrLst/>
-    <dgm:txFillClrLst meth="repeat">
-      <a:schemeClr val="lt1"/>
-    </dgm:txFillClrLst>
-    <dgm:txEffectClrLst/>
-  </dgm:styleLbl>
-  <dgm:styleLbl name="alignImgPlace1">
-    <dgm:fillClrLst meth="repeat">
-      <a:schemeClr val="accent1">
-        <a:tint val="50000"/>
-      </a:schemeClr>
-    </dgm:fillClrLst>
-    <dgm:linClrLst meth="repeat">
-      <a:schemeClr val="lt1"/>
-    </dgm:linClrLst>
-    <dgm:effectClrLst/>
-    <dgm:txLinClrLst/>
-    <dgm:txFillClrLst meth="repeat">
-      <a:schemeClr val="lt1"/>
-    </dgm:txFillClrLst>
-    <dgm:txEffectClrLst/>
-  </dgm:styleLbl>
-  <dgm:styleLbl name="bgImgPlace1">
-    <dgm:fillClrLst meth="repeat">
-      <a:schemeClr val="accent1">
-        <a:tint val="50000"/>
-      </a:schemeClr>
-    </dgm:fillClrLst>
-    <dgm:linClrLst meth="repeat">
-      <a:schemeClr val="lt1"/>
-    </dgm:linClrLst>
-    <dgm:effectClrLst/>
-    <dgm:txLinClrLst/>
-    <dgm:txFillClrLst meth="repeat">
-      <a:schemeClr val="lt1"/>
-    </dgm:txFillClrLst>
-    <dgm:txEffectClrLst/>
-  </dgm:styleLbl>
-  <dgm:styleLbl name="sibTrans2D1">
-    <dgm:fillClrLst meth="repeat">
-      <a:schemeClr val="accent1">
-        <a:tint val="60000"/>
-      </a:schemeClr>
-    </dgm:fillClrLst>
-    <dgm:linClrLst meth="repeat">
-      <a:schemeClr val="accent1">
-        <a:tint val="60000"/>
-      </a:schemeClr>
-    </dgm:linClrLst>
-    <dgm:effectClrLst/>
-    <dgm:txLinClrLst/>
-    <dgm:txFillClrLst/>
-    <dgm:txEffectClrLst/>
-  </dgm:styleLbl>
-  <dgm:styleLbl name="fgSibTrans2D1">
-    <dgm:fillClrLst meth="repeat">
-      <a:schemeClr val="accent1">
-        <a:tint val="60000"/>
-      </a:schemeClr>
-    </dgm:fillClrLst>
-    <dgm:linClrLst meth="repeat">
-      <a:schemeClr val="accent1">
-        <a:tint val="60000"/>
-      </a:schemeClr>
-    </dgm:linClrLst>
-    <dgm:effectClrLst/>
-    <dgm:txLinClrLst/>
-    <dgm:txFillClrLst/>
-    <dgm:txEffectClrLst/>
-  </dgm:styleLbl>
-  <dgm:styleLbl name="bgSibTrans2D1">
-    <dgm:fillClrLst meth="repeat">
-      <a:schemeClr val="accent1">
-        <a:tint val="60000"/>
-      </a:schemeClr>
-    </dgm:fillClrLst>
-    <dgm:linClrLst meth="repeat">
-      <a:schemeClr val="accent1">
-        <a:tint val="60000"/>
-      </a:schemeClr>
-    </dgm:linClrLst>
-    <dgm:effectClrLst/>
-    <dgm:txLinClrLst/>
-    <dgm:txFillClrLst/>
-    <dgm:txEffectClrLst/>
-  </dgm:styleLbl>
-  <dgm:styleLbl name="sibTrans1D1">
-    <dgm:fillClrLst meth="repeat">
-      <a:schemeClr val="accent1"/>
-    </dgm:fillClrLst>
-    <dgm:linClrLst meth="repeat">
-      <a:schemeClr val="accent1"/>
-    </dgm:linClrLst>
-    <dgm:effectClrLst/>
-    <dgm:txLinClrLst/>
-    <dgm:txFillClrLst meth="repeat">
-      <a:schemeClr val="tx1"/>
-    </dgm:txFillClrLst>
-    <dgm:txEffectClrLst/>
-  </dgm:styleLbl>
-  <dgm:styleLbl name="callout">
-    <dgm:fillClrLst meth="repeat">
-      <a:schemeClr val="accent1"/>
-    </dgm:fillClrLst>
-    <dgm:linClrLst meth="repeat">
-      <a:schemeClr val="accent1">
-        <a:tint val="50000"/>
-      </a:schemeClr>
-    </dgm:linClrLst>
-    <dgm:effectClrLst/>
-    <dgm:txLinClrLst/>
-    <dgm:txFillClrLst meth="repeat">
-      <a:schemeClr val="tx1"/>
-    </dgm:txFillClrLst>
-    <dgm:txEffectClrLst/>
-  </dgm:styleLbl>
-  <dgm:styleLbl name="asst0">
-    <dgm:fillClrLst meth="repeat">
-      <a:schemeClr val="accent1"/>
-    </dgm:fillClrLst>
-    <dgm:linClrLst meth="repeat">
-      <a:schemeClr val="lt1"/>
-    </dgm:linClrLst>
-    <dgm:effectClrLst/>
-    <dgm:txLinClrLst/>
-    <dgm:txFillClrLst/>
-    <dgm:txEffectClrLst/>
-  </dgm:styleLbl>
-  <dgm:styleLbl name="asst1">
-    <dgm:fillClrLst meth="repeat">
-      <a:schemeClr val="accent1"/>
-    </dgm:fillClrLst>
-    <dgm:linClrLst meth="repeat">
-      <a:schemeClr val="lt1"/>
-    </dgm:linClrLst>
-    <dgm:effectClrLst/>
-    <dgm:txLinClrLst/>
-    <dgm:txFillClrLst/>
-    <dgm:txEffectClrLst/>
-  </dgm:styleLbl>
-  <dgm:styleLbl name="asst2">
-    <dgm:fillClrLst meth="repeat">
-      <a:schemeClr val="accent1"/>
-    </dgm:fillClrLst>
-    <dgm:linClrLst meth="repeat">
-      <a:schemeClr val="lt1"/>
-    </dgm:linClrLst>
-    <dgm:effectClrLst/>
-    <dgm:txLinClrLst/>
-    <dgm:txFillClrLst/>
-    <dgm:txEffectClrLst/>
-  </dgm:styleLbl>
-  <dgm:styleLbl name="asst3">
-    <dgm:fillClrLst meth="repeat">
-      <a:schemeClr val="accent1"/>
-    </dgm:fillClrLst>
-    <dgm:linClrLst meth="repeat">
-      <a:schemeClr val="lt1"/>
-    </dgm:linClrLst>
-    <dgm:effectClrLst/>
-    <dgm:txLinClrLst/>
-    <dgm:txFillClrLst/>
-    <dgm:txEffectClrLst/>
-  </dgm:styleLbl>
-  <dgm:styleLbl name="asst4">
-    <dgm:fillClrLst meth="repeat">
-      <a:schemeClr val="accent1"/>
-    </dgm:fillClrLst>
-    <dgm:linClrLst meth="repeat">
-      <a:schemeClr val="lt1"/>
-    </dgm:linClrLst>
-    <dgm:effectClrLst/>
-    <dgm:txLinClrLst/>
-    <dgm:txFillClrLst/>
-    <dgm:txEffectClrLst/>
-  </dgm:styleLbl>
-  <dgm:styleLbl name="parChTrans2D1">
-    <dgm:fillClrLst meth="repeat">
-      <a:schemeClr val="accent1">
-        <a:tint val="60000"/>
-      </a:schemeClr>
-    </dgm:fillClrLst>
-    <dgm:linClrLst meth="repeat">
-      <a:schemeClr val="accent1">
-        <a:tint val="60000"/>
-      </a:schemeClr>
-    </dgm:linClrLst>
-    <dgm:effectClrLst/>
-    <dgm:txLinClrLst/>
-    <dgm:txFillClrLst meth="repeat">
-      <a:schemeClr val="lt1"/>
-    </dgm:txFillClrLst>
-    <dgm:txEffectClrLst/>
-  </dgm:styleLbl>
-  <dgm:styleLbl name="parChTrans2D2">
-    <dgm:fillClrLst meth="repeat">
-      <a:schemeClr val="accent1"/>
-    </dgm:fillClrLst>
-    <dgm:linClrLst meth="repeat">
-      <a:schemeClr val="accent1"/>
-    </dgm:linClrLst>
-    <dgm:effectClrLst/>
-    <dgm:txLinClrLst/>
-    <dgm:txFillClrLst meth="repeat">
-      <a:schemeClr val="lt1"/>
-    </dgm:txFillClrLst>
-    <dgm:txEffectClrLst/>
-  </dgm:styleLbl>
-  <dgm:styleLbl name="parChTrans2D3">
-    <dgm:fillClrLst meth="repeat">
-      <a:schemeClr val="accent1"/>
-    </dgm:fillClrLst>
-    <dgm:linClrLst meth="repeat">
-      <a:schemeClr val="accent1"/>
-    </dgm:linClrLst>
-    <dgm:effectClrLst/>
-    <dgm:txLinClrLst/>
-    <dgm:txFillClrLst meth="repeat">
-      <a:schemeClr val="lt1"/>
-    </dgm:txFillClrLst>
-    <dgm:txEffectClrLst/>
-  </dgm:styleLbl>
-  <dgm:styleLbl name="parChTrans2D4">
-    <dgm:fillClrLst meth="repeat">
-      <a:schemeClr val="accent1"/>
-    </dgm:fillClrLst>
-    <dgm:linClrLst meth="repeat">
-      <a:schemeClr val="accent1"/>
-    </dgm:linClrLst>
-    <dgm:effectClrLst/>
-    <dgm:txLinClrLst/>
-    <dgm:txFillClrLst meth="repeat">
-      <a:schemeClr val="lt1"/>
-    </dgm:txFillClrLst>
-    <dgm:txEffectClrLst/>
-  </dgm:styleLbl>
-  <dgm:styleLbl name="parChTrans1D1">
-    <dgm:fillClrLst meth="repeat">
-      <a:schemeClr val="accent1"/>
-    </dgm:fillClrLst>
-    <dgm:linClrLst meth="repeat">
-      <a:schemeClr val="accent1">
-        <a:shade val="60000"/>
-      </a:schemeClr>
-    </dgm:linClrLst>
-    <dgm:effectClrLst/>
-    <dgm:txLinClrLst/>
-    <dgm:txFillClrLst meth="repeat">
-      <a:schemeClr val="tx1"/>
-    </dgm:txFillClrLst>
-    <dgm:txEffectClrLst/>
-  </dgm:styleLbl>
-  <dgm:styleLbl name="parChTrans1D2">
-    <dgm:fillClrLst meth="repeat">
-      <a:schemeClr val="accent1"/>
-    </dgm:fillClrLst>
-    <dgm:linClrLst meth="repeat">
-      <a:schemeClr val="accent1">
-        <a:shade val="60000"/>
-      </a:schemeClr>
-    </dgm:linClrLst>
-    <dgm:effectClrLst/>
-    <dgm:txLinClrLst/>
-    <dgm:txFillClrLst meth="repeat">
-      <a:schemeClr val="tx1"/>
-    </dgm:txFillClrLst>
-    <dgm:txEffectClrLst/>
-  </dgm:styleLbl>
-  <dgm:styleLbl name="parChTrans1D3">
-    <dgm:fillClrLst meth="repeat">
-      <a:schemeClr val="accent1"/>
-    </dgm:fillClrLst>
-    <dgm:linClrLst meth="repeat">
-      <a:schemeClr val="accent1">
-        <a:shade val="80000"/>
-      </a:schemeClr>
-    </dgm:linClrLst>
-    <dgm:effectClrLst/>
-    <dgm:txLinClrLst/>
-    <dgm:txFillClrLst meth="repeat">
-      <a:schemeClr val="tx1"/>
-    </dgm:txFillClrLst>
-    <dgm:txEffectClrLst/>
-  </dgm:styleLbl>
-  <dgm:styleLbl name="parChTrans1D4">
-    <dgm:fillClrLst meth="repeat">
-      <a:schemeClr val="accent1"/>
-    </dgm:fillClrLst>
-    <dgm:linClrLst meth="repeat">
-      <a:schemeClr val="accent1">
-        <a:shade val="80000"/>
-      </a:schemeClr>
-    </dgm:linClrLst>
-    <dgm:effectClrLst/>
-    <dgm:txLinClrLst/>
-    <dgm:txFillClrLst meth="repeat">
-      <a:schemeClr val="tx1"/>
-    </dgm:txFillClrLst>
-    <dgm:txEffectClrLst/>
-  </dgm:styleLbl>
-  <dgm:styleLbl name="fgAcc1">
-    <dgm:fillClrLst meth="repeat">
-      <a:schemeClr val="lt1">
-        <a:alpha val="90000"/>
-      </a:schemeClr>
-    </dgm:fillClrLst>
-    <dgm:linClrLst meth="repeat">
-      <a:schemeClr val="accent1"/>
-    </dgm:linClrLst>
-    <dgm:effectClrLst/>
-    <dgm:txLinClrLst/>
-    <dgm:txFillClrLst meth="repeat">
-      <a:schemeClr val="dk1"/>
-    </dgm:txFillClrLst>
-    <dgm:txEffectClrLst/>
-  </dgm:styleLbl>
-  <dgm:styleLbl name="conFgAcc1">
-    <dgm:fillClrLst meth="repeat">
-      <a:schemeClr val="lt1">
-        <a:alpha val="90000"/>
-      </a:schemeClr>
-    </dgm:fillClrLst>
-    <dgm:linClrLst meth="repeat">
-      <a:schemeClr val="accent1"/>
-    </dgm:linClrLst>
-    <dgm:effectClrLst/>
-    <dgm:txLinClrLst/>
-    <dgm:txFillClrLst meth="repeat">
-      <a:schemeClr val="dk1"/>
-    </dgm:txFillClrLst>
-    <dgm:txEffectClrLst/>
-  </dgm:styleLbl>
-  <dgm:styleLbl name="alignAcc1">
-    <dgm:fillClrLst meth="repeat">
-      <a:schemeClr val="lt1">
-        <a:alpha val="90000"/>
-      </a:schemeClr>
-    </dgm:fillClrLst>
-    <dgm:linClrLst meth="repeat">
-      <a:schemeClr val="accent1"/>
-    </dgm:linClrLst>
-    <dgm:effectClrLst/>
-    <dgm:txLinClrLst/>
-    <dgm:txFillClrLst meth="repeat">
-      <a:schemeClr val="dk1"/>
-    </dgm:txFillClrLst>
-    <dgm:txEffectClrLst/>
-  </dgm:styleLbl>
-  <dgm:styleLbl name="trAlignAcc1">
-    <dgm:fillClrLst meth="repeat">
-      <a:schemeClr val="lt1">
-        <a:alpha val="40000"/>
-      </a:schemeClr>
-    </dgm:fillClrLst>
-    <dgm:linClrLst meth="repeat">
-      <a:schemeClr val="accent1"/>
-    </dgm:linClrLst>
-    <dgm:effectClrLst/>
-    <dgm:txLinClrLst/>
-    <dgm:txFillClrLst meth="repeat">
-      <a:schemeClr val="dk1"/>
-    </dgm:txFillClrLst>
-    <dgm:txEffectClrLst/>
-  </dgm:styleLbl>
-  <dgm:styleLbl name="bgAcc1">
-    <dgm:fillClrLst meth="repeat">
-      <a:schemeClr val="lt1">
-        <a:alpha val="90000"/>
-      </a:schemeClr>
-    </dgm:fillClrLst>
-    <dgm:linClrLst meth="repeat">
-      <a:schemeClr val="accent1"/>
-    </dgm:linClrLst>
-    <dgm:effectClrLst/>
-    <dgm:txLinClrLst/>
-    <dgm:txFillClrLst meth="repeat">
-      <a:schemeClr val="dk1"/>
-    </dgm:txFillClrLst>
-    <dgm:txEffectClrLst/>
-  </dgm:styleLbl>
-  <dgm:styleLbl name="solidFgAcc1">
-    <dgm:fillClrLst meth="repeat">
-      <a:schemeClr val="lt1"/>
-    </dgm:fillClrLst>
-    <dgm:linClrLst meth="repeat">
-      <a:schemeClr val="accent1"/>
-    </dgm:linClrLst>
-    <dgm:effectClrLst/>
-    <dgm:txLinClrLst/>
-    <dgm:txFillClrLst meth="repeat">
-      <a:schemeClr val="dk1"/>
-    </dgm:txFillClrLst>
-    <dgm:txEffectClrLst/>
-  </dgm:styleLbl>
-  <dgm:styleLbl name="solidAlignAcc1">
-    <dgm:fillClrLst meth="repeat">
-      <a:schemeClr val="lt1"/>
-    </dgm:fillClrLst>
-    <dgm:linClrLst meth="repeat">
-      <a:schemeClr val="accent1"/>
-    </dgm:linClrLst>
-    <dgm:effectClrLst/>
-    <dgm:txLinClrLst/>
-    <dgm:txFillClrLst meth="repeat">
-      <a:schemeClr val="dk1"/>
-    </dgm:txFillClrLst>
-    <dgm:txEffectClrLst/>
-  </dgm:styleLbl>
-  <dgm:styleLbl name="solidBgAcc1">
-    <dgm:fillClrLst meth="repeat">
-      <a:schemeClr val="lt1"/>
-    </dgm:fillClrLst>
-    <dgm:linClrLst meth="repeat">
-      <a:schemeClr val="accent1"/>
-    </dgm:linClrLst>
-    <dgm:effectClrLst/>
-    <dgm:txLinClrLst/>
-    <dgm:txFillClrLst meth="repeat">
-      <a:schemeClr val="dk1"/>
-    </dgm:txFillClrLst>
-    <dgm:txEffectClrLst/>
-  </dgm:styleLbl>
-  <dgm:styleLbl name="fgAccFollowNode1">
-    <dgm:fillClrLst meth="repeat">
-      <a:schemeClr val="accent1">
-        <a:alpha val="90000"/>
-        <a:tint val="40000"/>
-      </a:schemeClr>
-    </dgm:fillClrLst>
-    <dgm:linClrLst meth="repeat">
-      <a:schemeClr val="accent1">
-        <a:alpha val="90000"/>
-        <a:tint val="40000"/>
-      </a:schemeClr>
-    </dgm:linClrLst>
-    <dgm:effectClrLst/>
-    <dgm:txLinClrLst/>
-    <dgm:txFillClrLst meth="repeat">
-      <a:schemeClr val="dk1"/>
-    </dgm:txFillClrLst>
-    <dgm:txEffectClrLst/>
-  </dgm:styleLbl>
-  <dgm:styleLbl name="alignAccFollowNode1">
-    <dgm:fillClrLst meth="repeat">
-      <a:schemeClr val="accent1">
-        <a:alpha val="90000"/>
-        <a:tint val="40000"/>
-      </a:schemeClr>
-    </dgm:fillClrLst>
-    <dgm:linClrLst meth="repeat">
-      <a:schemeClr val="accent1">
-        <a:alpha val="90000"/>
-        <a:tint val="40000"/>
-      </a:schemeClr>
-    </dgm:linClrLst>
-    <dgm:effectClrLst/>
-    <dgm:txLinClrLst/>
-    <dgm:txFillClrLst meth="repeat">
-      <a:schemeClr val="dk1"/>
-    </dgm:txFillClrLst>
-    <dgm:txEffectClrLst/>
-  </dgm:styleLbl>
-  <dgm:styleLbl name="bgAccFollowNode1">
-    <dgm:fillClrLst meth="repeat">
-      <a:schemeClr val="accent1">
-        <a:alpha val="90000"/>
-        <a:tint val="40000"/>
-      </a:schemeClr>
-    </dgm:fillClrLst>
-    <dgm:linClrLst meth="repeat">
-      <a:schemeClr val="accent1">
-        <a:alpha val="90000"/>
-        <a:tint val="40000"/>
-      </a:schemeClr>
-    </dgm:linClrLst>
-    <dgm:effectClrLst/>
-    <dgm:txLinClrLst/>
-    <dgm:txFillClrLst meth="repeat">
-      <a:schemeClr val="dk1"/>
-    </dgm:txFillClrLst>
-    <dgm:txEffectClrLst/>
-  </dgm:styleLbl>
-  <dgm:styleLbl name="fgAcc0">
-    <dgm:fillClrLst meth="repeat">
-      <a:schemeClr val="lt1">
-        <a:alpha val="90000"/>
-      </a:schemeClr>
-    </dgm:fillClrLst>
-    <dgm:linClrLst meth="repeat">
-      <a:schemeClr val="accent1"/>
-    </dgm:linClrLst>
-    <dgm:effectClrLst/>
-    <dgm:txLinClrLst/>
-    <dgm:txFillClrLst meth="repeat">
-      <a:schemeClr val="dk1"/>
-    </dgm:txFillClrLst>
-    <dgm:txEffectClrLst/>
-  </dgm:styleLbl>
-  <dgm:styleLbl name="fgAcc2">
-    <dgm:fillClrLst meth="repeat">
-      <a:schemeClr val="lt1">
-        <a:alpha val="90000"/>
-      </a:schemeClr>
-    </dgm:fillClrLst>
-    <dgm:linClrLst meth="repeat">
-      <a:schemeClr val="accent1"/>
-    </dgm:linClrLst>
-    <dgm:effectClrLst/>
-    <dgm:txLinClrLst/>
-    <dgm:txFillClrLst meth="repeat">
-      <a:schemeClr val="dk1"/>
-    </dgm:txFillClrLst>
-    <dgm:txEffectClrLst/>
-  </dgm:styleLbl>
-  <dgm:styleLbl name="fgAcc3">
-    <dgm:fillClrLst meth="repeat">
-      <a:schemeClr val="lt1">
-        <a:alpha val="90000"/>
-      </a:schemeClr>
-    </dgm:fillClrLst>
-    <dgm:linClrLst meth="repeat">
-      <a:schemeClr val="accent1"/>
-    </dgm:linClrLst>
-    <dgm:effectClrLst/>
-    <dgm:txLinClrLst/>
-    <dgm:txFillClrLst meth="repeat">
-      <a:schemeClr val="dk1"/>
-    </dgm:txFillClrLst>
-    <dgm:txEffectClrLst/>
-  </dgm:styleLbl>
-  <dgm:styleLbl name="fgAcc4">
-    <dgm:fillClrLst meth="repeat">
-      <a:schemeClr val="lt1">
-        <a:alpha val="90000"/>
-      </a:schemeClr>
-    </dgm:fillClrLst>
-    <dgm:linClrLst meth="repeat">
-      <a:schemeClr val="accent1"/>
-    </dgm:linClrLst>
-    <dgm:effectClrLst/>
-    <dgm:txLinClrLst/>
-    <dgm:txFillClrLst meth="repeat">
-      <a:schemeClr val="dk1"/>
-    </dgm:txFillClrLst>
-    <dgm:txEffectClrLst/>
-  </dgm:styleLbl>
-  <dgm:styleLbl name="bgShp">
-    <dgm:fillClrLst meth="repeat">
-      <a:schemeClr val="accent1">
-        <a:tint val="40000"/>
-      </a:schemeClr>
-    </dgm:fillClrLst>
-    <dgm:linClrLst meth="repeat">
-      <a:schemeClr val="accent1"/>
-    </dgm:linClrLst>
-    <dgm:effectClrLst/>
-    <dgm:txLinClrLst/>
-    <dgm:txFillClrLst meth="repeat">
-      <a:schemeClr val="dk1"/>
-    </dgm:txFillClrLst>
-    <dgm:txEffectClrLst/>
-  </dgm:styleLbl>
-  <dgm:styleLbl name="dkBgShp">
-    <dgm:fillClrLst meth="repeat">
-      <a:schemeClr val="accent1">
-        <a:shade val="80000"/>
-      </a:schemeClr>
-    </dgm:fillClrLst>
-    <dgm:linClrLst meth="repeat">
-      <a:schemeClr val="accent1"/>
-    </dgm:linClrLst>
-    <dgm:effectClrLst/>
-    <dgm:txLinClrLst/>
-    <dgm:txFillClrLst meth="repeat">
-      <a:schemeClr val="lt1"/>
-    </dgm:txFillClrLst>
-    <dgm:txEffectClrLst/>
-  </dgm:styleLbl>
-  <dgm:styleLbl name="trBgShp">
-    <dgm:fillClrLst meth="repeat">
-      <a:schemeClr val="accent1">
-        <a:tint val="50000"/>
-        <a:alpha val="40000"/>
-      </a:schemeClr>
-    </dgm:fillClrLst>
-    <dgm:linClrLst meth="repeat">
-      <a:schemeClr val="accent1"/>
-    </dgm:linClrLst>
-    <dgm:effectClrLst/>
-    <dgm:txLinClrLst/>
-    <dgm:txFillClrLst meth="repeat">
-      <a:schemeClr val="lt1"/>
-    </dgm:txFillClrLst>
-    <dgm:txEffectClrLst/>
-  </dgm:styleLbl>
-  <dgm:styleLbl name="fgShp">
-    <dgm:fillClrLst meth="repeat">
-      <a:schemeClr val="accent1">
-        <a:tint val="60000"/>
-      </a:schemeClr>
-    </dgm:fillClrLst>
-    <dgm:linClrLst meth="repeat">
-      <a:schemeClr val="lt1"/>
-    </dgm:linClrLst>
-    <dgm:effectClrLst/>
-    <dgm:txLinClrLst/>
-    <dgm:txFillClrLst meth="repeat">
-      <a:schemeClr val="dk1"/>
-    </dgm:txFillClrLst>
-    <dgm:txEffectClrLst/>
-  </dgm:styleLbl>
-  <dgm:styleLbl name="revTx">
-    <dgm:fillClrLst meth="repeat">
-      <a:schemeClr val="lt1">
-        <a:alpha val="0"/>
-      </a:schemeClr>
-    </dgm:fillClrLst>
-    <dgm:linClrLst meth="repeat">
-      <a:schemeClr val="dk1">
-        <a:alpha val="0"/>
-      </a:schemeClr>
-    </dgm:linClrLst>
-    <dgm:effectClrLst/>
-    <dgm:txLinClrLst/>
-    <dgm:txFillClrLst meth="repeat">
-      <a:schemeClr val="tx1"/>
-    </dgm:txFillClrLst>
-    <dgm:txEffectClrLst/>
-  </dgm:styleLbl>
-</dgm:colorsDef>
-</file>
-
-<file path=ppt/diagrams/colors3.xml><?xml version="1.0" encoding="utf-8"?>
+<file path=ppt/diagrams/colors4.xml><?xml version="1.0" encoding="utf-8"?>
 <dgm:colorsDef xmlns:dgm="http://schemas.openxmlformats.org/drawingml/2006/diagram" xmlns:a="http://schemas.openxmlformats.org/drawingml/2006/main" uniqueId="urn:microsoft.com/office/officeart/2005/8/colors/colorful2">
   <dgm:title val=""/>
   <dgm:desc val=""/>
@@ -2851,793 +3598,11 @@
 </dgm:colorsDef>
 </file>
 
-<file path=ppt/diagrams/colors4.xml><?xml version="1.0" encoding="utf-8"?>
-<dgm:colorsDef xmlns:dgm="http://schemas.openxmlformats.org/drawingml/2006/diagram" xmlns:a="http://schemas.openxmlformats.org/drawingml/2006/main" uniqueId="urn:microsoft.com/office/officeart/2005/8/colors/colorful2">
-  <dgm:title val=""/>
-  <dgm:desc val=""/>
-  <dgm:catLst>
-    <dgm:cat type="colorful" pri="10200"/>
-  </dgm:catLst>
-  <dgm:styleLbl name="node0">
-    <dgm:fillClrLst meth="repeat">
-      <a:schemeClr val="accent1"/>
-    </dgm:fillClrLst>
-    <dgm:linClrLst meth="repeat">
-      <a:schemeClr val="lt1"/>
-    </dgm:linClrLst>
-    <dgm:effectClrLst/>
-    <dgm:txLinClrLst/>
-    <dgm:txFillClrLst/>
-    <dgm:txEffectClrLst/>
-  </dgm:styleLbl>
-  <dgm:styleLbl name="node1">
-    <dgm:fillClrLst>
-      <a:schemeClr val="accent2"/>
-      <a:schemeClr val="accent3"/>
-    </dgm:fillClrLst>
-    <dgm:linClrLst meth="repeat">
-      <a:schemeClr val="lt1"/>
-    </dgm:linClrLst>
-    <dgm:effectClrLst/>
-    <dgm:txLinClrLst/>
-    <dgm:txFillClrLst/>
-    <dgm:txEffectClrLst/>
-  </dgm:styleLbl>
-  <dgm:styleLbl name="alignNode1">
-    <dgm:fillClrLst>
-      <a:schemeClr val="accent2"/>
-      <a:schemeClr val="accent3"/>
-    </dgm:fillClrLst>
-    <dgm:linClrLst>
-      <a:schemeClr val="accent2"/>
-      <a:schemeClr val="accent3"/>
-    </dgm:linClrLst>
-    <dgm:effectClrLst/>
-    <dgm:txLinClrLst/>
-    <dgm:txFillClrLst/>
-    <dgm:txEffectClrLst/>
-  </dgm:styleLbl>
-  <dgm:styleLbl name="lnNode1">
-    <dgm:fillClrLst>
-      <a:schemeClr val="accent2"/>
-      <a:schemeClr val="accent3"/>
-    </dgm:fillClrLst>
-    <dgm:linClrLst meth="repeat">
-      <a:schemeClr val="lt1"/>
-    </dgm:linClrLst>
-    <dgm:effectClrLst/>
-    <dgm:txLinClrLst/>
-    <dgm:txFillClrLst/>
-    <dgm:txEffectClrLst/>
-  </dgm:styleLbl>
-  <dgm:styleLbl name="vennNode1">
-    <dgm:fillClrLst>
-      <a:schemeClr val="accent2">
-        <a:alpha val="50000"/>
-      </a:schemeClr>
-      <a:schemeClr val="accent3">
-        <a:alpha val="50000"/>
-      </a:schemeClr>
-    </dgm:fillClrLst>
-    <dgm:linClrLst meth="repeat">
-      <a:schemeClr val="lt1"/>
-    </dgm:linClrLst>
-    <dgm:effectClrLst/>
-    <dgm:txLinClrLst/>
-    <dgm:txFillClrLst/>
-    <dgm:txEffectClrLst/>
-  </dgm:styleLbl>
-  <dgm:styleLbl name="node2">
-    <dgm:fillClrLst>
-      <a:schemeClr val="accent3"/>
-    </dgm:fillClrLst>
-    <dgm:linClrLst meth="repeat">
-      <a:schemeClr val="lt1"/>
-    </dgm:linClrLst>
-    <dgm:effectClrLst/>
-    <dgm:txLinClrLst/>
-    <dgm:txFillClrLst/>
-    <dgm:txEffectClrLst/>
-  </dgm:styleLbl>
-  <dgm:styleLbl name="node3">
-    <dgm:fillClrLst>
-      <a:schemeClr val="accent4"/>
-    </dgm:fillClrLst>
-    <dgm:linClrLst meth="repeat">
-      <a:schemeClr val="lt1"/>
-    </dgm:linClrLst>
-    <dgm:effectClrLst/>
-    <dgm:txLinClrLst/>
-    <dgm:txFillClrLst/>
-    <dgm:txEffectClrLst/>
-  </dgm:styleLbl>
-  <dgm:styleLbl name="node4">
-    <dgm:fillClrLst>
-      <a:schemeClr val="accent5"/>
-    </dgm:fillClrLst>
-    <dgm:linClrLst meth="repeat">
-      <a:schemeClr val="lt1"/>
-    </dgm:linClrLst>
-    <dgm:effectClrLst/>
-    <dgm:txLinClrLst/>
-    <dgm:txFillClrLst/>
-    <dgm:txEffectClrLst/>
-  </dgm:styleLbl>
-  <dgm:styleLbl name="fgImgPlace1">
-    <dgm:fillClrLst>
-      <a:schemeClr val="accent2">
-        <a:tint val="50000"/>
-      </a:schemeClr>
-      <a:schemeClr val="accent3">
-        <a:tint val="50000"/>
-      </a:schemeClr>
-    </dgm:fillClrLst>
-    <dgm:linClrLst meth="repeat">
-      <a:schemeClr val="lt1"/>
-    </dgm:linClrLst>
-    <dgm:effectClrLst/>
-    <dgm:txLinClrLst/>
-    <dgm:txFillClrLst meth="repeat">
-      <a:schemeClr val="lt1"/>
-    </dgm:txFillClrLst>
-    <dgm:txEffectClrLst/>
-  </dgm:styleLbl>
-  <dgm:styleLbl name="alignImgPlace1">
-    <dgm:fillClrLst>
-      <a:schemeClr val="accent2">
-        <a:tint val="50000"/>
-      </a:schemeClr>
-      <a:schemeClr val="accent3">
-        <a:tint val="20000"/>
-      </a:schemeClr>
-    </dgm:fillClrLst>
-    <dgm:linClrLst meth="repeat">
-      <a:schemeClr val="lt1"/>
-    </dgm:linClrLst>
-    <dgm:effectClrLst/>
-    <dgm:txLinClrLst/>
-    <dgm:txFillClrLst meth="repeat">
-      <a:schemeClr val="lt1"/>
-    </dgm:txFillClrLst>
-    <dgm:txEffectClrLst/>
-  </dgm:styleLbl>
-  <dgm:styleLbl name="bgImgPlace1">
-    <dgm:fillClrLst>
-      <a:schemeClr val="accent2">
-        <a:tint val="50000"/>
-      </a:schemeClr>
-      <a:schemeClr val="accent3">
-        <a:tint val="20000"/>
-      </a:schemeClr>
-    </dgm:fillClrLst>
-    <dgm:linClrLst meth="repeat">
-      <a:schemeClr val="lt1"/>
-    </dgm:linClrLst>
-    <dgm:effectClrLst/>
-    <dgm:txLinClrLst/>
-    <dgm:txFillClrLst meth="repeat">
-      <a:schemeClr val="lt1"/>
-    </dgm:txFillClrLst>
-    <dgm:txEffectClrLst/>
-  </dgm:styleLbl>
-  <dgm:styleLbl name="sibTrans2D1">
-    <dgm:fillClrLst>
-      <a:schemeClr val="accent2"/>
-      <a:schemeClr val="accent3"/>
-    </dgm:fillClrLst>
-    <dgm:linClrLst meth="repeat">
-      <a:schemeClr val="lt1"/>
-    </dgm:linClrLst>
-    <dgm:effectClrLst/>
-    <dgm:txLinClrLst/>
-    <dgm:txFillClrLst/>
-    <dgm:txEffectClrLst/>
-  </dgm:styleLbl>
-  <dgm:styleLbl name="fgSibTrans2D1">
-    <dgm:fillClrLst>
-      <a:schemeClr val="accent2"/>
-      <a:schemeClr val="accent3"/>
-    </dgm:fillClrLst>
-    <dgm:linClrLst meth="repeat">
-      <a:schemeClr val="lt1"/>
-    </dgm:linClrLst>
-    <dgm:effectClrLst/>
-    <dgm:txLinClrLst/>
-    <dgm:txFillClrLst meth="repeat">
-      <a:schemeClr val="lt1"/>
-    </dgm:txFillClrLst>
-    <dgm:txEffectClrLst/>
-  </dgm:styleLbl>
-  <dgm:styleLbl name="bgSibTrans2D1">
-    <dgm:fillClrLst>
-      <a:schemeClr val="accent2"/>
-      <a:schemeClr val="accent3"/>
-    </dgm:fillClrLst>
-    <dgm:linClrLst meth="repeat">
-      <a:schemeClr val="lt1"/>
-    </dgm:linClrLst>
-    <dgm:effectClrLst/>
-    <dgm:txLinClrLst/>
-    <dgm:txFillClrLst meth="repeat">
-      <a:schemeClr val="lt1"/>
-    </dgm:txFillClrLst>
-    <dgm:txEffectClrLst/>
-  </dgm:styleLbl>
-  <dgm:styleLbl name="sibTrans1D1">
-    <dgm:fillClrLst/>
-    <dgm:linClrLst>
-      <a:schemeClr val="accent2"/>
-      <a:schemeClr val="accent3"/>
-    </dgm:linClrLst>
-    <dgm:effectClrLst/>
-    <dgm:txLinClrLst/>
-    <dgm:txFillClrLst meth="repeat">
-      <a:schemeClr val="tx1"/>
-    </dgm:txFillClrLst>
-    <dgm:txEffectClrLst/>
-  </dgm:styleLbl>
-  <dgm:styleLbl name="callout">
-    <dgm:fillClrLst meth="repeat">
-      <a:schemeClr val="accent2"/>
-    </dgm:fillClrLst>
-    <dgm:linClrLst meth="repeat">
-      <a:schemeClr val="accent2">
-        <a:tint val="50000"/>
-      </a:schemeClr>
-    </dgm:linClrLst>
-    <dgm:effectClrLst/>
-    <dgm:txLinClrLst/>
-    <dgm:txFillClrLst meth="repeat">
-      <a:schemeClr val="tx1"/>
-    </dgm:txFillClrLst>
-    <dgm:txEffectClrLst/>
-  </dgm:styleLbl>
-  <dgm:styleLbl name="asst0">
-    <dgm:fillClrLst meth="repeat">
-      <a:schemeClr val="accent2"/>
-    </dgm:fillClrLst>
-    <dgm:linClrLst meth="repeat">
-      <a:schemeClr val="lt1">
-        <a:shade val="80000"/>
-      </a:schemeClr>
-    </dgm:linClrLst>
-    <dgm:effectClrLst/>
-    <dgm:txLinClrLst/>
-    <dgm:txFillClrLst/>
-    <dgm:txEffectClrLst/>
-  </dgm:styleLbl>
-  <dgm:styleLbl name="asst1">
-    <dgm:fillClrLst meth="repeat">
-      <a:schemeClr val="accent3"/>
-    </dgm:fillClrLst>
-    <dgm:linClrLst meth="repeat">
-      <a:schemeClr val="lt1">
-        <a:shade val="80000"/>
-      </a:schemeClr>
-    </dgm:linClrLst>
-    <dgm:effectClrLst/>
-    <dgm:txLinClrLst/>
-    <dgm:txFillClrLst/>
-    <dgm:txEffectClrLst/>
-  </dgm:styleLbl>
-  <dgm:styleLbl name="asst2">
-    <dgm:fillClrLst>
-      <a:schemeClr val="accent4"/>
-    </dgm:fillClrLst>
-    <dgm:linClrLst meth="repeat">
-      <a:schemeClr val="lt1"/>
-    </dgm:linClrLst>
-    <dgm:effectClrLst/>
-    <dgm:txLinClrLst/>
-    <dgm:txFillClrLst/>
-    <dgm:txEffectClrLst/>
-  </dgm:styleLbl>
-  <dgm:styleLbl name="asst3">
-    <dgm:fillClrLst>
-      <a:schemeClr val="accent5"/>
-    </dgm:fillClrLst>
-    <dgm:linClrLst meth="repeat">
-      <a:schemeClr val="lt1"/>
-    </dgm:linClrLst>
-    <dgm:effectClrLst/>
-    <dgm:txLinClrLst/>
-    <dgm:txFillClrLst/>
-    <dgm:txEffectClrLst/>
-  </dgm:styleLbl>
-  <dgm:styleLbl name="asst4">
-    <dgm:fillClrLst>
-      <a:schemeClr val="accent6"/>
-    </dgm:fillClrLst>
-    <dgm:linClrLst meth="repeat">
-      <a:schemeClr val="lt1"/>
-    </dgm:linClrLst>
-    <dgm:effectClrLst/>
-    <dgm:txLinClrLst/>
-    <dgm:txFillClrLst/>
-    <dgm:txEffectClrLst/>
-  </dgm:styleLbl>
-  <dgm:styleLbl name="parChTrans2D1">
-    <dgm:fillClrLst meth="repeat">
-      <a:schemeClr val="accent2"/>
-    </dgm:fillClrLst>
-    <dgm:linClrLst meth="repeat">
-      <a:schemeClr val="lt1"/>
-    </dgm:linClrLst>
-    <dgm:effectClrLst/>
-    <dgm:txLinClrLst/>
-    <dgm:txFillClrLst meth="repeat">
-      <a:schemeClr val="lt1"/>
-    </dgm:txFillClrLst>
-    <dgm:txEffectClrLst/>
-  </dgm:styleLbl>
-  <dgm:styleLbl name="parChTrans2D2">
-    <dgm:fillClrLst meth="repeat">
-      <a:schemeClr val="accent3"/>
-    </dgm:fillClrLst>
-    <dgm:linClrLst meth="repeat">
-      <a:schemeClr val="lt1"/>
-    </dgm:linClrLst>
-    <dgm:effectClrLst/>
-    <dgm:txLinClrLst/>
-    <dgm:txFillClrLst/>
-    <dgm:txEffectClrLst/>
-  </dgm:styleLbl>
-  <dgm:styleLbl name="parChTrans2D3">
-    <dgm:fillClrLst meth="repeat">
-      <a:schemeClr val="accent4"/>
-    </dgm:fillClrLst>
-    <dgm:linClrLst meth="repeat">
-      <a:schemeClr val="lt1"/>
-    </dgm:linClrLst>
-    <dgm:effectClrLst/>
-    <dgm:txLinClrLst/>
-    <dgm:txFillClrLst/>
-    <dgm:txEffectClrLst/>
-  </dgm:styleLbl>
-  <dgm:styleLbl name="parChTrans2D4">
-    <dgm:fillClrLst meth="repeat">
-      <a:schemeClr val="accent5"/>
-    </dgm:fillClrLst>
-    <dgm:linClrLst meth="repeat">
-      <a:schemeClr val="lt1"/>
-    </dgm:linClrLst>
-    <dgm:effectClrLst/>
-    <dgm:txLinClrLst/>
-    <dgm:txFillClrLst meth="repeat">
-      <a:schemeClr val="lt1"/>
-    </dgm:txFillClrLst>
-    <dgm:txEffectClrLst/>
-  </dgm:styleLbl>
-  <dgm:styleLbl name="parChTrans1D1">
-    <dgm:fillClrLst meth="repeat">
-      <a:schemeClr val="accent2"/>
-    </dgm:fillClrLst>
-    <dgm:linClrLst meth="repeat">
-      <a:schemeClr val="accent2"/>
-    </dgm:linClrLst>
-    <dgm:effectClrLst/>
-    <dgm:txLinClrLst/>
-    <dgm:txFillClrLst meth="repeat">
-      <a:schemeClr val="tx1"/>
-    </dgm:txFillClrLst>
-    <dgm:txEffectClrLst/>
-  </dgm:styleLbl>
-  <dgm:styleLbl name="parChTrans1D2">
-    <dgm:fillClrLst meth="repeat">
-      <a:schemeClr val="accent2">
-        <a:tint val="90000"/>
-      </a:schemeClr>
-    </dgm:fillClrLst>
-    <dgm:linClrLst meth="repeat">
-      <a:schemeClr val="accent3"/>
-    </dgm:linClrLst>
-    <dgm:effectClrLst/>
-    <dgm:txLinClrLst/>
-    <dgm:txFillClrLst meth="repeat">
-      <a:schemeClr val="tx1"/>
-    </dgm:txFillClrLst>
-    <dgm:txEffectClrLst/>
-  </dgm:styleLbl>
-  <dgm:styleLbl name="parChTrans1D3">
-    <dgm:fillClrLst meth="repeat">
-      <a:schemeClr val="accent2">
-        <a:tint val="70000"/>
-      </a:schemeClr>
-    </dgm:fillClrLst>
-    <dgm:linClrLst meth="repeat">
-      <a:schemeClr val="accent4"/>
-    </dgm:linClrLst>
-    <dgm:effectClrLst/>
-    <dgm:txLinClrLst/>
-    <dgm:txFillClrLst meth="repeat">
-      <a:schemeClr val="tx1"/>
-    </dgm:txFillClrLst>
-    <dgm:txEffectClrLst/>
-  </dgm:styleLbl>
-  <dgm:styleLbl name="parChTrans1D4">
-    <dgm:fillClrLst meth="repeat">
-      <a:schemeClr val="accent2">
-        <a:tint val="50000"/>
-      </a:schemeClr>
-    </dgm:fillClrLst>
-    <dgm:linClrLst meth="repeat">
-      <a:schemeClr val="accent5"/>
-    </dgm:linClrLst>
-    <dgm:effectClrLst/>
-    <dgm:txLinClrLst/>
-    <dgm:txFillClrLst meth="repeat">
-      <a:schemeClr val="tx1"/>
-    </dgm:txFillClrLst>
-    <dgm:txEffectClrLst/>
-  </dgm:styleLbl>
-  <dgm:styleLbl name="fgAcc1">
-    <dgm:fillClrLst meth="repeat">
-      <a:schemeClr val="lt1">
-        <a:alpha val="90000"/>
-      </a:schemeClr>
-    </dgm:fillClrLst>
-    <dgm:linClrLst>
-      <a:schemeClr val="accent2"/>
-      <a:schemeClr val="accent3"/>
-    </dgm:linClrLst>
-    <dgm:effectClrLst/>
-    <dgm:txLinClrLst/>
-    <dgm:txFillClrLst meth="repeat">
-      <a:schemeClr val="dk1"/>
-    </dgm:txFillClrLst>
-    <dgm:txEffectClrLst/>
-  </dgm:styleLbl>
-  <dgm:styleLbl name="conFgAcc1">
-    <dgm:fillClrLst meth="repeat">
-      <a:schemeClr val="lt1">
-        <a:alpha val="90000"/>
-      </a:schemeClr>
-    </dgm:fillClrLst>
-    <dgm:linClrLst>
-      <a:schemeClr val="accent2"/>
-      <a:schemeClr val="accent3"/>
-    </dgm:linClrLst>
-    <dgm:effectClrLst/>
-    <dgm:txLinClrLst/>
-    <dgm:txFillClrLst meth="repeat">
-      <a:schemeClr val="dk1"/>
-    </dgm:txFillClrLst>
-    <dgm:txEffectClrLst/>
-  </dgm:styleLbl>
-  <dgm:styleLbl name="alignAcc1">
-    <dgm:fillClrLst meth="repeat">
-      <a:schemeClr val="lt1">
-        <a:alpha val="90000"/>
-      </a:schemeClr>
-    </dgm:fillClrLst>
-    <dgm:linClrLst>
-      <a:schemeClr val="accent2"/>
-      <a:schemeClr val="accent3"/>
-    </dgm:linClrLst>
-    <dgm:effectClrLst/>
-    <dgm:txLinClrLst/>
-    <dgm:txFillClrLst meth="repeat">
-      <a:schemeClr val="dk1"/>
-    </dgm:txFillClrLst>
-    <dgm:txEffectClrLst/>
-  </dgm:styleLbl>
-  <dgm:styleLbl name="trAlignAcc1">
-    <dgm:fillClrLst meth="repeat">
-      <a:schemeClr val="lt1">
-        <a:alpha val="40000"/>
-      </a:schemeClr>
-    </dgm:fillClrLst>
-    <dgm:linClrLst meth="repeat">
-      <a:schemeClr val="accent2"/>
-    </dgm:linClrLst>
-    <dgm:effectClrLst/>
-    <dgm:txLinClrLst/>
-    <dgm:txFillClrLst meth="repeat">
-      <a:schemeClr val="dk1"/>
-    </dgm:txFillClrLst>
-    <dgm:txEffectClrLst/>
-  </dgm:styleLbl>
-  <dgm:styleLbl name="bgAcc1">
-    <dgm:fillClrLst meth="repeat">
-      <a:schemeClr val="lt1">
-        <a:alpha val="90000"/>
-      </a:schemeClr>
-    </dgm:fillClrLst>
-    <dgm:linClrLst>
-      <a:schemeClr val="accent2"/>
-      <a:schemeClr val="accent3"/>
-    </dgm:linClrLst>
-    <dgm:effectClrLst/>
-    <dgm:txLinClrLst/>
-    <dgm:txFillClrLst meth="repeat">
-      <a:schemeClr val="dk1"/>
-    </dgm:txFillClrLst>
-    <dgm:txEffectClrLst/>
-  </dgm:styleLbl>
-  <dgm:styleLbl name="solidFgAcc1">
-    <dgm:fillClrLst meth="repeat">
-      <a:schemeClr val="lt1"/>
-    </dgm:fillClrLst>
-    <dgm:linClrLst>
-      <a:schemeClr val="accent2"/>
-      <a:schemeClr val="accent3"/>
-    </dgm:linClrLst>
-    <dgm:effectClrLst/>
-    <dgm:txLinClrLst/>
-    <dgm:txFillClrLst meth="repeat">
-      <a:schemeClr val="dk1"/>
-    </dgm:txFillClrLst>
-    <dgm:txEffectClrLst/>
-  </dgm:styleLbl>
-  <dgm:styleLbl name="solidAlignAcc1">
-    <dgm:fillClrLst meth="repeat">
-      <a:schemeClr val="lt1"/>
-    </dgm:fillClrLst>
-    <dgm:linClrLst>
-      <a:schemeClr val="accent2"/>
-      <a:schemeClr val="accent3"/>
-    </dgm:linClrLst>
-    <dgm:effectClrLst/>
-    <dgm:txLinClrLst/>
-    <dgm:txFillClrLst meth="repeat">
-      <a:schemeClr val="dk1"/>
-    </dgm:txFillClrLst>
-    <dgm:txEffectClrLst/>
-  </dgm:styleLbl>
-  <dgm:styleLbl name="solidBgAcc1">
-    <dgm:fillClrLst meth="repeat">
-      <a:schemeClr val="lt1"/>
-    </dgm:fillClrLst>
-    <dgm:linClrLst>
-      <a:schemeClr val="accent2"/>
-      <a:schemeClr val="accent3"/>
-    </dgm:linClrLst>
-    <dgm:effectClrLst/>
-    <dgm:txLinClrLst/>
-    <dgm:txFillClrLst meth="repeat">
-      <a:schemeClr val="dk1"/>
-    </dgm:txFillClrLst>
-    <dgm:txEffectClrLst/>
-  </dgm:styleLbl>
-  <dgm:styleLbl name="fgAccFollowNode1">
-    <dgm:fillClrLst>
-      <a:schemeClr val="accent2">
-        <a:tint val="40000"/>
-        <a:alpha val="90000"/>
-      </a:schemeClr>
-      <a:schemeClr val="accent3">
-        <a:tint val="40000"/>
-        <a:alpha val="90000"/>
-      </a:schemeClr>
-    </dgm:fillClrLst>
-    <dgm:linClrLst>
-      <a:schemeClr val="accent2">
-        <a:tint val="40000"/>
-        <a:alpha val="90000"/>
-      </a:schemeClr>
-      <a:schemeClr val="accent3">
-        <a:tint val="40000"/>
-        <a:alpha val="90000"/>
-      </a:schemeClr>
-    </dgm:linClrLst>
-    <dgm:effectClrLst/>
-    <dgm:txLinClrLst/>
-    <dgm:txFillClrLst meth="repeat">
-      <a:schemeClr val="dk1"/>
-    </dgm:txFillClrLst>
-    <dgm:txEffectClrLst/>
-  </dgm:styleLbl>
-  <dgm:styleLbl name="alignAccFollowNode1">
-    <dgm:fillClrLst>
-      <a:schemeClr val="accent2">
-        <a:tint val="40000"/>
-        <a:alpha val="90000"/>
-      </a:schemeClr>
-      <a:schemeClr val="accent3">
-        <a:tint val="40000"/>
-        <a:alpha val="90000"/>
-      </a:schemeClr>
-    </dgm:fillClrLst>
-    <dgm:linClrLst>
-      <a:schemeClr val="accent2">
-        <a:tint val="40000"/>
-        <a:alpha val="90000"/>
-      </a:schemeClr>
-      <a:schemeClr val="accent3">
-        <a:tint val="40000"/>
-        <a:alpha val="90000"/>
-      </a:schemeClr>
-    </dgm:linClrLst>
-    <dgm:effectClrLst/>
-    <dgm:txLinClrLst/>
-    <dgm:txFillClrLst meth="repeat">
-      <a:schemeClr val="dk1"/>
-    </dgm:txFillClrLst>
-    <dgm:txEffectClrLst/>
-  </dgm:styleLbl>
-  <dgm:styleLbl name="bgAccFollowNode1">
-    <dgm:fillClrLst>
-      <a:schemeClr val="accent2">
-        <a:tint val="40000"/>
-        <a:alpha val="90000"/>
-      </a:schemeClr>
-      <a:schemeClr val="accent3">
-        <a:tint val="40000"/>
-        <a:alpha val="90000"/>
-      </a:schemeClr>
-    </dgm:fillClrLst>
-    <dgm:linClrLst>
-      <a:schemeClr val="accent2">
-        <a:tint val="40000"/>
-        <a:alpha val="90000"/>
-      </a:schemeClr>
-      <a:schemeClr val="accent3">
-        <a:tint val="40000"/>
-        <a:alpha val="90000"/>
-      </a:schemeClr>
-    </dgm:linClrLst>
-    <dgm:effectClrLst/>
-    <dgm:txLinClrLst/>
-    <dgm:txFillClrLst meth="repeat">
-      <a:schemeClr val="dk1"/>
-    </dgm:txFillClrLst>
-    <dgm:txEffectClrLst/>
-  </dgm:styleLbl>
-  <dgm:styleLbl name="fgAcc0">
-    <dgm:fillClrLst meth="repeat">
-      <a:schemeClr val="lt1">
-        <a:alpha val="90000"/>
-      </a:schemeClr>
-    </dgm:fillClrLst>
-    <dgm:linClrLst>
-      <a:schemeClr val="accent1"/>
-    </dgm:linClrLst>
-    <dgm:effectClrLst/>
-    <dgm:txLinClrLst/>
-    <dgm:txFillClrLst meth="repeat">
-      <a:schemeClr val="dk1"/>
-    </dgm:txFillClrLst>
-    <dgm:txEffectClrLst/>
-  </dgm:styleLbl>
-  <dgm:styleLbl name="fgAcc2">
-    <dgm:fillClrLst meth="repeat">
-      <a:schemeClr val="lt1">
-        <a:alpha val="90000"/>
-      </a:schemeClr>
-    </dgm:fillClrLst>
-    <dgm:linClrLst>
-      <a:schemeClr val="accent3"/>
-    </dgm:linClrLst>
-    <dgm:effectClrLst/>
-    <dgm:txLinClrLst/>
-    <dgm:txFillClrLst meth="repeat">
-      <a:schemeClr val="dk1"/>
-    </dgm:txFillClrLst>
-    <dgm:txEffectClrLst/>
-  </dgm:styleLbl>
-  <dgm:styleLbl name="fgAcc3">
-    <dgm:fillClrLst meth="repeat">
-      <a:schemeClr val="lt1">
-        <a:alpha val="90000"/>
-      </a:schemeClr>
-    </dgm:fillClrLst>
-    <dgm:linClrLst>
-      <a:schemeClr val="accent4"/>
-    </dgm:linClrLst>
-    <dgm:effectClrLst/>
-    <dgm:txLinClrLst/>
-    <dgm:txFillClrLst meth="repeat">
-      <a:schemeClr val="dk1"/>
-    </dgm:txFillClrLst>
-    <dgm:txEffectClrLst/>
-  </dgm:styleLbl>
-  <dgm:styleLbl name="fgAcc4">
-    <dgm:fillClrLst meth="repeat">
-      <a:schemeClr val="lt1">
-        <a:alpha val="90000"/>
-      </a:schemeClr>
-    </dgm:fillClrLst>
-    <dgm:linClrLst>
-      <a:schemeClr val="accent5"/>
-    </dgm:linClrLst>
-    <dgm:effectClrLst/>
-    <dgm:txLinClrLst/>
-    <dgm:txFillClrLst meth="repeat">
-      <a:schemeClr val="dk1"/>
-    </dgm:txFillClrLst>
-    <dgm:txEffectClrLst/>
-  </dgm:styleLbl>
-  <dgm:styleLbl name="bgShp">
-    <dgm:fillClrLst meth="repeat">
-      <a:schemeClr val="accent2">
-        <a:tint val="40000"/>
-      </a:schemeClr>
-    </dgm:fillClrLst>
-    <dgm:linClrLst meth="repeat">
-      <a:schemeClr val="dk1"/>
-    </dgm:linClrLst>
-    <dgm:effectClrLst/>
-    <dgm:txLinClrLst/>
-    <dgm:txFillClrLst meth="repeat">
-      <a:schemeClr val="dk1"/>
-    </dgm:txFillClrLst>
-    <dgm:txEffectClrLst/>
-  </dgm:styleLbl>
-  <dgm:styleLbl name="dkBgShp">
-    <dgm:fillClrLst meth="repeat">
-      <a:schemeClr val="accent2">
-        <a:shade val="90000"/>
-      </a:schemeClr>
-    </dgm:fillClrLst>
-    <dgm:linClrLst meth="repeat">
-      <a:schemeClr val="dk1"/>
-    </dgm:linClrLst>
-    <dgm:effectClrLst/>
-    <dgm:txLinClrLst/>
-    <dgm:txFillClrLst meth="repeat">
-      <a:schemeClr val="lt1"/>
-    </dgm:txFillClrLst>
-    <dgm:txEffectClrLst/>
-  </dgm:styleLbl>
-  <dgm:styleLbl name="trBgShp">
-    <dgm:fillClrLst meth="repeat">
-      <a:schemeClr val="accent2">
-        <a:tint val="50000"/>
-        <a:alpha val="40000"/>
-      </a:schemeClr>
-    </dgm:fillClrLst>
-    <dgm:linClrLst meth="repeat">
-      <a:schemeClr val="accent2"/>
-    </dgm:linClrLst>
-    <dgm:effectClrLst/>
-    <dgm:txLinClrLst/>
-    <dgm:txFillClrLst meth="repeat">
-      <a:schemeClr val="lt1"/>
-    </dgm:txFillClrLst>
-    <dgm:txEffectClrLst/>
-  </dgm:styleLbl>
-  <dgm:styleLbl name="fgShp">
-    <dgm:fillClrLst meth="repeat">
-      <a:schemeClr val="accent2">
-        <a:tint val="40000"/>
-      </a:schemeClr>
-    </dgm:fillClrLst>
-    <dgm:linClrLst meth="repeat">
-      <a:schemeClr val="lt1"/>
-    </dgm:linClrLst>
-    <dgm:effectClrLst/>
-    <dgm:txLinClrLst/>
-    <dgm:txFillClrLst meth="repeat">
-      <a:schemeClr val="dk1"/>
-    </dgm:txFillClrLst>
-    <dgm:txEffectClrLst/>
-  </dgm:styleLbl>
-  <dgm:styleLbl name="revTx">
-    <dgm:fillClrLst meth="repeat">
-      <a:schemeClr val="lt1">
-        <a:alpha val="0"/>
-      </a:schemeClr>
-    </dgm:fillClrLst>
-    <dgm:linClrLst meth="repeat">
-      <a:schemeClr val="dk1">
-        <a:alpha val="0"/>
-      </a:schemeClr>
-    </dgm:linClrLst>
-    <dgm:effectClrLst/>
-    <dgm:txLinClrLst/>
-    <dgm:txFillClrLst meth="repeat">
-      <a:schemeClr val="tx1"/>
-    </dgm:txFillClrLst>
-    <dgm:txEffectClrLst/>
-  </dgm:styleLbl>
-</dgm:colorsDef>
-</file>
-
 <file path=ppt/diagrams/data1.xml><?xml version="1.0" encoding="utf-8"?>
 <dgm:dataModel xmlns:dgm="http://schemas.openxmlformats.org/drawingml/2006/diagram" xmlns:a="http://schemas.openxmlformats.org/drawingml/2006/main">
   <dgm:ptLst>
     <dgm:pt modelId="{CB19807B-4B55-435F-9841-005622A3E08D}" type="doc">
-      <dgm:prSet loTypeId="urn:microsoft.com/office/officeart/2008/layout/LinedList" loCatId="list" qsTypeId="urn:microsoft.com/office/officeart/2005/8/quickstyle/simple1" qsCatId="simple" csTypeId="urn:microsoft.com/office/officeart/2005/8/colors/colorful2" csCatId="colorful" phldr="1"/>
+      <dgm:prSet loTypeId="urn:microsoft.com/office/officeart/2008/layout/LinedList" loCatId="list" qsTypeId="urn:microsoft.com/office/officeart/2005/8/quickstyle/simple1" qsCatId="simple" csTypeId="urn:microsoft.com/office/officeart/2005/8/colors/accent2_2" csCatId="accent2" phldr="1"/>
       <dgm:spPr/>
       <dgm:t>
         <a:bodyPr/>
@@ -3648,30 +3613,28 @@
       </dgm:t>
     </dgm:pt>
     <dgm:pt modelId="{26036907-969F-41A5-AE61-6D1584C955D4}">
-      <dgm:prSet custT="1"/>
+      <dgm:prSet/>
       <dgm:spPr/>
       <dgm:t>
         <a:bodyPr/>
         <a:lstStyle/>
         <a:p>
-          <a:pPr algn="just"/>
-          <a:r>
-            <a:rPr lang="en-US" sz="1900"/>
+          <a:r>
+            <a:rPr lang="en-US"/>
             <a:t>Technological connection brings a dark side, like </a:t>
           </a:r>
           <a:r>
-            <a:rPr lang="en-US" sz="1900" b="1"/>
+            <a:rPr lang="en-US" b="1"/>
             <a:t>internet overuse and screen addiction</a:t>
           </a:r>
           <a:r>
-            <a:rPr lang="en-US" sz="1900"/>
+            <a:rPr lang="en-US"/>
             <a:t>. </a:t>
           </a:r>
         </a:p>
         <a:p>
-          <a:pPr algn="just"/>
-          <a:r>
-            <a:rPr lang="en-US" sz="1100"/>
+          <a:r>
+            <a:rPr lang="en-US"/>
             <a:t>(KHALILI-MAHANI; SMYRNOVA &amp; KAKINAMI, 2019).</a:t>
           </a:r>
         </a:p>
@@ -3700,77 +3663,31 @@
       </dgm:t>
     </dgm:pt>
     <dgm:pt modelId="{71764BA8-6DDE-41C8-A528-79F73A249322}">
-      <dgm:prSet custT="1"/>
+      <dgm:prSet/>
       <dgm:spPr/>
       <dgm:t>
         <a:bodyPr/>
         <a:lstStyle/>
         <a:p>
-          <a:pPr algn="just"/>
-          <a:r>
-            <a:rPr lang="pt-BR" sz="1900" b="1" err="1"/>
-            <a:t>Fear</a:t>
-          </a:r>
-          <a:r>
-            <a:rPr lang="pt-BR" sz="1900" b="1"/>
-            <a:t> </a:t>
-          </a:r>
-          <a:r>
-            <a:rPr lang="pt-BR" sz="1900" b="1" err="1"/>
-            <a:t>of</a:t>
-          </a:r>
-          <a:r>
-            <a:rPr lang="pt-BR" sz="1900" b="1"/>
-            <a:t> </a:t>
-          </a:r>
-          <a:r>
-            <a:rPr lang="pt-BR" sz="1900" b="1" err="1"/>
-            <a:t>missing</a:t>
-          </a:r>
-          <a:r>
-            <a:rPr lang="pt-BR" sz="1900" b="1"/>
-            <a:t> out</a:t>
-          </a:r>
-          <a:r>
-            <a:rPr lang="pt-BR" sz="1900"/>
-            <a:t>, </a:t>
-          </a:r>
-          <a:r>
-            <a:rPr lang="pt-BR" sz="1900" err="1"/>
-            <a:t>anxiety</a:t>
-          </a:r>
-          <a:r>
-            <a:rPr lang="pt-BR" sz="1900"/>
-            <a:t> </a:t>
-          </a:r>
-          <a:r>
-            <a:rPr lang="pt-BR" sz="1900" err="1"/>
-            <a:t>and</a:t>
-          </a:r>
-          <a:r>
-            <a:rPr lang="pt-BR" sz="1900"/>
-            <a:t> </a:t>
-          </a:r>
-          <a:r>
-            <a:rPr lang="pt-BR" sz="1900" err="1"/>
-            <a:t>depression</a:t>
-          </a:r>
-          <a:r>
-            <a:rPr lang="pt-BR" sz="1900"/>
-            <a:t>.</a:t>
+          <a:r>
+            <a:rPr lang="pt-BR" b="1"/>
+            <a:t>Fear of missing out</a:t>
+          </a:r>
+          <a:r>
+            <a:rPr lang="pt-BR"/>
+            <a:t>, anxiety and depression.</a:t>
           </a:r>
         </a:p>
         <a:p>
-          <a:pPr algn="just"/>
-          <a:r>
-            <a:rPr lang="en-US" sz="1100"/>
+          <a:r>
+            <a:rPr lang="en-US"/>
             <a:t>(ELHAI et al., 2020)</a:t>
           </a:r>
           <a:r>
-            <a:rPr lang="pt-BR" sz="1100"/>
+            <a:rPr lang="pt-BR"/>
             <a:t>  </a:t>
           </a:r>
-          <a:endParaRPr lang="en-US" sz="1100"/>
+          <a:endParaRPr lang="en-US"/>
         </a:p>
       </dgm:t>
     </dgm:pt>
@@ -3797,101 +3714,31 @@
       </dgm:t>
     </dgm:pt>
     <dgm:pt modelId="{0DD8567B-FF44-4301-98B2-B50EBACFC7DA}">
-      <dgm:prSet custT="1"/>
+      <dgm:prSet/>
       <dgm:spPr/>
       <dgm:t>
         <a:bodyPr/>
         <a:lstStyle/>
         <a:p>
-          <a:pPr algn="just"/>
-          <a:r>
-            <a:rPr lang="pt-BR" sz="1900" b="1" kern="1200"/>
-            <a:t>Mobile game </a:t>
-          </a:r>
-          <a:r>
-            <a:rPr lang="pt-BR" sz="1900" b="1" kern="1200" err="1"/>
-            <a:t>addiction</a:t>
-          </a:r>
-          <a:r>
-            <a:rPr lang="pt-BR" sz="1900" kern="1200"/>
-            <a:t> </a:t>
-          </a:r>
-          <a:r>
-            <a:rPr lang="pt-BR" sz="1900" kern="1200" err="1"/>
-            <a:t>relation</a:t>
-          </a:r>
-          <a:r>
-            <a:rPr lang="pt-BR" sz="1900" kern="1200"/>
-            <a:t> </a:t>
-          </a:r>
-          <a:r>
-            <a:rPr lang="pt-BR" sz="1900" kern="1200" err="1"/>
-            <a:t>to</a:t>
-          </a:r>
-          <a:r>
-            <a:rPr lang="pt-BR" sz="1900" kern="1200"/>
-            <a:t> </a:t>
-          </a:r>
-          <a:r>
-            <a:rPr lang="pt-BR" sz="1900" kern="1200" err="1"/>
-            <a:t>depression</a:t>
-          </a:r>
-          <a:r>
-            <a:rPr lang="pt-BR" sz="1900" kern="1200"/>
-            <a:t>, social </a:t>
-          </a:r>
-          <a:r>
-            <a:rPr lang="pt-BR" sz="1900" kern="1200" err="1"/>
-            <a:t>anxiety</a:t>
-          </a:r>
-          <a:r>
-            <a:rPr lang="pt-BR" sz="1900" kern="1200"/>
-            <a:t>, </a:t>
-          </a:r>
-          <a:r>
-            <a:rPr lang="pt-BR" sz="1900" kern="1200" err="1"/>
-            <a:t>and</a:t>
-          </a:r>
-          <a:r>
-            <a:rPr lang="pt-BR" sz="1900" kern="1200"/>
-            <a:t> </a:t>
-          </a:r>
-          <a:r>
-            <a:rPr lang="pt-BR" sz="1900" kern="1200" err="1"/>
-            <a:t>loneliness</a:t>
-          </a:r>
-          <a:r>
-            <a:rPr lang="pt-BR" sz="1900" kern="1200"/>
-            <a:t>.</a:t>
+          <a:r>
+            <a:rPr lang="pt-BR" b="1" kern="1200"/>
+            <a:t>Mobile game addiction</a:t>
+          </a:r>
+          <a:r>
+            <a:rPr lang="pt-BR" kern="1200"/>
+            <a:t> relation to depression, social anxiety, and loneliness.</a:t>
           </a:r>
         </a:p>
         <a:p>
-          <a:pPr algn="l"/>
-          <a:r>
-            <a:rPr lang="pt-BR" sz="1100" kern="1200">
-              <a:solidFill>
-                <a:srgbClr val="000000">
-                  <a:hueOff val="0"/>
-                  <a:satOff val="0"/>
-                  <a:lumOff val="0"/>
-                  <a:alphaOff val="0"/>
-                </a:srgbClr>
-              </a:solidFill>
+          <a:r>
+            <a:rPr lang="pt-BR" kern="1200">
               <a:latin typeface="Neue Haas Grotesk Text Pro"/>
               <a:ea typeface="+mn-ea"/>
               <a:cs typeface="+mn-cs"/>
             </a:rPr>
             <a:t>(WANG &amp; SHENG, 2019)</a:t>
           </a:r>
-          <a:endParaRPr lang="en-US" sz="1100" kern="1200">
-            <a:solidFill>
-              <a:srgbClr val="000000">
-                <a:hueOff val="0"/>
-                <a:satOff val="0"/>
-                <a:lumOff val="0"/>
-                <a:alphaOff val="0"/>
-              </a:srgbClr>
-            </a:solidFill>
+          <a:endParaRPr lang="en-US" kern="1200">
             <a:latin typeface="Neue Haas Grotesk Text Pro"/>
             <a:ea typeface="+mn-ea"/>
             <a:cs typeface="+mn-cs"/>
@@ -3922,38 +3769,36 @@
       </dgm:t>
     </dgm:pt>
     <dgm:pt modelId="{82B6DDEA-87A2-421D-90EE-B20388F30907}">
-      <dgm:prSet custT="1"/>
+      <dgm:prSet/>
       <dgm:spPr/>
       <dgm:t>
         <a:bodyPr/>
         <a:lstStyle/>
         <a:p>
-          <a:pPr algn="just"/>
-          <a:r>
-            <a:rPr lang="en-US" sz="1600"/>
+          <a:r>
+            <a:rPr lang="en-US"/>
             <a:t>Many individuals have become </a:t>
           </a:r>
           <a:r>
-            <a:rPr lang="en-US" sz="1600" b="1"/>
+            <a:rPr lang="en-US" b="1"/>
             <a:t>addicted to using technologies </a:t>
           </a:r>
           <a:r>
-            <a:rPr lang="en-US" sz="1600"/>
+            <a:rPr lang="en-US"/>
             <a:t>and, as a consequence have experience negative mental effects.</a:t>
           </a:r>
           <a:r>
-            <a:rPr lang="pt-BR" sz="1600"/>
+            <a:rPr lang="pt-BR"/>
             <a:t> </a:t>
           </a:r>
         </a:p>
         <a:p>
-          <a:pPr algn="l"/>
-          <a:r>
-            <a:rPr lang="pt-BR" sz="1100"/>
+          <a:r>
+            <a:rPr lang="pt-BR"/>
             <a:t>(</a:t>
           </a:r>
           <a:r>
-            <a:rPr lang="en-US" sz="1100"/>
+            <a:rPr lang="en-US"/>
             <a:t>ZARA &amp; MONTEIRO, 2021)</a:t>
           </a:r>
         </a:p>
@@ -3982,42 +3827,40 @@
       </dgm:t>
     </dgm:pt>
     <dgm:pt modelId="{530CCC12-0865-46F2-A180-C4AEC14C07AD}">
-      <dgm:prSet custT="1"/>
+      <dgm:prSet/>
       <dgm:spPr/>
       <dgm:t>
         <a:bodyPr/>
         <a:lstStyle/>
         <a:p>
-          <a:pPr algn="just"/>
-          <a:r>
-            <a:rPr lang="en-US" sz="1600"/>
+          <a:r>
+            <a:rPr lang="en-US"/>
             <a:t>The home confinement due to the </a:t>
           </a:r>
           <a:r>
-            <a:rPr lang="en-US" sz="1600" b="1"/>
+            <a:rPr lang="en-US" b="1"/>
             <a:t>COVID-19</a:t>
           </a:r>
           <a:r>
-            <a:rPr lang="en-US" sz="1600"/>
+            <a:rPr lang="en-US"/>
             <a:t> pandemic may have </a:t>
           </a:r>
           <a:r>
-            <a:rPr lang="en-US" sz="1600" b="1"/>
+            <a:rPr lang="en-US" b="1"/>
             <a:t>worsened this situation</a:t>
           </a:r>
           <a:r>
-            <a:rPr lang="en-US" sz="1600"/>
+            <a:rPr lang="en-US"/>
             <a:t>.</a:t>
           </a:r>
         </a:p>
         <a:p>
-          <a:pPr algn="just"/>
-          <a:r>
-            <a:rPr lang="pt-BR" sz="1100"/>
+          <a:r>
+            <a:rPr lang="pt-BR"/>
             <a:t>(</a:t>
           </a:r>
           <a:r>
-            <a:rPr lang="en-US" sz="1100"/>
+            <a:rPr lang="en-US"/>
             <a:t>ZARA &amp; MONTEIRO, 2021)</a:t>
           </a:r>
         </a:p>
@@ -4045,7 +3888,7 @@
         </a:p>
       </dgm:t>
     </dgm:pt>
-    <dgm:pt modelId="{6A5A4D20-9E09-F145-9E02-638EC475ED36}" type="pres">
+    <dgm:pt modelId="{D70E4438-08C9-BB48-96C1-59F8C553DA36}" type="pres">
       <dgm:prSet presAssocID="{CB19807B-4B55-435F-9841-005622A3E08D}" presName="vert0" presStyleCnt="0">
         <dgm:presLayoutVars>
           <dgm:dir/>
@@ -4055,119 +3898,119 @@
       </dgm:prSet>
       <dgm:spPr/>
     </dgm:pt>
-    <dgm:pt modelId="{71CBAFD6-3BB8-7E4D-B496-BF5D1D394717}" type="pres">
+    <dgm:pt modelId="{B882C1EF-4A12-2B4C-8208-B6BAAC6B52E4}" type="pres">
       <dgm:prSet presAssocID="{82B6DDEA-87A2-421D-90EE-B20388F30907}" presName="thickLine" presStyleLbl="alignNode1" presStyleIdx="0" presStyleCnt="5"/>
       <dgm:spPr/>
     </dgm:pt>
-    <dgm:pt modelId="{8E54099B-3249-AF42-9247-F449BD97CF1A}" type="pres">
+    <dgm:pt modelId="{E7F2A9B3-6988-C847-8D6A-A9930774B77A}" type="pres">
       <dgm:prSet presAssocID="{82B6DDEA-87A2-421D-90EE-B20388F30907}" presName="horz1" presStyleCnt="0"/>
       <dgm:spPr/>
     </dgm:pt>
-    <dgm:pt modelId="{4DB2AE6D-D44C-044D-9D59-6041976AEE3B}" type="pres">
+    <dgm:pt modelId="{B76DA9E1-7845-8A48-B355-B2DD40570A75}" type="pres">
       <dgm:prSet presAssocID="{82B6DDEA-87A2-421D-90EE-B20388F30907}" presName="tx1" presStyleLbl="revTx" presStyleIdx="0" presStyleCnt="5"/>
       <dgm:spPr/>
     </dgm:pt>
-    <dgm:pt modelId="{12E33040-0B8E-524D-9630-24D59BC8596B}" type="pres">
+    <dgm:pt modelId="{A487D0FA-E831-444B-9FD0-260FCF430C62}" type="pres">
       <dgm:prSet presAssocID="{82B6DDEA-87A2-421D-90EE-B20388F30907}" presName="vert1" presStyleCnt="0"/>
       <dgm:spPr/>
     </dgm:pt>
-    <dgm:pt modelId="{D516BB61-B496-8A48-9B32-D344972B01CC}" type="pres">
+    <dgm:pt modelId="{97876E56-567D-964F-8325-46E2DA1B0A2D}" type="pres">
       <dgm:prSet presAssocID="{26036907-969F-41A5-AE61-6D1584C955D4}" presName="thickLine" presStyleLbl="alignNode1" presStyleIdx="1" presStyleCnt="5"/>
       <dgm:spPr/>
     </dgm:pt>
-    <dgm:pt modelId="{E6D570A0-FCFE-1E4B-9707-2AC8B30AEA89}" type="pres">
+    <dgm:pt modelId="{2A0111FE-69AC-2E42-8D3B-5413481F00EB}" type="pres">
       <dgm:prSet presAssocID="{26036907-969F-41A5-AE61-6D1584C955D4}" presName="horz1" presStyleCnt="0"/>
       <dgm:spPr/>
     </dgm:pt>
-    <dgm:pt modelId="{354902D8-E5D6-0840-B8C2-8B63763392ED}" type="pres">
+    <dgm:pt modelId="{CE31072D-8AEF-1C4C-AC42-026E13444A3E}" type="pres">
       <dgm:prSet presAssocID="{26036907-969F-41A5-AE61-6D1584C955D4}" presName="tx1" presStyleLbl="revTx" presStyleIdx="1" presStyleCnt="5"/>
       <dgm:spPr/>
     </dgm:pt>
-    <dgm:pt modelId="{9DD08456-BF10-FA44-BE65-FCC1BC307F69}" type="pres">
+    <dgm:pt modelId="{FAA88B70-6246-9840-AF2E-D2E97992D693}" type="pres">
       <dgm:prSet presAssocID="{26036907-969F-41A5-AE61-6D1584C955D4}" presName="vert1" presStyleCnt="0"/>
       <dgm:spPr/>
     </dgm:pt>
-    <dgm:pt modelId="{E64D7A62-0317-E344-92F7-2046D3CC77EB}" type="pres">
+    <dgm:pt modelId="{56225334-6ACF-0E40-B976-2E6C87F81957}" type="pres">
       <dgm:prSet presAssocID="{71764BA8-6DDE-41C8-A528-79F73A249322}" presName="thickLine" presStyleLbl="alignNode1" presStyleIdx="2" presStyleCnt="5"/>
       <dgm:spPr/>
     </dgm:pt>
-    <dgm:pt modelId="{ACD5B9BF-35CB-2346-A13D-335A7A4EBD78}" type="pres">
+    <dgm:pt modelId="{A57E1B04-8F8E-B544-9332-37473280924F}" type="pres">
       <dgm:prSet presAssocID="{71764BA8-6DDE-41C8-A528-79F73A249322}" presName="horz1" presStyleCnt="0"/>
       <dgm:spPr/>
     </dgm:pt>
-    <dgm:pt modelId="{6043CF67-E538-464D-B22F-5D2E33B43F34}" type="pres">
+    <dgm:pt modelId="{282FAA18-3700-574C-999A-E8A101CEB712}" type="pres">
       <dgm:prSet presAssocID="{71764BA8-6DDE-41C8-A528-79F73A249322}" presName="tx1" presStyleLbl="revTx" presStyleIdx="2" presStyleCnt="5"/>
       <dgm:spPr/>
     </dgm:pt>
-    <dgm:pt modelId="{1DD594DE-C171-2D4A-A598-F3ADE3707DAD}" type="pres">
+    <dgm:pt modelId="{998E1C62-A7A2-274E-A952-944B95E07D00}" type="pres">
       <dgm:prSet presAssocID="{71764BA8-6DDE-41C8-A528-79F73A249322}" presName="vert1" presStyleCnt="0"/>
       <dgm:spPr/>
     </dgm:pt>
-    <dgm:pt modelId="{14A3FB33-7DF1-3743-9B2D-C765D1DF1C16}" type="pres">
+    <dgm:pt modelId="{292896C1-59FE-5F46-876E-71A84B7228F2}" type="pres">
       <dgm:prSet presAssocID="{0DD8567B-FF44-4301-98B2-B50EBACFC7DA}" presName="thickLine" presStyleLbl="alignNode1" presStyleIdx="3" presStyleCnt="5"/>
       <dgm:spPr/>
     </dgm:pt>
-    <dgm:pt modelId="{75075D86-6FD4-D345-A2FC-C6D6DAA4D256}" type="pres">
+    <dgm:pt modelId="{66A0CE83-CF6B-634B-93CD-25B9BB1C9C0A}" type="pres">
       <dgm:prSet presAssocID="{0DD8567B-FF44-4301-98B2-B50EBACFC7DA}" presName="horz1" presStyleCnt="0"/>
       <dgm:spPr/>
     </dgm:pt>
-    <dgm:pt modelId="{23C176C7-39E0-F945-9989-C43A8AD69230}" type="pres">
+    <dgm:pt modelId="{61C908B0-F135-3048-85C8-D67B01903126}" type="pres">
       <dgm:prSet presAssocID="{0DD8567B-FF44-4301-98B2-B50EBACFC7DA}" presName="tx1" presStyleLbl="revTx" presStyleIdx="3" presStyleCnt="5"/>
       <dgm:spPr/>
     </dgm:pt>
-    <dgm:pt modelId="{B28DAD00-13F6-B741-8F0E-C2B5E43600A2}" type="pres">
+    <dgm:pt modelId="{FF48F702-83D0-2442-B9C1-B5FC4907F963}" type="pres">
       <dgm:prSet presAssocID="{0DD8567B-FF44-4301-98B2-B50EBACFC7DA}" presName="vert1" presStyleCnt="0"/>
       <dgm:spPr/>
     </dgm:pt>
-    <dgm:pt modelId="{CE7764CD-464E-1941-8977-C4D5BF135460}" type="pres">
+    <dgm:pt modelId="{20AF288B-441D-BB45-93D8-9BC2BC0C1048}" type="pres">
       <dgm:prSet presAssocID="{530CCC12-0865-46F2-A180-C4AEC14C07AD}" presName="thickLine" presStyleLbl="alignNode1" presStyleIdx="4" presStyleCnt="5"/>
       <dgm:spPr/>
     </dgm:pt>
-    <dgm:pt modelId="{DF501B14-3332-584A-9662-93F4A952CC55}" type="pres">
+    <dgm:pt modelId="{BDB2619F-5056-304E-82B8-51D2FE297A48}" type="pres">
       <dgm:prSet presAssocID="{530CCC12-0865-46F2-A180-C4AEC14C07AD}" presName="horz1" presStyleCnt="0"/>
       <dgm:spPr/>
     </dgm:pt>
-    <dgm:pt modelId="{FE284C97-A80F-3D4C-AC4A-B9490023F245}" type="pres">
+    <dgm:pt modelId="{B46FA9F8-5803-8941-952A-5269498D4D71}" type="pres">
       <dgm:prSet presAssocID="{530CCC12-0865-46F2-A180-C4AEC14C07AD}" presName="tx1" presStyleLbl="revTx" presStyleIdx="4" presStyleCnt="5"/>
       <dgm:spPr/>
     </dgm:pt>
-    <dgm:pt modelId="{9BA32245-BF99-BD43-BD8C-C141625F0ECD}" type="pres">
+    <dgm:pt modelId="{314AED94-F313-1143-AFC3-44DAE0C1DB44}" type="pres">
       <dgm:prSet presAssocID="{530CCC12-0865-46F2-A180-C4AEC14C07AD}" presName="vert1" presStyleCnt="0"/>
       <dgm:spPr/>
     </dgm:pt>
   </dgm:ptLst>
   <dgm:cxnLst>
     <dgm:cxn modelId="{80E97E00-DC7E-4F9F-928D-C58A44647999}" srcId="{CB19807B-4B55-435F-9841-005622A3E08D}" destId="{530CCC12-0865-46F2-A180-C4AEC14C07AD}" srcOrd="4" destOrd="0" parTransId="{F62B381D-CD68-4F0B-86C0-2F89C0DF4D48}" sibTransId="{70B4D3B8-2536-45BA-8A17-F4C4228E311B}"/>
-    <dgm:cxn modelId="{B5FAD40E-678E-4649-A410-D9DC5358AD00}" type="presOf" srcId="{0DD8567B-FF44-4301-98B2-B50EBACFC7DA}" destId="{23C176C7-39E0-F945-9989-C43A8AD69230}" srcOrd="0" destOrd="0" presId="urn:microsoft.com/office/officeart/2008/layout/LinedList"/>
-    <dgm:cxn modelId="{87313221-0DB5-3545-AFF8-EC2E639216C8}" type="presOf" srcId="{26036907-969F-41A5-AE61-6D1584C955D4}" destId="{354902D8-E5D6-0840-B8C2-8B63763392ED}" srcOrd="0" destOrd="0" presId="urn:microsoft.com/office/officeart/2008/layout/LinedList"/>
-    <dgm:cxn modelId="{D55D596D-913D-3D4E-924E-A67DDDF5E8EA}" type="presOf" srcId="{530CCC12-0865-46F2-A180-C4AEC14C07AD}" destId="{FE284C97-A80F-3D4C-AC4A-B9490023F245}" srcOrd="0" destOrd="0" presId="urn:microsoft.com/office/officeart/2008/layout/LinedList"/>
+    <dgm:cxn modelId="{E8A9291F-639A-614E-BD99-DAFF185AC673}" type="presOf" srcId="{CB19807B-4B55-435F-9841-005622A3E08D}" destId="{D70E4438-08C9-BB48-96C1-59F8C553DA36}" srcOrd="0" destOrd="0" presId="urn:microsoft.com/office/officeart/2008/layout/LinedList"/>
+    <dgm:cxn modelId="{AEF4954D-F06F-834D-8474-1BFB71073D73}" type="presOf" srcId="{26036907-969F-41A5-AE61-6D1584C955D4}" destId="{CE31072D-8AEF-1C4C-AC42-026E13444A3E}" srcOrd="0" destOrd="0" presId="urn:microsoft.com/office/officeart/2008/layout/LinedList"/>
+    <dgm:cxn modelId="{AEE13C4F-CED5-FC4F-8930-8C9B87C2556C}" type="presOf" srcId="{82B6DDEA-87A2-421D-90EE-B20388F30907}" destId="{B76DA9E1-7845-8A48-B355-B2DD40570A75}" srcOrd="0" destOrd="0" presId="urn:microsoft.com/office/officeart/2008/layout/LinedList"/>
+    <dgm:cxn modelId="{2C6A9E50-C4ED-D343-9D83-B6D26EDBC7FF}" type="presOf" srcId="{0DD8567B-FF44-4301-98B2-B50EBACFC7DA}" destId="{61C908B0-F135-3048-85C8-D67B01903126}" srcOrd="0" destOrd="0" presId="urn:microsoft.com/office/officeart/2008/layout/LinedList"/>
     <dgm:cxn modelId="{5BCDFE81-97BB-4267-BAC8-237F5031D8DC}" srcId="{CB19807B-4B55-435F-9841-005622A3E08D}" destId="{0DD8567B-FF44-4301-98B2-B50EBACFC7DA}" srcOrd="3" destOrd="0" parTransId="{A86D3CD3-3162-49A6-A8C0-B019E29F5750}" sibTransId="{08E09C2D-29F7-4838-9015-A250CA17A1DB}"/>
     <dgm:cxn modelId="{4036AB87-99A7-41BA-9270-7B245C3C82CB}" srcId="{CB19807B-4B55-435F-9841-005622A3E08D}" destId="{82B6DDEA-87A2-421D-90EE-B20388F30907}" srcOrd="0" destOrd="0" parTransId="{277FE41C-5979-40CA-B103-58759D4CE4A7}" sibTransId="{7A368D49-65F8-47D1-A4B9-FE398C659E6F}"/>
-    <dgm:cxn modelId="{7C9B929A-A951-3243-B224-10A4E41BC3A4}" type="presOf" srcId="{CB19807B-4B55-435F-9841-005622A3E08D}" destId="{6A5A4D20-9E09-F145-9E02-638EC475ED36}" srcOrd="0" destOrd="0" presId="urn:microsoft.com/office/officeart/2008/layout/LinedList"/>
-    <dgm:cxn modelId="{B3A959A7-6A37-8C4B-A7C5-F8AC126106D1}" type="presOf" srcId="{71764BA8-6DDE-41C8-A528-79F73A249322}" destId="{6043CF67-E538-464D-B22F-5D2E33B43F34}" srcOrd="0" destOrd="0" presId="urn:microsoft.com/office/officeart/2008/layout/LinedList"/>
-    <dgm:cxn modelId="{D02CA1BB-4008-D243-8C9A-607FE6C6019D}" type="presOf" srcId="{82B6DDEA-87A2-421D-90EE-B20388F30907}" destId="{4DB2AE6D-D44C-044D-9D59-6041976AEE3B}" srcOrd="0" destOrd="0" presId="urn:microsoft.com/office/officeart/2008/layout/LinedList"/>
+    <dgm:cxn modelId="{67ADD591-9FF4-C249-9AA7-8AE1725D7188}" type="presOf" srcId="{530CCC12-0865-46F2-A180-C4AEC14C07AD}" destId="{B46FA9F8-5803-8941-952A-5269498D4D71}" srcOrd="0" destOrd="0" presId="urn:microsoft.com/office/officeart/2008/layout/LinedList"/>
     <dgm:cxn modelId="{B5B780E0-4FDD-4A61-AB48-7C1BA53E4624}" srcId="{CB19807B-4B55-435F-9841-005622A3E08D}" destId="{26036907-969F-41A5-AE61-6D1584C955D4}" srcOrd="1" destOrd="0" parTransId="{AE1799ED-BAF2-4B0D-85F1-5F712A695CA2}" sibTransId="{47356CAA-DDD1-4DE6-AB19-1643662F9B26}"/>
     <dgm:cxn modelId="{3F7612EA-21E0-4A99-84A2-B9F6678D355D}" srcId="{CB19807B-4B55-435F-9841-005622A3E08D}" destId="{71764BA8-6DDE-41C8-A528-79F73A249322}" srcOrd="2" destOrd="0" parTransId="{10693709-F9C7-493D-8325-D77E252EB793}" sibTransId="{D075DFCB-5E80-4349-82D5-EF2FD151ED79}"/>
-    <dgm:cxn modelId="{CF1D5CFE-B53F-614A-B77F-174BBCA2BF88}" type="presParOf" srcId="{6A5A4D20-9E09-F145-9E02-638EC475ED36}" destId="{71CBAFD6-3BB8-7E4D-B496-BF5D1D394717}" srcOrd="0" destOrd="0" presId="urn:microsoft.com/office/officeart/2008/layout/LinedList"/>
-    <dgm:cxn modelId="{D072A03E-464D-CD4A-8DD9-BBBF20CED726}" type="presParOf" srcId="{6A5A4D20-9E09-F145-9E02-638EC475ED36}" destId="{8E54099B-3249-AF42-9247-F449BD97CF1A}" srcOrd="1" destOrd="0" presId="urn:microsoft.com/office/officeart/2008/layout/LinedList"/>
-    <dgm:cxn modelId="{23EFE260-4E56-1046-88A7-303D3F7BD457}" type="presParOf" srcId="{8E54099B-3249-AF42-9247-F449BD97CF1A}" destId="{4DB2AE6D-D44C-044D-9D59-6041976AEE3B}" srcOrd="0" destOrd="0" presId="urn:microsoft.com/office/officeart/2008/layout/LinedList"/>
-    <dgm:cxn modelId="{9731BDF0-4D65-164E-A3B9-4587C3F768E8}" type="presParOf" srcId="{8E54099B-3249-AF42-9247-F449BD97CF1A}" destId="{12E33040-0B8E-524D-9630-24D59BC8596B}" srcOrd="1" destOrd="0" presId="urn:microsoft.com/office/officeart/2008/layout/LinedList"/>
-    <dgm:cxn modelId="{7C689403-4F35-2D44-A65D-ABE707041978}" type="presParOf" srcId="{6A5A4D20-9E09-F145-9E02-638EC475ED36}" destId="{D516BB61-B496-8A48-9B32-D344972B01CC}" srcOrd="2" destOrd="0" presId="urn:microsoft.com/office/officeart/2008/layout/LinedList"/>
-    <dgm:cxn modelId="{855BDD07-9CE4-C34D-B14B-3EE141588956}" type="presParOf" srcId="{6A5A4D20-9E09-F145-9E02-638EC475ED36}" destId="{E6D570A0-FCFE-1E4B-9707-2AC8B30AEA89}" srcOrd="3" destOrd="0" presId="urn:microsoft.com/office/officeart/2008/layout/LinedList"/>
-    <dgm:cxn modelId="{730624E9-2C15-1C4E-923E-9F0037B96278}" type="presParOf" srcId="{E6D570A0-FCFE-1E4B-9707-2AC8B30AEA89}" destId="{354902D8-E5D6-0840-B8C2-8B63763392ED}" srcOrd="0" destOrd="0" presId="urn:microsoft.com/office/officeart/2008/layout/LinedList"/>
-    <dgm:cxn modelId="{69957931-DA28-8642-B3F6-7DB0F258A336}" type="presParOf" srcId="{E6D570A0-FCFE-1E4B-9707-2AC8B30AEA89}" destId="{9DD08456-BF10-FA44-BE65-FCC1BC307F69}" srcOrd="1" destOrd="0" presId="urn:microsoft.com/office/officeart/2008/layout/LinedList"/>
-    <dgm:cxn modelId="{D9EA94FE-76F2-6740-A8EA-A299B990E8F9}" type="presParOf" srcId="{6A5A4D20-9E09-F145-9E02-638EC475ED36}" destId="{E64D7A62-0317-E344-92F7-2046D3CC77EB}" srcOrd="4" destOrd="0" presId="urn:microsoft.com/office/officeart/2008/layout/LinedList"/>
-    <dgm:cxn modelId="{90C1A22B-DAFE-7A47-A9D1-81E219FFB7B7}" type="presParOf" srcId="{6A5A4D20-9E09-F145-9E02-638EC475ED36}" destId="{ACD5B9BF-35CB-2346-A13D-335A7A4EBD78}" srcOrd="5" destOrd="0" presId="urn:microsoft.com/office/officeart/2008/layout/LinedList"/>
-    <dgm:cxn modelId="{D5D3486C-765A-8445-9A35-D6DBF1BC16A5}" type="presParOf" srcId="{ACD5B9BF-35CB-2346-A13D-335A7A4EBD78}" destId="{6043CF67-E538-464D-B22F-5D2E33B43F34}" srcOrd="0" destOrd="0" presId="urn:microsoft.com/office/officeart/2008/layout/LinedList"/>
-    <dgm:cxn modelId="{010F4DDB-4F09-DF4E-83DB-131BAAE32A41}" type="presParOf" srcId="{ACD5B9BF-35CB-2346-A13D-335A7A4EBD78}" destId="{1DD594DE-C171-2D4A-A598-F3ADE3707DAD}" srcOrd="1" destOrd="0" presId="urn:microsoft.com/office/officeart/2008/layout/LinedList"/>
-    <dgm:cxn modelId="{E114066E-10A4-E046-8AF6-9CE6A4640F91}" type="presParOf" srcId="{6A5A4D20-9E09-F145-9E02-638EC475ED36}" destId="{14A3FB33-7DF1-3743-9B2D-C765D1DF1C16}" srcOrd="6" destOrd="0" presId="urn:microsoft.com/office/officeart/2008/layout/LinedList"/>
-    <dgm:cxn modelId="{FEB941D8-E5A9-6149-9185-6B883445B347}" type="presParOf" srcId="{6A5A4D20-9E09-F145-9E02-638EC475ED36}" destId="{75075D86-6FD4-D345-A2FC-C6D6DAA4D256}" srcOrd="7" destOrd="0" presId="urn:microsoft.com/office/officeart/2008/layout/LinedList"/>
-    <dgm:cxn modelId="{132CC225-C1ED-F54F-8EBF-14A8E10ABB03}" type="presParOf" srcId="{75075D86-6FD4-D345-A2FC-C6D6DAA4D256}" destId="{23C176C7-39E0-F945-9989-C43A8AD69230}" srcOrd="0" destOrd="0" presId="urn:microsoft.com/office/officeart/2008/layout/LinedList"/>
-    <dgm:cxn modelId="{9B5E1FEF-2CD8-4E4D-BE35-38F65F5D7817}" type="presParOf" srcId="{75075D86-6FD4-D345-A2FC-C6D6DAA4D256}" destId="{B28DAD00-13F6-B741-8F0E-C2B5E43600A2}" srcOrd="1" destOrd="0" presId="urn:microsoft.com/office/officeart/2008/layout/LinedList"/>
-    <dgm:cxn modelId="{CF4A5633-7FE2-454B-91E0-45DA5562B726}" type="presParOf" srcId="{6A5A4D20-9E09-F145-9E02-638EC475ED36}" destId="{CE7764CD-464E-1941-8977-C4D5BF135460}" srcOrd="8" destOrd="0" presId="urn:microsoft.com/office/officeart/2008/layout/LinedList"/>
-    <dgm:cxn modelId="{AAEA9CD9-FA1F-0C41-A8EC-16D04AAD0135}" type="presParOf" srcId="{6A5A4D20-9E09-F145-9E02-638EC475ED36}" destId="{DF501B14-3332-584A-9662-93F4A952CC55}" srcOrd="9" destOrd="0" presId="urn:microsoft.com/office/officeart/2008/layout/LinedList"/>
-    <dgm:cxn modelId="{CAA76D52-EDE6-974C-A8E5-6FF050618787}" type="presParOf" srcId="{DF501B14-3332-584A-9662-93F4A952CC55}" destId="{FE284C97-A80F-3D4C-AC4A-B9490023F245}" srcOrd="0" destOrd="0" presId="urn:microsoft.com/office/officeart/2008/layout/LinedList"/>
-    <dgm:cxn modelId="{45763B58-30C1-4143-B2E7-4A2400CF7CAD}" type="presParOf" srcId="{DF501B14-3332-584A-9662-93F4A952CC55}" destId="{9BA32245-BF99-BD43-BD8C-C141625F0ECD}" srcOrd="1" destOrd="0" presId="urn:microsoft.com/office/officeart/2008/layout/LinedList"/>
+    <dgm:cxn modelId="{ABEE40F2-5BD2-3D49-B493-5DFA49AF51BB}" type="presOf" srcId="{71764BA8-6DDE-41C8-A528-79F73A249322}" destId="{282FAA18-3700-574C-999A-E8A101CEB712}" srcOrd="0" destOrd="0" presId="urn:microsoft.com/office/officeart/2008/layout/LinedList"/>
+    <dgm:cxn modelId="{9D010DAE-104C-244C-820F-DBCA1B2E9408}" type="presParOf" srcId="{D70E4438-08C9-BB48-96C1-59F8C553DA36}" destId="{B882C1EF-4A12-2B4C-8208-B6BAAC6B52E4}" srcOrd="0" destOrd="0" presId="urn:microsoft.com/office/officeart/2008/layout/LinedList"/>
+    <dgm:cxn modelId="{F2C99926-A946-B649-B911-F7CDFC207449}" type="presParOf" srcId="{D70E4438-08C9-BB48-96C1-59F8C553DA36}" destId="{E7F2A9B3-6988-C847-8D6A-A9930774B77A}" srcOrd="1" destOrd="0" presId="urn:microsoft.com/office/officeart/2008/layout/LinedList"/>
+    <dgm:cxn modelId="{9A93563D-734D-3D47-94F5-8482FC529A0C}" type="presParOf" srcId="{E7F2A9B3-6988-C847-8D6A-A9930774B77A}" destId="{B76DA9E1-7845-8A48-B355-B2DD40570A75}" srcOrd="0" destOrd="0" presId="urn:microsoft.com/office/officeart/2008/layout/LinedList"/>
+    <dgm:cxn modelId="{A2D724FE-5167-794D-B01D-B5474CC494D3}" type="presParOf" srcId="{E7F2A9B3-6988-C847-8D6A-A9930774B77A}" destId="{A487D0FA-E831-444B-9FD0-260FCF430C62}" srcOrd="1" destOrd="0" presId="urn:microsoft.com/office/officeart/2008/layout/LinedList"/>
+    <dgm:cxn modelId="{4E6E01F9-5E07-5F4F-85B8-F2D152F0BDD0}" type="presParOf" srcId="{D70E4438-08C9-BB48-96C1-59F8C553DA36}" destId="{97876E56-567D-964F-8325-46E2DA1B0A2D}" srcOrd="2" destOrd="0" presId="urn:microsoft.com/office/officeart/2008/layout/LinedList"/>
+    <dgm:cxn modelId="{A15BA365-8656-8746-9236-0AD91530A334}" type="presParOf" srcId="{D70E4438-08C9-BB48-96C1-59F8C553DA36}" destId="{2A0111FE-69AC-2E42-8D3B-5413481F00EB}" srcOrd="3" destOrd="0" presId="urn:microsoft.com/office/officeart/2008/layout/LinedList"/>
+    <dgm:cxn modelId="{29B4DA96-AE43-DD4B-BDF9-D8D09BF3A515}" type="presParOf" srcId="{2A0111FE-69AC-2E42-8D3B-5413481F00EB}" destId="{CE31072D-8AEF-1C4C-AC42-026E13444A3E}" srcOrd="0" destOrd="0" presId="urn:microsoft.com/office/officeart/2008/layout/LinedList"/>
+    <dgm:cxn modelId="{FB88BDEB-9F4A-C549-9D4A-1315FF7E3C4E}" type="presParOf" srcId="{2A0111FE-69AC-2E42-8D3B-5413481F00EB}" destId="{FAA88B70-6246-9840-AF2E-D2E97992D693}" srcOrd="1" destOrd="0" presId="urn:microsoft.com/office/officeart/2008/layout/LinedList"/>
+    <dgm:cxn modelId="{7B40957B-ED03-6B49-839D-8BD23A5663A2}" type="presParOf" srcId="{D70E4438-08C9-BB48-96C1-59F8C553DA36}" destId="{56225334-6ACF-0E40-B976-2E6C87F81957}" srcOrd="4" destOrd="0" presId="urn:microsoft.com/office/officeart/2008/layout/LinedList"/>
+    <dgm:cxn modelId="{EB66B4AC-D48E-F24E-A5E4-25B5693CB536}" type="presParOf" srcId="{D70E4438-08C9-BB48-96C1-59F8C553DA36}" destId="{A57E1B04-8F8E-B544-9332-37473280924F}" srcOrd="5" destOrd="0" presId="urn:microsoft.com/office/officeart/2008/layout/LinedList"/>
+    <dgm:cxn modelId="{E7E409AF-A713-BD40-80DF-9ACCEA851A59}" type="presParOf" srcId="{A57E1B04-8F8E-B544-9332-37473280924F}" destId="{282FAA18-3700-574C-999A-E8A101CEB712}" srcOrd="0" destOrd="0" presId="urn:microsoft.com/office/officeart/2008/layout/LinedList"/>
+    <dgm:cxn modelId="{19426B0A-7295-0246-986D-6B4C92B7B124}" type="presParOf" srcId="{A57E1B04-8F8E-B544-9332-37473280924F}" destId="{998E1C62-A7A2-274E-A952-944B95E07D00}" srcOrd="1" destOrd="0" presId="urn:microsoft.com/office/officeart/2008/layout/LinedList"/>
+    <dgm:cxn modelId="{7BD4D112-28BF-E244-A53E-D70FAA91F051}" type="presParOf" srcId="{D70E4438-08C9-BB48-96C1-59F8C553DA36}" destId="{292896C1-59FE-5F46-876E-71A84B7228F2}" srcOrd="6" destOrd="0" presId="urn:microsoft.com/office/officeart/2008/layout/LinedList"/>
+    <dgm:cxn modelId="{E0B9A857-45BD-E64E-AE7C-98A24AE53E95}" type="presParOf" srcId="{D70E4438-08C9-BB48-96C1-59F8C553DA36}" destId="{66A0CE83-CF6B-634B-93CD-25B9BB1C9C0A}" srcOrd="7" destOrd="0" presId="urn:microsoft.com/office/officeart/2008/layout/LinedList"/>
+    <dgm:cxn modelId="{8C8CD84A-371A-DF49-961D-7D2DDB31D50B}" type="presParOf" srcId="{66A0CE83-CF6B-634B-93CD-25B9BB1C9C0A}" destId="{61C908B0-F135-3048-85C8-D67B01903126}" srcOrd="0" destOrd="0" presId="urn:microsoft.com/office/officeart/2008/layout/LinedList"/>
+    <dgm:cxn modelId="{C296DC94-7699-C442-8D51-9F7A00C10F98}" type="presParOf" srcId="{66A0CE83-CF6B-634B-93CD-25B9BB1C9C0A}" destId="{FF48F702-83D0-2442-B9C1-B5FC4907F963}" srcOrd="1" destOrd="0" presId="urn:microsoft.com/office/officeart/2008/layout/LinedList"/>
+    <dgm:cxn modelId="{4A3550F4-5B3F-3C47-847F-88EADD2D1BF5}" type="presParOf" srcId="{D70E4438-08C9-BB48-96C1-59F8C553DA36}" destId="{20AF288B-441D-BB45-93D8-9BC2BC0C1048}" srcOrd="8" destOrd="0" presId="urn:microsoft.com/office/officeart/2008/layout/LinedList"/>
+    <dgm:cxn modelId="{44AE46C4-6D39-4043-96BB-D1D5F1AC586E}" type="presParOf" srcId="{D70E4438-08C9-BB48-96C1-59F8C553DA36}" destId="{BDB2619F-5056-304E-82B8-51D2FE297A48}" srcOrd="9" destOrd="0" presId="urn:microsoft.com/office/officeart/2008/layout/LinedList"/>
+    <dgm:cxn modelId="{053CAE5B-D2F0-3B45-9D02-FE4D9C9A4DFD}" type="presParOf" srcId="{BDB2619F-5056-304E-82B8-51D2FE297A48}" destId="{B46FA9F8-5803-8941-952A-5269498D4D71}" srcOrd="0" destOrd="0" presId="urn:microsoft.com/office/officeart/2008/layout/LinedList"/>
+    <dgm:cxn modelId="{3DEA09A4-EF4C-2B45-AE9E-5F23D29B46F3}" type="presParOf" srcId="{BDB2619F-5056-304E-82B8-51D2FE297A48}" destId="{314AED94-F313-1143-AFC3-44DAE0C1DB44}" srcOrd="1" destOrd="0" presId="urn:microsoft.com/office/officeart/2008/layout/LinedList"/>
   </dgm:cxnLst>
   <dgm:bg/>
   <dgm:whole/>
@@ -6343,15 +6186,15 @@
       <dsp:cNvGrpSpPr/>
     </dsp:nvGrpSpPr>
     <dsp:grpSpPr/>
-    <dsp:sp modelId="{71CBAFD6-3BB8-7E4D-B496-BF5D1D394717}">
+    <dsp:sp modelId="{B882C1EF-4A12-2B4C-8208-B6BAAC6B52E4}">
       <dsp:nvSpPr>
         <dsp:cNvPr id="0" name=""/>
         <dsp:cNvSpPr/>
       </dsp:nvSpPr>
       <dsp:spPr>
         <a:xfrm>
-          <a:off x="0" y="673"/>
-          <a:ext cx="6364224" cy="0"/>
+          <a:off x="0" y="676"/>
+          <a:ext cx="6812280" cy="0"/>
         </a:xfrm>
         <a:prstGeom prst="line">
           <a:avLst/>
@@ -6393,15 +6236,15 @@
         </a:fontRef>
       </dsp:style>
     </dsp:sp>
-    <dsp:sp modelId="{4DB2AE6D-D44C-044D-9D59-6041976AEE3B}">
+    <dsp:sp modelId="{B76DA9E1-7845-8A48-B355-B2DD40570A75}">
       <dsp:nvSpPr>
         <dsp:cNvPr id="0" name=""/>
         <dsp:cNvSpPr/>
       </dsp:nvSpPr>
       <dsp:spPr>
         <a:xfrm>
-          <a:off x="0" y="673"/>
-          <a:ext cx="6364224" cy="1102497"/>
+          <a:off x="0" y="676"/>
+          <a:ext cx="6812280" cy="1107982"/>
         </a:xfrm>
         <a:prstGeom prst="rect">
           <a:avLst/>
@@ -6425,12 +6268,12 @@
         <a:fontRef idx="minor"/>
       </dsp:style>
       <dsp:txBody>
-        <a:bodyPr spcFirstLastPara="0" vert="horz" wrap="square" lIns="60960" tIns="60960" rIns="60960" bIns="60960" numCol="1" spcCol="1270" anchor="t" anchorCtr="0">
+        <a:bodyPr spcFirstLastPara="0" vert="horz" wrap="square" lIns="64770" tIns="64770" rIns="64770" bIns="64770" numCol="1" spcCol="1270" anchor="t" anchorCtr="0">
           <a:noAutofit/>
         </a:bodyPr>
         <a:lstStyle/>
         <a:p>
-          <a:pPr marL="0" lvl="0" indent="0" algn="just" defTabSz="711200">
+          <a:pPr marL="0" lvl="0" indent="0" algn="l" defTabSz="755650">
             <a:lnSpc>
               <a:spcPct val="90000"/>
             </a:lnSpc>
@@ -6443,24 +6286,24 @@
             <a:buNone/>
           </a:pPr>
           <a:r>
-            <a:rPr lang="en-US" sz="1600" kern="1200"/>
+            <a:rPr lang="en-US" sz="1700" kern="1200"/>
             <a:t>Many individuals have become </a:t>
           </a:r>
           <a:r>
-            <a:rPr lang="en-US" sz="1600" b="1" kern="1200"/>
+            <a:rPr lang="en-US" sz="1700" b="1" kern="1200"/>
             <a:t>addicted to using technologies </a:t>
           </a:r>
           <a:r>
-            <a:rPr lang="en-US" sz="1600" kern="1200"/>
+            <a:rPr lang="en-US" sz="1700" kern="1200"/>
             <a:t>and, as a consequence have experience negative mental effects.</a:t>
           </a:r>
           <a:r>
-            <a:rPr lang="pt-BR" sz="1600" kern="1200"/>
+            <a:rPr lang="pt-BR" sz="1700" kern="1200"/>
             <a:t> </a:t>
           </a:r>
         </a:p>
         <a:p>
-          <a:pPr marL="0" lvl="0" indent="0" algn="l" defTabSz="711200">
+          <a:pPr marL="0" lvl="0" indent="0" algn="l" defTabSz="755650">
             <a:lnSpc>
               <a:spcPct val="90000"/>
             </a:lnSpc>
@@ -6473,47 +6316,47 @@
             <a:buNone/>
           </a:pPr>
           <a:r>
-            <a:rPr lang="pt-BR" sz="1100" kern="1200"/>
+            <a:rPr lang="pt-BR" sz="1700" kern="1200"/>
             <a:t>(</a:t>
           </a:r>
           <a:r>
-            <a:rPr lang="en-US" sz="1100" kern="1200"/>
+            <a:rPr lang="en-US" sz="1700" kern="1200"/>
             <a:t>ZARA &amp; MONTEIRO, 2021)</a:t>
           </a:r>
         </a:p>
       </dsp:txBody>
       <dsp:txXfrm>
-        <a:off x="0" y="673"/>
-        <a:ext cx="6364224" cy="1102497"/>
+        <a:off x="0" y="676"/>
+        <a:ext cx="6812280" cy="1107982"/>
       </dsp:txXfrm>
     </dsp:sp>
-    <dsp:sp modelId="{D516BB61-B496-8A48-9B32-D344972B01CC}">
+    <dsp:sp modelId="{97876E56-567D-964F-8325-46E2DA1B0A2D}">
       <dsp:nvSpPr>
         <dsp:cNvPr id="0" name=""/>
         <dsp:cNvSpPr/>
       </dsp:nvSpPr>
       <dsp:spPr>
         <a:xfrm>
-          <a:off x="0" y="1103170"/>
-          <a:ext cx="6364224" cy="0"/>
+          <a:off x="0" y="1108658"/>
+          <a:ext cx="6812280" cy="0"/>
         </a:xfrm>
         <a:prstGeom prst="line">
           <a:avLst/>
         </a:prstGeom>
         <a:solidFill>
           <a:schemeClr val="accent2">
-            <a:hueOff val="-612388"/>
-            <a:satOff val="-2828"/>
-            <a:lumOff val="-589"/>
+            <a:hueOff val="0"/>
+            <a:satOff val="0"/>
+            <a:lumOff val="0"/>
             <a:alphaOff val="0"/>
           </a:schemeClr>
         </a:solidFill>
         <a:ln w="12700" cap="flat" cmpd="sng" algn="ctr">
           <a:solidFill>
             <a:schemeClr val="accent2">
-              <a:hueOff val="-612388"/>
-              <a:satOff val="-2828"/>
-              <a:lumOff val="-589"/>
+              <a:hueOff val="0"/>
+              <a:satOff val="0"/>
+              <a:lumOff val="0"/>
               <a:alphaOff val="0"/>
             </a:schemeClr>
           </a:solidFill>
@@ -6537,15 +6380,15 @@
         </a:fontRef>
       </dsp:style>
     </dsp:sp>
-    <dsp:sp modelId="{354902D8-E5D6-0840-B8C2-8B63763392ED}">
+    <dsp:sp modelId="{CE31072D-8AEF-1C4C-AC42-026E13444A3E}">
       <dsp:nvSpPr>
         <dsp:cNvPr id="0" name=""/>
         <dsp:cNvSpPr/>
       </dsp:nvSpPr>
       <dsp:spPr>
         <a:xfrm>
-          <a:off x="0" y="1103170"/>
-          <a:ext cx="6364224" cy="1102497"/>
+          <a:off x="0" y="1108658"/>
+          <a:ext cx="6812280" cy="1107982"/>
         </a:xfrm>
         <a:prstGeom prst="rect">
           <a:avLst/>
@@ -6569,12 +6412,12 @@
         <a:fontRef idx="minor"/>
       </dsp:style>
       <dsp:txBody>
-        <a:bodyPr spcFirstLastPara="0" vert="horz" wrap="square" lIns="72390" tIns="72390" rIns="72390" bIns="72390" numCol="1" spcCol="1270" anchor="t" anchorCtr="0">
+        <a:bodyPr spcFirstLastPara="0" vert="horz" wrap="square" lIns="64770" tIns="64770" rIns="64770" bIns="64770" numCol="1" spcCol="1270" anchor="t" anchorCtr="0">
           <a:noAutofit/>
         </a:bodyPr>
         <a:lstStyle/>
         <a:p>
-          <a:pPr marL="0" lvl="0" indent="0" algn="just" defTabSz="844550">
+          <a:pPr marL="0" lvl="0" indent="0" algn="l" defTabSz="755650">
             <a:lnSpc>
               <a:spcPct val="90000"/>
             </a:lnSpc>
@@ -6587,20 +6430,20 @@
             <a:buNone/>
           </a:pPr>
           <a:r>
-            <a:rPr lang="en-US" sz="1900" kern="1200"/>
+            <a:rPr lang="en-US" sz="1700" kern="1200"/>
             <a:t>Technological connection brings a dark side, like </a:t>
           </a:r>
           <a:r>
-            <a:rPr lang="en-US" sz="1900" b="1" kern="1200"/>
+            <a:rPr lang="en-US" sz="1700" b="1" kern="1200"/>
             <a:t>internet overuse and screen addiction</a:t>
           </a:r>
           <a:r>
-            <a:rPr lang="en-US" sz="1900" kern="1200"/>
+            <a:rPr lang="en-US" sz="1700" kern="1200"/>
             <a:t>. </a:t>
           </a:r>
         </a:p>
         <a:p>
-          <a:pPr marL="0" lvl="0" indent="0" algn="just" defTabSz="844550">
+          <a:pPr marL="0" lvl="0" indent="0" algn="l" defTabSz="755650">
             <a:lnSpc>
               <a:spcPct val="90000"/>
             </a:lnSpc>
@@ -6613,43 +6456,43 @@
             <a:buNone/>
           </a:pPr>
           <a:r>
-            <a:rPr lang="en-US" sz="1100" kern="1200"/>
+            <a:rPr lang="en-US" sz="1700" kern="1200"/>
             <a:t>(KHALILI-MAHANI; SMYRNOVA &amp; KAKINAMI, 2019).</a:t>
           </a:r>
         </a:p>
       </dsp:txBody>
       <dsp:txXfrm>
-        <a:off x="0" y="1103170"/>
-        <a:ext cx="6364224" cy="1102497"/>
+        <a:off x="0" y="1108658"/>
+        <a:ext cx="6812280" cy="1107982"/>
       </dsp:txXfrm>
     </dsp:sp>
-    <dsp:sp modelId="{E64D7A62-0317-E344-92F7-2046D3CC77EB}">
+    <dsp:sp modelId="{56225334-6ACF-0E40-B976-2E6C87F81957}">
       <dsp:nvSpPr>
         <dsp:cNvPr id="0" name=""/>
         <dsp:cNvSpPr/>
       </dsp:nvSpPr>
       <dsp:spPr>
         <a:xfrm>
-          <a:off x="0" y="2205667"/>
-          <a:ext cx="6364224" cy="0"/>
+          <a:off x="0" y="2216640"/>
+          <a:ext cx="6812280" cy="0"/>
         </a:xfrm>
         <a:prstGeom prst="line">
           <a:avLst/>
         </a:prstGeom>
         <a:solidFill>
           <a:schemeClr val="accent2">
-            <a:hueOff val="-1224775"/>
-            <a:satOff val="-5657"/>
-            <a:lumOff val="-1177"/>
+            <a:hueOff val="0"/>
+            <a:satOff val="0"/>
+            <a:lumOff val="0"/>
             <a:alphaOff val="0"/>
           </a:schemeClr>
         </a:solidFill>
         <a:ln w="12700" cap="flat" cmpd="sng" algn="ctr">
           <a:solidFill>
             <a:schemeClr val="accent2">
-              <a:hueOff val="-1224775"/>
-              <a:satOff val="-5657"/>
-              <a:lumOff val="-1177"/>
+              <a:hueOff val="0"/>
+              <a:satOff val="0"/>
+              <a:lumOff val="0"/>
               <a:alphaOff val="0"/>
             </a:schemeClr>
           </a:solidFill>
@@ -6673,15 +6516,15 @@
         </a:fontRef>
       </dsp:style>
     </dsp:sp>
-    <dsp:sp modelId="{6043CF67-E538-464D-B22F-5D2E33B43F34}">
+    <dsp:sp modelId="{282FAA18-3700-574C-999A-E8A101CEB712}">
       <dsp:nvSpPr>
         <dsp:cNvPr id="0" name=""/>
         <dsp:cNvSpPr/>
       </dsp:nvSpPr>
       <dsp:spPr>
         <a:xfrm>
-          <a:off x="0" y="2205667"/>
-          <a:ext cx="6364224" cy="1102497"/>
+          <a:off x="0" y="2216640"/>
+          <a:ext cx="6812280" cy="1107982"/>
         </a:xfrm>
         <a:prstGeom prst="rect">
           <a:avLst/>
@@ -6705,12 +6548,12 @@
         <a:fontRef idx="minor"/>
       </dsp:style>
       <dsp:txBody>
-        <a:bodyPr spcFirstLastPara="0" vert="horz" wrap="square" lIns="72390" tIns="72390" rIns="72390" bIns="72390" numCol="1" spcCol="1270" anchor="t" anchorCtr="0">
+        <a:bodyPr spcFirstLastPara="0" vert="horz" wrap="square" lIns="64770" tIns="64770" rIns="64770" bIns="64770" numCol="1" spcCol="1270" anchor="t" anchorCtr="0">
           <a:noAutofit/>
         </a:bodyPr>
         <a:lstStyle/>
         <a:p>
-          <a:pPr marL="0" lvl="0" indent="0" algn="just" defTabSz="844550">
+          <a:pPr marL="0" lvl="0" indent="0" algn="l" defTabSz="755650">
             <a:lnSpc>
               <a:spcPct val="90000"/>
             </a:lnSpc>
@@ -6723,60 +6566,16 @@
             <a:buNone/>
           </a:pPr>
           <a:r>
-            <a:rPr lang="pt-BR" sz="1900" b="1" kern="1200" err="1"/>
-            <a:t>Fear</a:t>
-          </a:r>
-          <a:r>
-            <a:rPr lang="pt-BR" sz="1900" b="1" kern="1200"/>
-            <a:t> </a:t>
-          </a:r>
-          <a:r>
-            <a:rPr lang="pt-BR" sz="1900" b="1" kern="1200" err="1"/>
-            <a:t>of</a:t>
-          </a:r>
-          <a:r>
-            <a:rPr lang="pt-BR" sz="1900" b="1" kern="1200"/>
-            <a:t> </a:t>
-          </a:r>
-          <a:r>
-            <a:rPr lang="pt-BR" sz="1900" b="1" kern="1200" err="1"/>
-            <a:t>missing</a:t>
-          </a:r>
-          <a:r>
-            <a:rPr lang="pt-BR" sz="1900" b="1" kern="1200"/>
-            <a:t> out</a:t>
-          </a:r>
-          <a:r>
-            <a:rPr lang="pt-BR" sz="1900" kern="1200"/>
-            <a:t>, </a:t>
-          </a:r>
-          <a:r>
-            <a:rPr lang="pt-BR" sz="1900" kern="1200" err="1"/>
-            <a:t>anxiety</a:t>
-          </a:r>
-          <a:r>
-            <a:rPr lang="pt-BR" sz="1900" kern="1200"/>
-            <a:t> </a:t>
-          </a:r>
-          <a:r>
-            <a:rPr lang="pt-BR" sz="1900" kern="1200" err="1"/>
-            <a:t>and</a:t>
-          </a:r>
-          <a:r>
-            <a:rPr lang="pt-BR" sz="1900" kern="1200"/>
-            <a:t> </a:t>
-          </a:r>
-          <a:r>
-            <a:rPr lang="pt-BR" sz="1900" kern="1200" err="1"/>
-            <a:t>depression</a:t>
-          </a:r>
-          <a:r>
-            <a:rPr lang="pt-BR" sz="1900" kern="1200"/>
-            <a:t>.</a:t>
+            <a:rPr lang="pt-BR" sz="1700" b="1" kern="1200"/>
+            <a:t>Fear of missing out</a:t>
+          </a:r>
+          <a:r>
+            <a:rPr lang="pt-BR" sz="1700" kern="1200"/>
+            <a:t>, anxiety and depression.</a:t>
           </a:r>
         </a:p>
         <a:p>
-          <a:pPr marL="0" lvl="0" indent="0" algn="just" defTabSz="844550">
+          <a:pPr marL="0" lvl="0" indent="0" algn="l" defTabSz="755650">
             <a:lnSpc>
               <a:spcPct val="90000"/>
             </a:lnSpc>
@@ -6789,48 +6588,48 @@
             <a:buNone/>
           </a:pPr>
           <a:r>
-            <a:rPr lang="en-US" sz="1100" kern="1200"/>
+            <a:rPr lang="en-US" sz="1700" kern="1200"/>
             <a:t>(ELHAI et al., 2020)</a:t>
           </a:r>
           <a:r>
-            <a:rPr lang="pt-BR" sz="1100" kern="1200"/>
+            <a:rPr lang="pt-BR" sz="1700" kern="1200"/>
             <a:t>  </a:t>
           </a:r>
-          <a:endParaRPr lang="en-US" sz="1100" kern="1200"/>
+          <a:endParaRPr lang="en-US" sz="1700" kern="1200"/>
         </a:p>
       </dsp:txBody>
       <dsp:txXfrm>
-        <a:off x="0" y="2205667"/>
-        <a:ext cx="6364224" cy="1102497"/>
+        <a:off x="0" y="2216640"/>
+        <a:ext cx="6812280" cy="1107982"/>
       </dsp:txXfrm>
     </dsp:sp>
-    <dsp:sp modelId="{14A3FB33-7DF1-3743-9B2D-C765D1DF1C16}">
+    <dsp:sp modelId="{292896C1-59FE-5F46-876E-71A84B7228F2}">
       <dsp:nvSpPr>
         <dsp:cNvPr id="0" name=""/>
         <dsp:cNvSpPr/>
       </dsp:nvSpPr>
       <dsp:spPr>
         <a:xfrm>
-          <a:off x="0" y="3308164"/>
-          <a:ext cx="6364224" cy="0"/>
+          <a:off x="0" y="3324623"/>
+          <a:ext cx="6812280" cy="0"/>
         </a:xfrm>
         <a:prstGeom prst="line">
           <a:avLst/>
         </a:prstGeom>
         <a:solidFill>
           <a:schemeClr val="accent2">
-            <a:hueOff val="-1837163"/>
-            <a:satOff val="-8485"/>
-            <a:lumOff val="-1766"/>
+            <a:hueOff val="0"/>
+            <a:satOff val="0"/>
+            <a:lumOff val="0"/>
             <a:alphaOff val="0"/>
           </a:schemeClr>
         </a:solidFill>
         <a:ln w="12700" cap="flat" cmpd="sng" algn="ctr">
           <a:solidFill>
             <a:schemeClr val="accent2">
-              <a:hueOff val="-1837163"/>
-              <a:satOff val="-8485"/>
-              <a:lumOff val="-1766"/>
+              <a:hueOff val="0"/>
+              <a:satOff val="0"/>
+              <a:lumOff val="0"/>
               <a:alphaOff val="0"/>
             </a:schemeClr>
           </a:solidFill>
@@ -6854,15 +6653,15 @@
         </a:fontRef>
       </dsp:style>
     </dsp:sp>
-    <dsp:sp modelId="{23C176C7-39E0-F945-9989-C43A8AD69230}">
+    <dsp:sp modelId="{61C908B0-F135-3048-85C8-D67B01903126}">
       <dsp:nvSpPr>
         <dsp:cNvPr id="0" name=""/>
         <dsp:cNvSpPr/>
       </dsp:nvSpPr>
       <dsp:spPr>
         <a:xfrm>
-          <a:off x="0" y="3308164"/>
-          <a:ext cx="6364224" cy="1102497"/>
+          <a:off x="0" y="3324623"/>
+          <a:ext cx="6812280" cy="1107982"/>
         </a:xfrm>
         <a:prstGeom prst="rect">
           <a:avLst/>
@@ -6886,12 +6685,12 @@
         <a:fontRef idx="minor"/>
       </dsp:style>
       <dsp:txBody>
-        <a:bodyPr spcFirstLastPara="0" vert="horz" wrap="square" lIns="72390" tIns="72390" rIns="72390" bIns="72390" numCol="1" spcCol="1270" anchor="t" anchorCtr="0">
+        <a:bodyPr spcFirstLastPara="0" vert="horz" wrap="square" lIns="64770" tIns="64770" rIns="64770" bIns="64770" numCol="1" spcCol="1270" anchor="t" anchorCtr="0">
           <a:noAutofit/>
         </a:bodyPr>
         <a:lstStyle/>
         <a:p>
-          <a:pPr marL="0" lvl="0" indent="0" algn="just" defTabSz="844550">
+          <a:pPr marL="0" lvl="0" indent="0" algn="l" defTabSz="755650">
             <a:lnSpc>
               <a:spcPct val="90000"/>
             </a:lnSpc>
@@ -6904,68 +6703,16 @@
             <a:buNone/>
           </a:pPr>
           <a:r>
-            <a:rPr lang="pt-BR" sz="1900" b="1" kern="1200"/>
-            <a:t>Mobile game </a:t>
-          </a:r>
-          <a:r>
-            <a:rPr lang="pt-BR" sz="1900" b="1" kern="1200" err="1"/>
-            <a:t>addiction</a:t>
-          </a:r>
-          <a:r>
-            <a:rPr lang="pt-BR" sz="1900" kern="1200"/>
-            <a:t> </a:t>
-          </a:r>
-          <a:r>
-            <a:rPr lang="pt-BR" sz="1900" kern="1200" err="1"/>
-            <a:t>relation</a:t>
-          </a:r>
-          <a:r>
-            <a:rPr lang="pt-BR" sz="1900" kern="1200"/>
-            <a:t> </a:t>
-          </a:r>
-          <a:r>
-            <a:rPr lang="pt-BR" sz="1900" kern="1200" err="1"/>
-            <a:t>to</a:t>
-          </a:r>
-          <a:r>
-            <a:rPr lang="pt-BR" sz="1900" kern="1200"/>
-            <a:t> </a:t>
-          </a:r>
-          <a:r>
-            <a:rPr lang="pt-BR" sz="1900" kern="1200" err="1"/>
-            <a:t>depression</a:t>
-          </a:r>
-          <a:r>
-            <a:rPr lang="pt-BR" sz="1900" kern="1200"/>
-            <a:t>, social </a:t>
-          </a:r>
-          <a:r>
-            <a:rPr lang="pt-BR" sz="1900" kern="1200" err="1"/>
-            <a:t>anxiety</a:t>
-          </a:r>
-          <a:r>
-            <a:rPr lang="pt-BR" sz="1900" kern="1200"/>
-            <a:t>, </a:t>
-          </a:r>
-          <a:r>
-            <a:rPr lang="pt-BR" sz="1900" kern="1200" err="1"/>
-            <a:t>and</a:t>
-          </a:r>
-          <a:r>
-            <a:rPr lang="pt-BR" sz="1900" kern="1200"/>
-            <a:t> </a:t>
-          </a:r>
-          <a:r>
-            <a:rPr lang="pt-BR" sz="1900" kern="1200" err="1"/>
-            <a:t>loneliness</a:t>
-          </a:r>
-          <a:r>
-            <a:rPr lang="pt-BR" sz="1900" kern="1200"/>
-            <a:t>.</a:t>
+            <a:rPr lang="pt-BR" sz="1700" b="1" kern="1200"/>
+            <a:t>Mobile game addiction</a:t>
+          </a:r>
+          <a:r>
+            <a:rPr lang="pt-BR" sz="1700" kern="1200"/>
+            <a:t> relation to depression, social anxiety, and loneliness.</a:t>
           </a:r>
         </a:p>
         <a:p>
-          <a:pPr marL="0" lvl="0" indent="0" algn="l" defTabSz="844550">
+          <a:pPr marL="0" lvl="0" indent="0" algn="l" defTabSz="755650">
             <a:lnSpc>
               <a:spcPct val="90000"/>
             </a:lnSpc>
@@ -6978,30 +6725,14 @@
             <a:buNone/>
           </a:pPr>
           <a:r>
-            <a:rPr lang="pt-BR" sz="1100" kern="1200">
-              <a:solidFill>
-                <a:srgbClr val="000000">
-                  <a:hueOff val="0"/>
-                  <a:satOff val="0"/>
-                  <a:lumOff val="0"/>
-                  <a:alphaOff val="0"/>
-                </a:srgbClr>
-              </a:solidFill>
+            <a:rPr lang="pt-BR" sz="1700" kern="1200">
               <a:latin typeface="Neue Haas Grotesk Text Pro"/>
               <a:ea typeface="+mn-ea"/>
               <a:cs typeface="+mn-cs"/>
             </a:rPr>
             <a:t>(WANG &amp; SHENG, 2019)</a:t>
           </a:r>
-          <a:endParaRPr lang="en-US" sz="1100" kern="1200">
-            <a:solidFill>
-              <a:srgbClr val="000000">
-                <a:hueOff val="0"/>
-                <a:satOff val="0"/>
-                <a:lumOff val="0"/>
-                <a:alphaOff val="0"/>
-              </a:srgbClr>
-            </a:solidFill>
+          <a:endParaRPr lang="en-US" sz="1700" kern="1200">
             <a:latin typeface="Neue Haas Grotesk Text Pro"/>
             <a:ea typeface="+mn-ea"/>
             <a:cs typeface="+mn-cs"/>
@@ -7009,37 +6740,37 @@
         </a:p>
       </dsp:txBody>
       <dsp:txXfrm>
-        <a:off x="0" y="3308164"/>
-        <a:ext cx="6364224" cy="1102497"/>
+        <a:off x="0" y="3324623"/>
+        <a:ext cx="6812280" cy="1107982"/>
       </dsp:txXfrm>
     </dsp:sp>
-    <dsp:sp modelId="{CE7764CD-464E-1941-8977-C4D5BF135460}">
+    <dsp:sp modelId="{20AF288B-441D-BB45-93D8-9BC2BC0C1048}">
       <dsp:nvSpPr>
         <dsp:cNvPr id="0" name=""/>
         <dsp:cNvSpPr/>
       </dsp:nvSpPr>
       <dsp:spPr>
         <a:xfrm>
-          <a:off x="0" y="4410661"/>
-          <a:ext cx="6364224" cy="0"/>
+          <a:off x="0" y="4432605"/>
+          <a:ext cx="6812280" cy="0"/>
         </a:xfrm>
         <a:prstGeom prst="line">
           <a:avLst/>
         </a:prstGeom>
         <a:solidFill>
           <a:schemeClr val="accent2">
-            <a:hueOff val="-2449550"/>
-            <a:satOff val="-11314"/>
-            <a:lumOff val="-2354"/>
+            <a:hueOff val="0"/>
+            <a:satOff val="0"/>
+            <a:lumOff val="0"/>
             <a:alphaOff val="0"/>
           </a:schemeClr>
         </a:solidFill>
         <a:ln w="12700" cap="flat" cmpd="sng" algn="ctr">
           <a:solidFill>
             <a:schemeClr val="accent2">
-              <a:hueOff val="-2449550"/>
-              <a:satOff val="-11314"/>
-              <a:lumOff val="-2354"/>
+              <a:hueOff val="0"/>
+              <a:satOff val="0"/>
+              <a:lumOff val="0"/>
               <a:alphaOff val="0"/>
             </a:schemeClr>
           </a:solidFill>
@@ -7063,15 +6794,15 @@
         </a:fontRef>
       </dsp:style>
     </dsp:sp>
-    <dsp:sp modelId="{FE284C97-A80F-3D4C-AC4A-B9490023F245}">
+    <dsp:sp modelId="{B46FA9F8-5803-8941-952A-5269498D4D71}">
       <dsp:nvSpPr>
         <dsp:cNvPr id="0" name=""/>
         <dsp:cNvSpPr/>
       </dsp:nvSpPr>
       <dsp:spPr>
         <a:xfrm>
-          <a:off x="0" y="4410661"/>
-          <a:ext cx="6364224" cy="1102497"/>
+          <a:off x="0" y="4432605"/>
+          <a:ext cx="6812280" cy="1107982"/>
         </a:xfrm>
         <a:prstGeom prst="rect">
           <a:avLst/>
@@ -7095,12 +6826,12 @@
         <a:fontRef idx="minor"/>
       </dsp:style>
       <dsp:txBody>
-        <a:bodyPr spcFirstLastPara="0" vert="horz" wrap="square" lIns="60960" tIns="60960" rIns="60960" bIns="60960" numCol="1" spcCol="1270" anchor="t" anchorCtr="0">
+        <a:bodyPr spcFirstLastPara="0" vert="horz" wrap="square" lIns="64770" tIns="64770" rIns="64770" bIns="64770" numCol="1" spcCol="1270" anchor="t" anchorCtr="0">
           <a:noAutofit/>
         </a:bodyPr>
         <a:lstStyle/>
         <a:p>
-          <a:pPr marL="0" lvl="0" indent="0" algn="just" defTabSz="711200">
+          <a:pPr marL="0" lvl="0" indent="0" algn="l" defTabSz="755650">
             <a:lnSpc>
               <a:spcPct val="90000"/>
             </a:lnSpc>
@@ -7113,28 +6844,28 @@
             <a:buNone/>
           </a:pPr>
           <a:r>
-            <a:rPr lang="en-US" sz="1600" kern="1200"/>
+            <a:rPr lang="en-US" sz="1700" kern="1200"/>
             <a:t>The home confinement due to the </a:t>
           </a:r>
           <a:r>
-            <a:rPr lang="en-US" sz="1600" b="1" kern="1200"/>
+            <a:rPr lang="en-US" sz="1700" b="1" kern="1200"/>
             <a:t>COVID-19</a:t>
           </a:r>
           <a:r>
-            <a:rPr lang="en-US" sz="1600" kern="1200"/>
+            <a:rPr lang="en-US" sz="1700" kern="1200"/>
             <a:t> pandemic may have </a:t>
           </a:r>
           <a:r>
-            <a:rPr lang="en-US" sz="1600" b="1" kern="1200"/>
+            <a:rPr lang="en-US" sz="1700" b="1" kern="1200"/>
             <a:t>worsened this situation</a:t>
           </a:r>
           <a:r>
-            <a:rPr lang="en-US" sz="1600" kern="1200"/>
+            <a:rPr lang="en-US" sz="1700" kern="1200"/>
             <a:t>.</a:t>
           </a:r>
         </a:p>
         <a:p>
-          <a:pPr marL="0" lvl="0" indent="0" algn="just" defTabSz="711200">
+          <a:pPr marL="0" lvl="0" indent="0" algn="l" defTabSz="755650">
             <a:lnSpc>
               <a:spcPct val="90000"/>
             </a:lnSpc>
@@ -7147,18 +6878,18 @@
             <a:buNone/>
           </a:pPr>
           <a:r>
-            <a:rPr lang="pt-BR" sz="1100" kern="1200"/>
+            <a:rPr lang="pt-BR" sz="1700" kern="1200"/>
             <a:t>(</a:t>
           </a:r>
           <a:r>
-            <a:rPr lang="en-US" sz="1100" kern="1200"/>
+            <a:rPr lang="en-US" sz="1700" kern="1200"/>
             <a:t>ZARA &amp; MONTEIRO, 2021)</a:t>
           </a:r>
         </a:p>
       </dsp:txBody>
       <dsp:txXfrm>
-        <a:off x="0" y="4410661"/>
-        <a:ext cx="6364224" cy="1102497"/>
+        <a:off x="0" y="4432605"/>
+        <a:ext cx="6812280" cy="1107982"/>
       </dsp:txXfrm>
     </dsp:sp>
   </dsp:spTree>
@@ -22399,66 +22130,6 @@
           <a:chExt cx="0" cy="0"/>
         </a:xfrm>
       </p:grpSpPr>
-      <p:sp useBgFill="1">
-        <p:nvSpPr>
-          <p:cNvPr id="71" name="Rectangle 70">
-            <a:extLst>
-              <a:ext uri="{FF2B5EF4-FFF2-40B4-BE49-F238E27FC236}">
-                <a16:creationId xmlns:a16="http://schemas.microsoft.com/office/drawing/2014/main" id="{E91DC736-0EF8-4F87-9146-EBF1D2EE4D3D}"/>
-              </a:ext>
-              <a:ext uri="{C183D7F6-B498-43B3-948B-1728B52AA6E4}">
-                <adec:decorative xmlns:adec="http://schemas.microsoft.com/office/drawing/2017/decorative" val="1"/>
-              </a:ext>
-            </a:extLst>
-          </p:cNvPr>
-          <p:cNvSpPr>
-            <a:spLocks noGrp="1" noRot="1" noChangeAspect="1" noMove="1" noResize="1" noEditPoints="1" noAdjustHandles="1" noChangeArrowheads="1" noChangeShapeType="1" noTextEdit="1"/>
-          </p:cNvSpPr>
-          <p:nvPr>
-            <p:extLst>
-              <p:ext uri="{386F3935-93C4-4BCD-93E2-E3B085C9AB24}">
-                <p16:designElem xmlns:p16="http://schemas.microsoft.com/office/powerpoint/2015/main" val="1"/>
-              </p:ext>
-            </p:extLst>
-          </p:nvPr>
-        </p:nvSpPr>
-        <p:spPr>
-          <a:xfrm>
-            <a:off x="0" y="0"/>
-            <a:ext cx="12192000" cy="6858000"/>
-          </a:xfrm>
-          <a:prstGeom prst="rect">
-            <a:avLst/>
-          </a:prstGeom>
-          <a:ln>
-            <a:noFill/>
-          </a:ln>
-        </p:spPr>
-        <p:style>
-          <a:lnRef idx="2">
-            <a:schemeClr val="accent1">
-              <a:shade val="50000"/>
-            </a:schemeClr>
-          </a:lnRef>
-          <a:fillRef idx="1">
-            <a:schemeClr val="accent1"/>
-          </a:fillRef>
-          <a:effectRef idx="0">
-            <a:schemeClr val="accent1"/>
-          </a:effectRef>
-          <a:fontRef idx="minor">
-            <a:schemeClr val="lt1"/>
-          </a:fontRef>
-        </p:style>
-        <p:txBody>
-          <a:bodyPr rtlCol="0" anchor="ctr"/>
-          <a:lstStyle/>
-          <a:p>
-            <a:pPr algn="ctr"/>
-            <a:endParaRPr lang="en-US" dirty="0"/>
-          </a:p>
-        </p:txBody>
-      </p:sp>
       <p:pic>
         <p:nvPicPr>
           <p:cNvPr id="1026" name="Picture 2" descr="Mulher segurando celular na praia&#10;&#10;Descrição gerada automaticamente">
@@ -22481,13 +22152,13 @@
               </a:ext>
             </a:extLst>
           </a:blip>
-          <a:srcRect l="2107" r="13519" b="-1"/>
+          <a:srcRect t="9001" b="6729"/>
           <a:stretch/>
         </p:blipFill>
         <p:spPr bwMode="auto">
           <a:xfrm>
-            <a:off x="3523488" y="10"/>
-            <a:ext cx="8668512" cy="6857990"/>
+            <a:off x="-3047" y="10"/>
+            <a:ext cx="12191999" cy="6857990"/>
           </a:xfrm>
           <a:prstGeom prst="rect">
             <a:avLst/>
@@ -22506,10 +22177,10 @@
       </p:pic>
       <p:sp>
         <p:nvSpPr>
-          <p:cNvPr id="73" name="Rectangle 72">
+          <p:cNvPr id="135" name="Rectangle 134">
             <a:extLst>
               <a:ext uri="{FF2B5EF4-FFF2-40B4-BE49-F238E27FC236}">
-                <a16:creationId xmlns:a16="http://schemas.microsoft.com/office/drawing/2014/main" id="{097CD68E-23E3-4007-8847-CD0944C4F7BE}"/>
+                <a16:creationId xmlns:a16="http://schemas.microsoft.com/office/drawing/2014/main" id="{007891EC-4501-44ED-A8C8-B11B6DB767AB}"/>
               </a:ext>
               <a:ext uri="{C183D7F6-B498-43B3-948B-1728B52AA6E4}">
                 <adec:decorative xmlns:adec="http://schemas.microsoft.com/office/drawing/2017/decorative" val="1"/>
@@ -22529,37 +22200,32 @@
         </p:nvSpPr>
         <p:spPr>
           <a:xfrm>
-            <a:off x="0" y="0"/>
-            <a:ext cx="9756601" cy="6858000"/>
+            <a:off x="0" y="2207602"/>
+            <a:ext cx="12191999" cy="3162146"/>
           </a:xfrm>
           <a:prstGeom prst="rect">
             <a:avLst/>
           </a:prstGeom>
-          <a:gradFill>
+          <a:gradFill flip="none" rotWithShape="1">
             <a:gsLst>
-              <a:gs pos="58000">
-                <a:schemeClr val="bg1"/>
-              </a:gs>
-              <a:gs pos="35000">
-                <a:schemeClr val="bg1">
-                  <a:alpha val="79000"/>
-                </a:schemeClr>
-              </a:gs>
-              <a:gs pos="19000">
-                <a:schemeClr val="bg1">
-                  <a:alpha val="38000"/>
-                </a:schemeClr>
-              </a:gs>
               <a:gs pos="0">
-                <a:schemeClr val="bg1">
+                <a:schemeClr val="tx2">
                   <a:alpha val="0"/>
                 </a:schemeClr>
               </a:gs>
+              <a:gs pos="50000">
+                <a:schemeClr val="tx2">
+                  <a:alpha val="35000"/>
+                </a:schemeClr>
+              </a:gs>
               <a:gs pos="100000">
-                <a:schemeClr val="bg1"/>
+                <a:schemeClr val="tx2">
+                  <a:alpha val="0"/>
+                </a:schemeClr>
               </a:gs>
             </a:gsLst>
-            <a:lin ang="10800000" scaled="0"/>
+            <a:lin ang="16200000" scaled="1"/>
+            <a:tileRect/>
           </a:gradFill>
           <a:ln>
             <a:noFill/>
@@ -22586,7 +22252,7 @@
           <a:lstStyle/>
           <a:p>
             <a:pPr algn="ctr"/>
-            <a:endParaRPr lang="en-US" dirty="0"/>
+            <a:endParaRPr lang="en-US"/>
           </a:p>
         </p:txBody>
       </p:sp>
@@ -22608,23 +22274,46 @@
         </p:nvSpPr>
         <p:spPr>
           <a:xfrm>
-            <a:off x="477981" y="1122363"/>
-            <a:ext cx="4023360" cy="3204134"/>
+            <a:off x="643466" y="643467"/>
+            <a:ext cx="10905059" cy="3330353"/>
           </a:xfrm>
+          <a:effectLst>
+            <a:outerShdw blurRad="50800" dist="38100" dir="2700000" algn="tl" rotWithShape="0">
+              <a:prstClr val="black">
+                <a:alpha val="40000"/>
+              </a:prstClr>
+            </a:outerShdw>
+          </a:effectLst>
         </p:spPr>
         <p:txBody>
-          <a:bodyPr anchor="b">
+          <a:bodyPr>
             <a:normAutofit/>
           </a:bodyPr>
           <a:lstStyle/>
           <a:p>
-            <a:r>
-              <a:rPr lang="pt-BR" sz="4100" dirty="0"/>
-              <a:t>A Data Fusion Approach for Digital </a:t>
-            </a:r>
-            <a:r>
-              <a:rPr lang="pt-BR" sz="4100" dirty="0" err="1"/>
-              <a:t>Dependency</a:t>
+            <a:pPr algn="ctr"/>
+            <a:r>
+              <a:rPr lang="pt-BR" sz="3600" dirty="0">
+                <a:solidFill>
+                  <a:schemeClr val="bg1"/>
+                </a:solidFill>
+              </a:rPr>
+              <a:t>A Data Fusion Approach for Identifying </a:t>
+            </a:r>
+            <a:br>
+              <a:rPr lang="pt-BR" sz="3600" dirty="0">
+                <a:solidFill>
+                  <a:schemeClr val="bg1"/>
+                </a:solidFill>
+              </a:rPr>
+            </a:br>
+            <a:r>
+              <a:rPr lang="pt-BR" sz="3600" dirty="0">
+                <a:solidFill>
+                  <a:schemeClr val="bg1"/>
+                </a:solidFill>
+              </a:rPr>
+              <a:t>Digital Dependency</a:t>
             </a:r>
           </a:p>
         </p:txBody>
@@ -22647,9 +22336,16 @@
         </p:nvSpPr>
         <p:spPr>
           <a:xfrm>
-            <a:off x="477980" y="4872922"/>
-            <a:ext cx="4023359" cy="1208141"/>
+            <a:off x="643466" y="4133135"/>
+            <a:ext cx="10902016" cy="1454510"/>
           </a:xfrm>
+          <a:effectLst>
+            <a:outerShdw blurRad="50800" dist="38100" dir="2700000" algn="tl" rotWithShape="0">
+              <a:prstClr val="black">
+                <a:alpha val="40000"/>
+              </a:prstClr>
+            </a:outerShdw>
+          </a:effectLst>
         </p:spPr>
         <p:txBody>
           <a:bodyPr>
@@ -22657,28 +22353,33 @@
           </a:bodyPr>
           <a:lstStyle/>
           <a:p>
-            <a:r>
-              <a:rPr lang="pt-BR" sz="1600" dirty="0"/>
+            <a:pPr algn="ctr"/>
+            <a:r>
+              <a:rPr lang="pt-BR" sz="1800">
+                <a:solidFill>
+                  <a:schemeClr val="bg1"/>
+                </a:solidFill>
+              </a:rPr>
               <a:t>Gustavo Lazarotto Schroeder</a:t>
             </a:r>
           </a:p>
         </p:txBody>
       </p:sp>
-      <p:sp>
-        <p:nvSpPr>
-          <p:cNvPr id="75" name="Rectangle 74">
+      <p:cxnSp>
+        <p:nvCxnSpPr>
+          <p:cNvPr id="137" name="Straight Connector 136">
             <a:extLst>
               <a:ext uri="{FF2B5EF4-FFF2-40B4-BE49-F238E27FC236}">
-                <a16:creationId xmlns:a16="http://schemas.microsoft.com/office/drawing/2014/main" id="{AF2F604E-43BE-4DC3-B983-E071523364F8}"/>
+                <a16:creationId xmlns:a16="http://schemas.microsoft.com/office/drawing/2014/main" id="{34E5597F-CE67-4085-9548-E6A8036DA3BB}"/>
               </a:ext>
               <a:ext uri="{C183D7F6-B498-43B3-948B-1728B52AA6E4}">
                 <adec:decorative xmlns:adec="http://schemas.microsoft.com/office/drawing/2017/decorative" val="1"/>
               </a:ext>
             </a:extLst>
           </p:cNvPr>
-          <p:cNvSpPr>
-            <a:spLocks noGrp="1" noRot="1" noChangeAspect="1" noMove="1" noResize="1" noEditPoints="1" noAdjustHandles="1" noChangeArrowheads="1" noChangeShapeType="1" noTextEdit="1"/>
-          </p:cNvSpPr>
+          <p:cNvCxnSpPr>
+            <a:cxnSpLocks noGrp="1" noRot="1" noChangeAspect="1" noMove="1" noResize="1" noEditPoints="1" noAdjustHandles="1" noChangeArrowheads="1" noChangeShapeType="1"/>
+          </p:cNvCxnSpPr>
           <p:nvPr>
             <p:extLst>
               <p:ext uri="{386F3935-93C4-4BCD-93E2-E3B085C9AB24}">
@@ -22686,177 +22387,43 @@
               </p:ext>
             </p:extLst>
           </p:nvPr>
-        </p:nvSpPr>
+        </p:nvCxnSpPr>
         <p:spPr>
-          <a:xfrm rot="5400000">
-            <a:off x="759921" y="346791"/>
-            <a:ext cx="146304" cy="704088"/>
+          <a:xfrm>
+            <a:off x="3393881" y="4035362"/>
+            <a:ext cx="5404237" cy="0"/>
           </a:xfrm>
-          <a:prstGeom prst="rect">
+          <a:prstGeom prst="line">
             <a:avLst/>
           </a:prstGeom>
-          <a:solidFill>
-            <a:schemeClr val="accent1"/>
-          </a:solidFill>
           <a:ln>
-            <a:noFill/>
+            <a:solidFill>
+              <a:schemeClr val="bg1"/>
+            </a:solidFill>
           </a:ln>
+          <a:effectLst>
+            <a:outerShdw blurRad="50800" dist="38100" dir="2700000" algn="tl" rotWithShape="0">
+              <a:prstClr val="black">
+                <a:alpha val="40000"/>
+              </a:prstClr>
+            </a:outerShdw>
+          </a:effectLst>
         </p:spPr>
         <p:style>
-          <a:lnRef idx="2">
-            <a:schemeClr val="accent1">
-              <a:shade val="50000"/>
-            </a:schemeClr>
+          <a:lnRef idx="1">
+            <a:schemeClr val="accent1"/>
           </a:lnRef>
-          <a:fillRef idx="1">
+          <a:fillRef idx="0">
             <a:schemeClr val="accent1"/>
           </a:fillRef>
           <a:effectRef idx="0">
             <a:schemeClr val="accent1"/>
           </a:effectRef>
           <a:fontRef idx="minor">
-            <a:schemeClr val="lt1"/>
+            <a:schemeClr val="tx1"/>
           </a:fontRef>
         </p:style>
-        <p:txBody>
-          <a:bodyPr rtlCol="0" anchor="ctr"/>
-          <a:lstStyle/>
-          <a:p>
-            <a:pPr marL="0" marR="0" lvl="0" indent="0" algn="ctr" defTabSz="914400" rtl="0" eaLnBrk="1" fontAlgn="auto" latinLnBrk="0" hangingPunct="1">
-              <a:lnSpc>
-                <a:spcPct val="100000"/>
-              </a:lnSpc>
-              <a:spcBef>
-                <a:spcPts val="0"/>
-              </a:spcBef>
-              <a:spcAft>
-                <a:spcPts val="0"/>
-              </a:spcAft>
-              <a:buClrTx/>
-              <a:buSzTx/>
-              <a:buFontTx/>
-              <a:buNone/>
-              <a:tabLst/>
-              <a:defRPr/>
-            </a:pPr>
-            <a:endParaRPr kumimoji="0" lang="en-US" sz="1800" b="0" i="0" u="none" strike="noStrike" kern="1200" cap="none" spc="0" normalizeH="0" baseline="0" noProof="0">
-              <a:ln>
-                <a:noFill/>
-              </a:ln>
-              <a:solidFill>
-                <a:prstClr val="white"/>
-              </a:solidFill>
-              <a:effectLst/>
-              <a:uLnTx/>
-              <a:uFillTx/>
-              <a:latin typeface="Calibri" panose="020F0502020204030204"/>
-              <a:ea typeface="+mn-ea"/>
-              <a:cs typeface="+mn-cs"/>
-            </a:endParaRPr>
-          </a:p>
-        </p:txBody>
-      </p:sp>
-      <p:sp>
-        <p:nvSpPr>
-          <p:cNvPr id="77" name="Rectangle 76">
-            <a:extLst>
-              <a:ext uri="{FF2B5EF4-FFF2-40B4-BE49-F238E27FC236}">
-                <a16:creationId xmlns:a16="http://schemas.microsoft.com/office/drawing/2014/main" id="{08C9B587-E65E-4B52-B37C-ABEBB6E87928}"/>
-              </a:ext>
-              <a:ext uri="{C183D7F6-B498-43B3-948B-1728B52AA6E4}">
-                <adec:decorative xmlns:adec="http://schemas.microsoft.com/office/drawing/2017/decorative" val="1"/>
-              </a:ext>
-            </a:extLst>
-          </p:cNvPr>
-          <p:cNvSpPr>
-            <a:spLocks noGrp="1" noRot="1" noChangeAspect="1" noMove="1" noResize="1" noEditPoints="1" noAdjustHandles="1" noChangeArrowheads="1" noChangeShapeType="1" noTextEdit="1"/>
-          </p:cNvSpPr>
-          <p:nvPr>
-            <p:extLst>
-              <p:ext uri="{386F3935-93C4-4BCD-93E2-E3B085C9AB24}">
-                <p16:designElem xmlns:p16="http://schemas.microsoft.com/office/powerpoint/2015/main" val="1"/>
-              </p:ext>
-            </p:extLst>
-          </p:nvPr>
-        </p:nvSpPr>
-        <p:spPr>
-          <a:xfrm>
-            <a:off x="481029" y="4546920"/>
-            <a:ext cx="3977640" cy="18288"/>
-          </a:xfrm>
-          <a:prstGeom prst="rect">
-            <a:avLst/>
-          </a:prstGeom>
-          <a:solidFill>
-            <a:schemeClr val="tx2">
-              <a:lumMod val="25000"/>
-              <a:lumOff val="75000"/>
-            </a:schemeClr>
-          </a:solidFill>
-          <a:ln w="3175">
-            <a:solidFill>
-              <a:schemeClr val="tx2">
-                <a:lumMod val="25000"/>
-                <a:lumOff val="75000"/>
-              </a:schemeClr>
-            </a:solidFill>
-          </a:ln>
-          <a:effectLst/>
-        </p:spPr>
-        <p:style>
-          <a:lnRef idx="2">
-            <a:schemeClr val="accent1">
-              <a:shade val="50000"/>
-            </a:schemeClr>
-          </a:lnRef>
-          <a:fillRef idx="1">
-            <a:schemeClr val="accent1"/>
-          </a:fillRef>
-          <a:effectRef idx="0">
-            <a:schemeClr val="accent1"/>
-          </a:effectRef>
-          <a:fontRef idx="minor">
-            <a:schemeClr val="lt1"/>
-          </a:fontRef>
-        </p:style>
-        <p:txBody>
-          <a:bodyPr rtlCol="0" anchor="ctr"/>
-          <a:lstStyle/>
-          <a:p>
-            <a:pPr marL="0" marR="0" lvl="0" indent="0" algn="ctr" defTabSz="914400" rtl="0" eaLnBrk="1" fontAlgn="auto" latinLnBrk="0" hangingPunct="1">
-              <a:lnSpc>
-                <a:spcPct val="100000"/>
-              </a:lnSpc>
-              <a:spcBef>
-                <a:spcPts val="0"/>
-              </a:spcBef>
-              <a:spcAft>
-                <a:spcPts val="0"/>
-              </a:spcAft>
-              <a:buClrTx/>
-              <a:buSzTx/>
-              <a:buFontTx/>
-              <a:buNone/>
-              <a:tabLst/>
-              <a:defRPr/>
-            </a:pPr>
-            <a:endParaRPr kumimoji="0" lang="en-US" sz="1800" b="0" i="0" u="none" strike="noStrike" kern="1200" cap="none" spc="0" normalizeH="0" baseline="0" noProof="0">
-              <a:ln>
-                <a:noFill/>
-              </a:ln>
-              <a:solidFill>
-                <a:prstClr val="white"/>
-              </a:solidFill>
-              <a:effectLst/>
-              <a:uLnTx/>
-              <a:uFillTx/>
-              <a:latin typeface="Calibri" panose="020F0502020204030204"/>
-              <a:ea typeface="+mn-ea"/>
-              <a:cs typeface="+mn-cs"/>
-            </a:endParaRPr>
-          </a:p>
-        </p:txBody>
-      </p:sp>
+      </p:cxnSp>
     </p:spTree>
     <p:extLst>
       <p:ext uri="{BB962C8B-B14F-4D97-AF65-F5344CB8AC3E}">
@@ -23095,9 +22662,14 @@
           <a:p>
             <a:pPr algn="ctr"/>
             <a:r>
-              <a:rPr lang="pt-BR" sz="7200"/>
-              <a:t>Data Fusion Development</a:t>
-            </a:r>
+              <a:rPr lang="pt-BR" sz="7200" dirty="0"/>
+              <a:t>Data Fusion </a:t>
+            </a:r>
+            <a:r>
+              <a:rPr lang="pt-BR" sz="7200" dirty="0" err="1"/>
+              <a:t>Development</a:t>
+            </a:r>
+            <a:endParaRPr lang="pt-BR" sz="7200" dirty="0"/>
           </a:p>
         </p:txBody>
       </p:sp>
@@ -27320,10 +26892,10 @@
       </p:grpSpPr>
       <p:sp useBgFill="1">
         <p:nvSpPr>
-          <p:cNvPr id="9" name="Rectangle 8">
+          <p:cNvPr id="20" name="Rectangle 19">
             <a:extLst>
               <a:ext uri="{FF2B5EF4-FFF2-40B4-BE49-F238E27FC236}">
-                <a16:creationId xmlns:a16="http://schemas.microsoft.com/office/drawing/2014/main" id="{7517A47C-B2E5-4B79-8061-D74B1311AF6E}"/>
+                <a16:creationId xmlns:a16="http://schemas.microsoft.com/office/drawing/2014/main" id="{81E1224E-6618-482E-BE87-321A7FC1CDE8}"/>
               </a:ext>
               <a:ext uri="{C183D7F6-B498-43B3-948B-1728B52AA6E4}">
                 <adec:decorative xmlns:adec="http://schemas.microsoft.com/office/drawing/2017/decorative" val="1"/>
@@ -27378,12 +26950,47 @@
           </a:p>
         </p:txBody>
       </p:sp>
-      <p:sp useBgFill="1">
+      <p:sp>
         <p:nvSpPr>
-          <p:cNvPr id="11" name="Freeform: Shape 10">
+          <p:cNvPr id="2" name="Título 1">
             <a:extLst>
               <a:ext uri="{FF2B5EF4-FFF2-40B4-BE49-F238E27FC236}">
-                <a16:creationId xmlns:a16="http://schemas.microsoft.com/office/drawing/2014/main" id="{C505E780-2083-4CB5-A42A-5E0E2908ECC3}"/>
+                <a16:creationId xmlns:a16="http://schemas.microsoft.com/office/drawing/2014/main" id="{9D6772A5-CF80-E94B-B792-2C2AB5604FFD}"/>
+              </a:ext>
+            </a:extLst>
+          </p:cNvPr>
+          <p:cNvSpPr>
+            <a:spLocks noGrp="1"/>
+          </p:cNvSpPr>
+          <p:nvPr>
+            <p:ph type="title"/>
+          </p:nvPr>
+        </p:nvSpPr>
+        <p:spPr>
+          <a:xfrm>
+            <a:off x="659234" y="957447"/>
+            <a:ext cx="3383280" cy="4943105"/>
+          </a:xfrm>
+        </p:spPr>
+        <p:txBody>
+          <a:bodyPr anchor="ctr">
+            <a:normAutofit/>
+          </a:bodyPr>
+          <a:lstStyle/>
+          <a:p>
+            <a:r>
+              <a:rPr lang="pt-BR"/>
+              <a:t>Context</a:t>
+            </a:r>
+          </a:p>
+        </p:txBody>
+      </p:sp>
+      <p:sp>
+        <p:nvSpPr>
+          <p:cNvPr id="22" name="Rectangle 21">
+            <a:extLst>
+              <a:ext uri="{FF2B5EF4-FFF2-40B4-BE49-F238E27FC236}">
+                <a16:creationId xmlns:a16="http://schemas.microsoft.com/office/drawing/2014/main" id="{066346BE-FDB4-4772-A696-0719490ABD64}"/>
               </a:ext>
               <a:ext uri="{C183D7F6-B498-43B3-948B-1728B52AA6E4}">
                 <adec:decorative xmlns:adec="http://schemas.microsoft.com/office/drawing/2017/decorative" val="1"/>
@@ -27402,100 +27009,19 @@
           </p:nvPr>
         </p:nvSpPr>
         <p:spPr>
-          <a:xfrm>
-            <a:off x="-1" y="0"/>
-            <a:ext cx="4818889" cy="6858000"/>
+          <a:xfrm rot="5400000">
+            <a:off x="938126" y="346791"/>
+            <a:ext cx="146304" cy="704088"/>
           </a:xfrm>
-          <a:custGeom>
+          <a:prstGeom prst="rect">
             <a:avLst/>
-            <a:gdLst>
-              <a:gd name="connsiteX0" fmla="*/ 0 w 4818889"/>
-              <a:gd name="connsiteY0" fmla="*/ 0 h 6858000"/>
-              <a:gd name="connsiteX1" fmla="*/ 3605911 w 4818889"/>
-              <a:gd name="connsiteY1" fmla="*/ 0 h 6858000"/>
-              <a:gd name="connsiteX2" fmla="*/ 3668894 w 4818889"/>
-              <a:gd name="connsiteY2" fmla="*/ 69271 h 6858000"/>
-              <a:gd name="connsiteX3" fmla="*/ 4818889 w 4818889"/>
-              <a:gd name="connsiteY3" fmla="*/ 3429000 h 6858000"/>
-              <a:gd name="connsiteX4" fmla="*/ 3668894 w 4818889"/>
-              <a:gd name="connsiteY4" fmla="*/ 6788730 h 6858000"/>
-              <a:gd name="connsiteX5" fmla="*/ 3605911 w 4818889"/>
-              <a:gd name="connsiteY5" fmla="*/ 6858000 h 6858000"/>
-              <a:gd name="connsiteX6" fmla="*/ 0 w 4818889"/>
-              <a:gd name="connsiteY6" fmla="*/ 6858000 h 6858000"/>
-            </a:gdLst>
-            <a:ahLst/>
-            <a:cxnLst>
-              <a:cxn ang="0">
-                <a:pos x="connsiteX0" y="connsiteY0"/>
-              </a:cxn>
-              <a:cxn ang="0">
-                <a:pos x="connsiteX1" y="connsiteY1"/>
-              </a:cxn>
-              <a:cxn ang="0">
-                <a:pos x="connsiteX2" y="connsiteY2"/>
-              </a:cxn>
-              <a:cxn ang="0">
-                <a:pos x="connsiteX3" y="connsiteY3"/>
-              </a:cxn>
-              <a:cxn ang="0">
-                <a:pos x="connsiteX4" y="connsiteY4"/>
-              </a:cxn>
-              <a:cxn ang="0">
-                <a:pos x="connsiteX5" y="connsiteY5"/>
-              </a:cxn>
-              <a:cxn ang="0">
-                <a:pos x="connsiteX6" y="connsiteY6"/>
-              </a:cxn>
-            </a:cxnLst>
-            <a:rect l="l" t="t" r="r" b="b"/>
-            <a:pathLst>
-              <a:path w="4818889" h="6858000">
-                <a:moveTo>
-                  <a:pt x="0" y="0"/>
-                </a:moveTo>
-                <a:lnTo>
-                  <a:pt x="3605911" y="0"/>
-                </a:lnTo>
-                <a:lnTo>
-                  <a:pt x="3668894" y="69271"/>
-                </a:lnTo>
-                <a:cubicBezTo>
-                  <a:pt x="4379420" y="929100"/>
-                  <a:pt x="4818889" y="2116944"/>
-                  <a:pt x="4818889" y="3429000"/>
-                </a:cubicBezTo>
-                <a:cubicBezTo>
-                  <a:pt x="4818889" y="4741056"/>
-                  <a:pt x="4379420" y="5928900"/>
-                  <a:pt x="3668894" y="6788730"/>
-                </a:cubicBezTo>
-                <a:lnTo>
-                  <a:pt x="3605911" y="6858000"/>
-                </a:lnTo>
-                <a:lnTo>
-                  <a:pt x="0" y="6858000"/>
-                </a:lnTo>
-                <a:close/>
-              </a:path>
-            </a:pathLst>
-          </a:custGeom>
-          <a:ln w="9525">
-            <a:solidFill>
-              <a:schemeClr val="tx2">
-                <a:lumMod val="10000"/>
-                <a:lumOff val="90000"/>
-              </a:schemeClr>
-            </a:solidFill>
+          </a:prstGeom>
+          <a:solidFill>
+            <a:schemeClr val="accent1"/>
+          </a:solidFill>
+          <a:ln>
+            <a:noFill/>
           </a:ln>
-          <a:effectLst>
-            <a:outerShdw blurRad="50800" dist="38100" algn="l" rotWithShape="0">
-              <a:schemeClr val="bg1">
-                <a:lumMod val="85000"/>
-                <a:alpha val="30000"/>
-              </a:schemeClr>
-            </a:outerShdw>
-          </a:effectLst>
         </p:spPr>
         <p:style>
           <a:lnRef idx="2">
@@ -27514,172 +27040,7 @@
           </a:fontRef>
         </p:style>
         <p:txBody>
-          <a:bodyPr wrap="square" rtlCol="0" anchor="ctr">
-            <a:noAutofit/>
-          </a:bodyPr>
-          <a:lstStyle/>
-          <a:p>
-            <a:pPr marL="0" marR="0" lvl="0" indent="0" algn="ctr" defTabSz="914400" rtl="0" eaLnBrk="1" fontAlgn="auto" latinLnBrk="0" hangingPunct="1">
-              <a:lnSpc>
-                <a:spcPct val="100000"/>
-              </a:lnSpc>
-              <a:spcBef>
-                <a:spcPts val="0"/>
-              </a:spcBef>
-              <a:spcAft>
-                <a:spcPts val="0"/>
-              </a:spcAft>
-              <a:buClrTx/>
-              <a:buSzTx/>
-              <a:buFontTx/>
-              <a:buNone/>
-              <a:tabLst/>
-              <a:defRPr/>
-            </a:pPr>
-            <a:endParaRPr kumimoji="0" lang="en-US" sz="1800" b="0" i="0" u="none" strike="noStrike" kern="1200" cap="none" spc="0" normalizeH="0" baseline="0" noProof="0">
-              <a:ln>
-                <a:noFill/>
-              </a:ln>
-              <a:solidFill>
-                <a:prstClr val="white"/>
-              </a:solidFill>
-              <a:effectLst/>
-              <a:uLnTx/>
-              <a:uFillTx/>
-              <a:latin typeface="Calibri" panose="020F0502020204030204"/>
-              <a:ea typeface="+mn-ea"/>
-              <a:cs typeface="+mn-cs"/>
-            </a:endParaRPr>
-          </a:p>
-        </p:txBody>
-      </p:sp>
-      <p:sp useBgFill="1">
-        <p:nvSpPr>
-          <p:cNvPr id="13" name="Freeform: Shape 12">
-            <a:extLst>
-              <a:ext uri="{FF2B5EF4-FFF2-40B4-BE49-F238E27FC236}">
-                <a16:creationId xmlns:a16="http://schemas.microsoft.com/office/drawing/2014/main" id="{D2C0AE1C-0118-41AE-8A10-7CDCBF10E96F}"/>
-              </a:ext>
-              <a:ext uri="{C183D7F6-B498-43B3-948B-1728B52AA6E4}">
-                <adec:decorative xmlns:adec="http://schemas.microsoft.com/office/drawing/2017/decorative" val="1"/>
-              </a:ext>
-            </a:extLst>
-          </p:cNvPr>
-          <p:cNvSpPr>
-            <a:spLocks noGrp="1" noRot="1" noChangeAspect="1" noMove="1" noResize="1" noEditPoints="1" noAdjustHandles="1" noChangeArrowheads="1" noChangeShapeType="1" noTextEdit="1"/>
-          </p:cNvSpPr>
-          <p:nvPr>
-            <p:extLst>
-              <p:ext uri="{386F3935-93C4-4BCD-93E2-E3B085C9AB24}">
-                <p16:designElem xmlns:p16="http://schemas.microsoft.com/office/powerpoint/2015/main" val="1"/>
-              </p:ext>
-            </p:extLst>
-          </p:nvPr>
-        </p:nvSpPr>
-        <p:spPr>
-          <a:xfrm>
-            <a:off x="1" y="0"/>
-            <a:ext cx="4811477" cy="6858000"/>
-          </a:xfrm>
-          <a:custGeom>
-            <a:avLst/>
-            <a:gdLst>
-              <a:gd name="connsiteX0" fmla="*/ 0 w 4811477"/>
-              <a:gd name="connsiteY0" fmla="*/ 0 h 6858000"/>
-              <a:gd name="connsiteX1" fmla="*/ 3598499 w 4811477"/>
-              <a:gd name="connsiteY1" fmla="*/ 0 h 6858000"/>
-              <a:gd name="connsiteX2" fmla="*/ 3661482 w 4811477"/>
-              <a:gd name="connsiteY2" fmla="*/ 69271 h 6858000"/>
-              <a:gd name="connsiteX3" fmla="*/ 4811477 w 4811477"/>
-              <a:gd name="connsiteY3" fmla="*/ 3429000 h 6858000"/>
-              <a:gd name="connsiteX4" fmla="*/ 3661482 w 4811477"/>
-              <a:gd name="connsiteY4" fmla="*/ 6788730 h 6858000"/>
-              <a:gd name="connsiteX5" fmla="*/ 3598499 w 4811477"/>
-              <a:gd name="connsiteY5" fmla="*/ 6858000 h 6858000"/>
-              <a:gd name="connsiteX6" fmla="*/ 0 w 4811477"/>
-              <a:gd name="connsiteY6" fmla="*/ 6858000 h 6858000"/>
-            </a:gdLst>
-            <a:ahLst/>
-            <a:cxnLst>
-              <a:cxn ang="0">
-                <a:pos x="connsiteX0" y="connsiteY0"/>
-              </a:cxn>
-              <a:cxn ang="0">
-                <a:pos x="connsiteX1" y="connsiteY1"/>
-              </a:cxn>
-              <a:cxn ang="0">
-                <a:pos x="connsiteX2" y="connsiteY2"/>
-              </a:cxn>
-              <a:cxn ang="0">
-                <a:pos x="connsiteX3" y="connsiteY3"/>
-              </a:cxn>
-              <a:cxn ang="0">
-                <a:pos x="connsiteX4" y="connsiteY4"/>
-              </a:cxn>
-              <a:cxn ang="0">
-                <a:pos x="connsiteX5" y="connsiteY5"/>
-              </a:cxn>
-              <a:cxn ang="0">
-                <a:pos x="connsiteX6" y="connsiteY6"/>
-              </a:cxn>
-            </a:cxnLst>
-            <a:rect l="l" t="t" r="r" b="b"/>
-            <a:pathLst>
-              <a:path w="4811477" h="6858000">
-                <a:moveTo>
-                  <a:pt x="0" y="0"/>
-                </a:moveTo>
-                <a:lnTo>
-                  <a:pt x="3598499" y="0"/>
-                </a:lnTo>
-                <a:lnTo>
-                  <a:pt x="3661482" y="69271"/>
-                </a:lnTo>
-                <a:cubicBezTo>
-                  <a:pt x="4372008" y="929100"/>
-                  <a:pt x="4811477" y="2116944"/>
-                  <a:pt x="4811477" y="3429000"/>
-                </a:cubicBezTo>
-                <a:cubicBezTo>
-                  <a:pt x="4811477" y="4741056"/>
-                  <a:pt x="4372008" y="5928900"/>
-                  <a:pt x="3661482" y="6788730"/>
-                </a:cubicBezTo>
-                <a:lnTo>
-                  <a:pt x="3598499" y="6858000"/>
-                </a:lnTo>
-                <a:lnTo>
-                  <a:pt x="0" y="6858000"/>
-                </a:lnTo>
-                <a:close/>
-              </a:path>
-            </a:pathLst>
-          </a:custGeom>
-          <a:ln w="9525">
-            <a:noFill/>
-          </a:ln>
-          <a:effectLst/>
-        </p:spPr>
-        <p:style>
-          <a:lnRef idx="2">
-            <a:schemeClr val="accent1">
-              <a:shade val="50000"/>
-            </a:schemeClr>
-          </a:lnRef>
-          <a:fillRef idx="1">
-            <a:schemeClr val="accent1"/>
-          </a:fillRef>
-          <a:effectRef idx="0">
-            <a:schemeClr val="accent1"/>
-          </a:effectRef>
-          <a:fontRef idx="minor">
-            <a:schemeClr val="lt1"/>
-          </a:fontRef>
-        </p:style>
-        <p:txBody>
-          <a:bodyPr wrap="square" rtlCol="0" anchor="ctr">
-            <a:noAutofit/>
-          </a:bodyPr>
+          <a:bodyPr rtlCol="0" anchor="ctr"/>
           <a:lstStyle/>
           <a:p>
             <a:pPr marL="0" marR="0" lvl="0" indent="0" algn="ctr" defTabSz="914400" rtl="0" eaLnBrk="1" fontAlgn="auto" latinLnBrk="0" hangingPunct="1">
@@ -27718,46 +27079,10 @@
       </p:sp>
       <p:sp>
         <p:nvSpPr>
-          <p:cNvPr id="2" name="Título 1">
+          <p:cNvPr id="24" name="Rectangle 23">
             <a:extLst>
               <a:ext uri="{FF2B5EF4-FFF2-40B4-BE49-F238E27FC236}">
-                <a16:creationId xmlns:a16="http://schemas.microsoft.com/office/drawing/2014/main" id="{9D6772A5-CF80-E94B-B792-2C2AB5604FFD}"/>
-              </a:ext>
-            </a:extLst>
-          </p:cNvPr>
-          <p:cNvSpPr>
-            <a:spLocks noGrp="1"/>
-          </p:cNvSpPr>
-          <p:nvPr>
-            <p:ph type="title"/>
-          </p:nvPr>
-        </p:nvSpPr>
-        <p:spPr>
-          <a:xfrm>
-            <a:off x="621792" y="1161288"/>
-            <a:ext cx="3602736" cy="4526280"/>
-          </a:xfrm>
-        </p:spPr>
-        <p:txBody>
-          <a:bodyPr>
-            <a:normAutofit/>
-          </a:bodyPr>
-          <a:lstStyle/>
-          <a:p>
-            <a:r>
-              <a:rPr lang="pt-BR" err="1"/>
-              <a:t>Context</a:t>
-            </a:r>
-            <a:endParaRPr lang="pt-BR"/>
-          </a:p>
-        </p:txBody>
-      </p:sp>
-      <p:sp>
-        <p:nvSpPr>
-          <p:cNvPr id="15" name="Rectangle 14">
-            <a:extLst>
-              <a:ext uri="{FF2B5EF4-FFF2-40B4-BE49-F238E27FC236}">
-                <a16:creationId xmlns:a16="http://schemas.microsoft.com/office/drawing/2014/main" id="{463EEC44-1BA3-44ED-81FC-A644B04B2A44}"/>
+                <a16:creationId xmlns:a16="http://schemas.microsoft.com/office/drawing/2014/main" id="{FB92FFCE-0C90-454E-AA25-D4EE9A6C39C5}"/>
               </a:ext>
               <a:ext uri="{C183D7F6-B498-43B3-948B-1728B52AA6E4}">
                 <adec:decorative xmlns:adec="http://schemas.microsoft.com/office/drawing/2017/decorative" val="1"/>
@@ -27777,18 +27102,22 @@
         </p:nvSpPr>
         <p:spPr>
           <a:xfrm>
-            <a:off x="0" y="3081528"/>
-            <a:ext cx="128016" cy="704088"/>
+            <a:off x="659234" y="6163056"/>
+            <a:ext cx="3383280" cy="18288"/>
           </a:xfrm>
           <a:prstGeom prst="rect">
             <a:avLst/>
           </a:prstGeom>
           <a:solidFill>
-            <a:schemeClr val="accent1"/>
+            <a:schemeClr val="tx2">
+              <a:lumMod val="25000"/>
+              <a:lumOff val="75000"/>
+            </a:schemeClr>
           </a:solidFill>
-          <a:ln>
+          <a:ln w="3175">
             <a:noFill/>
           </a:ln>
+          <a:effectLst/>
         </p:spPr>
         <p:style>
           <a:lnRef idx="2">
@@ -27860,14 +27189,14 @@
             <p:ph idx="1"/>
             <p:extLst>
               <p:ext uri="{D42A27DB-BD31-4B8C-83A1-F6EECF244321}">
-                <p14:modId xmlns:p14="http://schemas.microsoft.com/office/powerpoint/2010/main" val="2613466454"/>
+                <p14:modId xmlns:p14="http://schemas.microsoft.com/office/powerpoint/2010/main" val="1616862369"/>
               </p:ext>
             </p:extLst>
           </p:nvPr>
         </p:nvGraphicFramePr>
         <p:xfrm>
-          <a:off x="5303520" y="676656"/>
-          <a:ext cx="6364224" cy="5513832"/>
+          <a:off x="4553712" y="621792"/>
+          <a:ext cx="6812280" cy="5541264"/>
         </p:xfrm>
         <a:graphic>
           <a:graphicData uri="http://schemas.openxmlformats.org/drawingml/2006/diagram">
@@ -30732,15 +30061,7 @@
             <a:pPr algn="just"/>
             <a:r>
               <a:rPr lang="pt-BR" dirty="0"/>
-              <a:t>Data </a:t>
-            </a:r>
-            <a:r>
-              <a:rPr lang="pt-BR" dirty="0" err="1"/>
-              <a:t>Fusion</a:t>
-            </a:r>
-            <a:r>
-              <a:rPr lang="pt-BR" dirty="0"/>
-              <a:t> </a:t>
+              <a:t>Data Fusion </a:t>
             </a:r>
             <a:r>
               <a:rPr lang="pt-BR" dirty="0" err="1"/>
@@ -30855,15 +30176,7 @@
             </a:r>
             <a:r>
               <a:rPr lang="pt-BR" b="1" dirty="0"/>
-              <a:t>Data </a:t>
-            </a:r>
-            <a:r>
-              <a:rPr lang="pt-BR" b="1" dirty="0" err="1"/>
-              <a:t>Fusion</a:t>
-            </a:r>
-            <a:r>
-              <a:rPr lang="pt-BR" b="1" dirty="0"/>
-              <a:t> </a:t>
+              <a:t>Data Fusion </a:t>
             </a:r>
             <a:r>
               <a:rPr lang="pt-BR" dirty="0"/>
@@ -32192,14 +31505,9 @@
           <a:lstStyle/>
           <a:p>
             <a:r>
-              <a:rPr lang="pt-BR"/>
-              <a:t>Data </a:t>
-            </a:r>
-            <a:r>
-              <a:rPr lang="pt-BR" err="1"/>
-              <a:t>Fusion</a:t>
-            </a:r>
-            <a:endParaRPr lang="pt-BR"/>
+              <a:rPr lang="pt-BR" dirty="0"/>
+              <a:t>Data Fusion</a:t>
+            </a:r>
           </a:p>
         </p:txBody>
       </p:sp>
@@ -32229,11 +31537,11 @@
             <a:pPr algn="just"/>
             <a:r>
               <a:rPr lang="pt-BR" dirty="0"/>
-              <a:t>Data </a:t>
+              <a:t>Data Fusion </a:t>
             </a:r>
             <a:r>
               <a:rPr lang="pt-BR" dirty="0" err="1"/>
-              <a:t>Fusion</a:t>
+              <a:t>was</a:t>
             </a:r>
             <a:r>
               <a:rPr lang="pt-BR" dirty="0"/>
@@ -32241,7 +31549,15 @@
             </a:r>
             <a:r>
               <a:rPr lang="pt-BR" dirty="0" err="1"/>
-              <a:t>was</a:t>
+              <a:t>developed</a:t>
+            </a:r>
+            <a:r>
+              <a:rPr lang="pt-BR" dirty="0"/>
+              <a:t> in 1985 </a:t>
+            </a:r>
+            <a:r>
+              <a:rPr lang="pt-BR" dirty="0" err="1"/>
+              <a:t>by</a:t>
             </a:r>
             <a:r>
               <a:rPr lang="pt-BR" dirty="0"/>
@@ -32249,29 +31565,13 @@
             </a:r>
             <a:r>
               <a:rPr lang="pt-BR" dirty="0" err="1"/>
-              <a:t>developed</a:t>
-            </a:r>
-            <a:r>
-              <a:rPr lang="pt-BR" dirty="0"/>
-              <a:t> in 1985 </a:t>
-            </a:r>
-            <a:r>
-              <a:rPr lang="pt-BR" dirty="0" err="1"/>
-              <a:t>by</a:t>
+              <a:t>the</a:t>
             </a:r>
             <a:r>
               <a:rPr lang="pt-BR" dirty="0"/>
               <a:t> </a:t>
             </a:r>
             <a:r>
-              <a:rPr lang="pt-BR" dirty="0" err="1"/>
-              <a:t>the</a:t>
-            </a:r>
-            <a:r>
-              <a:rPr lang="pt-BR" dirty="0"/>
-              <a:t> </a:t>
-            </a:r>
-            <a:r>
               <a:rPr lang="pt-BR" b="1" dirty="0"/>
               <a:t>U.S. Joint </a:t>
             </a:r>
@@ -32301,15 +31601,7 @@
             </a:r>
             <a:r>
               <a:rPr lang="pt-BR" dirty="0"/>
-              <a:t>Data </a:t>
-            </a:r>
-            <a:r>
-              <a:rPr lang="pt-BR" dirty="0" err="1"/>
-              <a:t>Fusion</a:t>
-            </a:r>
-            <a:r>
-              <a:rPr lang="pt-BR" dirty="0"/>
-              <a:t> </a:t>
+              <a:t>Data Fusion </a:t>
             </a:r>
             <a:r>
               <a:rPr lang="pt-BR" dirty="0" err="1"/>
@@ -33807,8 +33099,120 @@
           <a:p>
             <a:pPr algn="ctr"/>
             <a:r>
-              <a:rPr lang="pt-BR" sz="4500"/>
-              <a:t>Data fusion involves combining data to estimate or predict the state of some aspect of the universe.</a:t>
+              <a:rPr lang="pt-BR" sz="4500" dirty="0"/>
+              <a:t>Data </a:t>
+            </a:r>
+            <a:r>
+              <a:rPr lang="pt-BR" sz="4500" dirty="0" err="1"/>
+              <a:t>fusion</a:t>
+            </a:r>
+            <a:r>
+              <a:rPr lang="pt-BR" sz="4500" dirty="0"/>
+              <a:t> </a:t>
+            </a:r>
+            <a:r>
+              <a:rPr lang="pt-BR" sz="4500" dirty="0" err="1"/>
+              <a:t>involves</a:t>
+            </a:r>
+            <a:r>
+              <a:rPr lang="pt-BR" sz="4500" dirty="0"/>
+              <a:t> </a:t>
+            </a:r>
+            <a:r>
+              <a:rPr lang="pt-BR" sz="4500" dirty="0" err="1"/>
+              <a:t>combining</a:t>
+            </a:r>
+            <a:r>
+              <a:rPr lang="pt-BR" sz="4500" dirty="0"/>
+              <a:t> data </a:t>
+            </a:r>
+            <a:r>
+              <a:rPr lang="pt-BR" sz="4500" dirty="0" err="1"/>
+              <a:t>to</a:t>
+            </a:r>
+            <a:r>
+              <a:rPr lang="pt-BR" sz="4500" dirty="0"/>
+              <a:t> </a:t>
+            </a:r>
+            <a:r>
+              <a:rPr lang="pt-BR" sz="4500" dirty="0" err="1"/>
+              <a:t>estimate</a:t>
+            </a:r>
+            <a:r>
+              <a:rPr lang="pt-BR" sz="4500" dirty="0"/>
+              <a:t> </a:t>
+            </a:r>
+            <a:r>
+              <a:rPr lang="pt-BR" sz="4500" dirty="0" err="1"/>
+              <a:t>or</a:t>
+            </a:r>
+            <a:r>
+              <a:rPr lang="pt-BR" sz="4500" dirty="0"/>
+              <a:t> </a:t>
+            </a:r>
+            <a:r>
+              <a:rPr lang="pt-BR" sz="4500" dirty="0" err="1"/>
+              <a:t>predict</a:t>
+            </a:r>
+            <a:r>
+              <a:rPr lang="pt-BR" sz="4500" dirty="0"/>
+              <a:t> </a:t>
+            </a:r>
+            <a:r>
+              <a:rPr lang="pt-BR" sz="4500" dirty="0" err="1"/>
+              <a:t>the</a:t>
+            </a:r>
+            <a:r>
+              <a:rPr lang="pt-BR" sz="4500" dirty="0"/>
+              <a:t> </a:t>
+            </a:r>
+            <a:r>
+              <a:rPr lang="pt-BR" sz="4500" dirty="0" err="1"/>
+              <a:t>state</a:t>
+            </a:r>
+            <a:r>
+              <a:rPr lang="pt-BR" sz="4500" dirty="0"/>
+              <a:t> </a:t>
+            </a:r>
+            <a:r>
+              <a:rPr lang="pt-BR" sz="4500" dirty="0" err="1"/>
+              <a:t>of</a:t>
+            </a:r>
+            <a:r>
+              <a:rPr lang="pt-BR" sz="4500" dirty="0"/>
+              <a:t> some </a:t>
+            </a:r>
+            <a:r>
+              <a:rPr lang="pt-BR" sz="4500" dirty="0" err="1"/>
+              <a:t>aspect</a:t>
+            </a:r>
+            <a:r>
+              <a:rPr lang="pt-BR" sz="4500" dirty="0"/>
+              <a:t> </a:t>
+            </a:r>
+            <a:r>
+              <a:rPr lang="pt-BR" sz="4500" dirty="0" err="1"/>
+              <a:t>of</a:t>
+            </a:r>
+            <a:r>
+              <a:rPr lang="pt-BR" sz="4500" dirty="0"/>
+              <a:t> </a:t>
+            </a:r>
+            <a:r>
+              <a:rPr lang="pt-BR" sz="4500" dirty="0" err="1"/>
+              <a:t>the</a:t>
+            </a:r>
+            <a:r>
+              <a:rPr lang="pt-BR" sz="4500" dirty="0"/>
+              <a:t> </a:t>
+            </a:r>
+            <a:r>
+              <a:rPr lang="pt-BR" sz="4500" dirty="0" err="1"/>
+              <a:t>universe</a:t>
+            </a:r>
+            <a:r>
+              <a:rPr lang="pt-BR" sz="4500" dirty="0"/>
+              <a:t>.</a:t>
             </a:r>
           </a:p>
         </p:txBody>
